--- a/spring13/slides13/confidence.pptx
+++ b/spring13/slides13/confidence.pptx
@@ -5,34 +5,36 @@
     <p:sldMasterId id="2147483649" r:id="rId1"/>
   </p:sldMasterIdLst>
   <p:notesMasterIdLst>
-    <p:notesMasterId r:id="rId19"/>
+    <p:notesMasterId r:id="rId21"/>
   </p:notesMasterIdLst>
   <p:handoutMasterIdLst>
-    <p:handoutMasterId r:id="rId20"/>
+    <p:handoutMasterId r:id="rId22"/>
   </p:handoutMasterIdLst>
   <p:sldIdLst>
     <p:sldId id="454" r:id="rId2"/>
     <p:sldId id="537" r:id="rId3"/>
-    <p:sldId id="396" r:id="rId4"/>
-    <p:sldId id="515" r:id="rId5"/>
-    <p:sldId id="523" r:id="rId6"/>
-    <p:sldId id="397" r:id="rId7"/>
-    <p:sldId id="398" r:id="rId8"/>
-    <p:sldId id="508" r:id="rId9"/>
-    <p:sldId id="512" r:id="rId10"/>
-    <p:sldId id="549" r:id="rId11"/>
-    <p:sldId id="488" r:id="rId12"/>
-    <p:sldId id="522" r:id="rId13"/>
-    <p:sldId id="506" r:id="rId14"/>
-    <p:sldId id="518" r:id="rId15"/>
-    <p:sldId id="401" r:id="rId16"/>
-    <p:sldId id="422" r:id="rId17"/>
-    <p:sldId id="485" r:id="rId18"/>
+    <p:sldId id="550" r:id="rId4"/>
+    <p:sldId id="396" r:id="rId5"/>
+    <p:sldId id="515" r:id="rId6"/>
+    <p:sldId id="523" r:id="rId7"/>
+    <p:sldId id="397" r:id="rId8"/>
+    <p:sldId id="398" r:id="rId9"/>
+    <p:sldId id="508" r:id="rId10"/>
+    <p:sldId id="551" r:id="rId11"/>
+    <p:sldId id="512" r:id="rId12"/>
+    <p:sldId id="549" r:id="rId13"/>
+    <p:sldId id="488" r:id="rId14"/>
+    <p:sldId id="522" r:id="rId15"/>
+    <p:sldId id="506" r:id="rId16"/>
+    <p:sldId id="518" r:id="rId17"/>
+    <p:sldId id="401" r:id="rId18"/>
+    <p:sldId id="422" r:id="rId19"/>
+    <p:sldId id="485" r:id="rId20"/>
   </p:sldIdLst>
   <p:sldSz cx="9144000" cy="6858000" type="screen4x3"/>
   <p:notesSz cx="9601200" cy="7315200"/>
   <p:custDataLst>
-    <p:tags r:id="rId22"/>
+    <p:tags r:id="rId24"/>
   </p:custDataLst>
   <p:defaultTextStyle>
     <a:defPPr>
@@ -1051,7 +1053,7 @@
       </p:grpSpPr>
       <p:sp>
         <p:nvSpPr>
-          <p:cNvPr id="69634" name="Rectangle 7"/>
+          <p:cNvPr id="7" name="Rectangle 7"/>
           <p:cNvSpPr>
             <a:spLocks noGrp="1" noChangeArrowheads="1"/>
           </p:cNvSpPr>
@@ -1060,28 +1062,24 @@
           </p:nvPr>
         </p:nvSpPr>
         <p:spPr>
-          <a:noFill/>
+          <a:ln/>
         </p:spPr>
         <p:txBody>
           <a:bodyPr/>
           <a:lstStyle/>
           <a:p>
-            <a:fld id="{B656271B-90D1-4EEB-A9C3-C58AB99790EE}" type="slidenum">
-              <a:rPr lang="en-US" smtClean="0">
-                <a:latin typeface="Arial" charset="0"/>
-              </a:rPr>
+            <a:fld id="{58D02412-0501-4BDD-893A-9335BF29F723}" type="slidenum">
+              <a:rPr lang="en-US"/>
               <a:pPr/>
               <a:t>11</a:t>
             </a:fld>
-            <a:endParaRPr lang="en-US" smtClean="0">
-              <a:latin typeface="Arial" charset="0"/>
-            </a:endParaRPr>
+            <a:endParaRPr lang="en-US"/>
           </a:p>
         </p:txBody>
       </p:sp>
       <p:sp>
         <p:nvSpPr>
-          <p:cNvPr id="69635" name="Rectangle 2"/>
+          <p:cNvPr id="114690" name="Rectangle 2"/>
           <p:cNvSpPr>
             <a:spLocks noGrp="1" noRot="1" noChangeAspect="1" noChangeArrowheads="1" noTextEdit="1"/>
           </p:cNvSpPr>
@@ -1095,7 +1093,7 @@
       </p:sp>
       <p:sp>
         <p:nvSpPr>
-          <p:cNvPr id="69636" name="Rectangle 3"/>
+          <p:cNvPr id="114691" name="Rectangle 3"/>
           <p:cNvSpPr>
             <a:spLocks noGrp="1" noChangeArrowheads="1"/>
           </p:cNvSpPr>
@@ -1103,18 +1101,12 @@
             <p:ph type="body" idx="1"/>
           </p:nvPr>
         </p:nvSpPr>
-        <p:spPr>
-          <a:noFill/>
-          <a:ln/>
-        </p:spPr>
+        <p:spPr/>
         <p:txBody>
           <a:bodyPr/>
           <a:lstStyle/>
           <a:p>
-            <a:pPr eaLnBrk="1" hangingPunct="1"/>
-            <a:endParaRPr lang="en-US" smtClean="0">
-              <a:latin typeface="Arial" charset="0"/>
-            </a:endParaRPr>
+            <a:endParaRPr lang="en-US"/>
           </a:p>
         </p:txBody>
       </p:sp>
@@ -1145,7 +1137,7 @@
       </p:grpSpPr>
       <p:sp>
         <p:nvSpPr>
-          <p:cNvPr id="70658" name="Rectangle 7"/>
+          <p:cNvPr id="7" name="Rectangle 7"/>
           <p:cNvSpPr>
             <a:spLocks noGrp="1" noChangeArrowheads="1"/>
           </p:cNvSpPr>
@@ -1154,28 +1146,24 @@
           </p:nvPr>
         </p:nvSpPr>
         <p:spPr>
-          <a:noFill/>
+          <a:ln/>
         </p:spPr>
         <p:txBody>
           <a:bodyPr/>
           <a:lstStyle/>
           <a:p>
-            <a:fld id="{7CC9EB05-1C43-48AF-B618-537D2B3DD42D}" type="slidenum">
-              <a:rPr lang="en-US" smtClean="0">
-                <a:latin typeface="Arial" charset="0"/>
-              </a:rPr>
+            <a:fld id="{58D02412-0501-4BDD-893A-9335BF29F723}" type="slidenum">
+              <a:rPr lang="en-US"/>
               <a:pPr/>
               <a:t>12</a:t>
             </a:fld>
-            <a:endParaRPr lang="en-US" smtClean="0">
-              <a:latin typeface="Arial" charset="0"/>
-            </a:endParaRPr>
+            <a:endParaRPr lang="en-US"/>
           </a:p>
         </p:txBody>
       </p:sp>
       <p:sp>
         <p:nvSpPr>
-          <p:cNvPr id="70659" name="Rectangle 2"/>
+          <p:cNvPr id="114690" name="Rectangle 2"/>
           <p:cNvSpPr>
             <a:spLocks noGrp="1" noRot="1" noChangeAspect="1" noChangeArrowheads="1" noTextEdit="1"/>
           </p:cNvSpPr>
@@ -1189,7 +1177,7 @@
       </p:sp>
       <p:sp>
         <p:nvSpPr>
-          <p:cNvPr id="70660" name="Rectangle 3"/>
+          <p:cNvPr id="114691" name="Rectangle 3"/>
           <p:cNvSpPr>
             <a:spLocks noGrp="1" noChangeArrowheads="1"/>
           </p:cNvSpPr>
@@ -1197,18 +1185,12 @@
             <p:ph type="body" idx="1"/>
           </p:nvPr>
         </p:nvSpPr>
-        <p:spPr>
-          <a:noFill/>
-          <a:ln/>
-        </p:spPr>
+        <p:spPr/>
         <p:txBody>
           <a:bodyPr/>
           <a:lstStyle/>
           <a:p>
-            <a:pPr eaLnBrk="1" hangingPunct="1"/>
-            <a:endParaRPr lang="en-US" smtClean="0">
-              <a:latin typeface="Arial" charset="0"/>
-            </a:endParaRPr>
+            <a:endParaRPr lang="en-US"/>
           </a:p>
         </p:txBody>
       </p:sp>
@@ -1239,7 +1221,7 @@
       </p:grpSpPr>
       <p:sp>
         <p:nvSpPr>
-          <p:cNvPr id="71682" name="Rectangle 7"/>
+          <p:cNvPr id="69634" name="Rectangle 7"/>
           <p:cNvSpPr>
             <a:spLocks noGrp="1" noChangeArrowheads="1"/>
           </p:cNvSpPr>
@@ -1254,7 +1236,7 @@
           <a:bodyPr/>
           <a:lstStyle/>
           <a:p>
-            <a:fld id="{0CEF6F92-C0CF-4F5E-AB63-5A19019BBFC5}" type="slidenum">
+            <a:fld id="{B656271B-90D1-4EEB-A9C3-C58AB99790EE}" type="slidenum">
               <a:rPr lang="en-US" smtClean="0">
                 <a:latin typeface="Arial" charset="0"/>
               </a:rPr>
@@ -1269,7 +1251,7 @@
       </p:sp>
       <p:sp>
         <p:nvSpPr>
-          <p:cNvPr id="71683" name="Rectangle 2"/>
+          <p:cNvPr id="69635" name="Rectangle 2"/>
           <p:cNvSpPr>
             <a:spLocks noGrp="1" noRot="1" noChangeAspect="1" noChangeArrowheads="1" noTextEdit="1"/>
           </p:cNvSpPr>
@@ -1283,7 +1265,7 @@
       </p:sp>
       <p:sp>
         <p:nvSpPr>
-          <p:cNvPr id="71684" name="Rectangle 3"/>
+          <p:cNvPr id="69636" name="Rectangle 3"/>
           <p:cNvSpPr>
             <a:spLocks noGrp="1" noChangeArrowheads="1"/>
           </p:cNvSpPr>
@@ -1333,7 +1315,7 @@
       </p:grpSpPr>
       <p:sp>
         <p:nvSpPr>
-          <p:cNvPr id="67586" name="Rectangle 7"/>
+          <p:cNvPr id="70658" name="Rectangle 7"/>
           <p:cNvSpPr>
             <a:spLocks noGrp="1" noChangeArrowheads="1"/>
           </p:cNvSpPr>
@@ -1348,7 +1330,7 @@
           <a:bodyPr/>
           <a:lstStyle/>
           <a:p>
-            <a:fld id="{E3BE4A3C-F987-429B-B377-5CCDE63293A8}" type="slidenum">
+            <a:fld id="{7CC9EB05-1C43-48AF-B618-537D2B3DD42D}" type="slidenum">
               <a:rPr lang="en-US" smtClean="0">
                 <a:latin typeface="Arial" charset="0"/>
               </a:rPr>
@@ -1363,7 +1345,7 @@
       </p:sp>
       <p:sp>
         <p:nvSpPr>
-          <p:cNvPr id="67587" name="Rectangle 2"/>
+          <p:cNvPr id="70659" name="Rectangle 2"/>
           <p:cNvSpPr>
             <a:spLocks noGrp="1" noRot="1" noChangeAspect="1" noChangeArrowheads="1" noTextEdit="1"/>
           </p:cNvSpPr>
@@ -1377,7 +1359,7 @@
       </p:sp>
       <p:sp>
         <p:nvSpPr>
-          <p:cNvPr id="67588" name="Rectangle 3"/>
+          <p:cNvPr id="70660" name="Rectangle 3"/>
           <p:cNvSpPr>
             <a:spLocks noGrp="1" noChangeArrowheads="1"/>
           </p:cNvSpPr>
@@ -1427,7 +1409,7 @@
       </p:grpSpPr>
       <p:sp>
         <p:nvSpPr>
-          <p:cNvPr id="67586" name="Rectangle 7"/>
+          <p:cNvPr id="71682" name="Rectangle 7"/>
           <p:cNvSpPr>
             <a:spLocks noGrp="1" noChangeArrowheads="1"/>
           </p:cNvSpPr>
@@ -1442,7 +1424,7 @@
           <a:bodyPr/>
           <a:lstStyle/>
           <a:p>
-            <a:fld id="{E3BE4A3C-F987-429B-B377-5CCDE63293A8}" type="slidenum">
+            <a:fld id="{0CEF6F92-C0CF-4F5E-AB63-5A19019BBFC5}" type="slidenum">
               <a:rPr lang="en-US" smtClean="0">
                 <a:latin typeface="Arial" charset="0"/>
               </a:rPr>
@@ -1457,7 +1439,7 @@
       </p:sp>
       <p:sp>
         <p:nvSpPr>
-          <p:cNvPr id="67587" name="Rectangle 2"/>
+          <p:cNvPr id="71683" name="Rectangle 2"/>
           <p:cNvSpPr>
             <a:spLocks noGrp="1" noRot="1" noChangeAspect="1" noChangeArrowheads="1" noTextEdit="1"/>
           </p:cNvSpPr>
@@ -1471,7 +1453,7 @@
       </p:sp>
       <p:sp>
         <p:nvSpPr>
-          <p:cNvPr id="67588" name="Rectangle 3"/>
+          <p:cNvPr id="71684" name="Rectangle 3"/>
           <p:cNvSpPr>
             <a:spLocks noGrp="1" noChangeArrowheads="1"/>
           </p:cNvSpPr>
@@ -1521,7 +1503,7 @@
       </p:grpSpPr>
       <p:sp>
         <p:nvSpPr>
-          <p:cNvPr id="72706" name="Rectangle 7"/>
+          <p:cNvPr id="67586" name="Rectangle 7"/>
           <p:cNvSpPr>
             <a:spLocks noGrp="1" noChangeArrowheads="1"/>
           </p:cNvSpPr>
@@ -1536,7 +1518,7 @@
           <a:bodyPr/>
           <a:lstStyle/>
           <a:p>
-            <a:fld id="{7901F982-AFE8-4DF3-92B6-756DCF784EAE}" type="slidenum">
+            <a:fld id="{E3BE4A3C-F987-429B-B377-5CCDE63293A8}" type="slidenum">
               <a:rPr lang="en-US" smtClean="0">
                 <a:latin typeface="Arial" charset="0"/>
               </a:rPr>
@@ -1551,7 +1533,7 @@
       </p:sp>
       <p:sp>
         <p:nvSpPr>
-          <p:cNvPr id="72707" name="Rectangle 2"/>
+          <p:cNvPr id="67587" name="Rectangle 2"/>
           <p:cNvSpPr>
             <a:spLocks noGrp="1" noRot="1" noChangeAspect="1" noChangeArrowheads="1" noTextEdit="1"/>
           </p:cNvSpPr>
@@ -1565,7 +1547,7 @@
       </p:sp>
       <p:sp>
         <p:nvSpPr>
-          <p:cNvPr id="72708" name="Rectangle 3"/>
+          <p:cNvPr id="67588" name="Rectangle 3"/>
           <p:cNvSpPr>
             <a:spLocks noGrp="1" noChangeArrowheads="1"/>
           </p:cNvSpPr>
@@ -1615,6 +1597,194 @@
       </p:grpSpPr>
       <p:sp>
         <p:nvSpPr>
+          <p:cNvPr id="67586" name="Rectangle 7"/>
+          <p:cNvSpPr>
+            <a:spLocks noGrp="1" noChangeArrowheads="1"/>
+          </p:cNvSpPr>
+          <p:nvPr>
+            <p:ph type="sldNum" sz="quarter" idx="5"/>
+          </p:nvPr>
+        </p:nvSpPr>
+        <p:spPr>
+          <a:noFill/>
+        </p:spPr>
+        <p:txBody>
+          <a:bodyPr/>
+          <a:lstStyle/>
+          <a:p>
+            <a:fld id="{E3BE4A3C-F987-429B-B377-5CCDE63293A8}" type="slidenum">
+              <a:rPr lang="en-US" smtClean="0">
+                <a:latin typeface="Arial" charset="0"/>
+              </a:rPr>
+              <a:pPr/>
+              <a:t>17</a:t>
+            </a:fld>
+            <a:endParaRPr lang="en-US" smtClean="0">
+              <a:latin typeface="Arial" charset="0"/>
+            </a:endParaRPr>
+          </a:p>
+        </p:txBody>
+      </p:sp>
+      <p:sp>
+        <p:nvSpPr>
+          <p:cNvPr id="67587" name="Rectangle 2"/>
+          <p:cNvSpPr>
+            <a:spLocks noGrp="1" noRot="1" noChangeAspect="1" noChangeArrowheads="1" noTextEdit="1"/>
+          </p:cNvSpPr>
+          <p:nvPr>
+            <p:ph type="sldImg"/>
+          </p:nvPr>
+        </p:nvSpPr>
+        <p:spPr>
+          <a:ln/>
+        </p:spPr>
+      </p:sp>
+      <p:sp>
+        <p:nvSpPr>
+          <p:cNvPr id="67588" name="Rectangle 3"/>
+          <p:cNvSpPr>
+            <a:spLocks noGrp="1" noChangeArrowheads="1"/>
+          </p:cNvSpPr>
+          <p:nvPr>
+            <p:ph type="body" idx="1"/>
+          </p:nvPr>
+        </p:nvSpPr>
+        <p:spPr>
+          <a:noFill/>
+          <a:ln/>
+        </p:spPr>
+        <p:txBody>
+          <a:bodyPr/>
+          <a:lstStyle/>
+          <a:p>
+            <a:pPr eaLnBrk="1" hangingPunct="1"/>
+            <a:endParaRPr lang="en-US" smtClean="0">
+              <a:latin typeface="Arial" charset="0"/>
+            </a:endParaRPr>
+          </a:p>
+        </p:txBody>
+      </p:sp>
+    </p:spTree>
+  </p:cSld>
+  <p:clrMapOvr>
+    <a:masterClrMapping/>
+  </p:clrMapOvr>
+</p:notes>
+</file>
+
+<file path=ppt/notesSlides/notesSlide18.xml><?xml version="1.0" encoding="utf-8"?>
+<p:notes xmlns:a="http://schemas.openxmlformats.org/drawingml/2006/main" xmlns:r="http://schemas.openxmlformats.org/officeDocument/2006/relationships" xmlns:p="http://schemas.openxmlformats.org/presentationml/2006/main">
+  <p:cSld>
+    <p:spTree>
+      <p:nvGrpSpPr>
+        <p:cNvPr id="1" name=""/>
+        <p:cNvGrpSpPr/>
+        <p:nvPr/>
+      </p:nvGrpSpPr>
+      <p:grpSpPr>
+        <a:xfrm>
+          <a:off x="0" y="0"/>
+          <a:ext cx="0" cy="0"/>
+          <a:chOff x="0" y="0"/>
+          <a:chExt cx="0" cy="0"/>
+        </a:xfrm>
+      </p:grpSpPr>
+      <p:sp>
+        <p:nvSpPr>
+          <p:cNvPr id="72706" name="Rectangle 7"/>
+          <p:cNvSpPr>
+            <a:spLocks noGrp="1" noChangeArrowheads="1"/>
+          </p:cNvSpPr>
+          <p:nvPr>
+            <p:ph type="sldNum" sz="quarter" idx="5"/>
+          </p:nvPr>
+        </p:nvSpPr>
+        <p:spPr>
+          <a:noFill/>
+        </p:spPr>
+        <p:txBody>
+          <a:bodyPr/>
+          <a:lstStyle/>
+          <a:p>
+            <a:fld id="{7901F982-AFE8-4DF3-92B6-756DCF784EAE}" type="slidenum">
+              <a:rPr lang="en-US" smtClean="0">
+                <a:latin typeface="Arial" charset="0"/>
+              </a:rPr>
+              <a:pPr/>
+              <a:t>18</a:t>
+            </a:fld>
+            <a:endParaRPr lang="en-US" smtClean="0">
+              <a:latin typeface="Arial" charset="0"/>
+            </a:endParaRPr>
+          </a:p>
+        </p:txBody>
+      </p:sp>
+      <p:sp>
+        <p:nvSpPr>
+          <p:cNvPr id="72707" name="Rectangle 2"/>
+          <p:cNvSpPr>
+            <a:spLocks noGrp="1" noRot="1" noChangeAspect="1" noChangeArrowheads="1" noTextEdit="1"/>
+          </p:cNvSpPr>
+          <p:nvPr>
+            <p:ph type="sldImg"/>
+          </p:nvPr>
+        </p:nvSpPr>
+        <p:spPr>
+          <a:ln/>
+        </p:spPr>
+      </p:sp>
+      <p:sp>
+        <p:nvSpPr>
+          <p:cNvPr id="72708" name="Rectangle 3"/>
+          <p:cNvSpPr>
+            <a:spLocks noGrp="1" noChangeArrowheads="1"/>
+          </p:cNvSpPr>
+          <p:nvPr>
+            <p:ph type="body" idx="1"/>
+          </p:nvPr>
+        </p:nvSpPr>
+        <p:spPr>
+          <a:noFill/>
+          <a:ln/>
+        </p:spPr>
+        <p:txBody>
+          <a:bodyPr/>
+          <a:lstStyle/>
+          <a:p>
+            <a:pPr eaLnBrk="1" hangingPunct="1"/>
+            <a:endParaRPr lang="en-US" smtClean="0">
+              <a:latin typeface="Arial" charset="0"/>
+            </a:endParaRPr>
+          </a:p>
+        </p:txBody>
+      </p:sp>
+    </p:spTree>
+  </p:cSld>
+  <p:clrMapOvr>
+    <a:masterClrMapping/>
+  </p:clrMapOvr>
+</p:notes>
+</file>
+
+<file path=ppt/notesSlides/notesSlide19.xml><?xml version="1.0" encoding="utf-8"?>
+<p:notes xmlns:a="http://schemas.openxmlformats.org/drawingml/2006/main" xmlns:r="http://schemas.openxmlformats.org/officeDocument/2006/relationships" xmlns:p="http://schemas.openxmlformats.org/presentationml/2006/main">
+  <p:cSld>
+    <p:spTree>
+      <p:nvGrpSpPr>
+        <p:cNvPr id="1" name=""/>
+        <p:cNvGrpSpPr/>
+        <p:nvPr/>
+      </p:nvGrpSpPr>
+      <p:grpSpPr>
+        <a:xfrm>
+          <a:off x="0" y="0"/>
+          <a:ext cx="0" cy="0"/>
+          <a:chOff x="0" y="0"/>
+          <a:chExt cx="0" cy="0"/>
+        </a:xfrm>
+      </p:grpSpPr>
+      <p:sp>
+        <p:nvSpPr>
           <p:cNvPr id="2" name="Slide Image Placeholder 1"/>
           <p:cNvSpPr>
             <a:spLocks noGrp="1" noRot="1" noChangeAspect="1"/>
@@ -1669,7 +1839,7 @@
               <a:pPr>
                 <a:defRPr/>
               </a:pPr>
-              <a:t>17</a:t>
+              <a:t>19</a:t>
             </a:fld>
             <a:endParaRPr lang="en-US"/>
           </a:p>
@@ -1786,7 +1956,7 @@
       </p:grpSpPr>
       <p:sp>
         <p:nvSpPr>
-          <p:cNvPr id="60418" name="Rectangle 7"/>
+          <p:cNvPr id="7" name="Rectangle 7"/>
           <p:cNvSpPr>
             <a:spLocks noGrp="1" noChangeArrowheads="1"/>
           </p:cNvSpPr>
@@ -1795,28 +1965,24 @@
           </p:nvPr>
         </p:nvSpPr>
         <p:spPr>
-          <a:noFill/>
+          <a:ln/>
         </p:spPr>
         <p:txBody>
           <a:bodyPr/>
           <a:lstStyle/>
           <a:p>
-            <a:fld id="{FF931786-E187-43E6-8633-0C1D10874911}" type="slidenum">
-              <a:rPr lang="en-US" smtClean="0">
-                <a:latin typeface="Arial" charset="0"/>
-              </a:rPr>
+            <a:fld id="{58D02412-0501-4BDD-893A-9335BF29F723}" type="slidenum">
+              <a:rPr lang="en-US"/>
               <a:pPr/>
               <a:t>3</a:t>
             </a:fld>
-            <a:endParaRPr lang="en-US" smtClean="0">
-              <a:latin typeface="Arial" charset="0"/>
-            </a:endParaRPr>
+            <a:endParaRPr lang="en-US"/>
           </a:p>
         </p:txBody>
       </p:sp>
       <p:sp>
         <p:nvSpPr>
-          <p:cNvPr id="60419" name="Rectangle 2"/>
+          <p:cNvPr id="114690" name="Rectangle 2"/>
           <p:cNvSpPr>
             <a:spLocks noGrp="1" noRot="1" noChangeAspect="1" noChangeArrowheads="1" noTextEdit="1"/>
           </p:cNvSpPr>
@@ -1830,7 +1996,7 @@
       </p:sp>
       <p:sp>
         <p:nvSpPr>
-          <p:cNvPr id="60420" name="Rectangle 3"/>
+          <p:cNvPr id="114691" name="Rectangle 3"/>
           <p:cNvSpPr>
             <a:spLocks noGrp="1" noChangeArrowheads="1"/>
           </p:cNvSpPr>
@@ -1838,18 +2004,12 @@
             <p:ph type="body" idx="1"/>
           </p:nvPr>
         </p:nvSpPr>
-        <p:spPr>
-          <a:noFill/>
-          <a:ln/>
-        </p:spPr>
+        <p:spPr/>
         <p:txBody>
           <a:bodyPr/>
           <a:lstStyle/>
           <a:p>
-            <a:pPr eaLnBrk="1" hangingPunct="1"/>
-            <a:endParaRPr lang="en-US" smtClean="0">
-              <a:latin typeface="Arial" charset="0"/>
-            </a:endParaRPr>
+            <a:endParaRPr lang="en-US"/>
           </a:p>
         </p:txBody>
       </p:sp>
@@ -1880,7 +2040,7 @@
       </p:grpSpPr>
       <p:sp>
         <p:nvSpPr>
-          <p:cNvPr id="61442" name="Rectangle 7"/>
+          <p:cNvPr id="60418" name="Rectangle 7"/>
           <p:cNvSpPr>
             <a:spLocks noGrp="1" noChangeArrowheads="1"/>
           </p:cNvSpPr>
@@ -1895,7 +2055,7 @@
           <a:bodyPr/>
           <a:lstStyle/>
           <a:p>
-            <a:fld id="{013CA702-BC72-4880-9028-5AFFC03AA7E4}" type="slidenum">
+            <a:fld id="{FF931786-E187-43E6-8633-0C1D10874911}" type="slidenum">
               <a:rPr lang="en-US" smtClean="0">
                 <a:latin typeface="Arial" charset="0"/>
               </a:rPr>
@@ -1910,7 +2070,7 @@
       </p:sp>
       <p:sp>
         <p:nvSpPr>
-          <p:cNvPr id="61443" name="Rectangle 2"/>
+          <p:cNvPr id="60419" name="Rectangle 2"/>
           <p:cNvSpPr>
             <a:spLocks noGrp="1" noRot="1" noChangeAspect="1" noChangeArrowheads="1" noTextEdit="1"/>
           </p:cNvSpPr>
@@ -1924,7 +2084,7 @@
       </p:sp>
       <p:sp>
         <p:nvSpPr>
-          <p:cNvPr id="61444" name="Rectangle 3"/>
+          <p:cNvPr id="60420" name="Rectangle 3"/>
           <p:cNvSpPr>
             <a:spLocks noGrp="1" noChangeArrowheads="1"/>
           </p:cNvSpPr>
@@ -2162,7 +2322,7 @@
       </p:grpSpPr>
       <p:sp>
         <p:nvSpPr>
-          <p:cNvPr id="62466" name="Rectangle 7"/>
+          <p:cNvPr id="61442" name="Rectangle 7"/>
           <p:cNvSpPr>
             <a:spLocks noGrp="1" noChangeArrowheads="1"/>
           </p:cNvSpPr>
@@ -2177,7 +2337,7 @@
           <a:bodyPr/>
           <a:lstStyle/>
           <a:p>
-            <a:fld id="{DAD69EEC-0359-4B05-974F-41EB44C59685}" type="slidenum">
+            <a:fld id="{013CA702-BC72-4880-9028-5AFFC03AA7E4}" type="slidenum">
               <a:rPr lang="en-US" smtClean="0">
                 <a:latin typeface="Arial" charset="0"/>
               </a:rPr>
@@ -2192,7 +2352,7 @@
       </p:sp>
       <p:sp>
         <p:nvSpPr>
-          <p:cNvPr id="62467" name="Rectangle 2"/>
+          <p:cNvPr id="61443" name="Rectangle 2"/>
           <p:cNvSpPr>
             <a:spLocks noGrp="1" noRot="1" noChangeAspect="1" noChangeArrowheads="1" noTextEdit="1"/>
           </p:cNvSpPr>
@@ -2206,7 +2366,7 @@
       </p:sp>
       <p:sp>
         <p:nvSpPr>
-          <p:cNvPr id="62468" name="Rectangle 3"/>
+          <p:cNvPr id="61444" name="Rectangle 3"/>
           <p:cNvSpPr>
             <a:spLocks noGrp="1" noChangeArrowheads="1"/>
           </p:cNvSpPr>
@@ -2215,10 +2375,6 @@
           </p:nvPr>
         </p:nvSpPr>
         <p:spPr>
-          <a:xfrm>
-            <a:off x="1279327" y="3474963"/>
-            <a:ext cx="7042547" cy="3291114"/>
-          </a:xfrm>
           <a:noFill/>
           <a:ln/>
         </p:spPr>
@@ -2227,21 +2383,9 @@
           <a:lstStyle/>
           <a:p>
             <a:pPr eaLnBrk="1" hangingPunct="1"/>
-            <a:r>
-              <a:rPr lang="en-US" smtClean="0">
-                <a:latin typeface="Arial" charset="0"/>
-              </a:rPr>
-              <a:t>Model each sample</a:t>
-            </a:r>
-          </a:p>
-          <a:p>
-            <a:pPr eaLnBrk="1" hangingPunct="1"/>
-            <a:r>
-              <a:rPr lang="en-US" smtClean="0">
-                <a:latin typeface="Arial" charset="0"/>
-              </a:rPr>
-              <a:t>Select samples randomly indpendently,</a:t>
-            </a:r>
+            <a:endParaRPr lang="en-US" smtClean="0">
+              <a:latin typeface="Arial" charset="0"/>
+            </a:endParaRPr>
           </a:p>
         </p:txBody>
       </p:sp>
@@ -2272,7 +2416,7 @@
       </p:grpSpPr>
       <p:sp>
         <p:nvSpPr>
-          <p:cNvPr id="7" name="Rectangle 7"/>
+          <p:cNvPr id="62466" name="Rectangle 7"/>
           <p:cNvSpPr>
             <a:spLocks noGrp="1" noChangeArrowheads="1"/>
           </p:cNvSpPr>
@@ -2281,24 +2425,28 @@
           </p:nvPr>
         </p:nvSpPr>
         <p:spPr>
-          <a:ln/>
+          <a:noFill/>
         </p:spPr>
         <p:txBody>
           <a:bodyPr/>
           <a:lstStyle/>
           <a:p>
-            <a:fld id="{58D02412-0501-4BDD-893A-9335BF29F723}" type="slidenum">
-              <a:rPr lang="en-US"/>
+            <a:fld id="{DAD69EEC-0359-4B05-974F-41EB44C59685}" type="slidenum">
+              <a:rPr lang="en-US" smtClean="0">
+                <a:latin typeface="Arial" charset="0"/>
+              </a:rPr>
               <a:pPr/>
               <a:t>8</a:t>
             </a:fld>
-            <a:endParaRPr lang="en-US"/>
+            <a:endParaRPr lang="en-US" smtClean="0">
+              <a:latin typeface="Arial" charset="0"/>
+            </a:endParaRPr>
           </a:p>
         </p:txBody>
       </p:sp>
       <p:sp>
         <p:nvSpPr>
-          <p:cNvPr id="114690" name="Rectangle 2"/>
+          <p:cNvPr id="62467" name="Rectangle 2"/>
           <p:cNvSpPr>
             <a:spLocks noGrp="1" noRot="1" noChangeAspect="1" noChangeArrowheads="1" noTextEdit="1"/>
           </p:cNvSpPr>
@@ -2312,7 +2460,7 @@
       </p:sp>
       <p:sp>
         <p:nvSpPr>
-          <p:cNvPr id="114691" name="Rectangle 3"/>
+          <p:cNvPr id="62468" name="Rectangle 3"/>
           <p:cNvSpPr>
             <a:spLocks noGrp="1" noChangeArrowheads="1"/>
           </p:cNvSpPr>
@@ -2320,12 +2468,34 @@
             <p:ph type="body" idx="1"/>
           </p:nvPr>
         </p:nvSpPr>
-        <p:spPr/>
+        <p:spPr>
+          <a:xfrm>
+            <a:off x="1279327" y="3474963"/>
+            <a:ext cx="7042547" cy="3291114"/>
+          </a:xfrm>
+          <a:noFill/>
+          <a:ln/>
+        </p:spPr>
         <p:txBody>
           <a:bodyPr/>
           <a:lstStyle/>
           <a:p>
-            <a:endParaRPr lang="en-US"/>
+            <a:pPr eaLnBrk="1" hangingPunct="1"/>
+            <a:r>
+              <a:rPr lang="en-US" smtClean="0">
+                <a:latin typeface="Arial" charset="0"/>
+              </a:rPr>
+              <a:t>Model each sample</a:t>
+            </a:r>
+          </a:p>
+          <a:p>
+            <a:pPr eaLnBrk="1" hangingPunct="1"/>
+            <a:r>
+              <a:rPr lang="en-US" smtClean="0">
+                <a:latin typeface="Arial" charset="0"/>
+              </a:rPr>
+              <a:t>Select samples randomly indpendently,</a:t>
+            </a:r>
           </a:p>
         </p:txBody>
       </p:sp>
@@ -4203,32 +4373,32 @@
       </p:grpSpPr>
       <p:graphicFrame>
         <p:nvGraphicFramePr>
-          <p:cNvPr id="438281" name="Object 9"/>
+          <p:cNvPr id="425990" name="Object 6"/>
           <p:cNvGraphicFramePr>
             <a:graphicFrameLocks noChangeAspect="1"/>
           </p:cNvGraphicFramePr>
           <p:nvPr>
             <p:extLst>
               <p:ext uri="{D42A27DB-BD31-4B8C-83A1-F6EECF244321}">
-                <p14:modId xmlns:p14="http://schemas.microsoft.com/office/powerpoint/2010/main" val="2439078473"/>
+                <p14:modId xmlns:p14="http://schemas.microsoft.com/office/powerpoint/2010/main" val="1552966474"/>
               </p:ext>
             </p:extLst>
           </p:nvPr>
         </p:nvGraphicFramePr>
         <p:xfrm>
-          <a:off x="1185863" y="1177925"/>
-          <a:ext cx="6632575" cy="1946275"/>
+          <a:off x="1066800" y="914400"/>
+          <a:ext cx="7363178" cy="2133599"/>
         </p:xfrm>
         <a:graphic>
           <a:graphicData uri="http://schemas.openxmlformats.org/presentationml/2006/ole">
             <mc:AlternateContent xmlns:mc="http://schemas.openxmlformats.org/markup-compatibility/2006">
               <mc:Choice xmlns:v="urn:schemas-microsoft-com:vml" Requires="v">
-                <p:oleObj spid="_x0000_s493628" name="Equation" r:id="rId4" imgW="2032000" imgH="596900" progId="Equation.DSMT4">
+                <p:oleObj spid="_x0000_s494597" name="Equation" r:id="rId4" imgW="2057400" imgH="596900" progId="Equation.DSMT4">
                   <p:embed/>
                 </p:oleObj>
               </mc:Choice>
               <mc:Fallback>
-                <p:oleObj name="Equation" r:id="rId4" imgW="2032000" imgH="596900" progId="Equation.DSMT4">
+                <p:oleObj name="Equation" r:id="rId4" imgW="2057400" imgH="596900" progId="Equation.DSMT4">
                   <p:embed/>
                   <p:pic>
                     <p:nvPicPr>
@@ -4247,8 +4417,1218 @@
                     </p:blipFill>
                     <p:spPr bwMode="auto">
                       <a:xfrm>
-                        <a:off x="1185863" y="1177925"/>
-                        <a:ext cx="6632575" cy="1946275"/>
+                        <a:off x="1066800" y="914400"/>
+                        <a:ext cx="7363178" cy="2133599"/>
+                      </a:xfrm>
+                      <a:prstGeom prst="rect">
+                        <a:avLst/>
+                      </a:prstGeom>
+                      <a:solidFill>
+                        <a:schemeClr val="hlink"/>
+                      </a:solidFill>
+                    </p:spPr>
+                  </p:pic>
+                </p:oleObj>
+              </mc:Fallback>
+            </mc:AlternateContent>
+          </a:graphicData>
+        </a:graphic>
+      </p:graphicFrame>
+      <p:sp>
+        <p:nvSpPr>
+          <p:cNvPr id="111618" name="Rectangle 2"/>
+          <p:cNvSpPr>
+            <a:spLocks noGrp="1" noChangeArrowheads="1"/>
+          </p:cNvSpPr>
+          <p:nvPr>
+            <p:ph type="title"/>
+          </p:nvPr>
+        </p:nvSpPr>
+        <p:spPr>
+          <a:xfrm>
+            <a:off x="1295400" y="116046"/>
+            <a:ext cx="7672388" cy="882650"/>
+          </a:xfrm>
+        </p:spPr>
+        <p:txBody>
+          <a:bodyPr/>
+          <a:lstStyle/>
+          <a:p>
+            <a:r>
+              <a:rPr lang="en-US" dirty="0" err="1">
+                <a:latin typeface="Comic Sans MS"/>
+                <a:cs typeface="Comic Sans MS"/>
+              </a:rPr>
+              <a:t>Pairwise</a:t>
+            </a:r>
+            <a:r>
+              <a:rPr lang="en-US" dirty="0">
+                <a:latin typeface="Comic Sans MS"/>
+                <a:cs typeface="Comic Sans MS"/>
+              </a:rPr>
+              <a:t> Independent Sampling</a:t>
+            </a:r>
+          </a:p>
+        </p:txBody>
+      </p:sp>
+      <p:graphicFrame>
+        <p:nvGraphicFramePr>
+          <p:cNvPr id="13" name="Object 12"/>
+          <p:cNvGraphicFramePr>
+            <a:graphicFrameLocks noChangeAspect="1"/>
+          </p:cNvGraphicFramePr>
+          <p:nvPr/>
+        </p:nvGraphicFramePr>
+        <p:xfrm>
+          <a:off x="847725" y="3048000"/>
+          <a:ext cx="7296150" cy="838200"/>
+        </p:xfrm>
+        <a:graphic>
+          <a:graphicData uri="http://schemas.openxmlformats.org/presentationml/2006/ole">
+            <mc:AlternateContent xmlns:mc="http://schemas.openxmlformats.org/markup-compatibility/2006">
+              <mc:Choice xmlns:v="urn:schemas-microsoft-com:vml" Requires="v">
+                <p:oleObj spid="_x0000_s494598" name="Equation" r:id="rId6" imgW="1879600" imgH="215900" progId="Equation.DSMT4">
+                  <p:embed/>
+                </p:oleObj>
+              </mc:Choice>
+              <mc:Fallback>
+                <p:oleObj name="Equation" r:id="rId6" imgW="1879600" imgH="215900" progId="Equation.DSMT4">
+                  <p:embed/>
+                  <p:pic>
+                    <p:nvPicPr>
+                      <p:cNvPr id="0" name=""/>
+                      <p:cNvPicPr>
+                        <a:picLocks noChangeAspect="1" noChangeArrowheads="1"/>
+                      </p:cNvPicPr>
+                      <p:nvPr/>
+                    </p:nvPicPr>
+                    <p:blipFill>
+                      <a:blip r:embed="rId7">
+                        <a:extLst>
+                          <a:ext uri="{28A0092B-C50C-407E-A947-70E740481C1C}">
+                            <a14:useLocalDpi xmlns:a14="http://schemas.microsoft.com/office/drawing/2010/main" val="0"/>
+                          </a:ext>
+                        </a:extLst>
+                      </a:blip>
+                      <a:srcRect/>
+                      <a:stretch>
+                        <a:fillRect/>
+                      </a:stretch>
+                    </p:blipFill>
+                    <p:spPr bwMode="auto">
+                      <a:xfrm>
+                        <a:off x="847725" y="3048000"/>
+                        <a:ext cx="7296150" cy="838200"/>
+                      </a:xfrm>
+                      <a:prstGeom prst="rect">
+                        <a:avLst/>
+                      </a:prstGeom>
+                      <a:noFill/>
+                      <a:extLst>
+                        <a:ext uri="{909E8E84-426E-40dd-AFC4-6F175D3DCCD1}">
+                          <a14:hiddenFill xmlns:a14="http://schemas.microsoft.com/office/drawing/2010/main">
+                            <a:solidFill>
+                              <a:srgbClr val="FFFFFF"/>
+                            </a:solidFill>
+                          </a14:hiddenFill>
+                        </a:ext>
+                      </a:extLst>
+                    </p:spPr>
+                  </p:pic>
+                </p:oleObj>
+              </mc:Fallback>
+            </mc:AlternateContent>
+          </a:graphicData>
+        </a:graphic>
+      </p:graphicFrame>
+      <p:sp>
+        <p:nvSpPr>
+          <p:cNvPr id="8" name="Slide Number Placeholder 3"/>
+          <p:cNvSpPr>
+            <a:spLocks noGrp="1"/>
+          </p:cNvSpPr>
+          <p:nvPr>
+            <p:ph type="sldNum" sz="quarter" idx="10"/>
+          </p:nvPr>
+        </p:nvSpPr>
+        <p:spPr>
+          <a:xfrm>
+            <a:off x="7696200" y="6629400"/>
+            <a:ext cx="1447800" cy="228600"/>
+          </a:xfrm>
+        </p:spPr>
+        <p:txBody>
+          <a:bodyPr/>
+          <a:lstStyle/>
+          <a:p>
+            <a:pPr>
+              <a:defRPr/>
+            </a:pPr>
+            <a:r>
+              <a:rPr lang="en-US" dirty="0" smtClean="0"/>
+              <a:t>confidence.</a:t>
+            </a:r>
+            <a:fld id="{AB032E80-4924-4C32-A61E-EE294C645BF5}" type="slidenum">
+              <a:rPr lang="en-US" smtClean="0"/>
+              <a:pPr>
+                <a:defRPr/>
+              </a:pPr>
+              <a:t>10</a:t>
+            </a:fld>
+            <a:endParaRPr lang="en-US" dirty="0"/>
+          </a:p>
+        </p:txBody>
+      </p:sp>
+      <p:sp>
+        <p:nvSpPr>
+          <p:cNvPr id="10" name="TextBox 9"/>
+          <p:cNvSpPr txBox="1"/>
+          <p:nvPr/>
+        </p:nvSpPr>
+        <p:spPr>
+          <a:xfrm>
+            <a:off x="1220259" y="4114800"/>
+            <a:ext cx="6537517" cy="1107996"/>
+          </a:xfrm>
+          <a:prstGeom prst="rect">
+            <a:avLst/>
+          </a:prstGeom>
+          <a:noFill/>
+        </p:spPr>
+        <p:txBody>
+          <a:bodyPr wrap="none" rtlCol="0">
+            <a:spAutoFit/>
+          </a:bodyPr>
+          <a:lstStyle/>
+          <a:p>
+            <a:r>
+              <a:rPr lang="en-US" sz="6600" dirty="0" smtClean="0">
+                <a:latin typeface="+mj-lt"/>
+              </a:rPr>
+              <a:t>?? don’t know </a:t>
+            </a:r>
+            <a:r>
+              <a:rPr lang="en-US" sz="6600" dirty="0" err="1" smtClean="0">
+                <a:solidFill>
+                  <a:srgbClr val="0006FE"/>
+                </a:solidFill>
+                <a:latin typeface="Euclid"/>
+                <a:cs typeface="Euclid"/>
+              </a:rPr>
+              <a:t>σ</a:t>
+            </a:r>
+            <a:endParaRPr lang="en-US" sz="6600" dirty="0" smtClean="0">
+              <a:solidFill>
+                <a:srgbClr val="0006FE"/>
+              </a:solidFill>
+              <a:latin typeface="Euclid"/>
+              <a:cs typeface="Euclid"/>
+            </a:endParaRPr>
+          </a:p>
+        </p:txBody>
+      </p:sp>
+    </p:spTree>
+    <p:extLst>
+      <p:ext uri="{BB962C8B-B14F-4D97-AF65-F5344CB8AC3E}">
+        <p14:creationId xmlns:p14="http://schemas.microsoft.com/office/powerpoint/2010/main" val="374341100"/>
+      </p:ext>
+    </p:extLst>
+  </p:cSld>
+  <p:clrMapOvr>
+    <a:masterClrMapping/>
+  </p:clrMapOvr>
+  <mc:AlternateContent xmlns:mc="http://schemas.openxmlformats.org/markup-compatibility/2006">
+    <mc:Choice xmlns:p14="http://schemas.microsoft.com/office/powerpoint/2010/main" Requires="p14">
+      <p:transition spd="slow" p14:dur="800" advClick="0">
+        <p:fade/>
+      </p:transition>
+    </mc:Choice>
+    <mc:Fallback>
+      <p:transition xmlns:p14="http://schemas.microsoft.com/office/powerpoint/2010/main" spd="slow" advClick="0">
+        <p:fade/>
+      </p:transition>
+    </mc:Fallback>
+  </mc:AlternateContent>
+  <p:timing>
+    <p:tnLst>
+      <p:par>
+        <p:cTn xmlns:p14="http://schemas.microsoft.com/office/powerpoint/2010/main" id="1" dur="indefinite" restart="never" nodeType="tmRoot">
+          <p:childTnLst>
+            <p:seq concurrent="1" nextAc="seek">
+              <p:cTn id="2" dur="indefinite" nodeType="mainSeq">
+                <p:childTnLst>
+                  <p:par>
+                    <p:cTn id="3" fill="hold">
+                      <p:stCondLst>
+                        <p:cond delay="indefinite"/>
+                      </p:stCondLst>
+                      <p:childTnLst>
+                        <p:par>
+                          <p:cTn id="4" fill="hold">
+                            <p:stCondLst>
+                              <p:cond delay="0"/>
+                            </p:stCondLst>
+                            <p:childTnLst>
+                              <p:par>
+                                <p:cTn id="5" presetID="15" presetClass="entr" presetSubtype="0" fill="hold" grpId="0" nodeType="clickEffect">
+                                  <p:stCondLst>
+                                    <p:cond delay="0"/>
+                                  </p:stCondLst>
+                                  <p:childTnLst>
+                                    <p:set>
+                                      <p:cBhvr>
+                                        <p:cTn id="6" dur="1" fill="hold">
+                                          <p:stCondLst>
+                                            <p:cond delay="0"/>
+                                          </p:stCondLst>
+                                        </p:cTn>
+                                        <p:tgtEl>
+                                          <p:spTgt spid="10"/>
+                                        </p:tgtEl>
+                                        <p:attrNameLst>
+                                          <p:attrName>style.visibility</p:attrName>
+                                        </p:attrNameLst>
+                                      </p:cBhvr>
+                                      <p:to>
+                                        <p:strVal val="visible"/>
+                                      </p:to>
+                                    </p:set>
+                                    <p:anim calcmode="lin" valueType="num">
+                                      <p:cBhvr>
+                                        <p:cTn id="7" dur="1000" fill="hold"/>
+                                        <p:tgtEl>
+                                          <p:spTgt spid="10"/>
+                                        </p:tgtEl>
+                                        <p:attrNameLst>
+                                          <p:attrName>ppt_w</p:attrName>
+                                        </p:attrNameLst>
+                                      </p:cBhvr>
+                                      <p:tavLst>
+                                        <p:tav tm="0">
+                                          <p:val>
+                                            <p:fltVal val="0"/>
+                                          </p:val>
+                                        </p:tav>
+                                        <p:tav tm="100000">
+                                          <p:val>
+                                            <p:strVal val="#ppt_w"/>
+                                          </p:val>
+                                        </p:tav>
+                                      </p:tavLst>
+                                    </p:anim>
+                                    <p:anim calcmode="lin" valueType="num">
+                                      <p:cBhvr>
+                                        <p:cTn id="8" dur="1000" fill="hold"/>
+                                        <p:tgtEl>
+                                          <p:spTgt spid="10"/>
+                                        </p:tgtEl>
+                                        <p:attrNameLst>
+                                          <p:attrName>ppt_h</p:attrName>
+                                        </p:attrNameLst>
+                                      </p:cBhvr>
+                                      <p:tavLst>
+                                        <p:tav tm="0">
+                                          <p:val>
+                                            <p:fltVal val="0"/>
+                                          </p:val>
+                                        </p:tav>
+                                        <p:tav tm="100000">
+                                          <p:val>
+                                            <p:strVal val="#ppt_h"/>
+                                          </p:val>
+                                        </p:tav>
+                                      </p:tavLst>
+                                    </p:anim>
+                                    <p:anim calcmode="lin" valueType="num">
+                                      <p:cBhvr>
+                                        <p:cTn id="9" dur="1000" fill="hold"/>
+                                        <p:tgtEl>
+                                          <p:spTgt spid="10"/>
+                                        </p:tgtEl>
+                                        <p:attrNameLst>
+                                          <p:attrName>ppt_x</p:attrName>
+                                        </p:attrNameLst>
+                                      </p:cBhvr>
+                                      <p:tavLst>
+                                        <p:tav tm="0" fmla="#ppt_x+(cos(-2*pi*(1-$))*-#ppt_x-sin(-2*pi*(1-$))*(1-#ppt_y))*(1-$)">
+                                          <p:val>
+                                            <p:fltVal val="0"/>
+                                          </p:val>
+                                        </p:tav>
+                                        <p:tav tm="100000">
+                                          <p:val>
+                                            <p:fltVal val="1"/>
+                                          </p:val>
+                                        </p:tav>
+                                      </p:tavLst>
+                                    </p:anim>
+                                    <p:anim calcmode="lin" valueType="num">
+                                      <p:cBhvr>
+                                        <p:cTn id="10" dur="1000" fill="hold"/>
+                                        <p:tgtEl>
+                                          <p:spTgt spid="10"/>
+                                        </p:tgtEl>
+                                        <p:attrNameLst>
+                                          <p:attrName>ppt_y</p:attrName>
+                                        </p:attrNameLst>
+                                      </p:cBhvr>
+                                      <p:tavLst>
+                                        <p:tav tm="0" fmla="#ppt_y+(sin(-2*pi*(1-$))*-#ppt_x+cos(-2*pi*(1-$))*(1-#ppt_y))*(1-$)">
+                                          <p:val>
+                                            <p:fltVal val="0"/>
+                                          </p:val>
+                                        </p:tav>
+                                        <p:tav tm="100000">
+                                          <p:val>
+                                            <p:fltVal val="1"/>
+                                          </p:val>
+                                        </p:tav>
+                                      </p:tavLst>
+                                    </p:anim>
+                                  </p:childTnLst>
+                                </p:cTn>
+                              </p:par>
+                            </p:childTnLst>
+                          </p:cTn>
+                        </p:par>
+                      </p:childTnLst>
+                    </p:cTn>
+                  </p:par>
+                </p:childTnLst>
+              </p:cTn>
+              <p:prevCondLst>
+                <p:cond evt="onPrev" delay="0">
+                  <p:tgtEl>
+                    <p:sldTgt/>
+                  </p:tgtEl>
+                </p:cond>
+              </p:prevCondLst>
+              <p:nextCondLst>
+                <p:cond evt="onNext" delay="0">
+                  <p:tgtEl>
+                    <p:sldTgt/>
+                  </p:tgtEl>
+                </p:cond>
+              </p:nextCondLst>
+            </p:seq>
+          </p:childTnLst>
+        </p:cTn>
+      </p:par>
+    </p:tnLst>
+    <p:bldLst>
+      <p:bldP spid="10" grpId="0"/>
+    </p:bldLst>
+  </p:timing>
+</p:sld>
+</file>
+
+<file path=ppt/slides/slide11.xml><?xml version="1.0" encoding="utf-8"?>
+<p:sld xmlns:a="http://schemas.openxmlformats.org/drawingml/2006/main" xmlns:r="http://schemas.openxmlformats.org/officeDocument/2006/relationships" xmlns:p="http://schemas.openxmlformats.org/presentationml/2006/main">
+  <p:cSld>
+    <p:spTree>
+      <p:nvGrpSpPr>
+        <p:cNvPr id="1" name=""/>
+        <p:cNvGrpSpPr/>
+        <p:nvPr/>
+      </p:nvGrpSpPr>
+      <p:grpSpPr>
+        <a:xfrm>
+          <a:off x="0" y="0"/>
+          <a:ext cx="0" cy="0"/>
+          <a:chOff x="0" y="0"/>
+          <a:chExt cx="0" cy="0"/>
+        </a:xfrm>
+      </p:grpSpPr>
+      <p:sp>
+        <p:nvSpPr>
+          <p:cNvPr id="111618" name="Rectangle 2"/>
+          <p:cNvSpPr>
+            <a:spLocks noGrp="1" noChangeArrowheads="1"/>
+          </p:cNvSpPr>
+          <p:nvPr>
+            <p:ph type="title"/>
+          </p:nvPr>
+        </p:nvSpPr>
+        <p:spPr>
+          <a:xfrm>
+            <a:off x="1295400" y="116046"/>
+            <a:ext cx="7672388" cy="882650"/>
+          </a:xfrm>
+        </p:spPr>
+        <p:txBody>
+          <a:bodyPr/>
+          <a:lstStyle/>
+          <a:p>
+            <a:r>
+              <a:rPr lang="en-US" dirty="0" err="1">
+                <a:latin typeface="Comic Sans MS"/>
+                <a:cs typeface="Comic Sans MS"/>
+              </a:rPr>
+              <a:t>Pairwise</a:t>
+            </a:r>
+            <a:r>
+              <a:rPr lang="en-US" dirty="0">
+                <a:latin typeface="Comic Sans MS"/>
+                <a:cs typeface="Comic Sans MS"/>
+              </a:rPr>
+              <a:t> Independent Sampling</a:t>
+            </a:r>
+          </a:p>
+        </p:txBody>
+      </p:sp>
+      <p:sp>
+        <p:nvSpPr>
+          <p:cNvPr id="8" name="Slide Number Placeholder 3"/>
+          <p:cNvSpPr>
+            <a:spLocks noGrp="1"/>
+          </p:cNvSpPr>
+          <p:nvPr>
+            <p:ph type="sldNum" sz="quarter" idx="10"/>
+          </p:nvPr>
+        </p:nvSpPr>
+        <p:spPr>
+          <a:xfrm>
+            <a:off x="7696200" y="6629400"/>
+            <a:ext cx="1447800" cy="228600"/>
+          </a:xfrm>
+        </p:spPr>
+        <p:txBody>
+          <a:bodyPr/>
+          <a:lstStyle/>
+          <a:p>
+            <a:pPr>
+              <a:defRPr/>
+            </a:pPr>
+            <a:r>
+              <a:rPr lang="en-US" dirty="0" smtClean="0"/>
+              <a:t>confidence.</a:t>
+            </a:r>
+            <a:fld id="{AB032E80-4924-4C32-A61E-EE294C645BF5}" type="slidenum">
+              <a:rPr lang="en-US" smtClean="0"/>
+              <a:pPr>
+                <a:defRPr/>
+              </a:pPr>
+              <a:t>11</a:t>
+            </a:fld>
+            <a:endParaRPr lang="en-US" dirty="0"/>
+          </a:p>
+        </p:txBody>
+      </p:sp>
+      <p:sp>
+        <p:nvSpPr>
+          <p:cNvPr id="9" name="TextBox 8"/>
+          <p:cNvSpPr txBox="1"/>
+          <p:nvPr/>
+        </p:nvSpPr>
+        <p:spPr>
+          <a:xfrm>
+            <a:off x="5849549" y="3581400"/>
+            <a:ext cx="1618051" cy="830997"/>
+          </a:xfrm>
+          <a:prstGeom prst="rect">
+            <a:avLst/>
+          </a:prstGeom>
+          <a:noFill/>
+        </p:spPr>
+        <p:txBody>
+          <a:bodyPr wrap="none" rtlCol="0">
+            <a:spAutoFit/>
+          </a:bodyPr>
+          <a:lstStyle/>
+          <a:p>
+            <a:r>
+              <a:rPr lang="en-US" sz="4800" dirty="0" smtClean="0">
+                <a:latin typeface="+mj-lt"/>
+              </a:rPr>
+              <a:t> = </a:t>
+            </a:r>
+            <a:r>
+              <a:rPr lang="en-US" sz="4800" dirty="0" smtClean="0">
+                <a:solidFill>
+                  <a:srgbClr val="FF4519"/>
+                </a:solidFill>
+                <a:latin typeface="+mj-lt"/>
+              </a:rPr>
+              <a:t>50</a:t>
+            </a:r>
+          </a:p>
+        </p:txBody>
+      </p:sp>
+      <p:sp>
+        <p:nvSpPr>
+          <p:cNvPr id="10" name="TextBox 9"/>
+          <p:cNvSpPr txBox="1"/>
+          <p:nvPr/>
+        </p:nvSpPr>
+        <p:spPr>
+          <a:xfrm>
+            <a:off x="1327574" y="5106650"/>
+            <a:ext cx="6368626" cy="1446550"/>
+          </a:xfrm>
+          <a:prstGeom prst="rect">
+            <a:avLst/>
+          </a:prstGeom>
+          <a:noFill/>
+        </p:spPr>
+        <p:txBody>
+          <a:bodyPr wrap="none" rtlCol="0">
+            <a:spAutoFit/>
+          </a:bodyPr>
+          <a:lstStyle/>
+          <a:p>
+            <a:pPr algn="l"/>
+            <a:r>
+              <a:rPr lang="en-US" sz="4400" dirty="0" smtClean="0">
+                <a:latin typeface="+mj-lt"/>
+              </a:rPr>
+              <a:t>where </a:t>
+            </a:r>
+            <a:r>
+              <a:rPr lang="en-US" sz="4400" dirty="0" smtClean="0">
+                <a:solidFill>
+                  <a:srgbClr val="FF0000"/>
+                </a:solidFill>
+                <a:latin typeface="+mj-lt"/>
+              </a:rPr>
+              <a:t>L</a:t>
+            </a:r>
+            <a:r>
+              <a:rPr lang="en-US" sz="4400" dirty="0" smtClean="0">
+                <a:latin typeface="+mj-lt"/>
+              </a:rPr>
+              <a:t> is max possible</a:t>
+            </a:r>
+          </a:p>
+          <a:p>
+            <a:pPr algn="l"/>
+            <a:r>
+              <a:rPr lang="en-US" sz="4400" dirty="0" smtClean="0">
+                <a:latin typeface="+mj-lt"/>
+              </a:rPr>
+              <a:t>difference of samples</a:t>
+            </a:r>
+          </a:p>
+        </p:txBody>
+      </p:sp>
+      <p:graphicFrame>
+        <p:nvGraphicFramePr>
+          <p:cNvPr id="12" name="Object 5"/>
+          <p:cNvGraphicFramePr>
+            <a:graphicFrameLocks noChangeAspect="1"/>
+          </p:cNvGraphicFramePr>
+          <p:nvPr>
+            <p:extLst>
+              <p:ext uri="{D42A27DB-BD31-4B8C-83A1-F6EECF244321}">
+                <p14:modId xmlns:p14="http://schemas.microsoft.com/office/powerpoint/2010/main" val="2894888796"/>
+              </p:ext>
+            </p:extLst>
+          </p:nvPr>
+        </p:nvGraphicFramePr>
+        <p:xfrm>
+          <a:off x="2574925" y="3498850"/>
+          <a:ext cx="3470275" cy="1835150"/>
+        </p:xfrm>
+        <a:graphic>
+          <a:graphicData uri="http://schemas.openxmlformats.org/presentationml/2006/ole">
+            <mc:AlternateContent xmlns:mc="http://schemas.openxmlformats.org/markup-compatibility/2006">
+              <mc:Choice xmlns:v="urn:schemas-microsoft-com:vml" Requires="v">
+                <p:oleObj spid="_x0000_s438440" name="Equation" r:id="rId4" imgW="889000" imgH="469900" progId="Equation.DSMT4">
+                  <p:embed/>
+                </p:oleObj>
+              </mc:Choice>
+              <mc:Fallback>
+                <p:oleObj name="Equation" r:id="rId4" imgW="889000" imgH="469900" progId="Equation.DSMT4">
+                  <p:embed/>
+                  <p:pic>
+                    <p:nvPicPr>
+                      <p:cNvPr id="0" name=""/>
+                      <p:cNvPicPr>
+                        <a:picLocks noChangeAspect="1" noChangeArrowheads="1"/>
+                      </p:cNvPicPr>
+                      <p:nvPr/>
+                    </p:nvPicPr>
+                    <p:blipFill>
+                      <a:blip r:embed="rId5">
+                        <a:extLst>
+                          <a:ext uri="{28A0092B-C50C-407E-A947-70E740481C1C}">
+                            <a14:useLocalDpi xmlns:a14="http://schemas.microsoft.com/office/drawing/2010/main" val="0"/>
+                          </a:ext>
+                        </a:extLst>
+                      </a:blip>
+                      <a:srcRect/>
+                      <a:stretch>
+                        <a:fillRect/>
+                      </a:stretch>
+                    </p:blipFill>
+                    <p:spPr bwMode="auto">
+                      <a:xfrm>
+                        <a:off x="2574925" y="3498850"/>
+                        <a:ext cx="3470275" cy="1835150"/>
+                      </a:xfrm>
+                      <a:prstGeom prst="rect">
+                        <a:avLst/>
+                      </a:prstGeom>
+                      <a:noFill/>
+                      <a:extLst>
+                        <a:ext uri="{909E8E84-426E-40dd-AFC4-6F175D3DCCD1}">
+                          <a14:hiddenFill xmlns:a14="http://schemas.microsoft.com/office/drawing/2010/main">
+                            <a:solidFill>
+                              <a:srgbClr val="FFFFFF"/>
+                            </a:solidFill>
+                          </a14:hiddenFill>
+                        </a:ext>
+                      </a:extLst>
+                    </p:spPr>
+                  </p:pic>
+                </p:oleObj>
+              </mc:Fallback>
+            </mc:AlternateContent>
+          </a:graphicData>
+        </a:graphic>
+      </p:graphicFrame>
+      <p:graphicFrame>
+        <p:nvGraphicFramePr>
+          <p:cNvPr id="13" name="Object 10"/>
+          <p:cNvGraphicFramePr>
+            <a:graphicFrameLocks noChangeAspect="1"/>
+          </p:cNvGraphicFramePr>
+          <p:nvPr/>
+        </p:nvGraphicFramePr>
+        <p:xfrm>
+          <a:off x="847725" y="3048000"/>
+          <a:ext cx="7296150" cy="838200"/>
+        </p:xfrm>
+        <a:graphic>
+          <a:graphicData uri="http://schemas.openxmlformats.org/presentationml/2006/ole">
+            <mc:AlternateContent xmlns:mc="http://schemas.openxmlformats.org/markup-compatibility/2006">
+              <mc:Choice xmlns:v="urn:schemas-microsoft-com:vml" Requires="v">
+                <p:oleObj spid="_x0000_s438441" name="Equation" r:id="rId6" imgW="1879600" imgH="215900" progId="Equation.DSMT4">
+                  <p:embed/>
+                </p:oleObj>
+              </mc:Choice>
+              <mc:Fallback>
+                <p:oleObj name="Equation" r:id="rId6" imgW="1879600" imgH="215900" progId="Equation.DSMT4">
+                  <p:embed/>
+                  <p:pic>
+                    <p:nvPicPr>
+                      <p:cNvPr id="0" name=""/>
+                      <p:cNvPicPr>
+                        <a:picLocks noChangeAspect="1" noChangeArrowheads="1"/>
+                      </p:cNvPicPr>
+                      <p:nvPr/>
+                    </p:nvPicPr>
+                    <p:blipFill>
+                      <a:blip r:embed="rId7">
+                        <a:extLst>
+                          <a:ext uri="{28A0092B-C50C-407E-A947-70E740481C1C}">
+                            <a14:useLocalDpi xmlns:a14="http://schemas.microsoft.com/office/drawing/2010/main" val="0"/>
+                          </a:ext>
+                        </a:extLst>
+                      </a:blip>
+                      <a:srcRect/>
+                      <a:stretch>
+                        <a:fillRect/>
+                      </a:stretch>
+                    </p:blipFill>
+                    <p:spPr bwMode="auto">
+                      <a:xfrm>
+                        <a:off x="847725" y="3048000"/>
+                        <a:ext cx="7296150" cy="838200"/>
+                      </a:xfrm>
+                      <a:prstGeom prst="rect">
+                        <a:avLst/>
+                      </a:prstGeom>
+                      <a:noFill/>
+                      <a:extLst>
+                        <a:ext uri="{909E8E84-426E-40dd-AFC4-6F175D3DCCD1}">
+                          <a14:hiddenFill xmlns:a14="http://schemas.microsoft.com/office/drawing/2010/main">
+                            <a:solidFill>
+                              <a:srgbClr val="FFFFFF"/>
+                            </a:solidFill>
+                          </a14:hiddenFill>
+                        </a:ext>
+                      </a:extLst>
+                    </p:spPr>
+                  </p:pic>
+                </p:oleObj>
+              </mc:Fallback>
+            </mc:AlternateContent>
+          </a:graphicData>
+        </a:graphic>
+      </p:graphicFrame>
+      <p:graphicFrame>
+        <p:nvGraphicFramePr>
+          <p:cNvPr id="15" name="Object 6"/>
+          <p:cNvGraphicFramePr>
+            <a:graphicFrameLocks noChangeAspect="1"/>
+          </p:cNvGraphicFramePr>
+          <p:nvPr>
+            <p:extLst>
+              <p:ext uri="{D42A27DB-BD31-4B8C-83A1-F6EECF244321}">
+                <p14:modId xmlns:p14="http://schemas.microsoft.com/office/powerpoint/2010/main" val="1010422617"/>
+              </p:ext>
+            </p:extLst>
+          </p:nvPr>
+        </p:nvGraphicFramePr>
+        <p:xfrm>
+          <a:off x="1066800" y="914400"/>
+          <a:ext cx="7363178" cy="2133599"/>
+        </p:xfrm>
+        <a:graphic>
+          <a:graphicData uri="http://schemas.openxmlformats.org/presentationml/2006/ole">
+            <mc:AlternateContent xmlns:mc="http://schemas.openxmlformats.org/markup-compatibility/2006">
+              <mc:Choice xmlns:v="urn:schemas-microsoft-com:vml" Requires="v">
+                <p:oleObj spid="_x0000_s438442" name="Equation" r:id="rId8" imgW="2057400" imgH="596900" progId="Equation.DSMT4">
+                  <p:embed/>
+                </p:oleObj>
+              </mc:Choice>
+              <mc:Fallback>
+                <p:oleObj name="Equation" r:id="rId8" imgW="2057400" imgH="596900" progId="Equation.DSMT4">
+                  <p:embed/>
+                  <p:pic>
+                    <p:nvPicPr>
+                      <p:cNvPr id="0" name=""/>
+                      <p:cNvPicPr>
+                        <a:picLocks noChangeAspect="1" noChangeArrowheads="1"/>
+                      </p:cNvPicPr>
+                      <p:nvPr/>
+                    </p:nvPicPr>
+                    <p:blipFill>
+                      <a:blip r:embed="rId9"/>
+                      <a:srcRect/>
+                      <a:stretch>
+                        <a:fillRect/>
+                      </a:stretch>
+                    </p:blipFill>
+                    <p:spPr bwMode="auto">
+                      <a:xfrm>
+                        <a:off x="1066800" y="914400"/>
+                        <a:ext cx="7363178" cy="2133599"/>
+                      </a:xfrm>
+                      <a:prstGeom prst="rect">
+                        <a:avLst/>
+                      </a:prstGeom>
+                      <a:solidFill>
+                        <a:schemeClr val="hlink"/>
+                      </a:solidFill>
+                    </p:spPr>
+                  </p:pic>
+                </p:oleObj>
+              </mc:Fallback>
+            </mc:AlternateContent>
+          </a:graphicData>
+        </a:graphic>
+      </p:graphicFrame>
+    </p:spTree>
+  </p:cSld>
+  <p:clrMapOvr>
+    <a:masterClrMapping/>
+  </p:clrMapOvr>
+  <mc:AlternateContent xmlns:mc="http://schemas.openxmlformats.org/markup-compatibility/2006" xmlns:p14="http://schemas.microsoft.com/office/powerpoint/2010/main">
+    <mc:Choice Requires="p14">
+      <p:transition spd="med" p14:dur="700">
+        <p:fade/>
+      </p:transition>
+    </mc:Choice>
+    <mc:Fallback xmlns="">
+      <p:transition xmlns:p14="http://schemas.microsoft.com/office/powerpoint/2010/main" spd="med">
+        <p:fade/>
+      </p:transition>
+    </mc:Fallback>
+  </mc:AlternateContent>
+  <p:timing>
+    <p:tnLst>
+      <p:par>
+        <p:cTn xmlns:p14="http://schemas.microsoft.com/office/powerpoint/2010/main" id="1" dur="indefinite" restart="never" nodeType="tmRoot">
+          <p:childTnLst>
+            <p:seq concurrent="1" nextAc="seek">
+              <p:cTn id="2" dur="indefinite" nodeType="mainSeq">
+                <p:childTnLst>
+                  <p:par>
+                    <p:cTn id="3" fill="hold">
+                      <p:stCondLst>
+                        <p:cond delay="indefinite"/>
+                        <p:cond evt="onBegin" delay="0">
+                          <p:tn val="2"/>
+                        </p:cond>
+                      </p:stCondLst>
+                      <p:childTnLst>
+                        <p:par>
+                          <p:cTn id="4" fill="hold">
+                            <p:stCondLst>
+                              <p:cond delay="0"/>
+                            </p:stCondLst>
+                            <p:childTnLst>
+                              <p:par>
+                                <p:cTn id="5" presetID="2" presetClass="entr" presetSubtype="8" fill="hold" nodeType="afterEffect">
+                                  <p:stCondLst>
+                                    <p:cond delay="0"/>
+                                  </p:stCondLst>
+                                  <p:childTnLst>
+                                    <p:set>
+                                      <p:cBhvr>
+                                        <p:cTn id="6" dur="1" fill="hold">
+                                          <p:stCondLst>
+                                            <p:cond delay="0"/>
+                                          </p:stCondLst>
+                                        </p:cTn>
+                                        <p:tgtEl>
+                                          <p:spTgt spid="12"/>
+                                        </p:tgtEl>
+                                        <p:attrNameLst>
+                                          <p:attrName>style.visibility</p:attrName>
+                                        </p:attrNameLst>
+                                      </p:cBhvr>
+                                      <p:to>
+                                        <p:strVal val="visible"/>
+                                      </p:to>
+                                    </p:set>
+                                    <p:anim calcmode="lin" valueType="num">
+                                      <p:cBhvr additive="base">
+                                        <p:cTn id="7" dur="500" fill="hold"/>
+                                        <p:tgtEl>
+                                          <p:spTgt spid="12"/>
+                                        </p:tgtEl>
+                                        <p:attrNameLst>
+                                          <p:attrName>ppt_x</p:attrName>
+                                        </p:attrNameLst>
+                                      </p:cBhvr>
+                                      <p:tavLst>
+                                        <p:tav tm="0">
+                                          <p:val>
+                                            <p:strVal val="0-#ppt_w/2"/>
+                                          </p:val>
+                                        </p:tav>
+                                        <p:tav tm="100000">
+                                          <p:val>
+                                            <p:strVal val="#ppt_x"/>
+                                          </p:val>
+                                        </p:tav>
+                                      </p:tavLst>
+                                    </p:anim>
+                                    <p:anim calcmode="lin" valueType="num">
+                                      <p:cBhvr additive="base">
+                                        <p:cTn id="8" dur="500" fill="hold"/>
+                                        <p:tgtEl>
+                                          <p:spTgt spid="12"/>
+                                        </p:tgtEl>
+                                        <p:attrNameLst>
+                                          <p:attrName>ppt_y</p:attrName>
+                                        </p:attrNameLst>
+                                      </p:cBhvr>
+                                      <p:tavLst>
+                                        <p:tav tm="0">
+                                          <p:val>
+                                            <p:strVal val="#ppt_y"/>
+                                          </p:val>
+                                        </p:tav>
+                                        <p:tav tm="100000">
+                                          <p:val>
+                                            <p:strVal val="#ppt_y"/>
+                                          </p:val>
+                                        </p:tav>
+                                      </p:tavLst>
+                                    </p:anim>
+                                  </p:childTnLst>
+                                </p:cTn>
+                              </p:par>
+                            </p:childTnLst>
+                          </p:cTn>
+                        </p:par>
+                      </p:childTnLst>
+                    </p:cTn>
+                  </p:par>
+                  <p:par>
+                    <p:cTn id="9" fill="hold">
+                      <p:stCondLst>
+                        <p:cond delay="indefinite"/>
+                      </p:stCondLst>
+                      <p:childTnLst>
+                        <p:par>
+                          <p:cTn id="10" fill="hold">
+                            <p:stCondLst>
+                              <p:cond delay="0"/>
+                            </p:stCondLst>
+                            <p:childTnLst>
+                              <p:par>
+                                <p:cTn id="11" presetID="9" presetClass="entr" presetSubtype="0" fill="hold" grpId="0" nodeType="clickEffect">
+                                  <p:stCondLst>
+                                    <p:cond delay="0"/>
+                                  </p:stCondLst>
+                                  <p:childTnLst>
+                                    <p:set>
+                                      <p:cBhvr>
+                                        <p:cTn id="12" dur="1" fill="hold">
+                                          <p:stCondLst>
+                                            <p:cond delay="0"/>
+                                          </p:stCondLst>
+                                        </p:cTn>
+                                        <p:tgtEl>
+                                          <p:spTgt spid="10"/>
+                                        </p:tgtEl>
+                                        <p:attrNameLst>
+                                          <p:attrName>style.visibility</p:attrName>
+                                        </p:attrNameLst>
+                                      </p:cBhvr>
+                                      <p:to>
+                                        <p:strVal val="visible"/>
+                                      </p:to>
+                                    </p:set>
+                                    <p:animEffect transition="in" filter="dissolve">
+                                      <p:cBhvr>
+                                        <p:cTn id="13" dur="500"/>
+                                        <p:tgtEl>
+                                          <p:spTgt spid="10"/>
+                                        </p:tgtEl>
+                                      </p:cBhvr>
+                                    </p:animEffect>
+                                  </p:childTnLst>
+                                </p:cTn>
+                              </p:par>
+                            </p:childTnLst>
+                          </p:cTn>
+                        </p:par>
+                      </p:childTnLst>
+                    </p:cTn>
+                  </p:par>
+                  <p:par>
+                    <p:cTn id="14" fill="hold">
+                      <p:stCondLst>
+                        <p:cond delay="indefinite"/>
+                      </p:stCondLst>
+                      <p:childTnLst>
+                        <p:par>
+                          <p:cTn id="15" fill="hold">
+                            <p:stCondLst>
+                              <p:cond delay="0"/>
+                            </p:stCondLst>
+                            <p:childTnLst>
+                              <p:par>
+                                <p:cTn id="16" presetID="2" presetClass="entr" presetSubtype="2" fill="hold" grpId="0" nodeType="clickEffect">
+                                  <p:stCondLst>
+                                    <p:cond delay="0"/>
+                                  </p:stCondLst>
+                                  <p:childTnLst>
+                                    <p:set>
+                                      <p:cBhvr>
+                                        <p:cTn id="17" dur="1" fill="hold">
+                                          <p:stCondLst>
+                                            <p:cond delay="0"/>
+                                          </p:stCondLst>
+                                        </p:cTn>
+                                        <p:tgtEl>
+                                          <p:spTgt spid="9"/>
+                                        </p:tgtEl>
+                                        <p:attrNameLst>
+                                          <p:attrName>style.visibility</p:attrName>
+                                        </p:attrNameLst>
+                                      </p:cBhvr>
+                                      <p:to>
+                                        <p:strVal val="visible"/>
+                                      </p:to>
+                                    </p:set>
+                                    <p:anim calcmode="lin" valueType="num">
+                                      <p:cBhvr additive="base">
+                                        <p:cTn id="18" dur="500" fill="hold"/>
+                                        <p:tgtEl>
+                                          <p:spTgt spid="9"/>
+                                        </p:tgtEl>
+                                        <p:attrNameLst>
+                                          <p:attrName>ppt_x</p:attrName>
+                                        </p:attrNameLst>
+                                      </p:cBhvr>
+                                      <p:tavLst>
+                                        <p:tav tm="0">
+                                          <p:val>
+                                            <p:strVal val="1+#ppt_w/2"/>
+                                          </p:val>
+                                        </p:tav>
+                                        <p:tav tm="100000">
+                                          <p:val>
+                                            <p:strVal val="#ppt_x"/>
+                                          </p:val>
+                                        </p:tav>
+                                      </p:tavLst>
+                                    </p:anim>
+                                    <p:anim calcmode="lin" valueType="num">
+                                      <p:cBhvr additive="base">
+                                        <p:cTn id="19" dur="500" fill="hold"/>
+                                        <p:tgtEl>
+                                          <p:spTgt spid="9"/>
+                                        </p:tgtEl>
+                                        <p:attrNameLst>
+                                          <p:attrName>ppt_y</p:attrName>
+                                        </p:attrNameLst>
+                                      </p:cBhvr>
+                                      <p:tavLst>
+                                        <p:tav tm="0">
+                                          <p:val>
+                                            <p:strVal val="#ppt_y"/>
+                                          </p:val>
+                                        </p:tav>
+                                        <p:tav tm="100000">
+                                          <p:val>
+                                            <p:strVal val="#ppt_y"/>
+                                          </p:val>
+                                        </p:tav>
+                                      </p:tavLst>
+                                    </p:anim>
+                                  </p:childTnLst>
+                                </p:cTn>
+                              </p:par>
+                            </p:childTnLst>
+                          </p:cTn>
+                        </p:par>
+                      </p:childTnLst>
+                    </p:cTn>
+                  </p:par>
+                  <p:par>
+                    <p:cTn id="20" fill="hold">
+                      <p:stCondLst>
+                        <p:cond delay="indefinite"/>
+                      </p:stCondLst>
+                      <p:childTnLst>
+                        <p:par>
+                          <p:cTn id="21" fill="hold">
+                            <p:stCondLst>
+                              <p:cond delay="0"/>
+                            </p:stCondLst>
+                            <p:childTnLst>
+                              <p:par>
+                                <p:cTn id="22" presetID="9" presetClass="entr" presetSubtype="0" fill="hold" nodeType="clickEffect">
+                                  <p:stCondLst>
+                                    <p:cond delay="0"/>
+                                  </p:stCondLst>
+                                  <p:childTnLst>
+                                    <p:set>
+                                      <p:cBhvr>
+                                        <p:cTn id="23" dur="1" fill="hold">
+                                          <p:stCondLst>
+                                            <p:cond delay="0"/>
+                                          </p:stCondLst>
+                                        </p:cTn>
+                                        <p:tgtEl>
+                                          <p:spTgt spid="15"/>
+                                        </p:tgtEl>
+                                        <p:attrNameLst>
+                                          <p:attrName>style.visibility</p:attrName>
+                                        </p:attrNameLst>
+                                      </p:cBhvr>
+                                      <p:to>
+                                        <p:strVal val="visible"/>
+                                      </p:to>
+                                    </p:set>
+                                    <p:animEffect transition="in" filter="dissolve">
+                                      <p:cBhvr>
+                                        <p:cTn id="24" dur="500"/>
+                                        <p:tgtEl>
+                                          <p:spTgt spid="15"/>
+                                        </p:tgtEl>
+                                      </p:cBhvr>
+                                    </p:animEffect>
+                                  </p:childTnLst>
+                                </p:cTn>
+                              </p:par>
+                            </p:childTnLst>
+                          </p:cTn>
+                        </p:par>
+                      </p:childTnLst>
+                    </p:cTn>
+                  </p:par>
+                </p:childTnLst>
+              </p:cTn>
+              <p:prevCondLst>
+                <p:cond evt="onPrev" delay="0">
+                  <p:tgtEl>
+                    <p:sldTgt/>
+                  </p:tgtEl>
+                </p:cond>
+              </p:prevCondLst>
+              <p:nextCondLst>
+                <p:cond evt="onNext" delay="0">
+                  <p:tgtEl>
+                    <p:sldTgt/>
+                  </p:tgtEl>
+                </p:cond>
+              </p:nextCondLst>
+            </p:seq>
+          </p:childTnLst>
+        </p:cTn>
+      </p:par>
+    </p:tnLst>
+    <p:bldLst>
+      <p:bldP spid="9" grpId="0"/>
+      <p:bldP spid="10" grpId="0"/>
+    </p:bldLst>
+  </p:timing>
+</p:sld>
+</file>
+
+<file path=ppt/slides/slide12.xml><?xml version="1.0" encoding="utf-8"?>
+<p:sld xmlns:a="http://schemas.openxmlformats.org/drawingml/2006/main" xmlns:r="http://schemas.openxmlformats.org/officeDocument/2006/relationships" xmlns:p="http://schemas.openxmlformats.org/presentationml/2006/main">
+  <p:cSld>
+    <p:spTree>
+      <p:nvGrpSpPr>
+        <p:cNvPr id="1" name=""/>
+        <p:cNvGrpSpPr/>
+        <p:nvPr/>
+      </p:nvGrpSpPr>
+      <p:grpSpPr>
+        <a:xfrm>
+          <a:off x="0" y="0"/>
+          <a:ext cx="0" cy="0"/>
+          <a:chOff x="0" y="0"/>
+          <a:chExt cx="0" cy="0"/>
+        </a:xfrm>
+      </p:grpSpPr>
+      <p:graphicFrame>
+        <p:nvGraphicFramePr>
+          <p:cNvPr id="438281" name="Object 9"/>
+          <p:cNvGraphicFramePr>
+            <a:graphicFrameLocks noChangeAspect="1"/>
+          </p:cNvGraphicFramePr>
+          <p:nvPr>
+            <p:extLst>
+              <p:ext uri="{D42A27DB-BD31-4B8C-83A1-F6EECF244321}">
+                <p14:modId xmlns:p14="http://schemas.microsoft.com/office/powerpoint/2010/main" val="1744041318"/>
+              </p:ext>
+            </p:extLst>
+          </p:nvPr>
+        </p:nvGraphicFramePr>
+        <p:xfrm>
+          <a:off x="1103313" y="1177925"/>
+          <a:ext cx="6797675" cy="1946275"/>
+        </p:xfrm>
+        <a:graphic>
+          <a:graphicData uri="http://schemas.openxmlformats.org/presentationml/2006/ole">
+            <mc:AlternateContent xmlns:mc="http://schemas.openxmlformats.org/markup-compatibility/2006">
+              <mc:Choice xmlns:v="urn:schemas-microsoft-com:vml" Requires="v">
+                <p:oleObj spid="_x0000_s493644" name="Equation" r:id="rId4" imgW="2082800" imgH="596900" progId="Equation.DSMT4">
+                  <p:embed/>
+                </p:oleObj>
+              </mc:Choice>
+              <mc:Fallback>
+                <p:oleObj name="Equation" r:id="rId4" imgW="2082800" imgH="596900" progId="Equation.DSMT4">
+                  <p:embed/>
+                  <p:pic>
+                    <p:nvPicPr>
+                      <p:cNvPr id="0" name=""/>
+                      <p:cNvPicPr>
+                        <a:picLocks noChangeAspect="1" noChangeArrowheads="1"/>
+                      </p:cNvPicPr>
+                      <p:nvPr/>
+                    </p:nvPicPr>
+                    <p:blipFill>
+                      <a:blip r:embed="rId5"/>
+                      <a:srcRect/>
+                      <a:stretch>
+                        <a:fillRect/>
+                      </a:stretch>
+                    </p:blipFill>
+                    <p:spPr bwMode="auto">
+                      <a:xfrm>
+                        <a:off x="1103313" y="1177925"/>
+                        <a:ext cx="6797675" cy="1946275"/>
                       </a:xfrm>
                       <a:prstGeom prst="rect">
                         <a:avLst/>
@@ -4340,7 +5720,7 @@
               <a:pPr>
                 <a:defRPr/>
               </a:pPr>
-              <a:t>10</a:t>
+              <a:t>12</a:t>
             </a:fld>
             <a:endParaRPr lang="en-US" dirty="0"/>
           </a:p>
@@ -4362,7 +5742,7 @@
           <a:graphicData uri="http://schemas.openxmlformats.org/presentationml/2006/ole">
             <mc:AlternateContent xmlns:mc="http://schemas.openxmlformats.org/markup-compatibility/2006">
               <mc:Choice xmlns:v="urn:schemas-microsoft-com:vml" Requires="v">
-                <p:oleObj spid="_x0000_s493629" name="Equation" r:id="rId6" imgW="1168400" imgH="596900" progId="Equation.DSMT4">
+                <p:oleObj spid="_x0000_s493645" name="Equation" r:id="rId6" imgW="1168400" imgH="596900" progId="Equation.DSMT4">
                   <p:embed/>
                 </p:oleObj>
               </mc:Choice>
@@ -4418,25 +5798,25 @@
           <p:nvPr>
             <p:extLst>
               <p:ext uri="{D42A27DB-BD31-4B8C-83A1-F6EECF244321}">
-                <p14:modId xmlns:p14="http://schemas.microsoft.com/office/powerpoint/2010/main" val="519043879"/>
+                <p14:modId xmlns:p14="http://schemas.microsoft.com/office/powerpoint/2010/main" val="3751882198"/>
               </p:ext>
             </p:extLst>
           </p:nvPr>
         </p:nvGraphicFramePr>
         <p:xfrm>
-          <a:off x="1119188" y="3294063"/>
-          <a:ext cx="6931025" cy="1479550"/>
+          <a:off x="987425" y="3425825"/>
+          <a:ext cx="7196138" cy="1216025"/>
         </p:xfrm>
         <a:graphic>
           <a:graphicData uri="http://schemas.openxmlformats.org/presentationml/2006/ole">
             <mc:AlternateContent xmlns:mc="http://schemas.openxmlformats.org/markup-compatibility/2006">
               <mc:Choice xmlns:v="urn:schemas-microsoft-com:vml" Requires="v">
-                <p:oleObj spid="_x0000_s493630" name="Equation" r:id="rId8" imgW="1663700" imgH="355600" progId="Equation.DSMT4">
+                <p:oleObj spid="_x0000_s493646" name="Equation" r:id="rId8" imgW="1727200" imgH="292100" progId="Equation.DSMT4">
                   <p:embed/>
                 </p:oleObj>
               </mc:Choice>
               <mc:Fallback>
-                <p:oleObj name="Equation" r:id="rId8" imgW="1663700" imgH="355600" progId="Equation.DSMT4">
+                <p:oleObj name="Equation" r:id="rId8" imgW="1727200" imgH="292100" progId="Equation.DSMT4">
                   <p:embed/>
                   <p:pic>
                     <p:nvPicPr>
@@ -4455,8 +5835,8 @@
                     </p:blipFill>
                     <p:spPr bwMode="auto">
                       <a:xfrm>
-                        <a:off x="1119188" y="3294063"/>
-                        <a:ext cx="6931025" cy="1479550"/>
+                        <a:off x="987425" y="3425825"/>
+                        <a:ext cx="7196138" cy="1216025"/>
                       </a:xfrm>
                       <a:prstGeom prst="rect">
                         <a:avLst/>
@@ -4578,7 +5958,7 @@
 </p:sld>
 </file>
 
-<file path=ppt/slides/slide11.xml><?xml version="1.0" encoding="utf-8"?>
+<file path=ppt/slides/slide13.xml><?xml version="1.0" encoding="utf-8"?>
 <p:sld xmlns:a="http://schemas.openxmlformats.org/drawingml/2006/main" xmlns:r="http://schemas.openxmlformats.org/officeDocument/2006/relationships" xmlns:p="http://schemas.openxmlformats.org/presentationml/2006/main">
   <p:cSld>
     <p:spTree>
@@ -4622,7 +6002,7 @@
               <a:pPr>
                 <a:defRPr/>
               </a:pPr>
-              <a:t>11</a:t>
+              <a:t>13</a:t>
             </a:fld>
             <a:endParaRPr lang="en-US" dirty="0"/>
           </a:p>
@@ -5533,7 +6913,7 @@
 </p:sld>
 </file>
 
-<file path=ppt/slides/slide12.xml><?xml version="1.0" encoding="utf-8"?>
+<file path=ppt/slides/slide14.xml><?xml version="1.0" encoding="utf-8"?>
 <p:sld xmlns:a="http://schemas.openxmlformats.org/drawingml/2006/main" xmlns:r="http://schemas.openxmlformats.org/officeDocument/2006/relationships" xmlns:p="http://schemas.openxmlformats.org/presentationml/2006/main">
   <p:cSld>
     <p:spTree>
@@ -5577,7 +6957,7 @@
               <a:pPr>
                 <a:defRPr/>
               </a:pPr>
-              <a:t>12</a:t>
+              <a:t>14</a:t>
             </a:fld>
             <a:endParaRPr lang="en-US" dirty="0"/>
           </a:p>
@@ -5910,7 +7290,7 @@
 </p:sld>
 </file>
 
-<file path=ppt/slides/slide13.xml><?xml version="1.0" encoding="utf-8"?>
+<file path=ppt/slides/slide15.xml><?xml version="1.0" encoding="utf-8"?>
 <p:sld xmlns:a="http://schemas.openxmlformats.org/drawingml/2006/main" xmlns:r="http://schemas.openxmlformats.org/officeDocument/2006/relationships" xmlns:p="http://schemas.openxmlformats.org/presentationml/2006/main">
   <p:cSld>
     <p:spTree>
@@ -5954,7 +7334,7 @@
               <a:pPr>
                 <a:defRPr/>
               </a:pPr>
-              <a:t>13</a:t>
+              <a:t>15</a:t>
             </a:fld>
             <a:endParaRPr lang="en-US" dirty="0"/>
           </a:p>
@@ -6001,13 +7381,37 @@
               <a:rPr lang="en-US" sz="4400" i="1" dirty="0">
                 <a:latin typeface="Comic Sans MS" pitchFamily="66" charset="0"/>
               </a:rPr>
-              <a:t> sampling procedure</a:t>
+              <a:t> </a:t>
+            </a:r>
+            <a:r>
+              <a:rPr lang="en-US" sz="4400" dirty="0">
+                <a:solidFill>
+                  <a:srgbClr val="800F6F"/>
+                </a:solidFill>
+                <a:latin typeface="Comic Sans MS" pitchFamily="66" charset="0"/>
+              </a:rPr>
+              <a:t>sampling </a:t>
+            </a:r>
+            <a:r>
+              <a:rPr lang="en-US" sz="4400" dirty="0" smtClean="0">
+                <a:solidFill>
+                  <a:srgbClr val="800F6F"/>
+                </a:solidFill>
+                <a:latin typeface="Comic Sans MS" pitchFamily="66" charset="0"/>
+              </a:rPr>
+              <a:t>process</a:t>
+            </a:r>
+            <a:r>
+              <a:rPr lang="en-US" sz="4400" dirty="0" smtClean="0">
+                <a:latin typeface="Comic Sans MS" pitchFamily="66" charset="0"/>
+              </a:rPr>
+              <a:t> </a:t>
             </a:r>
             <a:r>
               <a:rPr lang="en-US" sz="4400" dirty="0">
                 <a:latin typeface="Comic Sans MS" pitchFamily="66" charset="0"/>
               </a:rPr>
-              <a:t> is a random variable.  We can say that the </a:t>
+              <a:t>is a random variable.  We can say that the </a:t>
             </a:r>
             <a:r>
               <a:rPr lang="en-US" sz="4400" dirty="0" smtClean="0">
@@ -6048,23 +7452,32 @@
             <a:r>
               <a:rPr lang="en-US" sz="4400" dirty="0" smtClean="0">
                 <a:solidFill>
+                  <a:srgbClr val="800F6F"/>
+                </a:solidFill>
+                <a:latin typeface="Comic Sans MS" pitchFamily="66" charset="0"/>
+              </a:rPr>
+              <a:t>sampling   </a:t>
+            </a:r>
+          </a:p>
+          <a:p>
+            <a:pPr algn="l"/>
+            <a:r>
+              <a:rPr lang="en-US" sz="4400" dirty="0" smtClean="0">
+                <a:solidFill>
+                  <a:srgbClr val="800F6F"/>
+                </a:solidFill>
+                <a:latin typeface="Comic Sans MS" pitchFamily="66" charset="0"/>
+              </a:rPr>
+              <a:t> process</a:t>
+            </a:r>
+            <a:r>
+              <a:rPr lang="en-US" sz="4400" dirty="0" smtClean="0">
+                <a:solidFill>
                   <a:srgbClr val="FF33CC"/>
                 </a:solidFill>
                 <a:latin typeface="Comic Sans MS" pitchFamily="66" charset="0"/>
               </a:rPr>
-              <a:t>sampling   </a:t>
-            </a:r>
-          </a:p>
-          <a:p>
-            <a:pPr algn="l"/>
-            <a:r>
-              <a:rPr lang="en-US" sz="4400" dirty="0" smtClean="0">
-                <a:solidFill>
-                  <a:srgbClr val="FF33CC"/>
-                </a:solidFill>
-                <a:latin typeface="Comic Sans MS" pitchFamily="66" charset="0"/>
-              </a:rPr>
-              <a:t> process </a:t>
+              <a:t> </a:t>
             </a:r>
             <a:r>
               <a:rPr lang="en-US" sz="4400" dirty="0" smtClean="0">
@@ -6480,7 +7893,7 @@
 </p:sld>
 </file>
 
-<file path=ppt/slides/slide14.xml><?xml version="1.0" encoding="utf-8"?>
+<file path=ppt/slides/slide16.xml><?xml version="1.0" encoding="utf-8"?>
 <p:sld xmlns:a="http://schemas.openxmlformats.org/drawingml/2006/main" xmlns:r="http://schemas.openxmlformats.org/officeDocument/2006/relationships" xmlns:p="http://schemas.openxmlformats.org/presentationml/2006/main">
   <p:cSld>
     <p:spTree>
@@ -6524,7 +7937,7 @@
               <a:pPr>
                 <a:defRPr/>
               </a:pPr>
-              <a:t>14</a:t>
+              <a:t>16</a:t>
             </a:fld>
             <a:endParaRPr lang="en-US" dirty="0"/>
           </a:p>
@@ -6724,7 +8137,7 @@
 </p:sld>
 </file>
 
-<file path=ppt/slides/slide15.xml><?xml version="1.0" encoding="utf-8"?>
+<file path=ppt/slides/slide17.xml><?xml version="1.0" encoding="utf-8"?>
 <p:sld xmlns:a="http://schemas.openxmlformats.org/drawingml/2006/main" xmlns:r="http://schemas.openxmlformats.org/officeDocument/2006/relationships" xmlns:p="http://schemas.openxmlformats.org/presentationml/2006/main" show="0">
   <p:cSld>
     <p:spTree>
@@ -6768,7 +8181,7 @@
               <a:pPr>
                 <a:defRPr/>
               </a:pPr>
-              <a:t>15</a:t>
+              <a:t>17</a:t>
             </a:fld>
             <a:endParaRPr lang="en-US" dirty="0"/>
           </a:p>
@@ -6984,7 +8397,7 @@
 </p:sld>
 </file>
 
-<file path=ppt/slides/slide16.xml><?xml version="1.0" encoding="utf-8"?>
+<file path=ppt/slides/slide18.xml><?xml version="1.0" encoding="utf-8"?>
 <p:sld xmlns:a="http://schemas.openxmlformats.org/drawingml/2006/main" xmlns:r="http://schemas.openxmlformats.org/officeDocument/2006/relationships" xmlns:p="http://schemas.openxmlformats.org/presentationml/2006/main">
   <p:cSld>
     <p:spTree>
@@ -7028,7 +8441,7 @@
               <a:pPr>
                 <a:defRPr/>
               </a:pPr>
-              <a:t>16</a:t>
+              <a:t>18</a:t>
             </a:fld>
             <a:endParaRPr lang="en-US" dirty="0"/>
           </a:p>
@@ -7572,7 +8985,7 @@
 </p:sld>
 </file>
 
-<file path=ppt/slides/slide17.xml><?xml version="1.0" encoding="utf-8"?>
+<file path=ppt/slides/slide19.xml><?xml version="1.0" encoding="utf-8"?>
 <p:sld xmlns:a="http://schemas.openxmlformats.org/drawingml/2006/main" xmlns:r="http://schemas.openxmlformats.org/officeDocument/2006/relationships" xmlns:p="http://schemas.openxmlformats.org/presentationml/2006/main">
   <p:cSld>
     <p:spTree>
@@ -7696,7 +9109,7 @@
               <a:pPr>
                 <a:defRPr/>
               </a:pPr>
-              <a:t>17</a:t>
+              <a:t>19</a:t>
             </a:fld>
             <a:endParaRPr lang="en-US" dirty="0"/>
           </a:p>
@@ -7909,7 +9322,7 @@
 </file>
 
 <file path=ppt/slides/slide2.xml><?xml version="1.0" encoding="utf-8"?>
-<p:sld xmlns:a="http://schemas.openxmlformats.org/drawingml/2006/main" xmlns:r="http://schemas.openxmlformats.org/officeDocument/2006/relationships" xmlns:p="http://schemas.openxmlformats.org/presentationml/2006/main">
+<p:sld xmlns:a="http://schemas.openxmlformats.org/drawingml/2006/main" xmlns:r="http://schemas.openxmlformats.org/officeDocument/2006/relationships" xmlns:p="http://schemas.openxmlformats.org/presentationml/2006/main" show="0">
   <p:cSld>
     <p:spTree>
       <p:nvGrpSpPr>
@@ -8282,7 +9695,7 @@
           <a:graphicData uri="http://schemas.openxmlformats.org/presentationml/2006/ole">
             <mc:AlternateContent xmlns:mc="http://schemas.openxmlformats.org/markup-compatibility/2006">
               <mc:Choice xmlns:v="urn:schemas-microsoft-com:vml" Requires="v">
-                <p:oleObj spid="_x0000_s489545" name="Equation" r:id="rId5" imgW="1816100" imgH="330200" progId="Equation.DSMT4">
+                <p:oleObj spid="_x0000_s489554" name="Equation" r:id="rId5" imgW="1816100" imgH="330200" progId="Equation.DSMT4">
                   <p:embed/>
                 </p:oleObj>
               </mc:Choice>
@@ -8352,7 +9765,7 @@
           <a:graphicData uri="http://schemas.openxmlformats.org/presentationml/2006/ole">
             <mc:AlternateContent xmlns:mc="http://schemas.openxmlformats.org/markup-compatibility/2006">
               <mc:Choice xmlns:v="urn:schemas-microsoft-com:vml" Requires="v">
-                <p:oleObj spid="_x0000_s489546" name="Equation" r:id="rId7" imgW="1714500" imgH="596900" progId="Equation.DSMT4">
+                <p:oleObj spid="_x0000_s489555" name="Equation" r:id="rId7" imgW="1714500" imgH="596900" progId="Equation.DSMT4">
                   <p:embed/>
                 </p:oleObj>
               </mc:Choice>
@@ -8820,6 +10233,547 @@
       </p:grpSpPr>
       <p:sp>
         <p:nvSpPr>
+          <p:cNvPr id="111618" name="Rectangle 2"/>
+          <p:cNvSpPr>
+            <a:spLocks noGrp="1" noChangeArrowheads="1"/>
+          </p:cNvSpPr>
+          <p:nvPr>
+            <p:ph type="title"/>
+          </p:nvPr>
+        </p:nvSpPr>
+        <p:spPr>
+          <a:xfrm>
+            <a:off x="1295400" y="116046"/>
+            <a:ext cx="7672388" cy="882650"/>
+          </a:xfrm>
+        </p:spPr>
+        <p:txBody>
+          <a:bodyPr/>
+          <a:lstStyle/>
+          <a:p>
+            <a:r>
+              <a:rPr lang="en-US" dirty="0" err="1">
+                <a:latin typeface="Comic Sans MS"/>
+                <a:cs typeface="Comic Sans MS"/>
+              </a:rPr>
+              <a:t>Pairwise</a:t>
+            </a:r>
+            <a:r>
+              <a:rPr lang="en-US" dirty="0">
+                <a:latin typeface="Comic Sans MS"/>
+                <a:cs typeface="Comic Sans MS"/>
+              </a:rPr>
+              <a:t> Independent Sampling</a:t>
+            </a:r>
+          </a:p>
+        </p:txBody>
+      </p:sp>
+      <p:sp>
+        <p:nvSpPr>
+          <p:cNvPr id="111619" name="Rectangle 3"/>
+          <p:cNvSpPr>
+            <a:spLocks noGrp="1" noChangeArrowheads="1"/>
+          </p:cNvSpPr>
+          <p:nvPr>
+            <p:ph type="body" idx="1"/>
+          </p:nvPr>
+        </p:nvSpPr>
+        <p:spPr bwMode="auto">
+          <a:xfrm>
+            <a:off x="622300" y="1393063"/>
+            <a:ext cx="8053388" cy="2794000"/>
+          </a:xfrm>
+          <a:noFill/>
+          <a:ln>
+            <a:miter lim="800000"/>
+            <a:headEnd/>
+            <a:tailEnd/>
+          </a:ln>
+        </p:spPr>
+        <p:txBody>
+          <a:bodyPr vert="horz" wrap="square" lIns="91440" tIns="45720" rIns="91440" bIns="45720" numCol="1" anchor="t" anchorCtr="0" compatLnSpc="1">
+            <a:prstTxWarp prst="textNoShape">
+              <a:avLst/>
+            </a:prstTxWarp>
+          </a:bodyPr>
+          <a:lstStyle/>
+          <a:p>
+            <a:pPr>
+              <a:buNone/>
+            </a:pPr>
+            <a:r>
+              <a:rPr lang="en-US" sz="3600" dirty="0">
+                <a:latin typeface="Comic Sans MS"/>
+                <a:cs typeface="Comic Sans MS"/>
+              </a:rPr>
+              <a:t>Let </a:t>
+            </a:r>
+            <a:r>
+              <a:rPr lang="en-US" sz="3600" dirty="0">
+                <a:solidFill>
+                  <a:srgbClr val="0000FF"/>
+                </a:solidFill>
+                <a:latin typeface="Comic Sans MS"/>
+                <a:cs typeface="Comic Sans MS"/>
+              </a:rPr>
+              <a:t>R</a:t>
+            </a:r>
+            <a:r>
+              <a:rPr lang="en-US" sz="3600" baseline="-25000" dirty="0">
+                <a:solidFill>
+                  <a:srgbClr val="0000FF"/>
+                </a:solidFill>
+                <a:latin typeface="Comic Sans MS"/>
+                <a:cs typeface="Comic Sans MS"/>
+              </a:rPr>
+              <a:t>1</a:t>
+            </a:r>
+            <a:r>
+              <a:rPr lang="en-US" sz="3600" dirty="0">
+                <a:solidFill>
+                  <a:srgbClr val="0000FF"/>
+                </a:solidFill>
+                <a:latin typeface="Comic Sans MS"/>
+                <a:cs typeface="Comic Sans MS"/>
+              </a:rPr>
+              <a:t>,…,</a:t>
+            </a:r>
+            <a:r>
+              <a:rPr lang="en-US" sz="3600" dirty="0" err="1" smtClean="0">
+                <a:solidFill>
+                  <a:srgbClr val="0000FF"/>
+                </a:solidFill>
+                <a:latin typeface="Comic Sans MS"/>
+                <a:cs typeface="Comic Sans MS"/>
+              </a:rPr>
+              <a:t>R</a:t>
+            </a:r>
+            <a:r>
+              <a:rPr lang="en-US" sz="3600" baseline="-25000" dirty="0" err="1" smtClean="0">
+                <a:solidFill>
+                  <a:srgbClr val="0000FF"/>
+                </a:solidFill>
+                <a:latin typeface="Comic Sans MS"/>
+                <a:cs typeface="Comic Sans MS"/>
+              </a:rPr>
+              <a:t>n</a:t>
+            </a:r>
+            <a:r>
+              <a:rPr lang="en-US" sz="3600" dirty="0" smtClean="0">
+                <a:solidFill>
+                  <a:srgbClr val="0000FF"/>
+                </a:solidFill>
+                <a:latin typeface="Comic Sans MS"/>
+                <a:cs typeface="Comic Sans MS"/>
+              </a:rPr>
+              <a:t> </a:t>
+            </a:r>
+            <a:r>
+              <a:rPr lang="en-US" sz="3600" dirty="0" smtClean="0">
+                <a:latin typeface="Comic Sans MS"/>
+                <a:cs typeface="Comic Sans MS"/>
+              </a:rPr>
+              <a:t>be </a:t>
+            </a:r>
+            <a:r>
+              <a:rPr lang="en-US" sz="3600" dirty="0" err="1">
+                <a:solidFill>
+                  <a:srgbClr val="A7097A"/>
+                </a:solidFill>
+                <a:latin typeface="Comic Sans MS"/>
+                <a:cs typeface="Comic Sans MS"/>
+              </a:rPr>
+              <a:t>pairwise</a:t>
+            </a:r>
+            <a:r>
+              <a:rPr lang="en-US" sz="3600" dirty="0">
+                <a:solidFill>
+                  <a:srgbClr val="A7097A"/>
+                </a:solidFill>
+                <a:latin typeface="Comic Sans MS"/>
+                <a:cs typeface="Comic Sans MS"/>
+              </a:rPr>
+              <a:t> independent</a:t>
+            </a:r>
+          </a:p>
+          <a:p>
+            <a:pPr>
+              <a:buNone/>
+            </a:pPr>
+            <a:r>
+              <a:rPr lang="en-US" sz="3600" dirty="0">
+                <a:latin typeface="Comic Sans MS"/>
+                <a:cs typeface="Comic Sans MS"/>
+              </a:rPr>
+              <a:t>random </a:t>
+            </a:r>
+            <a:r>
+              <a:rPr lang="en-US" sz="3600" dirty="0" err="1">
+                <a:latin typeface="Comic Sans MS"/>
+                <a:cs typeface="Comic Sans MS"/>
+              </a:rPr>
+              <a:t>vars</a:t>
+            </a:r>
+            <a:r>
+              <a:rPr lang="en-US" sz="3600" dirty="0">
+                <a:latin typeface="Comic Sans MS"/>
+                <a:cs typeface="Comic Sans MS"/>
+              </a:rPr>
+              <a:t> with the same finite </a:t>
+            </a:r>
+          </a:p>
+          <a:p>
+            <a:pPr>
+              <a:buNone/>
+            </a:pPr>
+            <a:r>
+              <a:rPr lang="en-US" sz="3600" dirty="0" smtClean="0">
+                <a:latin typeface="Comic Sans MS"/>
+                <a:cs typeface="Comic Sans MS"/>
+              </a:rPr>
+              <a:t>mean </a:t>
+            </a:r>
+            <a:r>
+              <a:rPr lang="en-US" sz="3600" dirty="0" err="1" smtClean="0">
+                <a:solidFill>
+                  <a:srgbClr val="0000FF"/>
+                </a:solidFill>
+                <a:latin typeface="Comic Sans MS"/>
+                <a:cs typeface="Comic Sans MS"/>
+                <a:sym typeface="Symbol" pitchFamily="18" charset="2"/>
+              </a:rPr>
+              <a:t>μ</a:t>
+            </a:r>
+            <a:r>
+              <a:rPr lang="en-US" sz="3600" dirty="0" smtClean="0">
+                <a:solidFill>
+                  <a:srgbClr val="0000FF"/>
+                </a:solidFill>
+                <a:latin typeface="Comic Sans MS"/>
+                <a:cs typeface="Comic Sans MS"/>
+                <a:sym typeface="Symbol" pitchFamily="18" charset="2"/>
+              </a:rPr>
+              <a:t> </a:t>
+            </a:r>
+            <a:r>
+              <a:rPr lang="en-US" sz="3600" dirty="0">
+                <a:latin typeface="Comic Sans MS"/>
+                <a:cs typeface="Comic Sans MS"/>
+                <a:sym typeface="Symbol" pitchFamily="18" charset="2"/>
+              </a:rPr>
+              <a:t>and </a:t>
+            </a:r>
+            <a:r>
+              <a:rPr lang="en-US" sz="3600" dirty="0" smtClean="0">
+                <a:latin typeface="Comic Sans MS"/>
+                <a:cs typeface="Comic Sans MS"/>
+                <a:sym typeface="Symbol" pitchFamily="18" charset="2"/>
+              </a:rPr>
+              <a:t>variance </a:t>
+            </a:r>
+            <a:r>
+              <a:rPr lang="en-US" sz="3600" dirty="0" smtClean="0">
+                <a:solidFill>
+                  <a:srgbClr val="0000FF"/>
+                </a:solidFill>
+                <a:latin typeface="Comic Sans MS"/>
+                <a:cs typeface="Comic Sans MS"/>
+                <a:sym typeface="Symbol" pitchFamily="18" charset="2"/>
+              </a:rPr>
+              <a:t>σ</a:t>
+            </a:r>
+            <a:r>
+              <a:rPr lang="en-US" sz="3600" baseline="30000" dirty="0" smtClean="0">
+                <a:solidFill>
+                  <a:srgbClr val="0000FF"/>
+                </a:solidFill>
+                <a:latin typeface="Comic Sans MS"/>
+                <a:cs typeface="Comic Sans MS"/>
+                <a:sym typeface="Symbol" pitchFamily="18" charset="2"/>
+              </a:rPr>
+              <a:t>2</a:t>
+            </a:r>
+            <a:r>
+              <a:rPr lang="en-US" sz="3600" dirty="0">
+                <a:latin typeface="Comic Sans MS"/>
+                <a:cs typeface="Comic Sans MS"/>
+                <a:sym typeface="Symbol" pitchFamily="18" charset="2"/>
+              </a:rPr>
+              <a:t>.  Let</a:t>
+            </a:r>
+          </a:p>
+          <a:p>
+            <a:pPr>
+              <a:buNone/>
+            </a:pPr>
+            <a:r>
+              <a:rPr lang="en-US" sz="3600" dirty="0">
+                <a:latin typeface="Comic Sans MS"/>
+                <a:cs typeface="Comic Sans MS"/>
+                <a:sym typeface="Symbol" pitchFamily="18" charset="2"/>
+              </a:rPr>
+              <a:t>                                           </a:t>
+            </a:r>
+            <a:r>
+              <a:rPr lang="en-US" sz="3600" dirty="0" smtClean="0">
+                <a:latin typeface="Comic Sans MS"/>
+                <a:cs typeface="Comic Sans MS"/>
+                <a:sym typeface="Symbol" pitchFamily="18" charset="2"/>
+              </a:rPr>
+              <a:t> </a:t>
+            </a:r>
+            <a:r>
+              <a:rPr lang="en-US" sz="3600" dirty="0" smtClean="0">
+                <a:latin typeface="Comic Sans MS"/>
+                <a:cs typeface="Comic Sans MS"/>
+                <a:sym typeface="Symbol" pitchFamily="18" charset="2"/>
+              </a:rPr>
+              <a:t> Then</a:t>
+            </a:r>
+            <a:endParaRPr lang="en-US" sz="3600" dirty="0">
+              <a:latin typeface="Comic Sans MS"/>
+              <a:cs typeface="Comic Sans MS"/>
+              <a:sym typeface="Symbol" pitchFamily="18" charset="2"/>
+            </a:endParaRPr>
+          </a:p>
+        </p:txBody>
+      </p:sp>
+      <p:graphicFrame>
+        <p:nvGraphicFramePr>
+          <p:cNvPr id="6" name="Object 5"/>
+          <p:cNvGraphicFramePr>
+            <a:graphicFrameLocks noChangeAspect="1"/>
+          </p:cNvGraphicFramePr>
+          <p:nvPr>
+            <p:extLst>
+              <p:ext uri="{D42A27DB-BD31-4B8C-83A1-F6EECF244321}">
+                <p14:modId xmlns:p14="http://schemas.microsoft.com/office/powerpoint/2010/main" val="3809900952"/>
+              </p:ext>
+            </p:extLst>
+          </p:nvPr>
+        </p:nvGraphicFramePr>
+        <p:xfrm>
+          <a:off x="654050" y="3213100"/>
+          <a:ext cx="6127750" cy="977900"/>
+        </p:xfrm>
+        <a:graphic>
+          <a:graphicData uri="http://schemas.openxmlformats.org/presentationml/2006/ole">
+            <mc:AlternateContent xmlns:mc="http://schemas.openxmlformats.org/markup-compatibility/2006">
+              <mc:Choice xmlns:v="urn:schemas-microsoft-com:vml" Requires="v">
+                <p:oleObj spid="_x0000_s1033" name="Equation" r:id="rId5" imgW="1828800" imgH="292100" progId="Equation.DSMT4">
+                  <p:embed/>
+                </p:oleObj>
+              </mc:Choice>
+              <mc:Fallback>
+                <p:oleObj name="Equation" r:id="rId5" imgW="1828800" imgH="292100" progId="Equation.DSMT4">
+                  <p:embed/>
+                  <p:pic>
+                    <p:nvPicPr>
+                      <p:cNvPr id="0" name=""/>
+                      <p:cNvPicPr>
+                        <a:picLocks noChangeAspect="1" noChangeArrowheads="1"/>
+                      </p:cNvPicPr>
+                      <p:nvPr/>
+                    </p:nvPicPr>
+                    <p:blipFill>
+                      <a:blip r:embed="rId6"/>
+                      <a:srcRect/>
+                      <a:stretch>
+                        <a:fillRect/>
+                      </a:stretch>
+                    </p:blipFill>
+                    <p:spPr bwMode="auto">
+                      <a:xfrm>
+                        <a:off x="654050" y="3213100"/>
+                        <a:ext cx="6127750" cy="977900"/>
+                      </a:xfrm>
+                      <a:prstGeom prst="rect">
+                        <a:avLst/>
+                      </a:prstGeom>
+                      <a:noFill/>
+                      <a:extLst>
+                        <a:ext uri="{909E8E84-426E-40dd-AFC4-6F175D3DCCD1}">
+                          <a14:hiddenFill xmlns:a14="http://schemas.microsoft.com/office/drawing/2010/main">
+                            <a:solidFill>
+                              <a:srgbClr val="FFFFFF"/>
+                            </a:solidFill>
+                          </a14:hiddenFill>
+                        </a:ext>
+                      </a:extLst>
+                    </p:spPr>
+                  </p:pic>
+                </p:oleObj>
+              </mc:Fallback>
+            </mc:AlternateContent>
+          </a:graphicData>
+        </a:graphic>
+      </p:graphicFrame>
+      <p:graphicFrame>
+        <p:nvGraphicFramePr>
+          <p:cNvPr id="128002" name="Object 3"/>
+          <p:cNvGraphicFramePr>
+            <a:graphicFrameLocks noChangeAspect="1"/>
+          </p:cNvGraphicFramePr>
+          <p:nvPr>
+            <p:extLst>
+              <p:ext uri="{D42A27DB-BD31-4B8C-83A1-F6EECF244321}">
+                <p14:modId xmlns:p14="http://schemas.microsoft.com/office/powerpoint/2010/main" val="3821199231"/>
+              </p:ext>
+            </p:extLst>
+          </p:nvPr>
+        </p:nvGraphicFramePr>
+        <p:xfrm>
+          <a:off x="747713" y="3879850"/>
+          <a:ext cx="7648575" cy="2493963"/>
+        </p:xfrm>
+        <a:graphic>
+          <a:graphicData uri="http://schemas.openxmlformats.org/presentationml/2006/ole">
+            <mc:AlternateContent xmlns:mc="http://schemas.openxmlformats.org/markup-compatibility/2006">
+              <mc:Choice xmlns:v="urn:schemas-microsoft-com:vml" Requires="v">
+                <p:oleObj spid="_x0000_s1034" name="Equation" r:id="rId7" imgW="1828800" imgH="596900" progId="Equation.DSMT4">
+                  <p:embed/>
+                </p:oleObj>
+              </mc:Choice>
+              <mc:Fallback>
+                <p:oleObj name="Equation" r:id="rId7" imgW="1828800" imgH="596900" progId="Equation.DSMT4">
+                  <p:embed/>
+                  <p:pic>
+                    <p:nvPicPr>
+                      <p:cNvPr id="0" name=""/>
+                      <p:cNvPicPr>
+                        <a:picLocks noChangeAspect="1" noChangeArrowheads="1"/>
+                      </p:cNvPicPr>
+                      <p:nvPr/>
+                    </p:nvPicPr>
+                    <p:blipFill>
+                      <a:blip r:embed="rId8"/>
+                      <a:srcRect/>
+                      <a:stretch>
+                        <a:fillRect/>
+                      </a:stretch>
+                    </p:blipFill>
+                    <p:spPr bwMode="auto">
+                      <a:xfrm>
+                        <a:off x="747713" y="3879850"/>
+                        <a:ext cx="7648575" cy="2493963"/>
+                      </a:xfrm>
+                      <a:prstGeom prst="rect">
+                        <a:avLst/>
+                      </a:prstGeom>
+                      <a:noFill/>
+                      <a:extLst>
+                        <a:ext uri="{909E8E84-426E-40dd-AFC4-6F175D3DCCD1}">
+                          <a14:hiddenFill xmlns:a14="http://schemas.microsoft.com/office/drawing/2010/main">
+                            <a:solidFill>
+                              <a:srgbClr val="FFFFFF"/>
+                            </a:solidFill>
+                          </a14:hiddenFill>
+                        </a:ext>
+                      </a:extLst>
+                    </p:spPr>
+                  </p:pic>
+                </p:oleObj>
+              </mc:Fallback>
+            </mc:AlternateContent>
+          </a:graphicData>
+        </a:graphic>
+      </p:graphicFrame>
+      <p:sp>
+        <p:nvSpPr>
+          <p:cNvPr id="7" name="TextBox 6"/>
+          <p:cNvSpPr txBox="1"/>
+          <p:nvPr/>
+        </p:nvSpPr>
+        <p:spPr>
+          <a:xfrm>
+            <a:off x="968223" y="920418"/>
+            <a:ext cx="2232177" cy="646331"/>
+          </a:xfrm>
+          <a:prstGeom prst="rect">
+            <a:avLst/>
+          </a:prstGeom>
+          <a:noFill/>
+        </p:spPr>
+        <p:txBody>
+          <a:bodyPr wrap="none" rtlCol="0">
+            <a:spAutoFit/>
+          </a:bodyPr>
+          <a:lstStyle/>
+          <a:p>
+            <a:r>
+              <a:rPr lang="en-US" sz="3600" dirty="0" smtClean="0">
+                <a:solidFill>
+                  <a:srgbClr val="660066"/>
+                </a:solidFill>
+                <a:latin typeface="Comic Sans MS"/>
+                <a:cs typeface="Comic Sans MS"/>
+              </a:rPr>
+              <a:t>Theorem:</a:t>
+            </a:r>
+            <a:endParaRPr lang="en-US" sz="3600" dirty="0">
+              <a:solidFill>
+                <a:srgbClr val="660066"/>
+              </a:solidFill>
+              <a:latin typeface="Comic Sans MS"/>
+              <a:cs typeface="Comic Sans MS"/>
+            </a:endParaRPr>
+          </a:p>
+        </p:txBody>
+      </p:sp>
+    </p:spTree>
+    <p:custDataLst>
+      <p:tags r:id="rId2"/>
+    </p:custDataLst>
+    <p:extLst>
+      <p:ext uri="{BB962C8B-B14F-4D97-AF65-F5344CB8AC3E}">
+        <p14:creationId xmlns:p14="http://schemas.microsoft.com/office/powerpoint/2010/main" val="50715582"/>
+      </p:ext>
+    </p:extLst>
+  </p:cSld>
+  <p:clrMapOvr>
+    <a:masterClrMapping/>
+  </p:clrMapOvr>
+  <mc:AlternateContent xmlns:mc="http://schemas.openxmlformats.org/markup-compatibility/2006">
+    <mc:Choice xmlns:p14="http://schemas.microsoft.com/office/powerpoint/2010/main" Requires="p14">
+      <p:transition spd="slow" p14:dur="1100" advClick="0">
+        <p:fade thruBlk="1"/>
+      </p:transition>
+    </mc:Choice>
+    <mc:Fallback>
+      <p:transition xmlns:p14="http://schemas.microsoft.com/office/powerpoint/2010/main" spd="slow" advClick="0">
+        <p:fade thruBlk="1"/>
+      </p:transition>
+    </mc:Fallback>
+  </mc:AlternateContent>
+  <p:timing>
+    <p:tnLst>
+      <p:par>
+        <p:cTn xmlns:p14="http://schemas.microsoft.com/office/powerpoint/2010/main" id="1" dur="indefinite" restart="never" nodeType="tmRoot"/>
+      </p:par>
+    </p:tnLst>
+  </p:timing>
+</p:sld>
+</file>
+
+<file path=ppt/slides/slide4.xml><?xml version="1.0" encoding="utf-8"?>
+<p:sld xmlns:a="http://schemas.openxmlformats.org/drawingml/2006/main" xmlns:r="http://schemas.openxmlformats.org/officeDocument/2006/relationships" xmlns:p="http://schemas.openxmlformats.org/presentationml/2006/main">
+  <p:cSld>
+    <p:spTree>
+      <p:nvGrpSpPr>
+        <p:cNvPr id="1" name=""/>
+        <p:cNvGrpSpPr/>
+        <p:nvPr/>
+      </p:nvGrpSpPr>
+      <p:grpSpPr>
+        <a:xfrm>
+          <a:off x="0" y="0"/>
+          <a:ext cx="0" cy="0"/>
+          <a:chOff x="0" y="0"/>
+          <a:chExt cx="0" cy="0"/>
+        </a:xfrm>
+      </p:grpSpPr>
+      <p:sp>
+        <p:nvSpPr>
           <p:cNvPr id="23554" name="Slide Number Placeholder 3"/>
           <p:cNvSpPr>
             <a:spLocks noGrp="1"/>
@@ -8845,7 +10799,7 @@
               <a:pPr>
                 <a:defRPr/>
               </a:pPr>
-              <a:t>3</a:t>
+              <a:t>4</a:t>
             </a:fld>
             <a:endParaRPr lang="en-US" dirty="0"/>
           </a:p>
@@ -9395,7 +11349,7 @@
 </p:sld>
 </file>
 
-<file path=ppt/slides/slide4.xml><?xml version="1.0" encoding="utf-8"?>
+<file path=ppt/slides/slide5.xml><?xml version="1.0" encoding="utf-8"?>
 <p:sld xmlns:a="http://schemas.openxmlformats.org/drawingml/2006/main" xmlns:r="http://schemas.openxmlformats.org/officeDocument/2006/relationships" xmlns:p="http://schemas.openxmlformats.org/presentationml/2006/main">
   <p:cSld>
     <p:spTree>
@@ -9439,7 +11393,7 @@
               <a:pPr>
                 <a:defRPr/>
               </a:pPr>
-              <a:t>4</a:t>
+              <a:t>5</a:t>
             </a:fld>
             <a:endParaRPr lang="en-US" dirty="0"/>
           </a:p>
@@ -9578,7 +11532,7 @@
 </p:sld>
 </file>
 
-<file path=ppt/slides/slide5.xml><?xml version="1.0" encoding="utf-8"?>
+<file path=ppt/slides/slide6.xml><?xml version="1.0" encoding="utf-8"?>
 <p:sld xmlns:a="http://schemas.openxmlformats.org/drawingml/2006/main" xmlns:r="http://schemas.openxmlformats.org/officeDocument/2006/relationships" xmlns:p="http://schemas.openxmlformats.org/presentationml/2006/main">
   <p:cSld>
     <p:spTree>
@@ -9622,7 +11576,7 @@
               <a:pPr>
                 <a:defRPr/>
               </a:pPr>
-              <a:t>5</a:t>
+              <a:t>6</a:t>
             </a:fld>
             <a:endParaRPr lang="en-US" dirty="0"/>
           </a:p>
@@ -10020,7 +11974,7 @@
 </p:sld>
 </file>
 
-<file path=ppt/slides/slide6.xml><?xml version="1.0" encoding="utf-8"?>
+<file path=ppt/slides/slide7.xml><?xml version="1.0" encoding="utf-8"?>
 <p:sld xmlns:a="http://schemas.openxmlformats.org/drawingml/2006/main" xmlns:r="http://schemas.openxmlformats.org/officeDocument/2006/relationships" xmlns:p="http://schemas.openxmlformats.org/presentationml/2006/main">
   <p:cSld>
     <p:spTree>
@@ -10064,7 +12018,7 @@
               <a:pPr>
                 <a:defRPr/>
               </a:pPr>
-              <a:t>6</a:t>
+              <a:t>7</a:t>
             </a:fld>
             <a:endParaRPr lang="en-US" dirty="0"/>
           </a:p>
@@ -10269,7 +12223,7 @@
 </p:sld>
 </file>
 
-<file path=ppt/slides/slide7.xml><?xml version="1.0" encoding="utf-8"?>
+<file path=ppt/slides/slide8.xml><?xml version="1.0" encoding="utf-8"?>
 <p:sld xmlns:a="http://schemas.openxmlformats.org/drawingml/2006/main" xmlns:r="http://schemas.openxmlformats.org/officeDocument/2006/relationships" xmlns:p="http://schemas.openxmlformats.org/presentationml/2006/main">
   <p:cSld>
     <p:spTree>
@@ -10341,7 +12295,7 @@
               <a:pPr>
                 <a:defRPr/>
               </a:pPr>
-              <a:t>7</a:t>
+              <a:t>8</a:t>
             </a:fld>
             <a:endParaRPr lang="en-US" dirty="0" smtClean="0"/>
           </a:p>
@@ -11010,7 +12964,7 @@
 </p:sld>
 </file>
 
-<file path=ppt/slides/slide8.xml><?xml version="1.0" encoding="utf-8"?>
+<file path=ppt/slides/slide9.xml><?xml version="1.0" encoding="utf-8"?>
 <p:sld xmlns:a="http://schemas.openxmlformats.org/drawingml/2006/main" xmlns:r="http://schemas.openxmlformats.org/officeDocument/2006/relationships" xmlns:p="http://schemas.openxmlformats.org/presentationml/2006/main">
   <p:cSld>
     <p:spTree>
@@ -11036,25 +12990,25 @@
           <p:nvPr>
             <p:extLst>
               <p:ext uri="{D42A27DB-BD31-4B8C-83A1-F6EECF244321}">
-                <p14:modId xmlns:p14="http://schemas.microsoft.com/office/powerpoint/2010/main" val="2951106406"/>
+                <p14:modId xmlns:p14="http://schemas.microsoft.com/office/powerpoint/2010/main" val="3156856546"/>
               </p:ext>
             </p:extLst>
           </p:nvPr>
         </p:nvGraphicFramePr>
         <p:xfrm>
-          <a:off x="1295400" y="1219200"/>
-          <a:ext cx="6051550" cy="1946275"/>
+          <a:off x="1066800" y="1066800"/>
+          <a:ext cx="6747942" cy="2098675"/>
         </p:xfrm>
         <a:graphic>
           <a:graphicData uri="http://schemas.openxmlformats.org/presentationml/2006/ole">
             <mc:AlternateContent xmlns:mc="http://schemas.openxmlformats.org/markup-compatibility/2006">
               <mc:Choice xmlns:v="urn:schemas-microsoft-com:vml" Requires="v">
-                <p:oleObj spid="_x0000_s426121" name="Equation" r:id="rId4" imgW="1854200" imgH="596900" progId="Equation.DSMT4">
+                <p:oleObj spid="_x0000_s426135" name="Equation" r:id="rId4" imgW="1917700" imgH="596900" progId="Equation.DSMT4">
                   <p:embed/>
                 </p:oleObj>
               </mc:Choice>
               <mc:Fallback>
-                <p:oleObj name="Equation" r:id="rId4" imgW="1854200" imgH="596900" progId="Equation.DSMT4">
+                <p:oleObj name="Equation" r:id="rId4" imgW="1917700" imgH="596900" progId="Equation.DSMT4">
                   <p:embed/>
                   <p:pic>
                     <p:nvPicPr>
@@ -11065,13 +13019,7 @@
                       <p:nvPr/>
                     </p:nvPicPr>
                     <p:blipFill>
-                      <a:blip r:embed="rId5">
-                        <a:extLst>
-                          <a:ext uri="{28A0092B-C50C-407E-A947-70E740481C1C}">
-                            <a14:useLocalDpi xmlns:a14="http://schemas.microsoft.com/office/drawing/2010/main" val="0"/>
-                          </a:ext>
-                        </a:extLst>
-                      </a:blip>
+                      <a:blip r:embed="rId5"/>
                       <a:srcRect/>
                       <a:stretch>
                         <a:fillRect/>
@@ -11079,85 +13027,14 @@
                     </p:blipFill>
                     <p:spPr bwMode="auto">
                       <a:xfrm>
-                        <a:off x="1295400" y="1219200"/>
-                        <a:ext cx="6051550" cy="1946275"/>
+                        <a:off x="1066800" y="1066800"/>
+                        <a:ext cx="6747942" cy="2098675"/>
                       </a:xfrm>
                       <a:prstGeom prst="rect">
                         <a:avLst/>
                       </a:prstGeom>
                       <a:noFill/>
-                      <a:extLst>
-                        <a:ext uri="{909E8E84-426E-40dd-AFC4-6F175D3DCCD1}">
-                          <a14:hiddenFill xmlns:a14="http://schemas.microsoft.com/office/drawing/2010/main">
-                            <a:solidFill>
-                              <a:srgbClr val="FFFFFF"/>
-                            </a:solidFill>
-                          </a14:hiddenFill>
-                        </a:ext>
-                      </a:extLst>
-                    </p:spPr>
-                  </p:pic>
-                </p:oleObj>
-              </mc:Fallback>
-            </mc:AlternateContent>
-          </a:graphicData>
-        </a:graphic>
-      </p:graphicFrame>
-      <p:graphicFrame>
-        <p:nvGraphicFramePr>
-          <p:cNvPr id="425990" name="Object 6"/>
-          <p:cNvGraphicFramePr>
-            <a:graphicFrameLocks noChangeAspect="1"/>
-          </p:cNvGraphicFramePr>
-          <p:nvPr>
-            <p:extLst>
-              <p:ext uri="{D42A27DB-BD31-4B8C-83A1-F6EECF244321}">
-                <p14:modId xmlns:p14="http://schemas.microsoft.com/office/powerpoint/2010/main" val="3821384280"/>
-              </p:ext>
-            </p:extLst>
-          </p:nvPr>
-        </p:nvGraphicFramePr>
-        <p:xfrm>
-          <a:off x="1185863" y="1177925"/>
-          <a:ext cx="6632575" cy="1946275"/>
-        </p:xfrm>
-        <a:graphic>
-          <a:graphicData uri="http://schemas.openxmlformats.org/presentationml/2006/ole">
-            <mc:AlternateContent xmlns:mc="http://schemas.openxmlformats.org/markup-compatibility/2006">
-              <mc:Choice xmlns:v="urn:schemas-microsoft-com:vml" Requires="v">
-                <p:oleObj spid="_x0000_s426122" name="Equation" r:id="rId6" imgW="2032000" imgH="596900" progId="Equation.DSMT4">
-                  <p:embed/>
-                </p:oleObj>
-              </mc:Choice>
-              <mc:Fallback>
-                <p:oleObj name="Equation" r:id="rId6" imgW="2032000" imgH="596900" progId="Equation.DSMT4">
-                  <p:embed/>
-                  <p:pic>
-                    <p:nvPicPr>
-                      <p:cNvPr id="0" name="Picture 6"/>
-                      <p:cNvPicPr>
-                        <a:picLocks noChangeAspect="1" noChangeArrowheads="1"/>
-                      </p:cNvPicPr>
-                      <p:nvPr/>
-                    </p:nvPicPr>
-                    <p:blipFill>
-                      <a:blip r:embed="rId7"/>
-                      <a:srcRect/>
-                      <a:stretch>
-                        <a:fillRect/>
-                      </a:stretch>
-                    </p:blipFill>
-                    <p:spPr bwMode="auto">
-                      <a:xfrm>
-                        <a:off x="1185863" y="1177925"/>
-                        <a:ext cx="6632575" cy="1946275"/>
-                      </a:xfrm>
-                      <a:prstGeom prst="rect">
-                        <a:avLst/>
-                      </a:prstGeom>
-                      <a:solidFill>
-                        <a:schemeClr val="hlink"/>
-                      </a:solidFill>
+                      <a:extLst/>
                     </p:spPr>
                   </p:pic>
                 </p:oleObj>
@@ -11219,12 +13096,12 @@
           <a:graphicData uri="http://schemas.openxmlformats.org/presentationml/2006/ole">
             <mc:AlternateContent xmlns:mc="http://schemas.openxmlformats.org/markup-compatibility/2006">
               <mc:Choice xmlns:v="urn:schemas-microsoft-com:vml" Requires="v">
-                <p:oleObj spid="_x0000_s426123" name="Equation" r:id="rId8" imgW="1879600" imgH="215900" progId="Equation.DSMT4">
+                <p:oleObj spid="_x0000_s426136" name="Equation" r:id="rId6" imgW="1879600" imgH="215900" progId="Equation.DSMT4">
                   <p:embed/>
                 </p:oleObj>
               </mc:Choice>
               <mc:Fallback>
-                <p:oleObj name="Equation" r:id="rId8" imgW="1879600" imgH="215900" progId="Equation.DSMT4">
+                <p:oleObj name="Equation" r:id="rId6" imgW="1879600" imgH="215900" progId="Equation.DSMT4">
                   <p:embed/>
                   <p:pic>
                     <p:nvPicPr>
@@ -11235,7 +13112,7 @@
                       <p:nvPr/>
                     </p:nvPicPr>
                     <p:blipFill>
-                      <a:blip r:embed="rId9">
+                      <a:blip r:embed="rId7">
                         <a:extLst>
                           <a:ext uri="{28A0092B-C50C-407E-A947-70E740481C1C}">
                             <a14:useLocalDpi xmlns:a14="http://schemas.microsoft.com/office/drawing/2010/main" val="0"/>
@@ -11305,57 +13182,9 @@
               <a:pPr>
                 <a:defRPr/>
               </a:pPr>
-              <a:t>8</a:t>
+              <a:t>9</a:t>
             </a:fld>
             <a:endParaRPr lang="en-US" dirty="0"/>
-          </a:p>
-        </p:txBody>
-      </p:sp>
-      <p:sp>
-        <p:nvSpPr>
-          <p:cNvPr id="10" name="TextBox 9"/>
-          <p:cNvSpPr txBox="1"/>
-          <p:nvPr/>
-        </p:nvSpPr>
-        <p:spPr>
-          <a:xfrm>
-            <a:off x="1220259" y="4114800"/>
-            <a:ext cx="6537517" cy="1107996"/>
-          </a:xfrm>
-          <a:prstGeom prst="rect">
-            <a:avLst/>
-          </a:prstGeom>
-          <a:noFill/>
-        </p:spPr>
-        <p:txBody>
-          <a:bodyPr wrap="none" rtlCol="0">
-            <a:spAutoFit/>
-          </a:bodyPr>
-          <a:lstStyle/>
-          <a:p>
-            <a:r>
-              <a:rPr lang="en-US" sz="6600" dirty="0" smtClean="0">
-                <a:latin typeface="+mj-lt"/>
-              </a:rPr>
-              <a:t>?? don’t know </a:t>
-            </a:r>
-            <a:r>
-              <a:rPr lang="en-US" sz="6600" dirty="0" err="1" smtClean="0">
-                <a:solidFill>
-                  <a:srgbClr val="0006FE"/>
-                </a:solidFill>
-                <a:latin typeface="Euclid"/>
-                <a:cs typeface="Euclid"/>
-              </a:rPr>
-              <a:t>σ</a:t>
-            </a:r>
-            <a:endParaRPr lang="en-US" sz="6600" dirty="0" smtClean="0">
-              <a:solidFill>
-                <a:srgbClr val="0006FE"/>
-              </a:solidFill>
-              <a:latin typeface="Euclid"/>
-              <a:cs typeface="Euclid"/>
-            </a:endParaRPr>
           </a:p>
         </p:txBody>
       </p:sp>
@@ -11428,196 +13257,6 @@
                       </p:childTnLst>
                     </p:cTn>
                   </p:par>
-                  <p:par>
-                    <p:cTn id="8" fill="hold">
-                      <p:stCondLst>
-                        <p:cond delay="indefinite"/>
-                      </p:stCondLst>
-                      <p:childTnLst>
-                        <p:par>
-                          <p:cTn id="9" fill="hold">
-                            <p:stCondLst>
-                              <p:cond delay="0"/>
-                            </p:stCondLst>
-                            <p:childTnLst>
-                              <p:par>
-                                <p:cTn id="10" presetID="9" presetClass="entr" presetSubtype="0" fill="hold" nodeType="clickEffect">
-                                  <p:stCondLst>
-                                    <p:cond delay="0"/>
-                                  </p:stCondLst>
-                                  <p:childTnLst>
-                                    <p:set>
-                                      <p:cBhvr>
-                                        <p:cTn id="11" dur="1" fill="hold">
-                                          <p:stCondLst>
-                                            <p:cond delay="0"/>
-                                          </p:stCondLst>
-                                        </p:cTn>
-                                        <p:tgtEl>
-                                          <p:spTgt spid="425990"/>
-                                        </p:tgtEl>
-                                        <p:attrNameLst>
-                                          <p:attrName>style.visibility</p:attrName>
-                                        </p:attrNameLst>
-                                      </p:cBhvr>
-                                      <p:to>
-                                        <p:strVal val="visible"/>
-                                      </p:to>
-                                    </p:set>
-                                    <p:animEffect transition="in" filter="dissolve">
-                                      <p:cBhvr>
-                                        <p:cTn id="12" dur="500"/>
-                                        <p:tgtEl>
-                                          <p:spTgt spid="425990"/>
-                                        </p:tgtEl>
-                                      </p:cBhvr>
-                                    </p:animEffect>
-                                  </p:childTnLst>
-                                </p:cTn>
-                              </p:par>
-                            </p:childTnLst>
-                          </p:cTn>
-                        </p:par>
-                      </p:childTnLst>
-                    </p:cTn>
-                  </p:par>
-                  <p:par>
-                    <p:cTn id="13" fill="hold">
-                      <p:stCondLst>
-                        <p:cond delay="indefinite"/>
-                      </p:stCondLst>
-                      <p:childTnLst>
-                        <p:par>
-                          <p:cTn id="14" fill="hold">
-                            <p:stCondLst>
-                              <p:cond delay="0"/>
-                            </p:stCondLst>
-                            <p:childTnLst>
-                              <p:par>
-                                <p:cTn id="15" presetID="15" presetClass="entr" presetSubtype="0" fill="hold" grpId="0" nodeType="clickEffect">
-                                  <p:stCondLst>
-                                    <p:cond delay="0"/>
-                                  </p:stCondLst>
-                                  <p:childTnLst>
-                                    <p:set>
-                                      <p:cBhvr>
-                                        <p:cTn id="16" dur="1" fill="hold">
-                                          <p:stCondLst>
-                                            <p:cond delay="0"/>
-                                          </p:stCondLst>
-                                        </p:cTn>
-                                        <p:tgtEl>
-                                          <p:spTgt spid="10"/>
-                                        </p:tgtEl>
-                                        <p:attrNameLst>
-                                          <p:attrName>style.visibility</p:attrName>
-                                        </p:attrNameLst>
-                                      </p:cBhvr>
-                                      <p:to>
-                                        <p:strVal val="visible"/>
-                                      </p:to>
-                                    </p:set>
-                                    <p:anim calcmode="lin" valueType="num">
-                                      <p:cBhvr>
-                                        <p:cTn id="17" dur="1000" fill="hold"/>
-                                        <p:tgtEl>
-                                          <p:spTgt spid="10"/>
-                                        </p:tgtEl>
-                                        <p:attrNameLst>
-                                          <p:attrName>ppt_w</p:attrName>
-                                        </p:attrNameLst>
-                                      </p:cBhvr>
-                                      <p:tavLst>
-                                        <p:tav tm="0">
-                                          <p:val>
-                                            <p:fltVal val="0"/>
-                                          </p:val>
-                                        </p:tav>
-                                        <p:tav tm="100000">
-                                          <p:val>
-                                            <p:strVal val="#ppt_w"/>
-                                          </p:val>
-                                        </p:tav>
-                                      </p:tavLst>
-                                    </p:anim>
-                                    <p:anim calcmode="lin" valueType="num">
-                                      <p:cBhvr>
-                                        <p:cTn id="18" dur="1000" fill="hold"/>
-                                        <p:tgtEl>
-                                          <p:spTgt spid="10"/>
-                                        </p:tgtEl>
-                                        <p:attrNameLst>
-                                          <p:attrName>ppt_h</p:attrName>
-                                        </p:attrNameLst>
-                                      </p:cBhvr>
-                                      <p:tavLst>
-                                        <p:tav tm="0">
-                                          <p:val>
-                                            <p:fltVal val="0"/>
-                                          </p:val>
-                                        </p:tav>
-                                        <p:tav tm="100000">
-                                          <p:val>
-                                            <p:strVal val="#ppt_h"/>
-                                          </p:val>
-                                        </p:tav>
-                                      </p:tavLst>
-                                    </p:anim>
-                                    <p:anim calcmode="lin" valueType="num">
-                                      <p:cBhvr>
-                                        <p:cTn id="19" dur="1000" fill="hold"/>
-                                        <p:tgtEl>
-                                          <p:spTgt spid="10"/>
-                                        </p:tgtEl>
-                                        <p:attrNameLst>
-                                          <p:attrName>ppt_x</p:attrName>
-                                        </p:attrNameLst>
-                                      </p:cBhvr>
-                                      <p:tavLst>
-                                        <p:tav tm="0" fmla="#ppt_x+(cos(-2*pi*(1-$))*-#ppt_x-sin(-2*pi*(1-$))*(1-#ppt_y))*(1-$)">
-                                          <p:val>
-                                            <p:fltVal val="0"/>
-                                          </p:val>
-                                        </p:tav>
-                                        <p:tav tm="100000">
-                                          <p:val>
-                                            <p:fltVal val="1"/>
-                                          </p:val>
-                                        </p:tav>
-                                      </p:tavLst>
-                                    </p:anim>
-                                    <p:anim calcmode="lin" valueType="num">
-                                      <p:cBhvr>
-                                        <p:cTn id="20" dur="1000" fill="hold"/>
-                                        <p:tgtEl>
-                                          <p:spTgt spid="10"/>
-                                        </p:tgtEl>
-                                        <p:attrNameLst>
-                                          <p:attrName>ppt_y</p:attrName>
-                                        </p:attrNameLst>
-                                      </p:cBhvr>
-                                      <p:tavLst>
-                                        <p:tav tm="0" fmla="#ppt_y+(sin(-2*pi*(1-$))*-#ppt_x+cos(-2*pi*(1-$))*(1-#ppt_y))*(1-$)">
-                                          <p:val>
-                                            <p:fltVal val="0"/>
-                                          </p:val>
-                                        </p:tav>
-                                        <p:tav tm="100000">
-                                          <p:val>
-                                            <p:fltVal val="1"/>
-                                          </p:val>
-                                        </p:tav>
-                                      </p:tavLst>
-                                    </p:anim>
-                                  </p:childTnLst>
-                                </p:cTn>
-                              </p:par>
-                            </p:childTnLst>
-                          </p:cTn>
-                        </p:par>
-                      </p:childTnLst>
-                    </p:cTn>
-                  </p:par>
                 </p:childTnLst>
               </p:cTn>
               <p:prevCondLst>
@@ -11639,705 +13278,6 @@
         </p:cTn>
       </p:par>
     </p:tnLst>
-    <p:bldLst>
-      <p:bldP spid="10" grpId="0"/>
-    </p:bldLst>
-  </p:timing>
-</p:sld>
-</file>
-
-<file path=ppt/slides/slide9.xml><?xml version="1.0" encoding="utf-8"?>
-<p:sld xmlns:a="http://schemas.openxmlformats.org/drawingml/2006/main" xmlns:r="http://schemas.openxmlformats.org/officeDocument/2006/relationships" xmlns:p="http://schemas.openxmlformats.org/presentationml/2006/main">
-  <p:cSld>
-    <p:spTree>
-      <p:nvGrpSpPr>
-        <p:cNvPr id="1" name=""/>
-        <p:cNvGrpSpPr/>
-        <p:nvPr/>
-      </p:nvGrpSpPr>
-      <p:grpSpPr>
-        <a:xfrm>
-          <a:off x="0" y="0"/>
-          <a:ext cx="0" cy="0"/>
-          <a:chOff x="0" y="0"/>
-          <a:chExt cx="0" cy="0"/>
-        </a:xfrm>
-      </p:grpSpPr>
-      <p:sp>
-        <p:nvSpPr>
-          <p:cNvPr id="111618" name="Rectangle 2"/>
-          <p:cNvSpPr>
-            <a:spLocks noGrp="1" noChangeArrowheads="1"/>
-          </p:cNvSpPr>
-          <p:nvPr>
-            <p:ph type="title"/>
-          </p:nvPr>
-        </p:nvSpPr>
-        <p:spPr>
-          <a:xfrm>
-            <a:off x="1295400" y="116046"/>
-            <a:ext cx="7672388" cy="882650"/>
-          </a:xfrm>
-        </p:spPr>
-        <p:txBody>
-          <a:bodyPr/>
-          <a:lstStyle/>
-          <a:p>
-            <a:r>
-              <a:rPr lang="en-US" dirty="0" err="1">
-                <a:latin typeface="Comic Sans MS"/>
-                <a:cs typeface="Comic Sans MS"/>
-              </a:rPr>
-              <a:t>Pairwise</a:t>
-            </a:r>
-            <a:r>
-              <a:rPr lang="en-US" dirty="0">
-                <a:latin typeface="Comic Sans MS"/>
-                <a:cs typeface="Comic Sans MS"/>
-              </a:rPr>
-              <a:t> Independent Sampling</a:t>
-            </a:r>
-          </a:p>
-        </p:txBody>
-      </p:sp>
-      <p:sp>
-        <p:nvSpPr>
-          <p:cNvPr id="8" name="Slide Number Placeholder 3"/>
-          <p:cNvSpPr>
-            <a:spLocks noGrp="1"/>
-          </p:cNvSpPr>
-          <p:nvPr>
-            <p:ph type="sldNum" sz="quarter" idx="10"/>
-          </p:nvPr>
-        </p:nvSpPr>
-        <p:spPr>
-          <a:xfrm>
-            <a:off x="7696200" y="6629400"/>
-            <a:ext cx="1447800" cy="228600"/>
-          </a:xfrm>
-        </p:spPr>
-        <p:txBody>
-          <a:bodyPr/>
-          <a:lstStyle/>
-          <a:p>
-            <a:pPr>
-              <a:defRPr/>
-            </a:pPr>
-            <a:r>
-              <a:rPr lang="en-US" dirty="0" smtClean="0"/>
-              <a:t>confidence.</a:t>
-            </a:r>
-            <a:fld id="{AB032E80-4924-4C32-A61E-EE294C645BF5}" type="slidenum">
-              <a:rPr lang="en-US" smtClean="0"/>
-              <a:pPr>
-                <a:defRPr/>
-              </a:pPr>
-              <a:t>9</a:t>
-            </a:fld>
-            <a:endParaRPr lang="en-US" dirty="0"/>
-          </a:p>
-        </p:txBody>
-      </p:sp>
-      <p:sp>
-        <p:nvSpPr>
-          <p:cNvPr id="9" name="TextBox 8"/>
-          <p:cNvSpPr txBox="1"/>
-          <p:nvPr/>
-        </p:nvSpPr>
-        <p:spPr>
-          <a:xfrm>
-            <a:off x="5849549" y="3581400"/>
-            <a:ext cx="1618051" cy="830997"/>
-          </a:xfrm>
-          <a:prstGeom prst="rect">
-            <a:avLst/>
-          </a:prstGeom>
-          <a:noFill/>
-        </p:spPr>
-        <p:txBody>
-          <a:bodyPr wrap="none" rtlCol="0">
-            <a:spAutoFit/>
-          </a:bodyPr>
-          <a:lstStyle/>
-          <a:p>
-            <a:r>
-              <a:rPr lang="en-US" sz="4800" dirty="0" smtClean="0">
-                <a:latin typeface="+mj-lt"/>
-              </a:rPr>
-              <a:t> = </a:t>
-            </a:r>
-            <a:r>
-              <a:rPr lang="en-US" sz="4800" dirty="0" smtClean="0">
-                <a:solidFill>
-                  <a:srgbClr val="FF4519"/>
-                </a:solidFill>
-                <a:latin typeface="+mj-lt"/>
-              </a:rPr>
-              <a:t>50</a:t>
-            </a:r>
-          </a:p>
-        </p:txBody>
-      </p:sp>
-      <p:sp>
-        <p:nvSpPr>
-          <p:cNvPr id="10" name="TextBox 9"/>
-          <p:cNvSpPr txBox="1"/>
-          <p:nvPr/>
-        </p:nvSpPr>
-        <p:spPr>
-          <a:xfrm>
-            <a:off x="1327574" y="5106650"/>
-            <a:ext cx="6368626" cy="1446550"/>
-          </a:xfrm>
-          <a:prstGeom prst="rect">
-            <a:avLst/>
-          </a:prstGeom>
-          <a:noFill/>
-        </p:spPr>
-        <p:txBody>
-          <a:bodyPr wrap="none" rtlCol="0">
-            <a:spAutoFit/>
-          </a:bodyPr>
-          <a:lstStyle/>
-          <a:p>
-            <a:pPr algn="l"/>
-            <a:r>
-              <a:rPr lang="en-US" sz="4400" dirty="0" smtClean="0">
-                <a:latin typeface="+mj-lt"/>
-              </a:rPr>
-              <a:t>where </a:t>
-            </a:r>
-            <a:r>
-              <a:rPr lang="en-US" sz="4400" dirty="0" smtClean="0">
-                <a:solidFill>
-                  <a:srgbClr val="FF0000"/>
-                </a:solidFill>
-                <a:latin typeface="+mj-lt"/>
-              </a:rPr>
-              <a:t>L</a:t>
-            </a:r>
-            <a:r>
-              <a:rPr lang="en-US" sz="4400" dirty="0" smtClean="0">
-                <a:latin typeface="+mj-lt"/>
-              </a:rPr>
-              <a:t> is max possible</a:t>
-            </a:r>
-          </a:p>
-          <a:p>
-            <a:pPr algn="l"/>
-            <a:r>
-              <a:rPr lang="en-US" sz="4400" dirty="0" smtClean="0">
-                <a:latin typeface="+mj-lt"/>
-              </a:rPr>
-              <a:t>difference of samples</a:t>
-            </a:r>
-          </a:p>
-        </p:txBody>
-      </p:sp>
-      <p:graphicFrame>
-        <p:nvGraphicFramePr>
-          <p:cNvPr id="11" name="Object 9"/>
-          <p:cNvGraphicFramePr>
-            <a:graphicFrameLocks noChangeAspect="1"/>
-          </p:cNvGraphicFramePr>
-          <p:nvPr/>
-        </p:nvGraphicFramePr>
-        <p:xfrm>
-          <a:off x="1144588" y="1177925"/>
-          <a:ext cx="6715125" cy="1946275"/>
-        </p:xfrm>
-        <a:graphic>
-          <a:graphicData uri="http://schemas.openxmlformats.org/presentationml/2006/ole">
-            <mc:AlternateContent xmlns:mc="http://schemas.openxmlformats.org/markup-compatibility/2006">
-              <mc:Choice xmlns:v="urn:schemas-microsoft-com:vml" Requires="v">
-                <p:oleObj spid="_x0000_s438424" name="Equation" r:id="rId4" imgW="2057400" imgH="596900" progId="Equation.DSMT4">
-                  <p:embed/>
-                </p:oleObj>
-              </mc:Choice>
-              <mc:Fallback>
-                <p:oleObj name="Equation" r:id="rId4" imgW="2057400" imgH="596900" progId="Equation.DSMT4">
-                  <p:embed/>
-                  <p:pic>
-                    <p:nvPicPr>
-                      <p:cNvPr id="0" name=""/>
-                      <p:cNvPicPr>
-                        <a:picLocks noChangeAspect="1" noChangeArrowheads="1"/>
-                      </p:cNvPicPr>
-                      <p:nvPr/>
-                    </p:nvPicPr>
-                    <p:blipFill>
-                      <a:blip r:embed="rId5">
-                        <a:extLst>
-                          <a:ext uri="{28A0092B-C50C-407E-A947-70E740481C1C}">
-                            <a14:useLocalDpi xmlns:a14="http://schemas.microsoft.com/office/drawing/2010/main" val="0"/>
-                          </a:ext>
-                        </a:extLst>
-                      </a:blip>
-                      <a:srcRect/>
-                      <a:stretch>
-                        <a:fillRect/>
-                      </a:stretch>
-                    </p:blipFill>
-                    <p:spPr bwMode="auto">
-                      <a:xfrm>
-                        <a:off x="1144588" y="1177925"/>
-                        <a:ext cx="6715125" cy="1946275"/>
-                      </a:xfrm>
-                      <a:prstGeom prst="rect">
-                        <a:avLst/>
-                      </a:prstGeom>
-                      <a:noFill/>
-                      <a:extLst>
-                        <a:ext uri="{909E8E84-426E-40dd-AFC4-6F175D3DCCD1}">
-                          <a14:hiddenFill xmlns:a14="http://schemas.microsoft.com/office/drawing/2010/main">
-                            <a:solidFill>
-                              <a:schemeClr val="hlink"/>
-                            </a:solidFill>
-                          </a14:hiddenFill>
-                        </a:ext>
-                      </a:extLst>
-                    </p:spPr>
-                  </p:pic>
-                </p:oleObj>
-              </mc:Fallback>
-            </mc:AlternateContent>
-          </a:graphicData>
-        </a:graphic>
-      </p:graphicFrame>
-      <p:graphicFrame>
-        <p:nvGraphicFramePr>
-          <p:cNvPr id="12" name="Object 5"/>
-          <p:cNvGraphicFramePr>
-            <a:graphicFrameLocks noChangeAspect="1"/>
-          </p:cNvGraphicFramePr>
-          <p:nvPr>
-            <p:extLst>
-              <p:ext uri="{D42A27DB-BD31-4B8C-83A1-F6EECF244321}">
-                <p14:modId xmlns:p14="http://schemas.microsoft.com/office/powerpoint/2010/main" val="2894888796"/>
-              </p:ext>
-            </p:extLst>
-          </p:nvPr>
-        </p:nvGraphicFramePr>
-        <p:xfrm>
-          <a:off x="2574925" y="3498850"/>
-          <a:ext cx="3470275" cy="1835150"/>
-        </p:xfrm>
-        <a:graphic>
-          <a:graphicData uri="http://schemas.openxmlformats.org/presentationml/2006/ole">
-            <mc:AlternateContent xmlns:mc="http://schemas.openxmlformats.org/markup-compatibility/2006">
-              <mc:Choice xmlns:v="urn:schemas-microsoft-com:vml" Requires="v">
-                <p:oleObj spid="_x0000_s438425" name="Equation" r:id="rId6" imgW="889000" imgH="469900" progId="Equation.DSMT4">
-                  <p:embed/>
-                </p:oleObj>
-              </mc:Choice>
-              <mc:Fallback>
-                <p:oleObj name="Equation" r:id="rId6" imgW="889000" imgH="469900" progId="Equation.DSMT4">
-                  <p:embed/>
-                  <p:pic>
-                    <p:nvPicPr>
-                      <p:cNvPr id="0" name=""/>
-                      <p:cNvPicPr>
-                        <a:picLocks noChangeAspect="1" noChangeArrowheads="1"/>
-                      </p:cNvPicPr>
-                      <p:nvPr/>
-                    </p:nvPicPr>
-                    <p:blipFill>
-                      <a:blip r:embed="rId7">
-                        <a:extLst>
-                          <a:ext uri="{28A0092B-C50C-407E-A947-70E740481C1C}">
-                            <a14:useLocalDpi xmlns:a14="http://schemas.microsoft.com/office/drawing/2010/main" val="0"/>
-                          </a:ext>
-                        </a:extLst>
-                      </a:blip>
-                      <a:srcRect/>
-                      <a:stretch>
-                        <a:fillRect/>
-                      </a:stretch>
-                    </p:blipFill>
-                    <p:spPr bwMode="auto">
-                      <a:xfrm>
-                        <a:off x="2574925" y="3498850"/>
-                        <a:ext cx="3470275" cy="1835150"/>
-                      </a:xfrm>
-                      <a:prstGeom prst="rect">
-                        <a:avLst/>
-                      </a:prstGeom>
-                      <a:noFill/>
-                      <a:extLst>
-                        <a:ext uri="{909E8E84-426E-40dd-AFC4-6F175D3DCCD1}">
-                          <a14:hiddenFill xmlns:a14="http://schemas.microsoft.com/office/drawing/2010/main">
-                            <a:solidFill>
-                              <a:srgbClr val="FFFFFF"/>
-                            </a:solidFill>
-                          </a14:hiddenFill>
-                        </a:ext>
-                      </a:extLst>
-                    </p:spPr>
-                  </p:pic>
-                </p:oleObj>
-              </mc:Fallback>
-            </mc:AlternateContent>
-          </a:graphicData>
-        </a:graphic>
-      </p:graphicFrame>
-      <p:graphicFrame>
-        <p:nvGraphicFramePr>
-          <p:cNvPr id="13" name="Object 10"/>
-          <p:cNvGraphicFramePr>
-            <a:graphicFrameLocks noChangeAspect="1"/>
-          </p:cNvGraphicFramePr>
-          <p:nvPr/>
-        </p:nvGraphicFramePr>
-        <p:xfrm>
-          <a:off x="847725" y="3048000"/>
-          <a:ext cx="7296150" cy="838200"/>
-        </p:xfrm>
-        <a:graphic>
-          <a:graphicData uri="http://schemas.openxmlformats.org/presentationml/2006/ole">
-            <mc:AlternateContent xmlns:mc="http://schemas.openxmlformats.org/markup-compatibility/2006">
-              <mc:Choice xmlns:v="urn:schemas-microsoft-com:vml" Requires="v">
-                <p:oleObj spid="_x0000_s438426" name="Equation" r:id="rId8" imgW="1879600" imgH="215900" progId="Equation.DSMT4">
-                  <p:embed/>
-                </p:oleObj>
-              </mc:Choice>
-              <mc:Fallback>
-                <p:oleObj name="Equation" r:id="rId8" imgW="1879600" imgH="215900" progId="Equation.DSMT4">
-                  <p:embed/>
-                  <p:pic>
-                    <p:nvPicPr>
-                      <p:cNvPr id="0" name=""/>
-                      <p:cNvPicPr>
-                        <a:picLocks noChangeAspect="1" noChangeArrowheads="1"/>
-                      </p:cNvPicPr>
-                      <p:nvPr/>
-                    </p:nvPicPr>
-                    <p:blipFill>
-                      <a:blip r:embed="rId9">
-                        <a:extLst>
-                          <a:ext uri="{28A0092B-C50C-407E-A947-70E740481C1C}">
-                            <a14:useLocalDpi xmlns:a14="http://schemas.microsoft.com/office/drawing/2010/main" val="0"/>
-                          </a:ext>
-                        </a:extLst>
-                      </a:blip>
-                      <a:srcRect/>
-                      <a:stretch>
-                        <a:fillRect/>
-                      </a:stretch>
-                    </p:blipFill>
-                    <p:spPr bwMode="auto">
-                      <a:xfrm>
-                        <a:off x="847725" y="3048000"/>
-                        <a:ext cx="7296150" cy="838200"/>
-                      </a:xfrm>
-                      <a:prstGeom prst="rect">
-                        <a:avLst/>
-                      </a:prstGeom>
-                      <a:noFill/>
-                      <a:extLst>
-                        <a:ext uri="{909E8E84-426E-40dd-AFC4-6F175D3DCCD1}">
-                          <a14:hiddenFill xmlns:a14="http://schemas.microsoft.com/office/drawing/2010/main">
-                            <a:solidFill>
-                              <a:srgbClr val="FFFFFF"/>
-                            </a:solidFill>
-                          </a14:hiddenFill>
-                        </a:ext>
-                      </a:extLst>
-                    </p:spPr>
-                  </p:pic>
-                </p:oleObj>
-              </mc:Fallback>
-            </mc:AlternateContent>
-          </a:graphicData>
-        </a:graphic>
-      </p:graphicFrame>
-    </p:spTree>
-  </p:cSld>
-  <p:clrMapOvr>
-    <a:masterClrMapping/>
-  </p:clrMapOvr>
-  <mc:AlternateContent xmlns:mc="http://schemas.openxmlformats.org/markup-compatibility/2006" xmlns:p14="http://schemas.microsoft.com/office/powerpoint/2010/main">
-    <mc:Choice Requires="p14">
-      <p:transition spd="med" p14:dur="700">
-        <p:fade/>
-      </p:transition>
-    </mc:Choice>
-    <mc:Fallback xmlns="">
-      <p:transition xmlns:p14="http://schemas.microsoft.com/office/powerpoint/2010/main" spd="med">
-        <p:fade/>
-      </p:transition>
-    </mc:Fallback>
-  </mc:AlternateContent>
-  <p:timing>
-    <p:tnLst>
-      <p:par>
-        <p:cTn xmlns:p14="http://schemas.microsoft.com/office/powerpoint/2010/main" id="1" dur="indefinite" restart="never" nodeType="tmRoot">
-          <p:childTnLst>
-            <p:seq concurrent="1" nextAc="seek">
-              <p:cTn id="2" dur="indefinite" nodeType="mainSeq">
-                <p:childTnLst>
-                  <p:par>
-                    <p:cTn id="3" fill="hold">
-                      <p:stCondLst>
-                        <p:cond delay="indefinite"/>
-                        <p:cond evt="onBegin" delay="0">
-                          <p:tn val="2"/>
-                        </p:cond>
-                      </p:stCondLst>
-                      <p:childTnLst>
-                        <p:par>
-                          <p:cTn id="4" fill="hold">
-                            <p:stCondLst>
-                              <p:cond delay="0"/>
-                            </p:stCondLst>
-                            <p:childTnLst>
-                              <p:par>
-                                <p:cTn id="5" presetID="2" presetClass="entr" presetSubtype="8" fill="hold" nodeType="afterEffect">
-                                  <p:stCondLst>
-                                    <p:cond delay="0"/>
-                                  </p:stCondLst>
-                                  <p:childTnLst>
-                                    <p:set>
-                                      <p:cBhvr>
-                                        <p:cTn id="6" dur="1" fill="hold">
-                                          <p:stCondLst>
-                                            <p:cond delay="0"/>
-                                          </p:stCondLst>
-                                        </p:cTn>
-                                        <p:tgtEl>
-                                          <p:spTgt spid="12"/>
-                                        </p:tgtEl>
-                                        <p:attrNameLst>
-                                          <p:attrName>style.visibility</p:attrName>
-                                        </p:attrNameLst>
-                                      </p:cBhvr>
-                                      <p:to>
-                                        <p:strVal val="visible"/>
-                                      </p:to>
-                                    </p:set>
-                                    <p:anim calcmode="lin" valueType="num">
-                                      <p:cBhvr additive="base">
-                                        <p:cTn id="7" dur="500" fill="hold"/>
-                                        <p:tgtEl>
-                                          <p:spTgt spid="12"/>
-                                        </p:tgtEl>
-                                        <p:attrNameLst>
-                                          <p:attrName>ppt_x</p:attrName>
-                                        </p:attrNameLst>
-                                      </p:cBhvr>
-                                      <p:tavLst>
-                                        <p:tav tm="0">
-                                          <p:val>
-                                            <p:strVal val="0-#ppt_w/2"/>
-                                          </p:val>
-                                        </p:tav>
-                                        <p:tav tm="100000">
-                                          <p:val>
-                                            <p:strVal val="#ppt_x"/>
-                                          </p:val>
-                                        </p:tav>
-                                      </p:tavLst>
-                                    </p:anim>
-                                    <p:anim calcmode="lin" valueType="num">
-                                      <p:cBhvr additive="base">
-                                        <p:cTn id="8" dur="500" fill="hold"/>
-                                        <p:tgtEl>
-                                          <p:spTgt spid="12"/>
-                                        </p:tgtEl>
-                                        <p:attrNameLst>
-                                          <p:attrName>ppt_y</p:attrName>
-                                        </p:attrNameLst>
-                                      </p:cBhvr>
-                                      <p:tavLst>
-                                        <p:tav tm="0">
-                                          <p:val>
-                                            <p:strVal val="#ppt_y"/>
-                                          </p:val>
-                                        </p:tav>
-                                        <p:tav tm="100000">
-                                          <p:val>
-                                            <p:strVal val="#ppt_y"/>
-                                          </p:val>
-                                        </p:tav>
-                                      </p:tavLst>
-                                    </p:anim>
-                                  </p:childTnLst>
-                                </p:cTn>
-                              </p:par>
-                            </p:childTnLst>
-                          </p:cTn>
-                        </p:par>
-                      </p:childTnLst>
-                    </p:cTn>
-                  </p:par>
-                  <p:par>
-                    <p:cTn id="9" fill="hold">
-                      <p:stCondLst>
-                        <p:cond delay="indefinite"/>
-                      </p:stCondLst>
-                      <p:childTnLst>
-                        <p:par>
-                          <p:cTn id="10" fill="hold">
-                            <p:stCondLst>
-                              <p:cond delay="0"/>
-                            </p:stCondLst>
-                            <p:childTnLst>
-                              <p:par>
-                                <p:cTn id="11" presetID="9" presetClass="entr" presetSubtype="0" fill="hold" grpId="0" nodeType="clickEffect">
-                                  <p:stCondLst>
-                                    <p:cond delay="0"/>
-                                  </p:stCondLst>
-                                  <p:childTnLst>
-                                    <p:set>
-                                      <p:cBhvr>
-                                        <p:cTn id="12" dur="1" fill="hold">
-                                          <p:stCondLst>
-                                            <p:cond delay="0"/>
-                                          </p:stCondLst>
-                                        </p:cTn>
-                                        <p:tgtEl>
-                                          <p:spTgt spid="10"/>
-                                        </p:tgtEl>
-                                        <p:attrNameLst>
-                                          <p:attrName>style.visibility</p:attrName>
-                                        </p:attrNameLst>
-                                      </p:cBhvr>
-                                      <p:to>
-                                        <p:strVal val="visible"/>
-                                      </p:to>
-                                    </p:set>
-                                    <p:animEffect transition="in" filter="dissolve">
-                                      <p:cBhvr>
-                                        <p:cTn id="13" dur="500"/>
-                                        <p:tgtEl>
-                                          <p:spTgt spid="10"/>
-                                        </p:tgtEl>
-                                      </p:cBhvr>
-                                    </p:animEffect>
-                                  </p:childTnLst>
-                                </p:cTn>
-                              </p:par>
-                            </p:childTnLst>
-                          </p:cTn>
-                        </p:par>
-                      </p:childTnLst>
-                    </p:cTn>
-                  </p:par>
-                  <p:par>
-                    <p:cTn id="14" fill="hold">
-                      <p:stCondLst>
-                        <p:cond delay="indefinite"/>
-                      </p:stCondLst>
-                      <p:childTnLst>
-                        <p:par>
-                          <p:cTn id="15" fill="hold">
-                            <p:stCondLst>
-                              <p:cond delay="0"/>
-                            </p:stCondLst>
-                            <p:childTnLst>
-                              <p:par>
-                                <p:cTn id="16" presetID="2" presetClass="entr" presetSubtype="2" fill="hold" grpId="0" nodeType="clickEffect">
-                                  <p:stCondLst>
-                                    <p:cond delay="0"/>
-                                  </p:stCondLst>
-                                  <p:childTnLst>
-                                    <p:set>
-                                      <p:cBhvr>
-                                        <p:cTn id="17" dur="1" fill="hold">
-                                          <p:stCondLst>
-                                            <p:cond delay="0"/>
-                                          </p:stCondLst>
-                                        </p:cTn>
-                                        <p:tgtEl>
-                                          <p:spTgt spid="9"/>
-                                        </p:tgtEl>
-                                        <p:attrNameLst>
-                                          <p:attrName>style.visibility</p:attrName>
-                                        </p:attrNameLst>
-                                      </p:cBhvr>
-                                      <p:to>
-                                        <p:strVal val="visible"/>
-                                      </p:to>
-                                    </p:set>
-                                    <p:anim calcmode="lin" valueType="num">
-                                      <p:cBhvr additive="base">
-                                        <p:cTn id="18" dur="500" fill="hold"/>
-                                        <p:tgtEl>
-                                          <p:spTgt spid="9"/>
-                                        </p:tgtEl>
-                                        <p:attrNameLst>
-                                          <p:attrName>ppt_x</p:attrName>
-                                        </p:attrNameLst>
-                                      </p:cBhvr>
-                                      <p:tavLst>
-                                        <p:tav tm="0">
-                                          <p:val>
-                                            <p:strVal val="1+#ppt_w/2"/>
-                                          </p:val>
-                                        </p:tav>
-                                        <p:tav tm="100000">
-                                          <p:val>
-                                            <p:strVal val="#ppt_x"/>
-                                          </p:val>
-                                        </p:tav>
-                                      </p:tavLst>
-                                    </p:anim>
-                                    <p:anim calcmode="lin" valueType="num">
-                                      <p:cBhvr additive="base">
-                                        <p:cTn id="19" dur="500" fill="hold"/>
-                                        <p:tgtEl>
-                                          <p:spTgt spid="9"/>
-                                        </p:tgtEl>
-                                        <p:attrNameLst>
-                                          <p:attrName>ppt_y</p:attrName>
-                                        </p:attrNameLst>
-                                      </p:cBhvr>
-                                      <p:tavLst>
-                                        <p:tav tm="0">
-                                          <p:val>
-                                            <p:strVal val="#ppt_y"/>
-                                          </p:val>
-                                        </p:tav>
-                                        <p:tav tm="100000">
-                                          <p:val>
-                                            <p:strVal val="#ppt_y"/>
-                                          </p:val>
-                                        </p:tav>
-                                      </p:tavLst>
-                                    </p:anim>
-                                  </p:childTnLst>
-                                </p:cTn>
-                              </p:par>
-                            </p:childTnLst>
-                          </p:cTn>
-                        </p:par>
-                      </p:childTnLst>
-                    </p:cTn>
-                  </p:par>
-                </p:childTnLst>
-              </p:cTn>
-              <p:prevCondLst>
-                <p:cond evt="onPrev" delay="0">
-                  <p:tgtEl>
-                    <p:sldTgt/>
-                  </p:tgtEl>
-                </p:cond>
-              </p:prevCondLst>
-              <p:nextCondLst>
-                <p:cond evt="onNext" delay="0">
-                  <p:tgtEl>
-                    <p:sldTgt/>
-                  </p:tgtEl>
-                </p:cond>
-              </p:nextCondLst>
-            </p:seq>
-          </p:childTnLst>
-        </p:cTn>
-      </p:par>
-    </p:tnLst>
-    <p:bldLst>
-      <p:bldP spid="9" grpId="0"/>
-      <p:bldP spid="10" grpId="0"/>
-    </p:bldLst>
   </p:timing>
 </p:sld>
 </file>
@@ -12373,16 +13313,7 @@
 
 <file path=ppt/tags/tag3.xml><?xml version="1.0" encoding="utf-8"?>
 <p:tagLst xmlns:a="http://schemas.openxmlformats.org/drawingml/2006/main" xmlns:r="http://schemas.openxmlformats.org/officeDocument/2006/relationships" xmlns:p="http://schemas.openxmlformats.org/presentationml/2006/main">
-  <p:tag name="SOURCE" val="\documentclass{slides}\pagestyle{empty}&#10;\input{C:/latex-macros/texpoint.sty}&#10;\begin{document}&#10;$  3$&#10;\end{document}"/>
-  <p:tag name="EXTERNALNAME" val="TP_tmp"/>
-  <p:tag name="BLEND" val="0"/>
-  <p:tag name="TRANSPARENT" val="1"/>
-  <p:tag name="RESOLUTION" val="300"/>
-  <p:tag name="WORKAROUNDTRANSPARENCYBUG" val="0"/>
-  <p:tag name="ALLOWFONTSUBSTITUTION" val="0"/>
-  <p:tag name="BITMAPFORMAT" val="png256"/>
-  <p:tag name="ORIGWIDTH" val="63.875"/>
-  <p:tag name="PICTUREFILESIZE" val="3950"/>
+  <p:tag name="TIMING" val="|7.9|15.6|3.8|2.7"/>
 </p:tagLst>
 </file>
 
@@ -12402,6 +13333,21 @@
 </file>
 
 <file path=ppt/tags/tag5.xml><?xml version="1.0" encoding="utf-8"?>
+<p:tagLst xmlns:a="http://schemas.openxmlformats.org/drawingml/2006/main" xmlns:r="http://schemas.openxmlformats.org/officeDocument/2006/relationships" xmlns:p="http://schemas.openxmlformats.org/presentationml/2006/main">
+  <p:tag name="SOURCE" val="\documentclass{slides}\pagestyle{empty}&#10;\input{C:/latex-macros/texpoint.sty}&#10;\begin{document}&#10;$  3$&#10;\end{document}"/>
+  <p:tag name="EXTERNALNAME" val="TP_tmp"/>
+  <p:tag name="BLEND" val="0"/>
+  <p:tag name="TRANSPARENT" val="1"/>
+  <p:tag name="RESOLUTION" val="300"/>
+  <p:tag name="WORKAROUNDTRANSPARENCYBUG" val="0"/>
+  <p:tag name="ALLOWFONTSUBSTITUTION" val="0"/>
+  <p:tag name="BITMAPFORMAT" val="png256"/>
+  <p:tag name="ORIGWIDTH" val="63.875"/>
+  <p:tag name="PICTUREFILESIZE" val="3950"/>
+</p:tagLst>
+</file>
+
+<file path=ppt/tags/tag6.xml><?xml version="1.0" encoding="utf-8"?>
 <p:tagLst xmlns:a="http://schemas.openxmlformats.org/drawingml/2006/main" xmlns:r="http://schemas.openxmlformats.org/officeDocument/2006/relationships" xmlns:p="http://schemas.openxmlformats.org/presentationml/2006/main">
   <p:tag name="SOURCE" val="\documentclass{slides}\pagestyle{empty}&#10;\input{C:/latex-macros/texpoint.sty}&#10;\begin{document}&#10;$  3$&#10;\end{document}"/>
   <p:tag name="EXTERNALNAME" val="TP_tmp"/>

--- a/spring13/slides13/confidence.pptx
+++ b/spring13/slides13/confidence.pptx
@@ -4393,7 +4393,7 @@
           <a:graphicData uri="http://schemas.openxmlformats.org/presentationml/2006/ole">
             <mc:AlternateContent xmlns:mc="http://schemas.openxmlformats.org/markup-compatibility/2006">
               <mc:Choice xmlns:v="urn:schemas-microsoft-com:vml" Requires="v">
-                <p:oleObj spid="_x0000_s494597" name="Equation" r:id="rId4" imgW="2057400" imgH="596900" progId="Equation.DSMT4">
+                <p:oleObj spid="_x0000_s494600" name="Equation" r:id="rId4" imgW="2057400" imgH="596900" progId="Equation.DSMT4">
                   <p:embed/>
                 </p:oleObj>
               </mc:Choice>
@@ -4487,7 +4487,7 @@
           <a:graphicData uri="http://schemas.openxmlformats.org/presentationml/2006/ole">
             <mc:AlternateContent xmlns:mc="http://schemas.openxmlformats.org/markup-compatibility/2006">
               <mc:Choice xmlns:v="urn:schemas-microsoft-com:vml" Requires="v">
-                <p:oleObj spid="_x0000_s494598" name="Equation" r:id="rId6" imgW="1879600" imgH="215900" progId="Equation.DSMT4">
+                <p:oleObj spid="_x0000_s494601" name="Equation" r:id="rId6" imgW="1879600" imgH="215900" progId="Equation.DSMT4">
                   <p:embed/>
                 </p:oleObj>
               </mc:Choice>
@@ -4637,13 +4637,13 @@
   <p:clrMapOvr>
     <a:masterClrMapping/>
   </p:clrMapOvr>
-  <mc:AlternateContent xmlns:mc="http://schemas.openxmlformats.org/markup-compatibility/2006">
-    <mc:Choice xmlns:p14="http://schemas.microsoft.com/office/powerpoint/2010/main" Requires="p14">
+  <mc:AlternateContent xmlns:mc="http://schemas.openxmlformats.org/markup-compatibility/2006" xmlns:p14="http://schemas.microsoft.com/office/powerpoint/2010/main">
+    <mc:Choice Requires="p14">
       <p:transition spd="slow" p14:dur="800" advClick="0">
         <p:fade/>
       </p:transition>
     </mc:Choice>
-    <mc:Fallback>
+    <mc:Fallback xmlns="">
       <p:transition xmlns:p14="http://schemas.microsoft.com/office/powerpoint/2010/main" spd="slow" advClick="0">
         <p:fade/>
       </p:transition>
@@ -5032,7 +5032,7 @@
           <a:graphicData uri="http://schemas.openxmlformats.org/presentationml/2006/ole">
             <mc:AlternateContent xmlns:mc="http://schemas.openxmlformats.org/markup-compatibility/2006">
               <mc:Choice xmlns:v="urn:schemas-microsoft-com:vml" Requires="v">
-                <p:oleObj spid="_x0000_s438440" name="Equation" r:id="rId4" imgW="889000" imgH="469900" progId="Equation.DSMT4">
+                <p:oleObj spid="_x0000_s438444" name="Equation" r:id="rId4" imgW="889000" imgH="469900" progId="Equation.DSMT4">
                   <p:embed/>
                 </p:oleObj>
               </mc:Choice>
@@ -5102,7 +5102,7 @@
           <a:graphicData uri="http://schemas.openxmlformats.org/presentationml/2006/ole">
             <mc:AlternateContent xmlns:mc="http://schemas.openxmlformats.org/markup-compatibility/2006">
               <mc:Choice xmlns:v="urn:schemas-microsoft-com:vml" Requires="v">
-                <p:oleObj spid="_x0000_s438441" name="Equation" r:id="rId6" imgW="1879600" imgH="215900" progId="Equation.DSMT4">
+                <p:oleObj spid="_x0000_s438445" name="Equation" r:id="rId6" imgW="1879600" imgH="215900" progId="Equation.DSMT4">
                   <p:embed/>
                 </p:oleObj>
               </mc:Choice>
@@ -5178,7 +5178,7 @@
           <a:graphicData uri="http://schemas.openxmlformats.org/presentationml/2006/ole">
             <mc:AlternateContent xmlns:mc="http://schemas.openxmlformats.org/markup-compatibility/2006">
               <mc:Choice xmlns:v="urn:schemas-microsoft-com:vml" Requires="v">
-                <p:oleObj spid="_x0000_s438442" name="Equation" r:id="rId8" imgW="2057400" imgH="596900" progId="Equation.DSMT4">
+                <p:oleObj spid="_x0000_s438446" name="Equation" r:id="rId8" imgW="2057400" imgH="596900" progId="Equation.DSMT4">
                   <p:embed/>
                 </p:oleObj>
               </mc:Choice>
@@ -5603,7 +5603,7 @@
           <a:graphicData uri="http://schemas.openxmlformats.org/presentationml/2006/ole">
             <mc:AlternateContent xmlns:mc="http://schemas.openxmlformats.org/markup-compatibility/2006">
               <mc:Choice xmlns:v="urn:schemas-microsoft-com:vml" Requires="v">
-                <p:oleObj spid="_x0000_s493644" name="Equation" r:id="rId4" imgW="2082800" imgH="596900" progId="Equation.DSMT4">
+                <p:oleObj spid="_x0000_s493648" name="Equation" r:id="rId4" imgW="2082800" imgH="596900" progId="Equation.DSMT4">
                   <p:embed/>
                 </p:oleObj>
               </mc:Choice>
@@ -5742,7 +5742,7 @@
           <a:graphicData uri="http://schemas.openxmlformats.org/presentationml/2006/ole">
             <mc:AlternateContent xmlns:mc="http://schemas.openxmlformats.org/markup-compatibility/2006">
               <mc:Choice xmlns:v="urn:schemas-microsoft-com:vml" Requires="v">
-                <p:oleObj spid="_x0000_s493645" name="Equation" r:id="rId6" imgW="1168400" imgH="596900" progId="Equation.DSMT4">
+                <p:oleObj spid="_x0000_s493649" name="Equation" r:id="rId6" imgW="1168400" imgH="596900" progId="Equation.DSMT4">
                   <p:embed/>
                 </p:oleObj>
               </mc:Choice>
@@ -5811,7 +5811,7 @@
           <a:graphicData uri="http://schemas.openxmlformats.org/presentationml/2006/ole">
             <mc:AlternateContent xmlns:mc="http://schemas.openxmlformats.org/markup-compatibility/2006">
               <mc:Choice xmlns:v="urn:schemas-microsoft-com:vml" Requires="v">
-                <p:oleObj spid="_x0000_s493646" name="Equation" r:id="rId8" imgW="1727200" imgH="292100" progId="Equation.DSMT4">
+                <p:oleObj spid="_x0000_s493650" name="Equation" r:id="rId8" imgW="1727200" imgH="292100" progId="Equation.DSMT4">
                   <p:embed/>
                 </p:oleObj>
               </mc:Choice>
@@ -6630,7 +6630,7 @@
                             </p:stCondLst>
                             <p:childTnLst>
                               <p:par>
-                                <p:cTn id="18" presetID="1" presetClass="entr" presetSubtype="0" fill="hold" nodeType="clickEffect">
+                                <p:cTn id="18" presetID="23" presetClass="entr" presetSubtype="16" fill="hold" nodeType="clickEffect">
                                   <p:stCondLst>
                                     <p:cond delay="0"/>
                                   </p:stCondLst>
@@ -6657,6 +6657,60 @@
                                         <p:strVal val="visible"/>
                                       </p:to>
                                     </p:set>
+                                    <p:anim calcmode="lin" valueType="num">
+                                      <p:cBhvr>
+                                        <p:cTn id="20" dur="500" fill="hold"/>
+                                        <p:tgtEl>
+                                          <p:spTgt spid="205827">
+                                            <p:txEl>
+                                              <p:pRg st="4" end="4"/>
+                                            </p:txEl>
+                                          </p:spTgt>
+                                        </p:tgtEl>
+                                        <p:attrNameLst>
+                                          <p:attrName>ppt_w</p:attrName>
+                                        </p:attrNameLst>
+                                      </p:cBhvr>
+                                      <p:tavLst>
+                                        <p:tav tm="0">
+                                          <p:val>
+                                            <p:fltVal val="0"/>
+                                          </p:val>
+                                        </p:tav>
+                                        <p:tav tm="100000">
+                                          <p:val>
+                                            <p:strVal val="#ppt_w"/>
+                                          </p:val>
+                                        </p:tav>
+                                      </p:tavLst>
+                                    </p:anim>
+                                    <p:anim calcmode="lin" valueType="num">
+                                      <p:cBhvr>
+                                        <p:cTn id="21" dur="500" fill="hold"/>
+                                        <p:tgtEl>
+                                          <p:spTgt spid="205827">
+                                            <p:txEl>
+                                              <p:pRg st="4" end="4"/>
+                                            </p:txEl>
+                                          </p:spTgt>
+                                        </p:tgtEl>
+                                        <p:attrNameLst>
+                                          <p:attrName>ppt_h</p:attrName>
+                                        </p:attrNameLst>
+                                      </p:cBhvr>
+                                      <p:tavLst>
+                                        <p:tav tm="0">
+                                          <p:val>
+                                            <p:fltVal val="0"/>
+                                          </p:val>
+                                        </p:tav>
+                                        <p:tav tm="100000">
+                                          <p:val>
+                                            <p:strVal val="#ppt_h"/>
+                                          </p:val>
+                                        </p:tav>
+                                      </p:tavLst>
+                                    </p:anim>
                                   </p:childTnLst>
                                 </p:cTn>
                               </p:par>
@@ -6664,20 +6718,20 @@
                           </p:cTn>
                         </p:par>
                         <p:par>
-                          <p:cTn id="20" fill="hold">
+                          <p:cTn id="22" fill="hold">
                             <p:stCondLst>
-                              <p:cond delay="0"/>
+                              <p:cond delay="500"/>
                             </p:stCondLst>
                             <p:childTnLst>
                               <p:par>
-                                <p:cTn id="21" presetID="15" presetClass="entr" presetSubtype="0" fill="hold" nodeType="afterEffect">
+                                <p:cTn id="23" presetID="15" presetClass="entr" presetSubtype="0" fill="hold" nodeType="afterEffect">
                                   <p:stCondLst>
                                     <p:cond delay="500"/>
                                   </p:stCondLst>
                                   <p:childTnLst>
                                     <p:set>
                                       <p:cBhvr>
-                                        <p:cTn id="22" dur="1" fill="hold">
+                                        <p:cTn id="24" dur="1" fill="hold">
                                           <p:stCondLst>
                                             <p:cond delay="0"/>
                                           </p:stCondLst>
@@ -6695,7 +6749,7 @@
                                     </p:set>
                                     <p:anim calcmode="lin" valueType="num">
                                       <p:cBhvr>
-                                        <p:cTn id="23" dur="1000" fill="hold"/>
+                                        <p:cTn id="25" dur="1000" fill="hold"/>
                                         <p:tgtEl>
                                           <p:spTgt spid="2"/>
                                         </p:tgtEl>
@@ -6718,7 +6772,7 @@
                                     </p:anim>
                                     <p:anim calcmode="lin" valueType="num">
                                       <p:cBhvr>
-                                        <p:cTn id="24" dur="1000" fill="hold"/>
+                                        <p:cTn id="26" dur="1000" fill="hold"/>
                                         <p:tgtEl>
                                           <p:spTgt spid="2"/>
                                         </p:tgtEl>
@@ -6741,7 +6795,7 @@
                                     </p:anim>
                                     <p:anim calcmode="lin" valueType="num">
                                       <p:cBhvr>
-                                        <p:cTn id="25" dur="1000" fill="hold"/>
+                                        <p:cTn id="27" dur="1000" fill="hold"/>
                                         <p:tgtEl>
                                           <p:spTgt spid="2"/>
                                         </p:tgtEl>
@@ -6764,7 +6818,7 @@
                                     </p:anim>
                                     <p:anim calcmode="lin" valueType="num">
                                       <p:cBhvr>
-                                        <p:cTn id="26" dur="1000" fill="hold"/>
+                                        <p:cTn id="28" dur="1000" fill="hold"/>
                                         <p:tgtEl>
                                           <p:spTgt spid="2"/>
                                         </p:tgtEl>
@@ -6795,26 +6849,26 @@
                     </p:cTn>
                   </p:par>
                   <p:par>
-                    <p:cTn id="27" fill="hold">
+                    <p:cTn id="29" fill="hold">
                       <p:stCondLst>
                         <p:cond delay="indefinite"/>
                       </p:stCondLst>
                       <p:childTnLst>
                         <p:par>
-                          <p:cTn id="28" fill="hold">
+                          <p:cTn id="30" fill="hold">
                             <p:stCondLst>
                               <p:cond delay="0"/>
                             </p:stCondLst>
                             <p:childTnLst>
                               <p:par>
-                                <p:cTn id="29" presetID="2" presetClass="entr" presetSubtype="2" fill="hold" grpId="0" nodeType="clickEffect">
+                                <p:cTn id="31" presetID="2" presetClass="entr" presetSubtype="2" fill="hold" grpId="0" nodeType="clickEffect">
                                   <p:stCondLst>
                                     <p:cond delay="0"/>
                                   </p:stCondLst>
                                   <p:childTnLst>
                                     <p:set>
                                       <p:cBhvr>
-                                        <p:cTn id="30" dur="1" fill="hold">
+                                        <p:cTn id="32" dur="1" fill="hold">
                                           <p:stCondLst>
                                             <p:cond delay="0"/>
                                           </p:stCondLst>
@@ -6832,7 +6886,7 @@
                                     </p:set>
                                     <p:anim calcmode="lin" valueType="num">
                                       <p:cBhvr additive="base">
-                                        <p:cTn id="31" dur="500" fill="hold"/>
+                                        <p:cTn id="33" dur="500" fill="hold"/>
                                         <p:tgtEl>
                                           <p:spTgt spid="205832"/>
                                         </p:tgtEl>
@@ -6855,7 +6909,7 @@
                                     </p:anim>
                                     <p:anim calcmode="lin" valueType="num">
                                       <p:cBhvr additive="base">
-                                        <p:cTn id="32" dur="500" fill="hold"/>
+                                        <p:cTn id="34" dur="500" fill="hold"/>
                                         <p:tgtEl>
                                           <p:spTgt spid="205832"/>
                                         </p:tgtEl>
@@ -9695,7 +9749,7 @@
           <a:graphicData uri="http://schemas.openxmlformats.org/presentationml/2006/ole">
             <mc:AlternateContent xmlns:mc="http://schemas.openxmlformats.org/markup-compatibility/2006">
               <mc:Choice xmlns:v="urn:schemas-microsoft-com:vml" Requires="v">
-                <p:oleObj spid="_x0000_s489554" name="Equation" r:id="rId5" imgW="1816100" imgH="330200" progId="Equation.DSMT4">
+                <p:oleObj spid="_x0000_s489557" name="Equation" r:id="rId5" imgW="1816100" imgH="330200" progId="Equation.DSMT4">
                   <p:embed/>
                 </p:oleObj>
               </mc:Choice>
@@ -9765,7 +9819,7 @@
           <a:graphicData uri="http://schemas.openxmlformats.org/presentationml/2006/ole">
             <mc:AlternateContent xmlns:mc="http://schemas.openxmlformats.org/markup-compatibility/2006">
               <mc:Choice xmlns:v="urn:schemas-microsoft-com:vml" Requires="v">
-                <p:oleObj spid="_x0000_s489555" name="Equation" r:id="rId7" imgW="1714500" imgH="596900" progId="Equation.DSMT4">
+                <p:oleObj spid="_x0000_s489558" name="Equation" r:id="rId7" imgW="1714500" imgH="596900" progId="Equation.DSMT4">
                   <p:embed/>
                 </p:oleObj>
               </mc:Choice>
@@ -10520,15 +10574,7 @@
                 <a:cs typeface="Comic Sans MS"/>
                 <a:sym typeface="Symbol" pitchFamily="18" charset="2"/>
               </a:rPr>
-              <a:t> </a:t>
-            </a:r>
-            <a:r>
-              <a:rPr lang="en-US" sz="3600" dirty="0" smtClean="0">
-                <a:latin typeface="Comic Sans MS"/>
-                <a:cs typeface="Comic Sans MS"/>
-                <a:sym typeface="Symbol" pitchFamily="18" charset="2"/>
-              </a:rPr>
-              <a:t> Then</a:t>
+              <a:t>  Then</a:t>
             </a:r>
             <a:endParaRPr lang="en-US" sz="3600" dirty="0">
               <a:latin typeface="Comic Sans MS"/>
@@ -10560,7 +10606,7 @@
           <a:graphicData uri="http://schemas.openxmlformats.org/presentationml/2006/ole">
             <mc:AlternateContent xmlns:mc="http://schemas.openxmlformats.org/markup-compatibility/2006">
               <mc:Choice xmlns:v="urn:schemas-microsoft-com:vml" Requires="v">
-                <p:oleObj spid="_x0000_s1033" name="Equation" r:id="rId5" imgW="1828800" imgH="292100" progId="Equation.DSMT4">
+                <p:oleObj spid="_x0000_s1036" name="Equation" r:id="rId5" imgW="1828800" imgH="292100" progId="Equation.DSMT4">
                   <p:embed/>
                 </p:oleObj>
               </mc:Choice>
@@ -10630,7 +10676,7 @@
           <a:graphicData uri="http://schemas.openxmlformats.org/presentationml/2006/ole">
             <mc:AlternateContent xmlns:mc="http://schemas.openxmlformats.org/markup-compatibility/2006">
               <mc:Choice xmlns:v="urn:schemas-microsoft-com:vml" Requires="v">
-                <p:oleObj spid="_x0000_s1034" name="Equation" r:id="rId7" imgW="1828800" imgH="596900" progId="Equation.DSMT4">
+                <p:oleObj spid="_x0000_s1037" name="Equation" r:id="rId7" imgW="1828800" imgH="596900" progId="Equation.DSMT4">
                   <p:embed/>
                 </p:oleObj>
               </mc:Choice>
@@ -10733,13 +10779,13 @@
   <p:clrMapOvr>
     <a:masterClrMapping/>
   </p:clrMapOvr>
-  <mc:AlternateContent xmlns:mc="http://schemas.openxmlformats.org/markup-compatibility/2006">
-    <mc:Choice xmlns:p14="http://schemas.microsoft.com/office/powerpoint/2010/main" Requires="p14">
+  <mc:AlternateContent xmlns:mc="http://schemas.openxmlformats.org/markup-compatibility/2006" xmlns:p14="http://schemas.microsoft.com/office/powerpoint/2010/main">
+    <mc:Choice Requires="p14">
       <p:transition spd="slow" p14:dur="1100" advClick="0">
         <p:fade thruBlk="1"/>
       </p:transition>
     </mc:Choice>
-    <mc:Fallback>
+    <mc:Fallback xmlns="">
       <p:transition xmlns:p14="http://schemas.microsoft.com/office/powerpoint/2010/main" spd="slow" advClick="0">
         <p:fade thruBlk="1"/>
       </p:transition>
@@ -13003,7 +13049,7 @@
           <a:graphicData uri="http://schemas.openxmlformats.org/presentationml/2006/ole">
             <mc:AlternateContent xmlns:mc="http://schemas.openxmlformats.org/markup-compatibility/2006">
               <mc:Choice xmlns:v="urn:schemas-microsoft-com:vml" Requires="v">
-                <p:oleObj spid="_x0000_s426135" name="Equation" r:id="rId4" imgW="1917700" imgH="596900" progId="Equation.DSMT4">
+                <p:oleObj spid="_x0000_s426138" name="Equation" r:id="rId4" imgW="1917700" imgH="596900" progId="Equation.DSMT4">
                   <p:embed/>
                 </p:oleObj>
               </mc:Choice>
@@ -13096,7 +13142,7 @@
           <a:graphicData uri="http://schemas.openxmlformats.org/presentationml/2006/ole">
             <mc:AlternateContent xmlns:mc="http://schemas.openxmlformats.org/markup-compatibility/2006">
               <mc:Choice xmlns:v="urn:schemas-microsoft-com:vml" Requires="v">
-                <p:oleObj spid="_x0000_s426136" name="Equation" r:id="rId6" imgW="1879600" imgH="215900" progId="Equation.DSMT4">
+                <p:oleObj spid="_x0000_s426139" name="Equation" r:id="rId6" imgW="1879600" imgH="215900" progId="Equation.DSMT4">
                   <p:embed/>
                 </p:oleObj>
               </mc:Choice>

--- a/spring13/slides13/confidence.pptx
+++ b/spring13/slides13/confidence.pptx
@@ -4393,7 +4393,7 @@
           <a:graphicData uri="http://schemas.openxmlformats.org/presentationml/2006/ole">
             <mc:AlternateContent xmlns:mc="http://schemas.openxmlformats.org/markup-compatibility/2006">
               <mc:Choice xmlns:v="urn:schemas-microsoft-com:vml" Requires="v">
-                <p:oleObj spid="_x0000_s494600" name="Equation" r:id="rId4" imgW="2057400" imgH="596900" progId="Equation.DSMT4">
+                <p:oleObj spid="_x0000_s494605" name="Equation" r:id="rId4" imgW="2057400" imgH="596900" progId="Equation.DSMT4">
                   <p:embed/>
                 </p:oleObj>
               </mc:Choice>
@@ -4487,7 +4487,7 @@
           <a:graphicData uri="http://schemas.openxmlformats.org/presentationml/2006/ole">
             <mc:AlternateContent xmlns:mc="http://schemas.openxmlformats.org/markup-compatibility/2006">
               <mc:Choice xmlns:v="urn:schemas-microsoft-com:vml" Requires="v">
-                <p:oleObj spid="_x0000_s494601" name="Equation" r:id="rId6" imgW="1879600" imgH="215900" progId="Equation.DSMT4">
+                <p:oleObj spid="_x0000_s494606" name="Equation" r:id="rId6" imgW="1879600" imgH="215900" progId="Equation.DSMT4">
                   <p:embed/>
                 </p:oleObj>
               </mc:Choice>
@@ -5032,7 +5032,7 @@
           <a:graphicData uri="http://schemas.openxmlformats.org/presentationml/2006/ole">
             <mc:AlternateContent xmlns:mc="http://schemas.openxmlformats.org/markup-compatibility/2006">
               <mc:Choice xmlns:v="urn:schemas-microsoft-com:vml" Requires="v">
-                <p:oleObj spid="_x0000_s438444" name="Equation" r:id="rId4" imgW="889000" imgH="469900" progId="Equation.DSMT4">
+                <p:oleObj spid="_x0000_s438451" name="Equation" r:id="rId4" imgW="889000" imgH="469900" progId="Equation.DSMT4">
                   <p:embed/>
                 </p:oleObj>
               </mc:Choice>
@@ -5102,7 +5102,7 @@
           <a:graphicData uri="http://schemas.openxmlformats.org/presentationml/2006/ole">
             <mc:AlternateContent xmlns:mc="http://schemas.openxmlformats.org/markup-compatibility/2006">
               <mc:Choice xmlns:v="urn:schemas-microsoft-com:vml" Requires="v">
-                <p:oleObj spid="_x0000_s438445" name="Equation" r:id="rId6" imgW="1879600" imgH="215900" progId="Equation.DSMT4">
+                <p:oleObj spid="_x0000_s438452" name="Equation" r:id="rId6" imgW="1879600" imgH="215900" progId="Equation.DSMT4">
                   <p:embed/>
                 </p:oleObj>
               </mc:Choice>
@@ -5178,7 +5178,7 @@
           <a:graphicData uri="http://schemas.openxmlformats.org/presentationml/2006/ole">
             <mc:AlternateContent xmlns:mc="http://schemas.openxmlformats.org/markup-compatibility/2006">
               <mc:Choice xmlns:v="urn:schemas-microsoft-com:vml" Requires="v">
-                <p:oleObj spid="_x0000_s438446" name="Equation" r:id="rId8" imgW="2057400" imgH="596900" progId="Equation.DSMT4">
+                <p:oleObj spid="_x0000_s438453" name="Equation" r:id="rId8" imgW="2057400" imgH="596900" progId="Equation.DSMT4">
                   <p:embed/>
                 </p:oleObj>
               </mc:Choice>
@@ -5603,7 +5603,7 @@
           <a:graphicData uri="http://schemas.openxmlformats.org/presentationml/2006/ole">
             <mc:AlternateContent xmlns:mc="http://schemas.openxmlformats.org/markup-compatibility/2006">
               <mc:Choice xmlns:v="urn:schemas-microsoft-com:vml" Requires="v">
-                <p:oleObj spid="_x0000_s493648" name="Equation" r:id="rId4" imgW="2082800" imgH="596900" progId="Equation.DSMT4">
+                <p:oleObj spid="_x0000_s493655" name="Equation" r:id="rId4" imgW="2082800" imgH="596900" progId="Equation.DSMT4">
                   <p:embed/>
                 </p:oleObj>
               </mc:Choice>
@@ -5742,7 +5742,7 @@
           <a:graphicData uri="http://schemas.openxmlformats.org/presentationml/2006/ole">
             <mc:AlternateContent xmlns:mc="http://schemas.openxmlformats.org/markup-compatibility/2006">
               <mc:Choice xmlns:v="urn:schemas-microsoft-com:vml" Requires="v">
-                <p:oleObj spid="_x0000_s493649" name="Equation" r:id="rId6" imgW="1168400" imgH="596900" progId="Equation.DSMT4">
+                <p:oleObj spid="_x0000_s493656" name="Equation" r:id="rId6" imgW="1168400" imgH="596900" progId="Equation.DSMT4">
                   <p:embed/>
                 </p:oleObj>
               </mc:Choice>
@@ -5811,7 +5811,7 @@
           <a:graphicData uri="http://schemas.openxmlformats.org/presentationml/2006/ole">
             <mc:AlternateContent xmlns:mc="http://schemas.openxmlformats.org/markup-compatibility/2006">
               <mc:Choice xmlns:v="urn:schemas-microsoft-com:vml" Requires="v">
-                <p:oleObj spid="_x0000_s493650" name="Equation" r:id="rId8" imgW="1727200" imgH="292100" progId="Equation.DSMT4">
+                <p:oleObj spid="_x0000_s493657" name="Equation" r:id="rId8" imgW="1727200" imgH="292100" progId="Equation.DSMT4">
                   <p:embed/>
                 </p:oleObj>
               </mc:Choice>
@@ -9749,7 +9749,7 @@
           <a:graphicData uri="http://schemas.openxmlformats.org/presentationml/2006/ole">
             <mc:AlternateContent xmlns:mc="http://schemas.openxmlformats.org/markup-compatibility/2006">
               <mc:Choice xmlns:v="urn:schemas-microsoft-com:vml" Requires="v">
-                <p:oleObj spid="_x0000_s489557" name="Equation" r:id="rId5" imgW="1816100" imgH="330200" progId="Equation.DSMT4">
+                <p:oleObj spid="_x0000_s489562" name="Equation" r:id="rId5" imgW="1816100" imgH="330200" progId="Equation.DSMT4">
                   <p:embed/>
                 </p:oleObj>
               </mc:Choice>
@@ -9819,7 +9819,7 @@
           <a:graphicData uri="http://schemas.openxmlformats.org/presentationml/2006/ole">
             <mc:AlternateContent xmlns:mc="http://schemas.openxmlformats.org/markup-compatibility/2006">
               <mc:Choice xmlns:v="urn:schemas-microsoft-com:vml" Requires="v">
-                <p:oleObj spid="_x0000_s489558" name="Equation" r:id="rId7" imgW="1714500" imgH="596900" progId="Equation.DSMT4">
+                <p:oleObj spid="_x0000_s489563" name="Equation" r:id="rId7" imgW="1714500" imgH="596900" progId="Equation.DSMT4">
                   <p:embed/>
                 </p:oleObj>
               </mc:Choice>
@@ -10606,7 +10606,7 @@
           <a:graphicData uri="http://schemas.openxmlformats.org/presentationml/2006/ole">
             <mc:AlternateContent xmlns:mc="http://schemas.openxmlformats.org/markup-compatibility/2006">
               <mc:Choice xmlns:v="urn:schemas-microsoft-com:vml" Requires="v">
-                <p:oleObj spid="_x0000_s1036" name="Equation" r:id="rId5" imgW="1828800" imgH="292100" progId="Equation.DSMT4">
+                <p:oleObj spid="_x0000_s1041" name="Equation" r:id="rId5" imgW="1828800" imgH="292100" progId="Equation.DSMT4">
                   <p:embed/>
                 </p:oleObj>
               </mc:Choice>
@@ -10676,7 +10676,7 @@
           <a:graphicData uri="http://schemas.openxmlformats.org/presentationml/2006/ole">
             <mc:AlternateContent xmlns:mc="http://schemas.openxmlformats.org/markup-compatibility/2006">
               <mc:Choice xmlns:v="urn:schemas-microsoft-com:vml" Requires="v">
-                <p:oleObj spid="_x0000_s1037" name="Equation" r:id="rId7" imgW="1828800" imgH="596900" progId="Equation.DSMT4">
+                <p:oleObj spid="_x0000_s1042" name="Equation" r:id="rId7" imgW="1828800" imgH="596900" progId="Equation.DSMT4">
                   <p:embed/>
                 </p:oleObj>
               </mc:Choice>
@@ -11485,7 +11485,7 @@
         </p:nvSpPr>
         <p:spPr>
           <a:xfrm>
-            <a:off x="762000" y="1676400"/>
+            <a:off x="685800" y="1828800"/>
             <a:ext cx="7772400" cy="3200400"/>
           </a:xfrm>
         </p:spPr>
@@ -11496,7 +11496,7 @@
             <a:pPr eaLnBrk="1" hangingPunct="1"/>
             <a:r>
               <a:rPr lang="en-US" sz="5400" dirty="0" smtClean="0"/>
-              <a:t>Choose </a:t>
+              <a:t>Make </a:t>
             </a:r>
             <a:r>
               <a:rPr lang="en-US" sz="5400" dirty="0" smtClean="0">
@@ -11508,14 +11508,39 @@
             </a:r>
             <a:r>
               <a:rPr lang="en-US" sz="5400" dirty="0" smtClean="0"/>
-              <a:t> random test </a:t>
-            </a:r>
+              <a:t> </a:t>
+            </a:r>
+            <a:r>
+              <a:rPr lang="en-US" sz="5400" dirty="0" smtClean="0"/>
+              <a:t>measurements</a:t>
+            </a:r>
+            <a:endParaRPr lang="en-US" sz="5400" dirty="0" smtClean="0"/>
           </a:p>
           <a:p>
             <a:pPr eaLnBrk="1" hangingPunct="1"/>
             <a:r>
-              <a:rPr lang="en-US" sz="5400" dirty="0" smtClean="0"/>
-              <a:t>stations and measure</a:t>
+              <a:rPr lang="en-US" sz="5400" dirty="0" smtClean="0">
+                <a:solidFill>
+                  <a:srgbClr val="000000"/>
+                </a:solidFill>
+              </a:rPr>
+              <a:t>of CMD </a:t>
+            </a:r>
+            <a:r>
+              <a:rPr lang="en-US" sz="5400" dirty="0" smtClean="0">
+                <a:solidFill>
+                  <a:srgbClr val="000000"/>
+                </a:solidFill>
+              </a:rPr>
+              <a:t>at </a:t>
+            </a:r>
+            <a:r>
+              <a:rPr lang="en-US" sz="5400" dirty="0" smtClean="0">
+                <a:solidFill>
+                  <a:srgbClr val="000000"/>
+                </a:solidFill>
+              </a:rPr>
+              <a:t>random </a:t>
             </a:r>
           </a:p>
           <a:p>
@@ -11526,7 +11551,15 @@
                   <a:srgbClr val="000000"/>
                 </a:solidFill>
               </a:rPr>
-              <a:t>CMD at each.</a:t>
+              <a:t>ti</a:t>
+            </a:r>
+            <a:r>
+              <a:rPr lang="en-US" sz="5400" dirty="0" smtClean="0">
+                <a:solidFill>
+                  <a:srgbClr val="000000"/>
+                </a:solidFill>
+              </a:rPr>
+              <a:t>mes and locations</a:t>
             </a:r>
             <a:endParaRPr lang="en-US" sz="7200" dirty="0" smtClean="0">
               <a:solidFill>
@@ -12485,7 +12518,11 @@
             </a:r>
             <a:r>
               <a:rPr lang="en-US" sz="4400" dirty="0" smtClean="0"/>
-              <a:t> stations </a:t>
+              <a:t> </a:t>
+            </a:r>
+            <a:r>
+              <a:rPr lang="en-US" sz="4400" dirty="0" smtClean="0"/>
+              <a:t>samples    </a:t>
             </a:r>
             <a:r>
               <a:rPr lang="en-US" sz="4400" b="1" dirty="0" smtClean="0">
@@ -12625,27 +12662,23 @@
             </a:r>
             <a:r>
               <a:rPr lang="en-US" sz="4400" dirty="0" smtClean="0"/>
-              <a:t> CMD at the </a:t>
-            </a:r>
-            <a:r>
-              <a:rPr lang="en-US" sz="4400" dirty="0" err="1" smtClean="0">
+              <a:t> </a:t>
+            </a:r>
+            <a:r>
+              <a:rPr lang="en-US" sz="4400" dirty="0" smtClean="0"/>
+              <a:t>of the </a:t>
+            </a:r>
+            <a:r>
+              <a:rPr lang="en-US" sz="4400" dirty="0" smtClean="0">
                 <a:solidFill>
                   <a:srgbClr val="0006FE"/>
                 </a:solidFill>
               </a:rPr>
-              <a:t>n</a:t>
-            </a:r>
-            <a:r>
-              <a:rPr lang="en-US" sz="4400" dirty="0" smtClean="0">
-                <a:solidFill>
-                  <a:srgbClr val="0006FE"/>
-                </a:solidFill>
-              </a:rPr>
-              <a:t> </a:t>
+              <a:t>n </a:t>
             </a:r>
             <a:r>
               <a:rPr lang="en-US" sz="4400" dirty="0" smtClean="0"/>
-              <a:t>stations</a:t>
+              <a:t>CMD samples</a:t>
             </a:r>
             <a:endParaRPr lang="en-US" sz="4400" dirty="0" smtClean="0">
               <a:solidFill>
@@ -13049,7 +13082,7 @@
           <a:graphicData uri="http://schemas.openxmlformats.org/presentationml/2006/ole">
             <mc:AlternateContent xmlns:mc="http://schemas.openxmlformats.org/markup-compatibility/2006">
               <mc:Choice xmlns:v="urn:schemas-microsoft-com:vml" Requires="v">
-                <p:oleObj spid="_x0000_s426138" name="Equation" r:id="rId4" imgW="1917700" imgH="596900" progId="Equation.DSMT4">
+                <p:oleObj spid="_x0000_s426143" name="Equation" r:id="rId4" imgW="1917700" imgH="596900" progId="Equation.DSMT4">
                   <p:embed/>
                 </p:oleObj>
               </mc:Choice>
@@ -13142,7 +13175,7 @@
           <a:graphicData uri="http://schemas.openxmlformats.org/presentationml/2006/ole">
             <mc:AlternateContent xmlns:mc="http://schemas.openxmlformats.org/markup-compatibility/2006">
               <mc:Choice xmlns:v="urn:schemas-microsoft-com:vml" Requires="v">
-                <p:oleObj spid="_x0000_s426139" name="Equation" r:id="rId6" imgW="1879600" imgH="215900" progId="Equation.DSMT4">
+                <p:oleObj spid="_x0000_s426144" name="Equation" r:id="rId6" imgW="1879600" imgH="215900" progId="Equation.DSMT4">
                   <p:embed/>
                 </p:oleObj>
               </mc:Choice>

--- a/spring13/slides13/confidence.pptx
+++ b/spring13/slides13/confidence.pptx
@@ -5,36 +5,35 @@
     <p:sldMasterId id="2147483649" r:id="rId1"/>
   </p:sldMasterIdLst>
   <p:notesMasterIdLst>
-    <p:notesMasterId r:id="rId21"/>
+    <p:notesMasterId r:id="rId20"/>
   </p:notesMasterIdLst>
   <p:handoutMasterIdLst>
-    <p:handoutMasterId r:id="rId22"/>
+    <p:handoutMasterId r:id="rId21"/>
   </p:handoutMasterIdLst>
   <p:sldIdLst>
     <p:sldId id="454" r:id="rId2"/>
-    <p:sldId id="537" r:id="rId3"/>
-    <p:sldId id="550" r:id="rId4"/>
-    <p:sldId id="396" r:id="rId5"/>
-    <p:sldId id="515" r:id="rId6"/>
-    <p:sldId id="523" r:id="rId7"/>
-    <p:sldId id="397" r:id="rId8"/>
-    <p:sldId id="398" r:id="rId9"/>
-    <p:sldId id="508" r:id="rId10"/>
-    <p:sldId id="551" r:id="rId11"/>
-    <p:sldId id="512" r:id="rId12"/>
-    <p:sldId id="549" r:id="rId13"/>
-    <p:sldId id="488" r:id="rId14"/>
-    <p:sldId id="522" r:id="rId15"/>
-    <p:sldId id="506" r:id="rId16"/>
-    <p:sldId id="518" r:id="rId17"/>
-    <p:sldId id="401" r:id="rId18"/>
-    <p:sldId id="422" r:id="rId19"/>
-    <p:sldId id="485" r:id="rId20"/>
+    <p:sldId id="550" r:id="rId3"/>
+    <p:sldId id="396" r:id="rId4"/>
+    <p:sldId id="515" r:id="rId5"/>
+    <p:sldId id="523" r:id="rId6"/>
+    <p:sldId id="397" r:id="rId7"/>
+    <p:sldId id="398" r:id="rId8"/>
+    <p:sldId id="508" r:id="rId9"/>
+    <p:sldId id="551" r:id="rId10"/>
+    <p:sldId id="512" r:id="rId11"/>
+    <p:sldId id="549" r:id="rId12"/>
+    <p:sldId id="488" r:id="rId13"/>
+    <p:sldId id="522" r:id="rId14"/>
+    <p:sldId id="506" r:id="rId15"/>
+    <p:sldId id="518" r:id="rId16"/>
+    <p:sldId id="401" r:id="rId17"/>
+    <p:sldId id="422" r:id="rId18"/>
+    <p:sldId id="485" r:id="rId19"/>
   </p:sldIdLst>
   <p:sldSz cx="9144000" cy="6858000" type="screen4x3"/>
   <p:notesSz cx="9601200" cy="7315200"/>
   <p:custDataLst>
-    <p:tags r:id="rId24"/>
+    <p:tags r:id="rId23"/>
   </p:custDataLst>
   <p:defaultTextStyle>
     <a:defPPr>
@@ -1137,7 +1136,7 @@
       </p:grpSpPr>
       <p:sp>
         <p:nvSpPr>
-          <p:cNvPr id="7" name="Rectangle 7"/>
+          <p:cNvPr id="69634" name="Rectangle 7"/>
           <p:cNvSpPr>
             <a:spLocks noGrp="1" noChangeArrowheads="1"/>
           </p:cNvSpPr>
@@ -1146,51 +1145,61 @@
           </p:nvPr>
         </p:nvSpPr>
         <p:spPr>
+          <a:noFill/>
+        </p:spPr>
+        <p:txBody>
+          <a:bodyPr/>
+          <a:lstStyle/>
+          <a:p>
+            <a:fld id="{B656271B-90D1-4EEB-A9C3-C58AB99790EE}" type="slidenum">
+              <a:rPr lang="en-US" smtClean="0">
+                <a:latin typeface="Arial" charset="0"/>
+              </a:rPr>
+              <a:pPr/>
+              <a:t>12</a:t>
+            </a:fld>
+            <a:endParaRPr lang="en-US" smtClean="0">
+              <a:latin typeface="Arial" charset="0"/>
+            </a:endParaRPr>
+          </a:p>
+        </p:txBody>
+      </p:sp>
+      <p:sp>
+        <p:nvSpPr>
+          <p:cNvPr id="69635" name="Rectangle 2"/>
+          <p:cNvSpPr>
+            <a:spLocks noGrp="1" noRot="1" noChangeAspect="1" noChangeArrowheads="1" noTextEdit="1"/>
+          </p:cNvSpPr>
+          <p:nvPr>
+            <p:ph type="sldImg"/>
+          </p:nvPr>
+        </p:nvSpPr>
+        <p:spPr>
+          <a:ln/>
+        </p:spPr>
+      </p:sp>
+      <p:sp>
+        <p:nvSpPr>
+          <p:cNvPr id="69636" name="Rectangle 3"/>
+          <p:cNvSpPr>
+            <a:spLocks noGrp="1" noChangeArrowheads="1"/>
+          </p:cNvSpPr>
+          <p:nvPr>
+            <p:ph type="body" idx="1"/>
+          </p:nvPr>
+        </p:nvSpPr>
+        <p:spPr>
+          <a:noFill/>
           <a:ln/>
         </p:spPr>
         <p:txBody>
           <a:bodyPr/>
           <a:lstStyle/>
           <a:p>
-            <a:fld id="{58D02412-0501-4BDD-893A-9335BF29F723}" type="slidenum">
-              <a:rPr lang="en-US"/>
-              <a:pPr/>
-              <a:t>12</a:t>
-            </a:fld>
-            <a:endParaRPr lang="en-US"/>
-          </a:p>
-        </p:txBody>
-      </p:sp>
-      <p:sp>
-        <p:nvSpPr>
-          <p:cNvPr id="114690" name="Rectangle 2"/>
-          <p:cNvSpPr>
-            <a:spLocks noGrp="1" noRot="1" noChangeAspect="1" noChangeArrowheads="1" noTextEdit="1"/>
-          </p:cNvSpPr>
-          <p:nvPr>
-            <p:ph type="sldImg"/>
-          </p:nvPr>
-        </p:nvSpPr>
-        <p:spPr>
-          <a:ln/>
-        </p:spPr>
-      </p:sp>
-      <p:sp>
-        <p:nvSpPr>
-          <p:cNvPr id="114691" name="Rectangle 3"/>
-          <p:cNvSpPr>
-            <a:spLocks noGrp="1" noChangeArrowheads="1"/>
-          </p:cNvSpPr>
-          <p:nvPr>
-            <p:ph type="body" idx="1"/>
-          </p:nvPr>
-        </p:nvSpPr>
-        <p:spPr/>
-        <p:txBody>
-          <a:bodyPr/>
-          <a:lstStyle/>
-          <a:p>
-            <a:endParaRPr lang="en-US"/>
+            <a:pPr eaLnBrk="1" hangingPunct="1"/>
+            <a:endParaRPr lang="en-US" smtClean="0">
+              <a:latin typeface="Arial" charset="0"/>
+            </a:endParaRPr>
           </a:p>
         </p:txBody>
       </p:sp>
@@ -1221,7 +1230,7 @@
       </p:grpSpPr>
       <p:sp>
         <p:nvSpPr>
-          <p:cNvPr id="69634" name="Rectangle 7"/>
+          <p:cNvPr id="70658" name="Rectangle 7"/>
           <p:cNvSpPr>
             <a:spLocks noGrp="1" noChangeArrowheads="1"/>
           </p:cNvSpPr>
@@ -1236,7 +1245,7 @@
           <a:bodyPr/>
           <a:lstStyle/>
           <a:p>
-            <a:fld id="{B656271B-90D1-4EEB-A9C3-C58AB99790EE}" type="slidenum">
+            <a:fld id="{7CC9EB05-1C43-48AF-B618-537D2B3DD42D}" type="slidenum">
               <a:rPr lang="en-US" smtClean="0">
                 <a:latin typeface="Arial" charset="0"/>
               </a:rPr>
@@ -1251,7 +1260,7 @@
       </p:sp>
       <p:sp>
         <p:nvSpPr>
-          <p:cNvPr id="69635" name="Rectangle 2"/>
+          <p:cNvPr id="70659" name="Rectangle 2"/>
           <p:cNvSpPr>
             <a:spLocks noGrp="1" noRot="1" noChangeAspect="1" noChangeArrowheads="1" noTextEdit="1"/>
           </p:cNvSpPr>
@@ -1265,7 +1274,7 @@
       </p:sp>
       <p:sp>
         <p:nvSpPr>
-          <p:cNvPr id="69636" name="Rectangle 3"/>
+          <p:cNvPr id="70660" name="Rectangle 3"/>
           <p:cNvSpPr>
             <a:spLocks noGrp="1" noChangeArrowheads="1"/>
           </p:cNvSpPr>
@@ -1315,7 +1324,7 @@
       </p:grpSpPr>
       <p:sp>
         <p:nvSpPr>
-          <p:cNvPr id="70658" name="Rectangle 7"/>
+          <p:cNvPr id="71682" name="Rectangle 7"/>
           <p:cNvSpPr>
             <a:spLocks noGrp="1" noChangeArrowheads="1"/>
           </p:cNvSpPr>
@@ -1330,7 +1339,7 @@
           <a:bodyPr/>
           <a:lstStyle/>
           <a:p>
-            <a:fld id="{7CC9EB05-1C43-48AF-B618-537D2B3DD42D}" type="slidenum">
+            <a:fld id="{0CEF6F92-C0CF-4F5E-AB63-5A19019BBFC5}" type="slidenum">
               <a:rPr lang="en-US" smtClean="0">
                 <a:latin typeface="Arial" charset="0"/>
               </a:rPr>
@@ -1345,7 +1354,7 @@
       </p:sp>
       <p:sp>
         <p:nvSpPr>
-          <p:cNvPr id="70659" name="Rectangle 2"/>
+          <p:cNvPr id="71683" name="Rectangle 2"/>
           <p:cNvSpPr>
             <a:spLocks noGrp="1" noRot="1" noChangeAspect="1" noChangeArrowheads="1" noTextEdit="1"/>
           </p:cNvSpPr>
@@ -1359,7 +1368,7 @@
       </p:sp>
       <p:sp>
         <p:nvSpPr>
-          <p:cNvPr id="70660" name="Rectangle 3"/>
+          <p:cNvPr id="71684" name="Rectangle 3"/>
           <p:cNvSpPr>
             <a:spLocks noGrp="1" noChangeArrowheads="1"/>
           </p:cNvSpPr>
@@ -1409,7 +1418,7 @@
       </p:grpSpPr>
       <p:sp>
         <p:nvSpPr>
-          <p:cNvPr id="71682" name="Rectangle 7"/>
+          <p:cNvPr id="67586" name="Rectangle 7"/>
           <p:cNvSpPr>
             <a:spLocks noGrp="1" noChangeArrowheads="1"/>
           </p:cNvSpPr>
@@ -1424,7 +1433,7 @@
           <a:bodyPr/>
           <a:lstStyle/>
           <a:p>
-            <a:fld id="{0CEF6F92-C0CF-4F5E-AB63-5A19019BBFC5}" type="slidenum">
+            <a:fld id="{E3BE4A3C-F987-429B-B377-5CCDE63293A8}" type="slidenum">
               <a:rPr lang="en-US" smtClean="0">
                 <a:latin typeface="Arial" charset="0"/>
               </a:rPr>
@@ -1439,7 +1448,7 @@
       </p:sp>
       <p:sp>
         <p:nvSpPr>
-          <p:cNvPr id="71683" name="Rectangle 2"/>
+          <p:cNvPr id="67587" name="Rectangle 2"/>
           <p:cNvSpPr>
             <a:spLocks noGrp="1" noRot="1" noChangeAspect="1" noChangeArrowheads="1" noTextEdit="1"/>
           </p:cNvSpPr>
@@ -1453,7 +1462,7 @@
       </p:sp>
       <p:sp>
         <p:nvSpPr>
-          <p:cNvPr id="71684" name="Rectangle 3"/>
+          <p:cNvPr id="67588" name="Rectangle 3"/>
           <p:cNvSpPr>
             <a:spLocks noGrp="1" noChangeArrowheads="1"/>
           </p:cNvSpPr>
@@ -1597,7 +1606,7 @@
       </p:grpSpPr>
       <p:sp>
         <p:nvSpPr>
-          <p:cNvPr id="67586" name="Rectangle 7"/>
+          <p:cNvPr id="72706" name="Rectangle 7"/>
           <p:cNvSpPr>
             <a:spLocks noGrp="1" noChangeArrowheads="1"/>
           </p:cNvSpPr>
@@ -1612,7 +1621,7 @@
           <a:bodyPr/>
           <a:lstStyle/>
           <a:p>
-            <a:fld id="{E3BE4A3C-F987-429B-B377-5CCDE63293A8}" type="slidenum">
+            <a:fld id="{7901F982-AFE8-4DF3-92B6-756DCF784EAE}" type="slidenum">
               <a:rPr lang="en-US" smtClean="0">
                 <a:latin typeface="Arial" charset="0"/>
               </a:rPr>
@@ -1627,7 +1636,7 @@
       </p:sp>
       <p:sp>
         <p:nvSpPr>
-          <p:cNvPr id="67587" name="Rectangle 2"/>
+          <p:cNvPr id="72707" name="Rectangle 2"/>
           <p:cNvSpPr>
             <a:spLocks noGrp="1" noRot="1" noChangeAspect="1" noChangeArrowheads="1" noTextEdit="1"/>
           </p:cNvSpPr>
@@ -1641,7 +1650,7 @@
       </p:sp>
       <p:sp>
         <p:nvSpPr>
-          <p:cNvPr id="67588" name="Rectangle 3"/>
+          <p:cNvPr id="72708" name="Rectangle 3"/>
           <p:cNvSpPr>
             <a:spLocks noGrp="1" noChangeArrowheads="1"/>
           </p:cNvSpPr>
@@ -1691,100 +1700,6 @@
       </p:grpSpPr>
       <p:sp>
         <p:nvSpPr>
-          <p:cNvPr id="72706" name="Rectangle 7"/>
-          <p:cNvSpPr>
-            <a:spLocks noGrp="1" noChangeArrowheads="1"/>
-          </p:cNvSpPr>
-          <p:nvPr>
-            <p:ph type="sldNum" sz="quarter" idx="5"/>
-          </p:nvPr>
-        </p:nvSpPr>
-        <p:spPr>
-          <a:noFill/>
-        </p:spPr>
-        <p:txBody>
-          <a:bodyPr/>
-          <a:lstStyle/>
-          <a:p>
-            <a:fld id="{7901F982-AFE8-4DF3-92B6-756DCF784EAE}" type="slidenum">
-              <a:rPr lang="en-US" smtClean="0">
-                <a:latin typeface="Arial" charset="0"/>
-              </a:rPr>
-              <a:pPr/>
-              <a:t>18</a:t>
-            </a:fld>
-            <a:endParaRPr lang="en-US" smtClean="0">
-              <a:latin typeface="Arial" charset="0"/>
-            </a:endParaRPr>
-          </a:p>
-        </p:txBody>
-      </p:sp>
-      <p:sp>
-        <p:nvSpPr>
-          <p:cNvPr id="72707" name="Rectangle 2"/>
-          <p:cNvSpPr>
-            <a:spLocks noGrp="1" noRot="1" noChangeAspect="1" noChangeArrowheads="1" noTextEdit="1"/>
-          </p:cNvSpPr>
-          <p:nvPr>
-            <p:ph type="sldImg"/>
-          </p:nvPr>
-        </p:nvSpPr>
-        <p:spPr>
-          <a:ln/>
-        </p:spPr>
-      </p:sp>
-      <p:sp>
-        <p:nvSpPr>
-          <p:cNvPr id="72708" name="Rectangle 3"/>
-          <p:cNvSpPr>
-            <a:spLocks noGrp="1" noChangeArrowheads="1"/>
-          </p:cNvSpPr>
-          <p:nvPr>
-            <p:ph type="body" idx="1"/>
-          </p:nvPr>
-        </p:nvSpPr>
-        <p:spPr>
-          <a:noFill/>
-          <a:ln/>
-        </p:spPr>
-        <p:txBody>
-          <a:bodyPr/>
-          <a:lstStyle/>
-          <a:p>
-            <a:pPr eaLnBrk="1" hangingPunct="1"/>
-            <a:endParaRPr lang="en-US" smtClean="0">
-              <a:latin typeface="Arial" charset="0"/>
-            </a:endParaRPr>
-          </a:p>
-        </p:txBody>
-      </p:sp>
-    </p:spTree>
-  </p:cSld>
-  <p:clrMapOvr>
-    <a:masterClrMapping/>
-  </p:clrMapOvr>
-</p:notes>
-</file>
-
-<file path=ppt/notesSlides/notesSlide19.xml><?xml version="1.0" encoding="utf-8"?>
-<p:notes xmlns:a="http://schemas.openxmlformats.org/drawingml/2006/main" xmlns:r="http://schemas.openxmlformats.org/officeDocument/2006/relationships" xmlns:p="http://schemas.openxmlformats.org/presentationml/2006/main">
-  <p:cSld>
-    <p:spTree>
-      <p:nvGrpSpPr>
-        <p:cNvPr id="1" name=""/>
-        <p:cNvGrpSpPr/>
-        <p:nvPr/>
-      </p:nvGrpSpPr>
-      <p:grpSpPr>
-        <a:xfrm>
-          <a:off x="0" y="0"/>
-          <a:ext cx="0" cy="0"/>
-          <a:chOff x="0" y="0"/>
-          <a:chExt cx="0" cy="0"/>
-        </a:xfrm>
-      </p:grpSpPr>
-      <p:sp>
-        <p:nvSpPr>
           <p:cNvPr id="2" name="Slide Image Placeholder 1"/>
           <p:cNvSpPr>
             <a:spLocks noGrp="1" noRot="1" noChangeAspect="1"/>
@@ -1839,7 +1754,7 @@
               <a:pPr>
                 <a:defRPr/>
               </a:pPr>
-              <a:t>19</a:t>
+              <a:t>18</a:t>
             </a:fld>
             <a:endParaRPr lang="en-US"/>
           </a:p>
@@ -1956,7 +1871,7 @@
       </p:grpSpPr>
       <p:sp>
         <p:nvSpPr>
-          <p:cNvPr id="7" name="Rectangle 7"/>
+          <p:cNvPr id="60418" name="Rectangle 7"/>
           <p:cNvSpPr>
             <a:spLocks noGrp="1" noChangeArrowheads="1"/>
           </p:cNvSpPr>
@@ -1965,51 +1880,61 @@
           </p:nvPr>
         </p:nvSpPr>
         <p:spPr>
+          <a:noFill/>
+        </p:spPr>
+        <p:txBody>
+          <a:bodyPr/>
+          <a:lstStyle/>
+          <a:p>
+            <a:fld id="{FF931786-E187-43E6-8633-0C1D10874911}" type="slidenum">
+              <a:rPr lang="en-US" smtClean="0">
+                <a:latin typeface="Arial" charset="0"/>
+              </a:rPr>
+              <a:pPr/>
+              <a:t>3</a:t>
+            </a:fld>
+            <a:endParaRPr lang="en-US" smtClean="0">
+              <a:latin typeface="Arial" charset="0"/>
+            </a:endParaRPr>
+          </a:p>
+        </p:txBody>
+      </p:sp>
+      <p:sp>
+        <p:nvSpPr>
+          <p:cNvPr id="60419" name="Rectangle 2"/>
+          <p:cNvSpPr>
+            <a:spLocks noGrp="1" noRot="1" noChangeAspect="1" noChangeArrowheads="1" noTextEdit="1"/>
+          </p:cNvSpPr>
+          <p:nvPr>
+            <p:ph type="sldImg"/>
+          </p:nvPr>
+        </p:nvSpPr>
+        <p:spPr>
+          <a:ln/>
+        </p:spPr>
+      </p:sp>
+      <p:sp>
+        <p:nvSpPr>
+          <p:cNvPr id="60420" name="Rectangle 3"/>
+          <p:cNvSpPr>
+            <a:spLocks noGrp="1" noChangeArrowheads="1"/>
+          </p:cNvSpPr>
+          <p:nvPr>
+            <p:ph type="body" idx="1"/>
+          </p:nvPr>
+        </p:nvSpPr>
+        <p:spPr>
+          <a:noFill/>
           <a:ln/>
         </p:spPr>
         <p:txBody>
           <a:bodyPr/>
           <a:lstStyle/>
           <a:p>
-            <a:fld id="{58D02412-0501-4BDD-893A-9335BF29F723}" type="slidenum">
-              <a:rPr lang="en-US"/>
-              <a:pPr/>
-              <a:t>3</a:t>
-            </a:fld>
-            <a:endParaRPr lang="en-US"/>
-          </a:p>
-        </p:txBody>
-      </p:sp>
-      <p:sp>
-        <p:nvSpPr>
-          <p:cNvPr id="114690" name="Rectangle 2"/>
-          <p:cNvSpPr>
-            <a:spLocks noGrp="1" noRot="1" noChangeAspect="1" noChangeArrowheads="1" noTextEdit="1"/>
-          </p:cNvSpPr>
-          <p:nvPr>
-            <p:ph type="sldImg"/>
-          </p:nvPr>
-        </p:nvSpPr>
-        <p:spPr>
-          <a:ln/>
-        </p:spPr>
-      </p:sp>
-      <p:sp>
-        <p:nvSpPr>
-          <p:cNvPr id="114691" name="Rectangle 3"/>
-          <p:cNvSpPr>
-            <a:spLocks noGrp="1" noChangeArrowheads="1"/>
-          </p:cNvSpPr>
-          <p:nvPr>
-            <p:ph type="body" idx="1"/>
-          </p:nvPr>
-        </p:nvSpPr>
-        <p:spPr/>
-        <p:txBody>
-          <a:bodyPr/>
-          <a:lstStyle/>
-          <a:p>
-            <a:endParaRPr lang="en-US"/>
+            <a:pPr eaLnBrk="1" hangingPunct="1"/>
+            <a:endParaRPr lang="en-US" smtClean="0">
+              <a:latin typeface="Arial" charset="0"/>
+            </a:endParaRPr>
           </a:p>
         </p:txBody>
       </p:sp>
@@ -2040,7 +1965,7 @@
       </p:grpSpPr>
       <p:sp>
         <p:nvSpPr>
-          <p:cNvPr id="60418" name="Rectangle 7"/>
+          <p:cNvPr id="61442" name="Rectangle 7"/>
           <p:cNvSpPr>
             <a:spLocks noGrp="1" noChangeArrowheads="1"/>
           </p:cNvSpPr>
@@ -2055,7 +1980,7 @@
           <a:bodyPr/>
           <a:lstStyle/>
           <a:p>
-            <a:fld id="{FF931786-E187-43E6-8633-0C1D10874911}" type="slidenum">
+            <a:fld id="{013CA702-BC72-4880-9028-5AFFC03AA7E4}" type="slidenum">
               <a:rPr lang="en-US" smtClean="0">
                 <a:latin typeface="Arial" charset="0"/>
               </a:rPr>
@@ -2070,7 +1995,7 @@
       </p:sp>
       <p:sp>
         <p:nvSpPr>
-          <p:cNvPr id="60419" name="Rectangle 2"/>
+          <p:cNvPr id="61443" name="Rectangle 2"/>
           <p:cNvSpPr>
             <a:spLocks noGrp="1" noRot="1" noChangeAspect="1" noChangeArrowheads="1" noTextEdit="1"/>
           </p:cNvSpPr>
@@ -2084,7 +2009,7 @@
       </p:sp>
       <p:sp>
         <p:nvSpPr>
-          <p:cNvPr id="60420" name="Rectangle 3"/>
+          <p:cNvPr id="61444" name="Rectangle 3"/>
           <p:cNvSpPr>
             <a:spLocks noGrp="1" noChangeArrowheads="1"/>
           </p:cNvSpPr>
@@ -2322,7 +2247,7 @@
       </p:grpSpPr>
       <p:sp>
         <p:nvSpPr>
-          <p:cNvPr id="61442" name="Rectangle 7"/>
+          <p:cNvPr id="62466" name="Rectangle 7"/>
           <p:cNvSpPr>
             <a:spLocks noGrp="1" noChangeArrowheads="1"/>
           </p:cNvSpPr>
@@ -2337,7 +2262,7 @@
           <a:bodyPr/>
           <a:lstStyle/>
           <a:p>
-            <a:fld id="{013CA702-BC72-4880-9028-5AFFC03AA7E4}" type="slidenum">
+            <a:fld id="{DAD69EEC-0359-4B05-974F-41EB44C59685}" type="slidenum">
               <a:rPr lang="en-US" smtClean="0">
                 <a:latin typeface="Arial" charset="0"/>
               </a:rPr>
@@ -2352,7 +2277,7 @@
       </p:sp>
       <p:sp>
         <p:nvSpPr>
-          <p:cNvPr id="61443" name="Rectangle 2"/>
+          <p:cNvPr id="62467" name="Rectangle 2"/>
           <p:cNvSpPr>
             <a:spLocks noGrp="1" noRot="1" noChangeAspect="1" noChangeArrowheads="1" noTextEdit="1"/>
           </p:cNvSpPr>
@@ -2366,7 +2291,7 @@
       </p:sp>
       <p:sp>
         <p:nvSpPr>
-          <p:cNvPr id="61444" name="Rectangle 3"/>
+          <p:cNvPr id="62468" name="Rectangle 3"/>
           <p:cNvSpPr>
             <a:spLocks noGrp="1" noChangeArrowheads="1"/>
           </p:cNvSpPr>
@@ -2375,6 +2300,10 @@
           </p:nvPr>
         </p:nvSpPr>
         <p:spPr>
+          <a:xfrm>
+            <a:off x="1279327" y="3474963"/>
+            <a:ext cx="7042547" cy="3291114"/>
+          </a:xfrm>
           <a:noFill/>
           <a:ln/>
         </p:spPr>
@@ -2383,9 +2312,21 @@
           <a:lstStyle/>
           <a:p>
             <a:pPr eaLnBrk="1" hangingPunct="1"/>
-            <a:endParaRPr lang="en-US" smtClean="0">
-              <a:latin typeface="Arial" charset="0"/>
-            </a:endParaRPr>
+            <a:r>
+              <a:rPr lang="en-US" smtClean="0">
+                <a:latin typeface="Arial" charset="0"/>
+              </a:rPr>
+              <a:t>Model each sample</a:t>
+            </a:r>
+          </a:p>
+          <a:p>
+            <a:pPr eaLnBrk="1" hangingPunct="1"/>
+            <a:r>
+              <a:rPr lang="en-US" smtClean="0">
+                <a:latin typeface="Arial" charset="0"/>
+              </a:rPr>
+              <a:t>Select samples randomly indpendently,</a:t>
+            </a:r>
           </a:p>
         </p:txBody>
       </p:sp>
@@ -2416,7 +2357,7 @@
       </p:grpSpPr>
       <p:sp>
         <p:nvSpPr>
-          <p:cNvPr id="62466" name="Rectangle 7"/>
+          <p:cNvPr id="7" name="Rectangle 7"/>
           <p:cNvSpPr>
             <a:spLocks noGrp="1" noChangeArrowheads="1"/>
           </p:cNvSpPr>
@@ -2425,77 +2366,51 @@
           </p:nvPr>
         </p:nvSpPr>
         <p:spPr>
-          <a:noFill/>
-        </p:spPr>
-        <p:txBody>
-          <a:bodyPr/>
-          <a:lstStyle/>
-          <a:p>
-            <a:fld id="{DAD69EEC-0359-4B05-974F-41EB44C59685}" type="slidenum">
-              <a:rPr lang="en-US" smtClean="0">
-                <a:latin typeface="Arial" charset="0"/>
-              </a:rPr>
-              <a:pPr/>
-              <a:t>8</a:t>
-            </a:fld>
-            <a:endParaRPr lang="en-US" smtClean="0">
-              <a:latin typeface="Arial" charset="0"/>
-            </a:endParaRPr>
-          </a:p>
-        </p:txBody>
-      </p:sp>
-      <p:sp>
-        <p:nvSpPr>
-          <p:cNvPr id="62467" name="Rectangle 2"/>
-          <p:cNvSpPr>
-            <a:spLocks noGrp="1" noRot="1" noChangeAspect="1" noChangeArrowheads="1" noTextEdit="1"/>
-          </p:cNvSpPr>
-          <p:nvPr>
-            <p:ph type="sldImg"/>
-          </p:nvPr>
-        </p:nvSpPr>
-        <p:spPr>
-          <a:ln/>
-        </p:spPr>
-      </p:sp>
-      <p:sp>
-        <p:nvSpPr>
-          <p:cNvPr id="62468" name="Rectangle 3"/>
-          <p:cNvSpPr>
-            <a:spLocks noGrp="1" noChangeArrowheads="1"/>
-          </p:cNvSpPr>
-          <p:nvPr>
-            <p:ph type="body" idx="1"/>
-          </p:nvPr>
-        </p:nvSpPr>
-        <p:spPr>
-          <a:xfrm>
-            <a:off x="1279327" y="3474963"/>
-            <a:ext cx="7042547" cy="3291114"/>
-          </a:xfrm>
-          <a:noFill/>
           <a:ln/>
         </p:spPr>
         <p:txBody>
           <a:bodyPr/>
           <a:lstStyle/>
           <a:p>
-            <a:pPr eaLnBrk="1" hangingPunct="1"/>
-            <a:r>
-              <a:rPr lang="en-US" smtClean="0">
-                <a:latin typeface="Arial" charset="0"/>
-              </a:rPr>
-              <a:t>Model each sample</a:t>
-            </a:r>
-          </a:p>
-          <a:p>
-            <a:pPr eaLnBrk="1" hangingPunct="1"/>
-            <a:r>
-              <a:rPr lang="en-US" smtClean="0">
-                <a:latin typeface="Arial" charset="0"/>
-              </a:rPr>
-              <a:t>Select samples randomly indpendently,</a:t>
-            </a:r>
+            <a:fld id="{58D02412-0501-4BDD-893A-9335BF29F723}" type="slidenum">
+              <a:rPr lang="en-US"/>
+              <a:pPr/>
+              <a:t>8</a:t>
+            </a:fld>
+            <a:endParaRPr lang="en-US"/>
+          </a:p>
+        </p:txBody>
+      </p:sp>
+      <p:sp>
+        <p:nvSpPr>
+          <p:cNvPr id="114690" name="Rectangle 2"/>
+          <p:cNvSpPr>
+            <a:spLocks noGrp="1" noRot="1" noChangeAspect="1" noChangeArrowheads="1" noTextEdit="1"/>
+          </p:cNvSpPr>
+          <p:nvPr>
+            <p:ph type="sldImg"/>
+          </p:nvPr>
+        </p:nvSpPr>
+        <p:spPr>
+          <a:ln/>
+        </p:spPr>
+      </p:sp>
+      <p:sp>
+        <p:nvSpPr>
+          <p:cNvPr id="114691" name="Rectangle 3"/>
+          <p:cNvSpPr>
+            <a:spLocks noGrp="1" noChangeArrowheads="1"/>
+          </p:cNvSpPr>
+          <p:nvPr>
+            <p:ph type="body" idx="1"/>
+          </p:nvPr>
+        </p:nvSpPr>
+        <p:spPr/>
+        <p:txBody>
+          <a:bodyPr/>
+          <a:lstStyle/>
+          <a:p>
+            <a:endParaRPr lang="en-US"/>
           </a:p>
         </p:txBody>
       </p:sp>
@@ -4371,214 +4286,6 @@
           <a:chExt cx="0" cy="0"/>
         </a:xfrm>
       </p:grpSpPr>
-      <p:graphicFrame>
-        <p:nvGraphicFramePr>
-          <p:cNvPr id="425990" name="Object 6"/>
-          <p:cNvGraphicFramePr>
-            <a:graphicFrameLocks noChangeAspect="1"/>
-          </p:cNvGraphicFramePr>
-          <p:nvPr>
-            <p:extLst>
-              <p:ext uri="{D42A27DB-BD31-4B8C-83A1-F6EECF244321}">
-                <p14:modId xmlns:p14="http://schemas.microsoft.com/office/powerpoint/2010/main" val="1552966474"/>
-              </p:ext>
-            </p:extLst>
-          </p:nvPr>
-        </p:nvGraphicFramePr>
-        <p:xfrm>
-          <a:off x="1066800" y="914400"/>
-          <a:ext cx="7363178" cy="2133599"/>
-        </p:xfrm>
-        <a:graphic>
-          <a:graphicData uri="http://schemas.openxmlformats.org/presentationml/2006/ole">
-            <mc:AlternateContent xmlns:mc="http://schemas.openxmlformats.org/markup-compatibility/2006">
-              <mc:Choice xmlns:v="urn:schemas-microsoft-com:vml" Requires="v">
-                <p:oleObj spid="_x0000_s494605" name="Equation" r:id="rId4" imgW="2057400" imgH="596900" progId="Equation.DSMT4">
-                  <p:embed/>
-                </p:oleObj>
-              </mc:Choice>
-              <mc:Fallback>
-                <p:oleObj name="Equation" r:id="rId4" imgW="2057400" imgH="596900" progId="Equation.DSMT4">
-                  <p:embed/>
-                  <p:pic>
-                    <p:nvPicPr>
-                      <p:cNvPr id="0" name=""/>
-                      <p:cNvPicPr>
-                        <a:picLocks noChangeAspect="1" noChangeArrowheads="1"/>
-                      </p:cNvPicPr>
-                      <p:nvPr/>
-                    </p:nvPicPr>
-                    <p:blipFill>
-                      <a:blip r:embed="rId5"/>
-                      <a:srcRect/>
-                      <a:stretch>
-                        <a:fillRect/>
-                      </a:stretch>
-                    </p:blipFill>
-                    <p:spPr bwMode="auto">
-                      <a:xfrm>
-                        <a:off x="1066800" y="914400"/>
-                        <a:ext cx="7363178" cy="2133599"/>
-                      </a:xfrm>
-                      <a:prstGeom prst="rect">
-                        <a:avLst/>
-                      </a:prstGeom>
-                      <a:solidFill>
-                        <a:schemeClr val="hlink"/>
-                      </a:solidFill>
-                    </p:spPr>
-                  </p:pic>
-                </p:oleObj>
-              </mc:Fallback>
-            </mc:AlternateContent>
-          </a:graphicData>
-        </a:graphic>
-      </p:graphicFrame>
-      <p:sp>
-        <p:nvSpPr>
-          <p:cNvPr id="111618" name="Rectangle 2"/>
-          <p:cNvSpPr>
-            <a:spLocks noGrp="1" noChangeArrowheads="1"/>
-          </p:cNvSpPr>
-          <p:nvPr>
-            <p:ph type="title"/>
-          </p:nvPr>
-        </p:nvSpPr>
-        <p:spPr>
-          <a:xfrm>
-            <a:off x="1295400" y="116046"/>
-            <a:ext cx="7672388" cy="882650"/>
-          </a:xfrm>
-        </p:spPr>
-        <p:txBody>
-          <a:bodyPr/>
-          <a:lstStyle/>
-          <a:p>
-            <a:r>
-              <a:rPr lang="en-US" dirty="0" err="1">
-                <a:latin typeface="Comic Sans MS"/>
-                <a:cs typeface="Comic Sans MS"/>
-              </a:rPr>
-              <a:t>Pairwise</a:t>
-            </a:r>
-            <a:r>
-              <a:rPr lang="en-US" dirty="0">
-                <a:latin typeface="Comic Sans MS"/>
-                <a:cs typeface="Comic Sans MS"/>
-              </a:rPr>
-              <a:t> Independent Sampling</a:t>
-            </a:r>
-          </a:p>
-        </p:txBody>
-      </p:sp>
-      <p:graphicFrame>
-        <p:nvGraphicFramePr>
-          <p:cNvPr id="13" name="Object 12"/>
-          <p:cNvGraphicFramePr>
-            <a:graphicFrameLocks noChangeAspect="1"/>
-          </p:cNvGraphicFramePr>
-          <p:nvPr/>
-        </p:nvGraphicFramePr>
-        <p:xfrm>
-          <a:off x="847725" y="3048000"/>
-          <a:ext cx="7296150" cy="838200"/>
-        </p:xfrm>
-        <a:graphic>
-          <a:graphicData uri="http://schemas.openxmlformats.org/presentationml/2006/ole">
-            <mc:AlternateContent xmlns:mc="http://schemas.openxmlformats.org/markup-compatibility/2006">
-              <mc:Choice xmlns:v="urn:schemas-microsoft-com:vml" Requires="v">
-                <p:oleObj spid="_x0000_s494606" name="Equation" r:id="rId6" imgW="1879600" imgH="215900" progId="Equation.DSMT4">
-                  <p:embed/>
-                </p:oleObj>
-              </mc:Choice>
-              <mc:Fallback>
-                <p:oleObj name="Equation" r:id="rId6" imgW="1879600" imgH="215900" progId="Equation.DSMT4">
-                  <p:embed/>
-                  <p:pic>
-                    <p:nvPicPr>
-                      <p:cNvPr id="0" name=""/>
-                      <p:cNvPicPr>
-                        <a:picLocks noChangeAspect="1" noChangeArrowheads="1"/>
-                      </p:cNvPicPr>
-                      <p:nvPr/>
-                    </p:nvPicPr>
-                    <p:blipFill>
-                      <a:blip r:embed="rId7">
-                        <a:extLst>
-                          <a:ext uri="{28A0092B-C50C-407E-A947-70E740481C1C}">
-                            <a14:useLocalDpi xmlns:a14="http://schemas.microsoft.com/office/drawing/2010/main" val="0"/>
-                          </a:ext>
-                        </a:extLst>
-                      </a:blip>
-                      <a:srcRect/>
-                      <a:stretch>
-                        <a:fillRect/>
-                      </a:stretch>
-                    </p:blipFill>
-                    <p:spPr bwMode="auto">
-                      <a:xfrm>
-                        <a:off x="847725" y="3048000"/>
-                        <a:ext cx="7296150" cy="838200"/>
-                      </a:xfrm>
-                      <a:prstGeom prst="rect">
-                        <a:avLst/>
-                      </a:prstGeom>
-                      <a:noFill/>
-                      <a:extLst>
-                        <a:ext uri="{909E8E84-426E-40dd-AFC4-6F175D3DCCD1}">
-                          <a14:hiddenFill xmlns:a14="http://schemas.microsoft.com/office/drawing/2010/main">
-                            <a:solidFill>
-                              <a:srgbClr val="FFFFFF"/>
-                            </a:solidFill>
-                          </a14:hiddenFill>
-                        </a:ext>
-                      </a:extLst>
-                    </p:spPr>
-                  </p:pic>
-                </p:oleObj>
-              </mc:Fallback>
-            </mc:AlternateContent>
-          </a:graphicData>
-        </a:graphic>
-      </p:graphicFrame>
-      <p:sp>
-        <p:nvSpPr>
-          <p:cNvPr id="8" name="Slide Number Placeholder 3"/>
-          <p:cNvSpPr>
-            <a:spLocks noGrp="1"/>
-          </p:cNvSpPr>
-          <p:nvPr>
-            <p:ph type="sldNum" sz="quarter" idx="10"/>
-          </p:nvPr>
-        </p:nvSpPr>
-        <p:spPr>
-          <a:xfrm>
-            <a:off x="7696200" y="6629400"/>
-            <a:ext cx="1447800" cy="228600"/>
-          </a:xfrm>
-        </p:spPr>
-        <p:txBody>
-          <a:bodyPr/>
-          <a:lstStyle/>
-          <a:p>
-            <a:pPr>
-              <a:defRPr/>
-            </a:pPr>
-            <a:r>
-              <a:rPr lang="en-US" dirty="0" smtClean="0"/>
-              <a:t>confidence.</a:t>
-            </a:r>
-            <a:fld id="{AB032E80-4924-4C32-A61E-EE294C645BF5}" type="slidenum">
-              <a:rPr lang="en-US" smtClean="0"/>
-              <a:pPr>
-                <a:defRPr/>
-              </a:pPr>
-              <a:t>10</a:t>
-            </a:fld>
-            <a:endParaRPr lang="en-US" dirty="0"/>
-          </a:p>
-        </p:txBody>
-      </p:sp>
       <p:sp>
         <p:nvSpPr>
           <p:cNvPr id="10" name="TextBox 9"/>
@@ -4587,8 +4294,8 @@
         </p:nvSpPr>
         <p:spPr>
           <a:xfrm>
-            <a:off x="1220259" y="4114800"/>
-            <a:ext cx="6537517" cy="1107996"/>
+            <a:off x="1219200" y="3658850"/>
+            <a:ext cx="6819370" cy="1446550"/>
           </a:xfrm>
           <a:prstGeom prst="rect">
             <a:avLst/>
@@ -4601,244 +4308,40 @@
           </a:bodyPr>
           <a:lstStyle/>
           <a:p>
-            <a:r>
-              <a:rPr lang="en-US" sz="6600" dirty="0" smtClean="0">
+            <a:pPr algn="l"/>
+            <a:r>
+              <a:rPr lang="en-US" sz="4400" dirty="0" smtClean="0">
                 <a:latin typeface="+mj-lt"/>
               </a:rPr>
-              <a:t>?? don’t know </a:t>
-            </a:r>
-            <a:r>
-              <a:rPr lang="en-US" sz="6600" dirty="0" err="1" smtClean="0">
-                <a:solidFill>
-                  <a:srgbClr val="0006FE"/>
-                </a:solidFill>
-                <a:latin typeface="Euclid"/>
-                <a:cs typeface="Euclid"/>
-              </a:rPr>
-              <a:t>σ</a:t>
-            </a:r>
-            <a:endParaRPr lang="en-US" sz="6600" dirty="0" smtClean="0">
-              <a:solidFill>
-                <a:srgbClr val="0006FE"/>
-              </a:solidFill>
-              <a:latin typeface="Euclid"/>
-              <a:cs typeface="Euclid"/>
-            </a:endParaRPr>
+              <a:t>suppose </a:t>
+            </a:r>
+            <a:r>
+              <a:rPr lang="en-US" sz="4400" dirty="0" smtClean="0">
+                <a:solidFill>
+                  <a:srgbClr val="FF0000"/>
+                </a:solidFill>
+                <a:latin typeface="+mj-lt"/>
+              </a:rPr>
+              <a:t>L</a:t>
+            </a:r>
+            <a:r>
+              <a:rPr lang="en-US" sz="4400" dirty="0" smtClean="0">
+                <a:latin typeface="+mj-lt"/>
+              </a:rPr>
+              <a:t> is max possible</a:t>
+            </a:r>
+          </a:p>
+          <a:p>
+            <a:pPr algn="l"/>
+            <a:r>
+              <a:rPr lang="en-US" sz="4400" dirty="0" smtClean="0">
+                <a:latin typeface="+mj-lt"/>
+              </a:rPr>
+              <a:t>difference of samples</a:t>
+            </a:r>
           </a:p>
         </p:txBody>
       </p:sp>
-    </p:spTree>
-    <p:extLst>
-      <p:ext uri="{BB962C8B-B14F-4D97-AF65-F5344CB8AC3E}">
-        <p14:creationId xmlns:p14="http://schemas.microsoft.com/office/powerpoint/2010/main" val="374341100"/>
-      </p:ext>
-    </p:extLst>
-  </p:cSld>
-  <p:clrMapOvr>
-    <a:masterClrMapping/>
-  </p:clrMapOvr>
-  <mc:AlternateContent xmlns:mc="http://schemas.openxmlformats.org/markup-compatibility/2006" xmlns:p14="http://schemas.microsoft.com/office/powerpoint/2010/main">
-    <mc:Choice Requires="p14">
-      <p:transition spd="slow" p14:dur="800" advClick="0">
-        <p:fade/>
-      </p:transition>
-    </mc:Choice>
-    <mc:Fallback xmlns="">
-      <p:transition xmlns:p14="http://schemas.microsoft.com/office/powerpoint/2010/main" spd="slow" advClick="0">
-        <p:fade/>
-      </p:transition>
-    </mc:Fallback>
-  </mc:AlternateContent>
-  <p:timing>
-    <p:tnLst>
-      <p:par>
-        <p:cTn xmlns:p14="http://schemas.microsoft.com/office/powerpoint/2010/main" id="1" dur="indefinite" restart="never" nodeType="tmRoot">
-          <p:childTnLst>
-            <p:seq concurrent="1" nextAc="seek">
-              <p:cTn id="2" dur="indefinite" nodeType="mainSeq">
-                <p:childTnLst>
-                  <p:par>
-                    <p:cTn id="3" fill="hold">
-                      <p:stCondLst>
-                        <p:cond delay="indefinite"/>
-                      </p:stCondLst>
-                      <p:childTnLst>
-                        <p:par>
-                          <p:cTn id="4" fill="hold">
-                            <p:stCondLst>
-                              <p:cond delay="0"/>
-                            </p:stCondLst>
-                            <p:childTnLst>
-                              <p:par>
-                                <p:cTn id="5" presetID="15" presetClass="entr" presetSubtype="0" fill="hold" grpId="0" nodeType="clickEffect">
-                                  <p:stCondLst>
-                                    <p:cond delay="0"/>
-                                  </p:stCondLst>
-                                  <p:childTnLst>
-                                    <p:set>
-                                      <p:cBhvr>
-                                        <p:cTn id="6" dur="1" fill="hold">
-                                          <p:stCondLst>
-                                            <p:cond delay="0"/>
-                                          </p:stCondLst>
-                                        </p:cTn>
-                                        <p:tgtEl>
-                                          <p:spTgt spid="10"/>
-                                        </p:tgtEl>
-                                        <p:attrNameLst>
-                                          <p:attrName>style.visibility</p:attrName>
-                                        </p:attrNameLst>
-                                      </p:cBhvr>
-                                      <p:to>
-                                        <p:strVal val="visible"/>
-                                      </p:to>
-                                    </p:set>
-                                    <p:anim calcmode="lin" valueType="num">
-                                      <p:cBhvr>
-                                        <p:cTn id="7" dur="1000" fill="hold"/>
-                                        <p:tgtEl>
-                                          <p:spTgt spid="10"/>
-                                        </p:tgtEl>
-                                        <p:attrNameLst>
-                                          <p:attrName>ppt_w</p:attrName>
-                                        </p:attrNameLst>
-                                      </p:cBhvr>
-                                      <p:tavLst>
-                                        <p:tav tm="0">
-                                          <p:val>
-                                            <p:fltVal val="0"/>
-                                          </p:val>
-                                        </p:tav>
-                                        <p:tav tm="100000">
-                                          <p:val>
-                                            <p:strVal val="#ppt_w"/>
-                                          </p:val>
-                                        </p:tav>
-                                      </p:tavLst>
-                                    </p:anim>
-                                    <p:anim calcmode="lin" valueType="num">
-                                      <p:cBhvr>
-                                        <p:cTn id="8" dur="1000" fill="hold"/>
-                                        <p:tgtEl>
-                                          <p:spTgt spid="10"/>
-                                        </p:tgtEl>
-                                        <p:attrNameLst>
-                                          <p:attrName>ppt_h</p:attrName>
-                                        </p:attrNameLst>
-                                      </p:cBhvr>
-                                      <p:tavLst>
-                                        <p:tav tm="0">
-                                          <p:val>
-                                            <p:fltVal val="0"/>
-                                          </p:val>
-                                        </p:tav>
-                                        <p:tav tm="100000">
-                                          <p:val>
-                                            <p:strVal val="#ppt_h"/>
-                                          </p:val>
-                                        </p:tav>
-                                      </p:tavLst>
-                                    </p:anim>
-                                    <p:anim calcmode="lin" valueType="num">
-                                      <p:cBhvr>
-                                        <p:cTn id="9" dur="1000" fill="hold"/>
-                                        <p:tgtEl>
-                                          <p:spTgt spid="10"/>
-                                        </p:tgtEl>
-                                        <p:attrNameLst>
-                                          <p:attrName>ppt_x</p:attrName>
-                                        </p:attrNameLst>
-                                      </p:cBhvr>
-                                      <p:tavLst>
-                                        <p:tav tm="0" fmla="#ppt_x+(cos(-2*pi*(1-$))*-#ppt_x-sin(-2*pi*(1-$))*(1-#ppt_y))*(1-$)">
-                                          <p:val>
-                                            <p:fltVal val="0"/>
-                                          </p:val>
-                                        </p:tav>
-                                        <p:tav tm="100000">
-                                          <p:val>
-                                            <p:fltVal val="1"/>
-                                          </p:val>
-                                        </p:tav>
-                                      </p:tavLst>
-                                    </p:anim>
-                                    <p:anim calcmode="lin" valueType="num">
-                                      <p:cBhvr>
-                                        <p:cTn id="10" dur="1000" fill="hold"/>
-                                        <p:tgtEl>
-                                          <p:spTgt spid="10"/>
-                                        </p:tgtEl>
-                                        <p:attrNameLst>
-                                          <p:attrName>ppt_y</p:attrName>
-                                        </p:attrNameLst>
-                                      </p:cBhvr>
-                                      <p:tavLst>
-                                        <p:tav tm="0" fmla="#ppt_y+(sin(-2*pi*(1-$))*-#ppt_x+cos(-2*pi*(1-$))*(1-#ppt_y))*(1-$)">
-                                          <p:val>
-                                            <p:fltVal val="0"/>
-                                          </p:val>
-                                        </p:tav>
-                                        <p:tav tm="100000">
-                                          <p:val>
-                                            <p:fltVal val="1"/>
-                                          </p:val>
-                                        </p:tav>
-                                      </p:tavLst>
-                                    </p:anim>
-                                  </p:childTnLst>
-                                </p:cTn>
-                              </p:par>
-                            </p:childTnLst>
-                          </p:cTn>
-                        </p:par>
-                      </p:childTnLst>
-                    </p:cTn>
-                  </p:par>
-                </p:childTnLst>
-              </p:cTn>
-              <p:prevCondLst>
-                <p:cond evt="onPrev" delay="0">
-                  <p:tgtEl>
-                    <p:sldTgt/>
-                  </p:tgtEl>
-                </p:cond>
-              </p:prevCondLst>
-              <p:nextCondLst>
-                <p:cond evt="onNext" delay="0">
-                  <p:tgtEl>
-                    <p:sldTgt/>
-                  </p:tgtEl>
-                </p:cond>
-              </p:nextCondLst>
-            </p:seq>
-          </p:childTnLst>
-        </p:cTn>
-      </p:par>
-    </p:tnLst>
-    <p:bldLst>
-      <p:bldP spid="10" grpId="0"/>
-    </p:bldLst>
-  </p:timing>
-</p:sld>
-</file>
-
-<file path=ppt/slides/slide11.xml><?xml version="1.0" encoding="utf-8"?>
-<p:sld xmlns:a="http://schemas.openxmlformats.org/drawingml/2006/main" xmlns:r="http://schemas.openxmlformats.org/officeDocument/2006/relationships" xmlns:p="http://schemas.openxmlformats.org/presentationml/2006/main">
-  <p:cSld>
-    <p:spTree>
-      <p:nvGrpSpPr>
-        <p:cNvPr id="1" name=""/>
-        <p:cNvGrpSpPr/>
-        <p:nvPr/>
-      </p:nvGrpSpPr>
-      <p:grpSpPr>
-        <a:xfrm>
-          <a:off x="0" y="0"/>
-          <a:ext cx="0" cy="0"/>
-          <a:chOff x="0" y="0"/>
-          <a:chExt cx="0" cy="0"/>
-        </a:xfrm>
-      </p:grpSpPr>
       <p:sp>
         <p:nvSpPr>
           <p:cNvPr id="111618" name="Rectangle 2"/>
@@ -4860,19 +4363,40 @@
           <a:lstStyle/>
           <a:p>
             <a:r>
-              <a:rPr lang="en-US" dirty="0" err="1">
+              <a:rPr lang="en-US" sz="4400" dirty="0" smtClean="0">
                 <a:latin typeface="Comic Sans MS"/>
                 <a:cs typeface="Comic Sans MS"/>
               </a:rPr>
-              <a:t>Pairwise</a:t>
-            </a:r>
-            <a:r>
-              <a:rPr lang="en-US" dirty="0">
+              <a:t>Bound for</a:t>
+            </a:r>
+            <a:r>
+              <a:rPr lang="en-US" dirty="0" smtClean="0">
                 <a:latin typeface="Comic Sans MS"/>
                 <a:cs typeface="Comic Sans MS"/>
               </a:rPr>
-              <a:t> Independent Sampling</a:t>
-            </a:r>
+              <a:t> </a:t>
+            </a:r>
+            <a:r>
+              <a:rPr lang="en-US" sz="4800" dirty="0" err="1">
+                <a:solidFill>
+                  <a:srgbClr val="0006FE"/>
+                </a:solidFill>
+                <a:latin typeface="Euclid"/>
+                <a:cs typeface="Euclid"/>
+              </a:rPr>
+              <a:t>σ</a:t>
+            </a:r>
+            <a:r>
+              <a:rPr lang="en-US" dirty="0" smtClean="0">
+                <a:latin typeface="Comic Sans MS"/>
+                <a:cs typeface="Comic Sans MS"/>
+              </a:rPr>
+              <a:t> </a:t>
+            </a:r>
+            <a:endParaRPr lang="en-US" dirty="0">
+              <a:latin typeface="Comic Sans MS"/>
+              <a:cs typeface="Comic Sans MS"/>
+            </a:endParaRPr>
           </a:p>
         </p:txBody>
       </p:sp>
@@ -4908,7 +4432,7 @@
               <a:pPr>
                 <a:defRPr/>
               </a:pPr>
-              <a:t>11</a:t>
+              <a:t>10</a:t>
             </a:fld>
             <a:endParaRPr lang="en-US" dirty="0"/>
           </a:p>
@@ -4922,8 +4446,8 @@
         </p:nvSpPr>
         <p:spPr>
           <a:xfrm>
-            <a:off x="5849549" y="3581400"/>
-            <a:ext cx="1618051" cy="830997"/>
+            <a:off x="6013594" y="4807803"/>
+            <a:ext cx="1782863" cy="830997"/>
           </a:xfrm>
           <a:prstGeom prst="rect">
             <a:avLst/>
@@ -4940,72 +4464,29 @@
               <a:rPr lang="en-US" sz="4800" dirty="0" smtClean="0">
                 <a:latin typeface="+mj-lt"/>
               </a:rPr>
-              <a:t> = </a:t>
+              <a:t> </a:t>
+            </a:r>
+            <a:r>
+              <a:rPr lang="en-US" sz="4800" b="1" dirty="0" smtClean="0">
+                <a:latin typeface="Euclid Symbol" charset="2"/>
+                <a:cs typeface="Euclid Symbol" charset="2"/>
+              </a:rPr>
+              <a:t>=</a:t>
             </a:r>
             <a:r>
               <a:rPr lang="en-US" sz="4800" dirty="0" smtClean="0">
+                <a:latin typeface="+mj-lt"/>
+              </a:rPr>
+              <a:t> </a:t>
+            </a:r>
+            <a:r>
+              <a:rPr lang="en-US" sz="4800" dirty="0" smtClean="0">
                 <a:solidFill>
                   <a:srgbClr val="FF4519"/>
                 </a:solidFill>
                 <a:latin typeface="+mj-lt"/>
               </a:rPr>
               <a:t>50</a:t>
-            </a:r>
-          </a:p>
-        </p:txBody>
-      </p:sp>
-      <p:sp>
-        <p:nvSpPr>
-          <p:cNvPr id="10" name="TextBox 9"/>
-          <p:cNvSpPr txBox="1"/>
-          <p:nvPr/>
-        </p:nvSpPr>
-        <p:spPr>
-          <a:xfrm>
-            <a:off x="1327574" y="5106650"/>
-            <a:ext cx="6368626" cy="1446550"/>
-          </a:xfrm>
-          <a:prstGeom prst="rect">
-            <a:avLst/>
-          </a:prstGeom>
-          <a:noFill/>
-        </p:spPr>
-        <p:txBody>
-          <a:bodyPr wrap="none" rtlCol="0">
-            <a:spAutoFit/>
-          </a:bodyPr>
-          <a:lstStyle/>
-          <a:p>
-            <a:pPr algn="l"/>
-            <a:r>
-              <a:rPr lang="en-US" sz="4400" dirty="0" smtClean="0">
-                <a:latin typeface="+mj-lt"/>
-              </a:rPr>
-              <a:t>where </a:t>
-            </a:r>
-            <a:r>
-              <a:rPr lang="en-US" sz="4400" dirty="0" smtClean="0">
-                <a:solidFill>
-                  <a:srgbClr val="FF0000"/>
-                </a:solidFill>
-                <a:latin typeface="+mj-lt"/>
-              </a:rPr>
-              <a:t>L</a:t>
-            </a:r>
-            <a:r>
-              <a:rPr lang="en-US" sz="4400" dirty="0" smtClean="0">
-                <a:latin typeface="+mj-lt"/>
-              </a:rPr>
-              <a:t> is max possible</a:t>
-            </a:r>
-          </a:p>
-          <a:p>
-            <a:pPr algn="l"/>
-            <a:r>
-              <a:rPr lang="en-US" sz="4400" dirty="0" smtClean="0">
-                <a:latin typeface="+mj-lt"/>
-              </a:rPr>
-              <a:t>difference of samples</a:t>
             </a:r>
           </a:p>
         </p:txBody>
@@ -5019,20 +4500,20 @@
           <p:nvPr>
             <p:extLst>
               <p:ext uri="{D42A27DB-BD31-4B8C-83A1-F6EECF244321}">
-                <p14:modId xmlns:p14="http://schemas.microsoft.com/office/powerpoint/2010/main" val="2894888796"/>
+                <p14:modId xmlns:p14="http://schemas.microsoft.com/office/powerpoint/2010/main" val="2298147284"/>
               </p:ext>
             </p:extLst>
           </p:nvPr>
         </p:nvGraphicFramePr>
         <p:xfrm>
-          <a:off x="2574925" y="3498850"/>
+          <a:off x="2667000" y="4648200"/>
           <a:ext cx="3470275" cy="1835150"/>
         </p:xfrm>
         <a:graphic>
           <a:graphicData uri="http://schemas.openxmlformats.org/presentationml/2006/ole">
             <mc:AlternateContent xmlns:mc="http://schemas.openxmlformats.org/markup-compatibility/2006">
               <mc:Choice xmlns:v="urn:schemas-microsoft-com:vml" Requires="v">
-                <p:oleObj spid="_x0000_s438451" name="Equation" r:id="rId4" imgW="889000" imgH="469900" progId="Equation.DSMT4">
+                <p:oleObj spid="_x0000_s438473" name="Equation" r:id="rId4" imgW="889000" imgH="469900" progId="Equation.DSMT4">
                   <p:embed/>
                 </p:oleObj>
               </mc:Choice>
@@ -5062,7 +4543,7 @@
                     </p:blipFill>
                     <p:spPr bwMode="auto">
                       <a:xfrm>
-                        <a:off x="2574925" y="3498850"/>
+                        <a:off x="2667000" y="4648200"/>
                         <a:ext cx="3470275" cy="1835150"/>
                       </a:xfrm>
                       <a:prstGeom prst="rect">
@@ -5102,7 +4583,7 @@
           <a:graphicData uri="http://schemas.openxmlformats.org/presentationml/2006/ole">
             <mc:AlternateContent xmlns:mc="http://schemas.openxmlformats.org/markup-compatibility/2006">
               <mc:Choice xmlns:v="urn:schemas-microsoft-com:vml" Requires="v">
-                <p:oleObj spid="_x0000_s438452" name="Equation" r:id="rId6" imgW="1879600" imgH="215900" progId="Equation.DSMT4">
+                <p:oleObj spid="_x0000_s438474" name="Equation" r:id="rId6" imgW="1879600" imgH="215900" progId="Equation.DSMT4">
                   <p:embed/>
                 </p:oleObj>
               </mc:Choice>
@@ -5158,27 +4639,27 @@
       </p:graphicFrame>
       <p:graphicFrame>
         <p:nvGraphicFramePr>
-          <p:cNvPr id="15" name="Object 6"/>
+          <p:cNvPr id="11" name="Object 6"/>
           <p:cNvGraphicFramePr>
             <a:graphicFrameLocks noChangeAspect="1"/>
           </p:cNvGraphicFramePr>
           <p:nvPr>
             <p:extLst>
               <p:ext uri="{D42A27DB-BD31-4B8C-83A1-F6EECF244321}">
-                <p14:modId xmlns:p14="http://schemas.microsoft.com/office/powerpoint/2010/main" val="1010422617"/>
+                <p14:modId xmlns:p14="http://schemas.microsoft.com/office/powerpoint/2010/main" val="1597149222"/>
               </p:ext>
             </p:extLst>
           </p:nvPr>
         </p:nvGraphicFramePr>
         <p:xfrm>
-          <a:off x="1066800" y="914400"/>
+          <a:off x="914400" y="914400"/>
           <a:ext cx="7363178" cy="2133599"/>
         </p:xfrm>
         <a:graphic>
           <a:graphicData uri="http://schemas.openxmlformats.org/presentationml/2006/ole">
             <mc:AlternateContent xmlns:mc="http://schemas.openxmlformats.org/markup-compatibility/2006">
               <mc:Choice xmlns:v="urn:schemas-microsoft-com:vml" Requires="v">
-                <p:oleObj spid="_x0000_s438453" name="Equation" r:id="rId8" imgW="2057400" imgH="596900" progId="Equation.DSMT4">
+                <p:oleObj spid="_x0000_s438475" name="Equation" r:id="rId8" imgW="2057400" imgH="596900" progId="Equation.DSMT4">
                   <p:embed/>
                 </p:oleObj>
               </mc:Choice>
@@ -5202,7 +4683,7 @@
                     </p:blipFill>
                     <p:spPr bwMode="auto">
                       <a:xfrm>
-                        <a:off x="1066800" y="914400"/>
+                        <a:off x="914400" y="914400"/>
                         <a:ext cx="7363178" cy="2133599"/>
                       </a:xfrm>
                       <a:prstGeom prst="rect">
@@ -5224,18 +4705,9 @@
   <p:clrMapOvr>
     <a:masterClrMapping/>
   </p:clrMapOvr>
-  <mc:AlternateContent xmlns:mc="http://schemas.openxmlformats.org/markup-compatibility/2006" xmlns:p14="http://schemas.microsoft.com/office/powerpoint/2010/main">
-    <mc:Choice Requires="p14">
-      <p:transition spd="med" p14:dur="700">
-        <p:fade/>
-      </p:transition>
-    </mc:Choice>
-    <mc:Fallback xmlns="">
-      <p:transition xmlns:p14="http://schemas.microsoft.com/office/powerpoint/2010/main" spd="med">
-        <p:fade/>
-      </p:transition>
-    </mc:Fallback>
-  </mc:AlternateContent>
+  <p:transition xmlns:p14="http://schemas.microsoft.com/office/powerpoint/2010/main" spd="slow" advClick="0">
+    <p:fade/>
+  </p:transition>
   <p:timing>
     <p:tnLst>
       <p:par>
@@ -5260,7 +4732,7 @@
                             </p:stCondLst>
                             <p:childTnLst>
                               <p:par>
-                                <p:cTn id="5" presetID="2" presetClass="entr" presetSubtype="8" fill="hold" nodeType="afterEffect">
+                                <p:cTn id="5" presetID="10" presetClass="entr" presetSubtype="0" fill="hold" grpId="0" nodeType="withEffect">
                                   <p:stCondLst>
                                     <p:cond delay="0"/>
                                   </p:stCondLst>
@@ -5268,6 +4740,59 @@
                                     <p:set>
                                       <p:cBhvr>
                                         <p:cTn id="6" dur="1" fill="hold">
+                                          <p:stCondLst>
+                                            <p:cond delay="0"/>
+                                          </p:stCondLst>
+                                        </p:cTn>
+                                        <p:tgtEl>
+                                          <p:spTgt spid="10"/>
+                                        </p:tgtEl>
+                                        <p:attrNameLst>
+                                          <p:attrName>style.visibility</p:attrName>
+                                        </p:attrNameLst>
+                                      </p:cBhvr>
+                                      <p:to>
+                                        <p:strVal val="visible"/>
+                                      </p:to>
+                                    </p:set>
+                                    <p:animEffect transition="in" filter="fade">
+                                      <p:cBhvr>
+                                        <p:cTn id="7" dur="500"/>
+                                        <p:tgtEl>
+                                          <p:spTgt spid="10"/>
+                                        </p:tgtEl>
+                                      </p:cBhvr>
+                                    </p:animEffect>
+                                  </p:childTnLst>
+                                </p:cTn>
+                              </p:par>
+                            </p:childTnLst>
+                          </p:cTn>
+                        </p:par>
+                      </p:childTnLst>
+                    </p:cTn>
+                  </p:par>
+                  <p:par>
+                    <p:cTn id="8" fill="hold">
+                      <p:stCondLst>
+                        <p:cond delay="indefinite"/>
+                      </p:stCondLst>
+                      <p:childTnLst>
+                        <p:par>
+                          <p:cTn id="9" fill="hold">
+                            <p:stCondLst>
+                              <p:cond delay="0"/>
+                            </p:stCondLst>
+                            <p:childTnLst>
+                              <p:par>
+                                <p:cTn id="10" presetID="10" presetClass="entr" presetSubtype="0" fill="hold" nodeType="clickEffect">
+                                  <p:stCondLst>
+                                    <p:cond delay="0"/>
+                                  </p:stCondLst>
+                                  <p:childTnLst>
+                                    <p:set>
+                                      <p:cBhvr>
+                                        <p:cTn id="11" dur="1" fill="hold">
                                           <p:stCondLst>
                                             <p:cond delay="0"/>
                                           </p:stCondLst>
@@ -5283,102 +4808,11 @@
                                         <p:strVal val="visible"/>
                                       </p:to>
                                     </p:set>
-                                    <p:anim calcmode="lin" valueType="num">
-                                      <p:cBhvr additive="base">
-                                        <p:cTn id="7" dur="500" fill="hold"/>
+                                    <p:animEffect transition="in" filter="fade">
+                                      <p:cBhvr>
+                                        <p:cTn id="12" dur="500"/>
                                         <p:tgtEl>
                                           <p:spTgt spid="12"/>
-                                        </p:tgtEl>
-                                        <p:attrNameLst>
-                                          <p:attrName>ppt_x</p:attrName>
-                                        </p:attrNameLst>
-                                      </p:cBhvr>
-                                      <p:tavLst>
-                                        <p:tav tm="0">
-                                          <p:val>
-                                            <p:strVal val="0-#ppt_w/2"/>
-                                          </p:val>
-                                        </p:tav>
-                                        <p:tav tm="100000">
-                                          <p:val>
-                                            <p:strVal val="#ppt_x"/>
-                                          </p:val>
-                                        </p:tav>
-                                      </p:tavLst>
-                                    </p:anim>
-                                    <p:anim calcmode="lin" valueType="num">
-                                      <p:cBhvr additive="base">
-                                        <p:cTn id="8" dur="500" fill="hold"/>
-                                        <p:tgtEl>
-                                          <p:spTgt spid="12"/>
-                                        </p:tgtEl>
-                                        <p:attrNameLst>
-                                          <p:attrName>ppt_y</p:attrName>
-                                        </p:attrNameLst>
-                                      </p:cBhvr>
-                                      <p:tavLst>
-                                        <p:tav tm="0">
-                                          <p:val>
-                                            <p:strVal val="#ppt_y"/>
-                                          </p:val>
-                                        </p:tav>
-                                        <p:tav tm="100000">
-                                          <p:val>
-                                            <p:strVal val="#ppt_y"/>
-                                          </p:val>
-                                        </p:tav>
-                                      </p:tavLst>
-                                    </p:anim>
-                                  </p:childTnLst>
-                                </p:cTn>
-                              </p:par>
-                            </p:childTnLst>
-                          </p:cTn>
-                        </p:par>
-                      </p:childTnLst>
-                    </p:cTn>
-                  </p:par>
-                  <p:par>
-                    <p:cTn id="9" fill="hold">
-                      <p:stCondLst>
-                        <p:cond delay="indefinite"/>
-                      </p:stCondLst>
-                      <p:childTnLst>
-                        <p:par>
-                          <p:cTn id="10" fill="hold">
-                            <p:stCondLst>
-                              <p:cond delay="0"/>
-                            </p:stCondLst>
-                            <p:childTnLst>
-                              <p:par>
-                                <p:cTn id="11" presetID="9" presetClass="entr" presetSubtype="0" fill="hold" grpId="0" nodeType="clickEffect">
-                                  <p:stCondLst>
-                                    <p:cond delay="0"/>
-                                  </p:stCondLst>
-                                  <p:childTnLst>
-                                    <p:set>
-                                      <p:cBhvr>
-                                        <p:cTn id="12" dur="1" fill="hold">
-                                          <p:stCondLst>
-                                            <p:cond delay="0"/>
-                                          </p:stCondLst>
-                                        </p:cTn>
-                                        <p:tgtEl>
-                                          <p:spTgt spid="10"/>
-                                        </p:tgtEl>
-                                        <p:attrNameLst>
-                                          <p:attrName>style.visibility</p:attrName>
-                                        </p:attrNameLst>
-                                      </p:cBhvr>
-                                      <p:to>
-                                        <p:strVal val="visible"/>
-                                      </p:to>
-                                    </p:set>
-                                    <p:animEffect transition="in" filter="dissolve">
-                                      <p:cBhvr>
-                                        <p:cTn id="13" dur="500"/>
-                                        <p:tgtEl>
-                                          <p:spTgt spid="10"/>
                                         </p:tgtEl>
                                       </p:cBhvr>
                                     </p:animEffect>
@@ -5392,26 +4826,26 @@
                     </p:cTn>
                   </p:par>
                   <p:par>
-                    <p:cTn id="14" fill="hold">
+                    <p:cTn id="13" fill="hold">
                       <p:stCondLst>
                         <p:cond delay="indefinite"/>
                       </p:stCondLst>
                       <p:childTnLst>
                         <p:par>
-                          <p:cTn id="15" fill="hold">
+                          <p:cTn id="14" fill="hold">
                             <p:stCondLst>
                               <p:cond delay="0"/>
                             </p:stCondLst>
                             <p:childTnLst>
                               <p:par>
-                                <p:cTn id="16" presetID="2" presetClass="entr" presetSubtype="2" fill="hold" grpId="0" nodeType="clickEffect">
+                                <p:cTn id="15" presetID="2" presetClass="entr" presetSubtype="2" fill="hold" grpId="0" nodeType="clickEffect">
                                   <p:stCondLst>
                                     <p:cond delay="0"/>
                                   </p:stCondLst>
                                   <p:childTnLst>
                                     <p:set>
                                       <p:cBhvr>
-                                        <p:cTn id="17" dur="1" fill="hold">
+                                        <p:cTn id="16" dur="1" fill="hold">
                                           <p:stCondLst>
                                             <p:cond delay="0"/>
                                           </p:stCondLst>
@@ -5429,7 +4863,7 @@
                                     </p:set>
                                     <p:anim calcmode="lin" valueType="num">
                                       <p:cBhvr additive="base">
-                                        <p:cTn id="18" dur="500" fill="hold"/>
+                                        <p:cTn id="17" dur="500" fill="hold"/>
                                         <p:tgtEl>
                                           <p:spTgt spid="9"/>
                                         </p:tgtEl>
@@ -5452,7 +4886,7 @@
                                     </p:anim>
                                     <p:anim calcmode="lin" valueType="num">
                                       <p:cBhvr additive="base">
-                                        <p:cTn id="19" dur="500" fill="hold"/>
+                                        <p:cTn id="18" dur="500" fill="hold"/>
                                         <p:tgtEl>
                                           <p:spTgt spid="9"/>
                                         </p:tgtEl>
@@ -5473,59 +4907,6 @@
                                         </p:tav>
                                       </p:tavLst>
                                     </p:anim>
-                                  </p:childTnLst>
-                                </p:cTn>
-                              </p:par>
-                            </p:childTnLst>
-                          </p:cTn>
-                        </p:par>
-                      </p:childTnLst>
-                    </p:cTn>
-                  </p:par>
-                  <p:par>
-                    <p:cTn id="20" fill="hold">
-                      <p:stCondLst>
-                        <p:cond delay="indefinite"/>
-                      </p:stCondLst>
-                      <p:childTnLst>
-                        <p:par>
-                          <p:cTn id="21" fill="hold">
-                            <p:stCondLst>
-                              <p:cond delay="0"/>
-                            </p:stCondLst>
-                            <p:childTnLst>
-                              <p:par>
-                                <p:cTn id="22" presetID="9" presetClass="entr" presetSubtype="0" fill="hold" nodeType="clickEffect">
-                                  <p:stCondLst>
-                                    <p:cond delay="0"/>
-                                  </p:stCondLst>
-                                  <p:childTnLst>
-                                    <p:set>
-                                      <p:cBhvr>
-                                        <p:cTn id="23" dur="1" fill="hold">
-                                          <p:stCondLst>
-                                            <p:cond delay="0"/>
-                                          </p:stCondLst>
-                                        </p:cTn>
-                                        <p:tgtEl>
-                                          <p:spTgt spid="15"/>
-                                        </p:tgtEl>
-                                        <p:attrNameLst>
-                                          <p:attrName>style.visibility</p:attrName>
-                                        </p:attrNameLst>
-                                      </p:cBhvr>
-                                      <p:to>
-                                        <p:strVal val="visible"/>
-                                      </p:to>
-                                    </p:set>
-                                    <p:animEffect transition="in" filter="dissolve">
-                                      <p:cBhvr>
-                                        <p:cTn id="24" dur="500"/>
-                                        <p:tgtEl>
-                                          <p:spTgt spid="15"/>
-                                        </p:tgtEl>
-                                      </p:cBhvr>
-                                    </p:animEffect>
                                   </p:childTnLst>
                                 </p:cTn>
                               </p:par>
@@ -5557,14 +4938,14 @@
       </p:par>
     </p:tnLst>
     <p:bldLst>
+      <p:bldP spid="10" grpId="0"/>
       <p:bldP spid="9" grpId="0"/>
-      <p:bldP spid="10" grpId="0"/>
     </p:bldLst>
   </p:timing>
 </p:sld>
 </file>
 
-<file path=ppt/slides/slide12.xml><?xml version="1.0" encoding="utf-8"?>
+<file path=ppt/slides/slide11.xml><?xml version="1.0" encoding="utf-8"?>
 <p:sld xmlns:a="http://schemas.openxmlformats.org/drawingml/2006/main" xmlns:r="http://schemas.openxmlformats.org/officeDocument/2006/relationships" xmlns:p="http://schemas.openxmlformats.org/presentationml/2006/main">
   <p:cSld>
     <p:spTree>
@@ -5581,34 +4962,109 @@
           <a:chExt cx="0" cy="0"/>
         </a:xfrm>
       </p:grpSpPr>
+      <p:sp>
+        <p:nvSpPr>
+          <p:cNvPr id="111618" name="Rectangle 2"/>
+          <p:cNvSpPr>
+            <a:spLocks noGrp="1" noChangeArrowheads="1"/>
+          </p:cNvSpPr>
+          <p:nvPr>
+            <p:ph type="title"/>
+          </p:nvPr>
+        </p:nvSpPr>
+        <p:spPr>
+          <a:xfrm>
+            <a:off x="1295400" y="116046"/>
+            <a:ext cx="7672388" cy="882650"/>
+          </a:xfrm>
+        </p:spPr>
+        <p:txBody>
+          <a:bodyPr/>
+          <a:lstStyle/>
+          <a:p>
+            <a:r>
+              <a:rPr lang="en-US" dirty="0" err="1">
+                <a:latin typeface="Comic Sans MS"/>
+                <a:cs typeface="Comic Sans MS"/>
+              </a:rPr>
+              <a:t>Pairwise</a:t>
+            </a:r>
+            <a:r>
+              <a:rPr lang="en-US" dirty="0">
+                <a:latin typeface="Comic Sans MS"/>
+                <a:cs typeface="Comic Sans MS"/>
+              </a:rPr>
+              <a:t> Independent Sampling</a:t>
+            </a:r>
+          </a:p>
+        </p:txBody>
+      </p:sp>
+      <p:sp>
+        <p:nvSpPr>
+          <p:cNvPr id="8" name="Slide Number Placeholder 3"/>
+          <p:cNvSpPr>
+            <a:spLocks noGrp="1"/>
+          </p:cNvSpPr>
+          <p:nvPr>
+            <p:ph type="sldNum" sz="quarter" idx="10"/>
+          </p:nvPr>
+        </p:nvSpPr>
+        <p:spPr>
+          <a:xfrm>
+            <a:off x="7696200" y="6629400"/>
+            <a:ext cx="1447800" cy="228600"/>
+          </a:xfrm>
+        </p:spPr>
+        <p:txBody>
+          <a:bodyPr/>
+          <a:lstStyle/>
+          <a:p>
+            <a:pPr>
+              <a:defRPr/>
+            </a:pPr>
+            <a:r>
+              <a:rPr lang="en-US" dirty="0" smtClean="0"/>
+              <a:t>confidence.</a:t>
+            </a:r>
+            <a:fld id="{AB032E80-4924-4C32-A61E-EE294C645BF5}" type="slidenum">
+              <a:rPr lang="en-US" smtClean="0"/>
+              <a:pPr>
+                <a:defRPr/>
+              </a:pPr>
+              <a:t>11</a:t>
+            </a:fld>
+            <a:endParaRPr lang="en-US" dirty="0"/>
+          </a:p>
+        </p:txBody>
+      </p:sp>
       <p:graphicFrame>
         <p:nvGraphicFramePr>
-          <p:cNvPr id="438281" name="Object 9"/>
+          <p:cNvPr id="434182" name="Object 6"/>
           <p:cNvGraphicFramePr>
             <a:graphicFrameLocks noChangeAspect="1"/>
           </p:cNvGraphicFramePr>
           <p:nvPr>
             <p:extLst>
               <p:ext uri="{D42A27DB-BD31-4B8C-83A1-F6EECF244321}">
-                <p14:modId xmlns:p14="http://schemas.microsoft.com/office/powerpoint/2010/main" val="1744041318"/>
+                <p14:modId xmlns:p14="http://schemas.microsoft.com/office/powerpoint/2010/main" val="2399848752"/>
               </p:ext>
             </p:extLst>
           </p:nvPr>
         </p:nvGraphicFramePr>
         <p:xfrm>
-          <a:off x="1103313" y="1177925"/>
-          <a:ext cx="6797675" cy="1946275"/>
+          <a:off x="5715000" y="1143000"/>
+          <a:ext cx="3248025" cy="1676400"/>
         </p:xfrm>
         <a:graphic>
           <a:graphicData uri="http://schemas.openxmlformats.org/presentationml/2006/ole">
             <mc:AlternateContent xmlns:mc="http://schemas.openxmlformats.org/markup-compatibility/2006">
               <mc:Choice xmlns:v="urn:schemas-microsoft-com:vml" Requires="v">
-                <p:oleObj spid="_x0000_s493655" name="Equation" r:id="rId4" imgW="2082800" imgH="596900" progId="Equation.DSMT4">
+                <p:oleObj spid="_x0000_s493671" name="Equation" r:id="rId4" imgW="1155700" imgH="596900" progId="Equation.DSMT4">
                   <p:embed/>
                 </p:oleObj>
               </mc:Choice>
               <mc:Fallback>
-                <p:oleObj name="Equation" r:id="rId4" imgW="2082800" imgH="596900" progId="Equation.DSMT4">
+                <p:oleObj name="Equation" r:id="rId4" imgW="1155700" imgH="596900" progId="Equation.DSMT4">
                   <p:embed/>
                   <p:pic>
                     <p:nvPicPr>
@@ -5627,8 +5083,71 @@
                     </p:blipFill>
                     <p:spPr bwMode="auto">
                       <a:xfrm>
-                        <a:off x="1103313" y="1177925"/>
-                        <a:ext cx="6797675" cy="1946275"/>
+                        <a:off x="5715000" y="1143000"/>
+                        <a:ext cx="3248025" cy="1676400"/>
+                      </a:xfrm>
+                      <a:prstGeom prst="rect">
+                        <a:avLst/>
+                      </a:prstGeom>
+                      <a:solidFill>
+                        <a:schemeClr val="hlink"/>
+                      </a:solidFill>
+                    </p:spPr>
+                  </p:pic>
+                </p:oleObj>
+              </mc:Fallback>
+            </mc:AlternateContent>
+          </a:graphicData>
+        </a:graphic>
+      </p:graphicFrame>
+      <p:graphicFrame>
+        <p:nvGraphicFramePr>
+          <p:cNvPr id="481287" name="Object 7"/>
+          <p:cNvGraphicFramePr>
+            <a:graphicFrameLocks noChangeAspect="1"/>
+          </p:cNvGraphicFramePr>
+          <p:nvPr>
+            <p:extLst>
+              <p:ext uri="{D42A27DB-BD31-4B8C-83A1-F6EECF244321}">
+                <p14:modId xmlns:p14="http://schemas.microsoft.com/office/powerpoint/2010/main" val="2465687935"/>
+              </p:ext>
+            </p:extLst>
+          </p:nvPr>
+        </p:nvGraphicFramePr>
+        <p:xfrm>
+          <a:off x="776288" y="3425825"/>
+          <a:ext cx="7618412" cy="1216025"/>
+        </p:xfrm>
+        <a:graphic>
+          <a:graphicData uri="http://schemas.openxmlformats.org/presentationml/2006/ole">
+            <mc:AlternateContent xmlns:mc="http://schemas.openxmlformats.org/markup-compatibility/2006">
+              <mc:Choice xmlns:v="urn:schemas-microsoft-com:vml" Requires="v">
+                <p:oleObj spid="_x0000_s493672" name="Equation" r:id="rId6" imgW="1828800" imgH="292100" progId="Equation.DSMT4">
+                  <p:embed/>
+                </p:oleObj>
+              </mc:Choice>
+              <mc:Fallback>
+                <p:oleObj name="Equation" r:id="rId6" imgW="1828800" imgH="292100" progId="Equation.DSMT4">
+                  <p:embed/>
+                  <p:pic>
+                    <p:nvPicPr>
+                      <p:cNvPr id="0" name=""/>
+                      <p:cNvPicPr>
+                        <a:picLocks noChangeAspect="1" noChangeArrowheads="1"/>
+                      </p:cNvPicPr>
+                      <p:nvPr/>
+                    </p:nvPicPr>
+                    <p:blipFill>
+                      <a:blip r:embed="rId7"/>
+                      <a:srcRect/>
+                      <a:stretch>
+                        <a:fillRect/>
+                      </a:stretch>
+                    </p:blipFill>
+                    <p:spPr bwMode="auto">
+                      <a:xfrm>
+                        <a:off x="776288" y="3425825"/>
+                        <a:ext cx="7618412" cy="1216025"/>
                       </a:xfrm>
                       <a:prstGeom prst="rect">
                         <a:avLst/>
@@ -5651,172 +5170,34 @@
           </a:graphicData>
         </a:graphic>
       </p:graphicFrame>
-      <p:sp>
-        <p:nvSpPr>
-          <p:cNvPr id="111618" name="Rectangle 2"/>
-          <p:cNvSpPr>
-            <a:spLocks noGrp="1" noChangeArrowheads="1"/>
-          </p:cNvSpPr>
-          <p:nvPr>
-            <p:ph type="title"/>
-          </p:nvPr>
-        </p:nvSpPr>
-        <p:spPr>
-          <a:xfrm>
-            <a:off x="1295400" y="116046"/>
-            <a:ext cx="7672388" cy="882650"/>
-          </a:xfrm>
-        </p:spPr>
-        <p:txBody>
-          <a:bodyPr/>
-          <a:lstStyle/>
-          <a:p>
-            <a:r>
-              <a:rPr lang="en-US" dirty="0" err="1">
-                <a:latin typeface="Comic Sans MS"/>
-                <a:cs typeface="Comic Sans MS"/>
-              </a:rPr>
-              <a:t>Pairwise</a:t>
-            </a:r>
-            <a:r>
-              <a:rPr lang="en-US" dirty="0">
-                <a:latin typeface="Comic Sans MS"/>
-                <a:cs typeface="Comic Sans MS"/>
-              </a:rPr>
-              <a:t> Independent Sampling</a:t>
-            </a:r>
-          </a:p>
-        </p:txBody>
-      </p:sp>
-      <p:sp>
-        <p:nvSpPr>
-          <p:cNvPr id="8" name="Slide Number Placeholder 3"/>
-          <p:cNvSpPr>
-            <a:spLocks noGrp="1"/>
-          </p:cNvSpPr>
-          <p:nvPr>
-            <p:ph type="sldNum" sz="quarter" idx="10"/>
-          </p:nvPr>
-        </p:nvSpPr>
-        <p:spPr>
-          <a:xfrm>
-            <a:off x="7696200" y="6629400"/>
-            <a:ext cx="1447800" cy="228600"/>
-          </a:xfrm>
-        </p:spPr>
-        <p:txBody>
-          <a:bodyPr/>
-          <a:lstStyle/>
-          <a:p>
-            <a:pPr>
-              <a:defRPr/>
-            </a:pPr>
-            <a:r>
-              <a:rPr lang="en-US" dirty="0" smtClean="0"/>
-              <a:t>confidence.</a:t>
-            </a:r>
-            <a:fld id="{AB032E80-4924-4C32-A61E-EE294C645BF5}" type="slidenum">
-              <a:rPr lang="en-US" smtClean="0"/>
-              <a:pPr>
-                <a:defRPr/>
-              </a:pPr>
-              <a:t>12</a:t>
-            </a:fld>
-            <a:endParaRPr lang="en-US" dirty="0"/>
-          </a:p>
-        </p:txBody>
-      </p:sp>
       <p:graphicFrame>
         <p:nvGraphicFramePr>
-          <p:cNvPr id="434182" name="Object 6"/>
+          <p:cNvPr id="7" name="Object 6"/>
           <p:cNvGraphicFramePr>
             <a:graphicFrameLocks noChangeAspect="1"/>
           </p:cNvGraphicFramePr>
-          <p:nvPr/>
+          <p:nvPr>
+            <p:extLst>
+              <p:ext uri="{D42A27DB-BD31-4B8C-83A1-F6EECF244321}">
+                <p14:modId xmlns:p14="http://schemas.microsoft.com/office/powerpoint/2010/main" val="3254599471"/>
+              </p:ext>
+            </p:extLst>
+          </p:nvPr>
         </p:nvGraphicFramePr>
         <p:xfrm>
-          <a:off x="5562601" y="1371601"/>
-          <a:ext cx="3284430" cy="1676399"/>
+          <a:off x="914400" y="1546225"/>
+          <a:ext cx="4818062" cy="1044575"/>
         </p:xfrm>
         <a:graphic>
           <a:graphicData uri="http://schemas.openxmlformats.org/presentationml/2006/ole">
             <mc:AlternateContent xmlns:mc="http://schemas.openxmlformats.org/markup-compatibility/2006">
               <mc:Choice xmlns:v="urn:schemas-microsoft-com:vml" Requires="v">
-                <p:oleObj spid="_x0000_s493656" name="Equation" r:id="rId6" imgW="1168400" imgH="596900" progId="Equation.DSMT4">
+                <p:oleObj spid="_x0000_s493673" name="Equation" r:id="rId8" imgW="1346200" imgH="292100" progId="Equation.DSMT4">
                   <p:embed/>
                 </p:oleObj>
               </mc:Choice>
               <mc:Fallback>
-                <p:oleObj name="Equation" r:id="rId6" imgW="1168400" imgH="596900" progId="Equation.DSMT4">
-                  <p:embed/>
-                  <p:pic>
-                    <p:nvPicPr>
-                      <p:cNvPr id="0" name=""/>
-                      <p:cNvPicPr>
-                        <a:picLocks noChangeAspect="1" noChangeArrowheads="1"/>
-                      </p:cNvPicPr>
-                      <p:nvPr/>
-                    </p:nvPicPr>
-                    <p:blipFill>
-                      <a:blip r:embed="rId7">
-                        <a:extLst>
-                          <a:ext uri="{28A0092B-C50C-407E-A947-70E740481C1C}">
-                            <a14:useLocalDpi xmlns:a14="http://schemas.microsoft.com/office/drawing/2010/main" val="0"/>
-                          </a:ext>
-                        </a:extLst>
-                      </a:blip>
-                      <a:srcRect/>
-                      <a:stretch>
-                        <a:fillRect/>
-                      </a:stretch>
-                    </p:blipFill>
-                    <p:spPr bwMode="auto">
-                      <a:xfrm>
-                        <a:off x="5562601" y="1371601"/>
-                        <a:ext cx="3284430" cy="1676399"/>
-                      </a:xfrm>
-                      <a:prstGeom prst="rect">
-                        <a:avLst/>
-                      </a:prstGeom>
-                      <a:solidFill>
-                        <a:schemeClr val="hlink"/>
-                      </a:solidFill>
-                    </p:spPr>
-                  </p:pic>
-                </p:oleObj>
-              </mc:Fallback>
-            </mc:AlternateContent>
-          </a:graphicData>
-        </a:graphic>
-      </p:graphicFrame>
-      <p:graphicFrame>
-        <p:nvGraphicFramePr>
-          <p:cNvPr id="481287" name="Object 7"/>
-          <p:cNvGraphicFramePr>
-            <a:graphicFrameLocks noChangeAspect="1"/>
-          </p:cNvGraphicFramePr>
-          <p:nvPr>
-            <p:extLst>
-              <p:ext uri="{D42A27DB-BD31-4B8C-83A1-F6EECF244321}">
-                <p14:modId xmlns:p14="http://schemas.microsoft.com/office/powerpoint/2010/main" val="3751882198"/>
-              </p:ext>
-            </p:extLst>
-          </p:nvPr>
-        </p:nvGraphicFramePr>
-        <p:xfrm>
-          <a:off x="987425" y="3425825"/>
-          <a:ext cx="7196138" cy="1216025"/>
-        </p:xfrm>
-        <a:graphic>
-          <a:graphicData uri="http://schemas.openxmlformats.org/presentationml/2006/ole">
-            <mc:AlternateContent xmlns:mc="http://schemas.openxmlformats.org/markup-compatibility/2006">
-              <mc:Choice xmlns:v="urn:schemas-microsoft-com:vml" Requires="v">
-                <p:oleObj spid="_x0000_s493657" name="Equation" r:id="rId8" imgW="1727200" imgH="292100" progId="Equation.DSMT4">
-                  <p:embed/>
-                </p:oleObj>
-              </mc:Choice>
-              <mc:Fallback>
-                <p:oleObj name="Equation" r:id="rId8" imgW="1727200" imgH="292100" progId="Equation.DSMT4">
+                <p:oleObj name="Equation" r:id="rId8" imgW="1346200" imgH="292100" progId="Equation.DSMT4">
                   <p:embed/>
                   <p:pic>
                     <p:nvPicPr>
@@ -5835,22 +5216,15 @@
                     </p:blipFill>
                     <p:spPr bwMode="auto">
                       <a:xfrm>
-                        <a:off x="987425" y="3425825"/>
-                        <a:ext cx="7196138" cy="1216025"/>
+                        <a:off x="914400" y="1546225"/>
+                        <a:ext cx="4818062" cy="1044575"/>
                       </a:xfrm>
                       <a:prstGeom prst="rect">
                         <a:avLst/>
                       </a:prstGeom>
-                      <a:noFill/>
-                      <a:extLst>
-                        <a:ext uri="{909E8E84-426E-40dd-AFC4-6F175D3DCCD1}">
-                          <a14:hiddenFill xmlns:a14="http://schemas.microsoft.com/office/drawing/2010/main">
-                            <a:solidFill>
-                              <a:schemeClr val="hlink"/>
-                            </a:solidFill>
-                          </a14:hiddenFill>
-                        </a:ext>
-                      </a:extLst>
+                      <a:solidFill>
+                        <a:schemeClr val="hlink"/>
+                      </a:solidFill>
                     </p:spPr>
                   </p:pic>
                 </p:oleObj>
@@ -5869,9 +5243,18 @@
   <p:clrMapOvr>
     <a:masterClrMapping/>
   </p:clrMapOvr>
-  <p:transition xmlns:p14="http://schemas.microsoft.com/office/powerpoint/2010/main" spd="med">
-    <p:fade/>
-  </p:transition>
+  <mc:AlternateContent xmlns:mc="http://schemas.openxmlformats.org/markup-compatibility/2006">
+    <mc:Choice xmlns:p14="http://schemas.microsoft.com/office/powerpoint/2010/main" Requires="p14">
+      <p:transition spd="slow" p14:dur="800" advClick="0">
+        <p:fade/>
+      </p:transition>
+    </mc:Choice>
+    <mc:Fallback>
+      <p:transition xmlns:p14="http://schemas.microsoft.com/office/powerpoint/2010/main" spd="slow" advClick="0">
+        <p:fade/>
+      </p:transition>
+    </mc:Fallback>
+  </mc:AlternateContent>
   <p:timing>
     <p:tnLst>
       <p:par>
@@ -5884,6 +5267,9 @@
                     <p:cTn id="3" fill="hold">
                       <p:stCondLst>
                         <p:cond delay="indefinite"/>
+                        <p:cond evt="onBegin" delay="0">
+                          <p:tn val="2"/>
+                        </p:cond>
                       </p:stCondLst>
                       <p:childTnLst>
                         <p:par>
@@ -5893,7 +5279,7 @@
                             </p:stCondLst>
                             <p:childTnLst>
                               <p:par>
-                                <p:cTn id="5" presetID="22" presetClass="entr" presetSubtype="8" fill="hold" nodeType="clickEffect">
+                                <p:cTn id="5" presetID="10" presetClass="entr" presetSubtype="0" fill="hold" nodeType="afterEffect">
                                   <p:stCondLst>
                                     <p:cond delay="0"/>
                                   </p:stCondLst>
@@ -5901,6 +5287,59 @@
                                     <p:set>
                                       <p:cBhvr>
                                         <p:cTn id="6" dur="1" fill="hold">
+                                          <p:stCondLst>
+                                            <p:cond delay="0"/>
+                                          </p:stCondLst>
+                                        </p:cTn>
+                                        <p:tgtEl>
+                                          <p:spTgt spid="434182"/>
+                                        </p:tgtEl>
+                                        <p:attrNameLst>
+                                          <p:attrName>style.visibility</p:attrName>
+                                        </p:attrNameLst>
+                                      </p:cBhvr>
+                                      <p:to>
+                                        <p:strVal val="visible"/>
+                                      </p:to>
+                                    </p:set>
+                                    <p:animEffect transition="in" filter="fade">
+                                      <p:cBhvr>
+                                        <p:cTn id="7" dur="500"/>
+                                        <p:tgtEl>
+                                          <p:spTgt spid="434182"/>
+                                        </p:tgtEl>
+                                      </p:cBhvr>
+                                    </p:animEffect>
+                                  </p:childTnLst>
+                                </p:cTn>
+                              </p:par>
+                            </p:childTnLst>
+                          </p:cTn>
+                        </p:par>
+                      </p:childTnLst>
+                    </p:cTn>
+                  </p:par>
+                  <p:par>
+                    <p:cTn id="8" fill="hold">
+                      <p:stCondLst>
+                        <p:cond delay="indefinite"/>
+                      </p:stCondLst>
+                      <p:childTnLst>
+                        <p:par>
+                          <p:cTn id="9" fill="hold">
+                            <p:stCondLst>
+                              <p:cond delay="0"/>
+                            </p:stCondLst>
+                            <p:childTnLst>
+                              <p:par>
+                                <p:cTn id="10" presetID="10" presetClass="entr" presetSubtype="0" fill="hold" nodeType="clickEffect">
+                                  <p:stCondLst>
+                                    <p:cond delay="0"/>
+                                  </p:stCondLst>
+                                  <p:childTnLst>
+                                    <p:set>
+                                      <p:cBhvr>
+                                        <p:cTn id="11" dur="1" fill="hold">
                                           <p:stCondLst>
                                             <p:cond delay="0"/>
                                           </p:stCondLst>
@@ -5916,9 +5355,9 @@
                                         <p:strVal val="visible"/>
                                       </p:to>
                                     </p:set>
-                                    <p:animEffect transition="in" filter="wipe(left)">
+                                    <p:animEffect transition="in" filter="fade">
                                       <p:cBhvr>
-                                        <p:cTn id="7" dur="500"/>
+                                        <p:cTn id="12" dur="500"/>
                                         <p:tgtEl>
                                           <p:spTgt spid="481287"/>
                                         </p:tgtEl>
@@ -5958,7 +5397,7 @@
 </p:sld>
 </file>
 
-<file path=ppt/slides/slide13.xml><?xml version="1.0" encoding="utf-8"?>
+<file path=ppt/slides/slide12.xml><?xml version="1.0" encoding="utf-8"?>
 <p:sld xmlns:a="http://schemas.openxmlformats.org/drawingml/2006/main" xmlns:r="http://schemas.openxmlformats.org/officeDocument/2006/relationships" xmlns:p="http://schemas.openxmlformats.org/presentationml/2006/main">
   <p:cSld>
     <p:spTree>
@@ -6002,7 +5441,7 @@
               <a:pPr>
                 <a:defRPr/>
               </a:pPr>
-              <a:t>13</a:t>
+              <a:t>12</a:t>
             </a:fld>
             <a:endParaRPr lang="en-US" dirty="0"/>
           </a:p>
@@ -6441,9 +5880,18 @@
   <p:clrMapOvr>
     <a:masterClrMapping/>
   </p:clrMapOvr>
-  <p:transition xmlns:p14="http://schemas.microsoft.com/office/powerpoint/2010/main">
-    <p:fade thruBlk="1"/>
-  </p:transition>
+  <mc:AlternateContent xmlns:mc="http://schemas.openxmlformats.org/markup-compatibility/2006">
+    <mc:Choice xmlns:p14="http://schemas.microsoft.com/office/powerpoint/2010/main" Requires="p14">
+      <p:transition spd="slow" p14:dur="1200" advClick="0">
+        <p:fade thruBlk="1"/>
+      </p:transition>
+    </mc:Choice>
+    <mc:Fallback>
+      <p:transition xmlns:p14="http://schemas.microsoft.com/office/powerpoint/2010/main" spd="slow" advClick="0">
+        <p:fade thruBlk="1"/>
+      </p:transition>
+    </mc:Fallback>
+  </mc:AlternateContent>
   <p:timing>
     <p:tnLst>
       <p:par>
@@ -6967,7 +6415,7 @@
 </p:sld>
 </file>
 
-<file path=ppt/slides/slide14.xml><?xml version="1.0" encoding="utf-8"?>
+<file path=ppt/slides/slide13.xml><?xml version="1.0" encoding="utf-8"?>
 <p:sld xmlns:a="http://schemas.openxmlformats.org/drawingml/2006/main" xmlns:r="http://schemas.openxmlformats.org/officeDocument/2006/relationships" xmlns:p="http://schemas.openxmlformats.org/presentationml/2006/main">
   <p:cSld>
     <p:spTree>
@@ -7011,7 +6459,7 @@
               <a:pPr>
                 <a:defRPr/>
               </a:pPr>
-              <a:t>14</a:t>
+              <a:t>13</a:t>
             </a:fld>
             <a:endParaRPr lang="en-US" dirty="0"/>
           </a:p>
@@ -7141,7 +6589,7 @@
       </p:sp>
       <p:sp>
         <p:nvSpPr>
-          <p:cNvPr id="35844" name="Rectangle 3"/>
+          <p:cNvPr id="6" name="Rectangle 3"/>
           <p:cNvSpPr>
             <a:spLocks noGrp="1" noChangeArrowheads="1"/>
           </p:cNvSpPr>
@@ -7151,8 +6599,8 @@
         </p:nvSpPr>
         <p:spPr>
           <a:xfrm>
-            <a:off x="1143000" y="381000"/>
-            <a:ext cx="7848600" cy="914400"/>
+            <a:off x="1905000" y="228600"/>
+            <a:ext cx="5334000" cy="990600"/>
           </a:xfrm>
           <a:noFill/>
         </p:spPr>
@@ -7177,18 +6625,9 @@
   <p:clrMapOvr>
     <a:masterClrMapping/>
   </p:clrMapOvr>
-  <mc:AlternateContent xmlns:mc="http://schemas.openxmlformats.org/markup-compatibility/2006" xmlns:p14="http://schemas.microsoft.com/office/powerpoint/2010/main">
-    <mc:Choice Requires="p14">
-      <p:transition spd="med" p14:dur="700">
-        <p:fade/>
-      </p:transition>
-    </mc:Choice>
-    <mc:Fallback xmlns="">
-      <p:transition xmlns:p14="http://schemas.microsoft.com/office/powerpoint/2010/main" spd="med">
-        <p:fade/>
-      </p:transition>
-    </mc:Fallback>
-  </mc:AlternateContent>
+  <p:transition xmlns:p14="http://schemas.microsoft.com/office/powerpoint/2010/main" spd="slow" advClick="0">
+    <p:fade/>
+  </p:transition>
   <p:timing>
     <p:tnLst>
       <p:par>
@@ -7344,7 +6783,7 @@
 </p:sld>
 </file>
 
-<file path=ppt/slides/slide15.xml><?xml version="1.0" encoding="utf-8"?>
+<file path=ppt/slides/slide14.xml><?xml version="1.0" encoding="utf-8"?>
 <p:sld xmlns:a="http://schemas.openxmlformats.org/drawingml/2006/main" xmlns:r="http://schemas.openxmlformats.org/officeDocument/2006/relationships" xmlns:p="http://schemas.openxmlformats.org/presentationml/2006/main">
   <p:cSld>
     <p:spTree>
@@ -7388,7 +6827,7 @@
               <a:pPr>
                 <a:defRPr/>
               </a:pPr>
-              <a:t>15</a:t>
+              <a:t>14</a:t>
             </a:fld>
             <a:endParaRPr lang="en-US" dirty="0"/>
           </a:p>
@@ -7686,8 +7125,8 @@
         </p:nvSpPr>
         <p:spPr>
           <a:xfrm>
-            <a:off x="1143000" y="381000"/>
-            <a:ext cx="7848600" cy="914400"/>
+            <a:off x="1905000" y="228600"/>
+            <a:ext cx="5334000" cy="990600"/>
           </a:xfrm>
           <a:noFill/>
         </p:spPr>
@@ -7712,18 +7151,9 @@
   <p:clrMapOvr>
     <a:masterClrMapping/>
   </p:clrMapOvr>
-  <mc:AlternateContent xmlns:mc="http://schemas.openxmlformats.org/markup-compatibility/2006" xmlns:p14="http://schemas.microsoft.com/office/powerpoint/2010/main">
-    <mc:Choice Requires="p14">
-      <p:transition spd="med" p14:dur="700">
-        <p:fade/>
-      </p:transition>
-    </mc:Choice>
-    <mc:Fallback xmlns="">
-      <p:transition xmlns:p14="http://schemas.microsoft.com/office/powerpoint/2010/main" spd="med">
-        <p:fade/>
-      </p:transition>
-    </mc:Fallback>
-  </mc:AlternateContent>
+  <p:transition xmlns:p14="http://schemas.microsoft.com/office/powerpoint/2010/main" spd="slow" advClick="0">
+    <p:fade/>
+  </p:transition>
   <p:timing>
     <p:tnLst>
       <p:par>
@@ -7947,7 +7377,7 @@
 </p:sld>
 </file>
 
-<file path=ppt/slides/slide16.xml><?xml version="1.0" encoding="utf-8"?>
+<file path=ppt/slides/slide15.xml><?xml version="1.0" encoding="utf-8"?>
 <p:sld xmlns:a="http://schemas.openxmlformats.org/drawingml/2006/main" xmlns:r="http://schemas.openxmlformats.org/officeDocument/2006/relationships" xmlns:p="http://schemas.openxmlformats.org/presentationml/2006/main">
   <p:cSld>
     <p:spTree>
@@ -7991,7 +7421,7 @@
               <a:pPr>
                 <a:defRPr/>
               </a:pPr>
-              <a:t>16</a:t>
+              <a:t>15</a:t>
             </a:fld>
             <a:endParaRPr lang="en-US" dirty="0"/>
           </a:p>
@@ -8142,7 +7572,7 @@
       </p:sp>
       <p:sp>
         <p:nvSpPr>
-          <p:cNvPr id="6" name="Rectangle 3"/>
+          <p:cNvPr id="7" name="Rectangle 3"/>
           <p:cNvSpPr>
             <a:spLocks noGrp="1" noChangeArrowheads="1"/>
           </p:cNvSpPr>
@@ -8152,8 +7582,8 @@
         </p:nvSpPr>
         <p:spPr>
           <a:xfrm>
-            <a:off x="1143000" y="381000"/>
-            <a:ext cx="7848600" cy="914400"/>
+            <a:off x="1905000" y="228600"/>
+            <a:ext cx="5334000" cy="990600"/>
           </a:xfrm>
           <a:noFill/>
         </p:spPr>
@@ -8191,7 +7621,7 @@
 </p:sld>
 </file>
 
-<file path=ppt/slides/slide17.xml><?xml version="1.0" encoding="utf-8"?>
+<file path=ppt/slides/slide16.xml><?xml version="1.0" encoding="utf-8"?>
 <p:sld xmlns:a="http://schemas.openxmlformats.org/drawingml/2006/main" xmlns:r="http://schemas.openxmlformats.org/officeDocument/2006/relationships" xmlns:p="http://schemas.openxmlformats.org/presentationml/2006/main" show="0">
   <p:cSld>
     <p:spTree>
@@ -8235,7 +7665,7 @@
               <a:pPr>
                 <a:defRPr/>
               </a:pPr>
-              <a:t>17</a:t>
+              <a:t>16</a:t>
             </a:fld>
             <a:endParaRPr lang="en-US" dirty="0"/>
           </a:p>
@@ -8402,7 +7832,7 @@
       </p:sp>
       <p:sp>
         <p:nvSpPr>
-          <p:cNvPr id="6" name="Rectangle 3"/>
+          <p:cNvPr id="7" name="Rectangle 3"/>
           <p:cNvSpPr>
             <a:spLocks noGrp="1" noChangeArrowheads="1"/>
           </p:cNvSpPr>
@@ -8412,8 +7842,8 @@
         </p:nvSpPr>
         <p:spPr>
           <a:xfrm>
-            <a:off x="1143000" y="381000"/>
-            <a:ext cx="7848600" cy="914400"/>
+            <a:off x="1905000" y="228600"/>
+            <a:ext cx="5334000" cy="990600"/>
           </a:xfrm>
           <a:noFill/>
         </p:spPr>
@@ -8451,7 +7881,7 @@
 </p:sld>
 </file>
 
-<file path=ppt/slides/slide18.xml><?xml version="1.0" encoding="utf-8"?>
+<file path=ppt/slides/slide17.xml><?xml version="1.0" encoding="utf-8"?>
 <p:sld xmlns:a="http://schemas.openxmlformats.org/drawingml/2006/main" xmlns:r="http://schemas.openxmlformats.org/officeDocument/2006/relationships" xmlns:p="http://schemas.openxmlformats.org/presentationml/2006/main">
   <p:cSld>
     <p:spTree>
@@ -8495,7 +7925,7 @@
               <a:pPr>
                 <a:defRPr/>
               </a:pPr>
-              <a:t>18</a:t>
+              <a:t>17</a:t>
             </a:fld>
             <a:endParaRPr lang="en-US" dirty="0"/>
           </a:p>
@@ -8757,7 +8187,7 @@
       </p:sp>
       <p:sp>
         <p:nvSpPr>
-          <p:cNvPr id="10" name="Rectangle 3"/>
+          <p:cNvPr id="9" name="Rectangle 3"/>
           <p:cNvSpPr>
             <a:spLocks noGrp="1" noChangeArrowheads="1"/>
           </p:cNvSpPr>
@@ -8767,8 +8197,8 @@
         </p:nvSpPr>
         <p:spPr>
           <a:xfrm>
-            <a:off x="1143000" y="381000"/>
-            <a:ext cx="7848600" cy="914400"/>
+            <a:off x="1905000" y="228600"/>
+            <a:ext cx="5334000" cy="990600"/>
           </a:xfrm>
           <a:noFill/>
         </p:spPr>
@@ -9039,7 +8469,7 @@
 </p:sld>
 </file>
 
-<file path=ppt/slides/slide19.xml><?xml version="1.0" encoding="utf-8"?>
+<file path=ppt/slides/slide18.xml><?xml version="1.0" encoding="utf-8"?>
 <p:sld xmlns:a="http://schemas.openxmlformats.org/drawingml/2006/main" xmlns:r="http://schemas.openxmlformats.org/officeDocument/2006/relationships" xmlns:p="http://schemas.openxmlformats.org/presentationml/2006/main">
   <p:cSld>
     <p:spTree>
@@ -9163,42 +8593,9 @@
               <a:pPr>
                 <a:defRPr/>
               </a:pPr>
-              <a:t>19</a:t>
+              <a:t>18</a:t>
             </a:fld>
             <a:endParaRPr lang="en-US" dirty="0"/>
-          </a:p>
-        </p:txBody>
-      </p:sp>
-      <p:sp>
-        <p:nvSpPr>
-          <p:cNvPr id="5" name="Rectangle 3"/>
-          <p:cNvSpPr>
-            <a:spLocks noGrp="1" noChangeArrowheads="1"/>
-          </p:cNvSpPr>
-          <p:nvPr>
-            <p:ph type="title"/>
-          </p:nvPr>
-        </p:nvSpPr>
-        <p:spPr>
-          <a:xfrm>
-            <a:off x="1143000" y="381000"/>
-            <a:ext cx="7848600" cy="914400"/>
-          </a:xfrm>
-          <a:noFill/>
-        </p:spPr>
-        <p:txBody>
-          <a:bodyPr/>
-          <a:lstStyle/>
-          <a:p>
-            <a:pPr eaLnBrk="1" hangingPunct="1"/>
-            <a:r>
-              <a:rPr lang="en-US" sz="4800" dirty="0" smtClean="0">
-                <a:solidFill>
-                  <a:srgbClr val="0006FE"/>
-                </a:solidFill>
-              </a:rPr>
-              <a:t>Confidence</a:t>
-            </a:r>
           </a:p>
         </p:txBody>
       </p:sp>
@@ -9275,6 +8672,39 @@
           </a:p>
           <a:p>
             <a:endParaRPr lang="en-US" sz="2000" dirty="0"/>
+          </a:p>
+        </p:txBody>
+      </p:sp>
+      <p:sp>
+        <p:nvSpPr>
+          <p:cNvPr id="7" name="Rectangle 3"/>
+          <p:cNvSpPr>
+            <a:spLocks noGrp="1" noChangeArrowheads="1"/>
+          </p:cNvSpPr>
+          <p:nvPr>
+            <p:ph type="title"/>
+          </p:nvPr>
+        </p:nvSpPr>
+        <p:spPr>
+          <a:xfrm>
+            <a:off x="1905000" y="228600"/>
+            <a:ext cx="5334000" cy="990600"/>
+          </a:xfrm>
+          <a:noFill/>
+        </p:spPr>
+        <p:txBody>
+          <a:bodyPr/>
+          <a:lstStyle/>
+          <a:p>
+            <a:pPr eaLnBrk="1" hangingPunct="1"/>
+            <a:r>
+              <a:rPr lang="en-US" sz="4800" dirty="0" smtClean="0">
+                <a:solidFill>
+                  <a:srgbClr val="0006FE"/>
+                </a:solidFill>
+              </a:rPr>
+              <a:t>Confidence</a:t>
+            </a:r>
           </a:p>
         </p:txBody>
       </p:sp>
@@ -9376,899 +8806,6 @@
 </file>
 
 <file path=ppt/slides/slide2.xml><?xml version="1.0" encoding="utf-8"?>
-<p:sld xmlns:a="http://schemas.openxmlformats.org/drawingml/2006/main" xmlns:r="http://schemas.openxmlformats.org/officeDocument/2006/relationships" xmlns:p="http://schemas.openxmlformats.org/presentationml/2006/main" show="0">
-  <p:cSld>
-    <p:spTree>
-      <p:nvGrpSpPr>
-        <p:cNvPr id="1" name=""/>
-        <p:cNvGrpSpPr/>
-        <p:nvPr/>
-      </p:nvGrpSpPr>
-      <p:grpSpPr>
-        <a:xfrm>
-          <a:off x="0" y="0"/>
-          <a:ext cx="0" cy="0"/>
-          <a:chOff x="0" y="0"/>
-          <a:chExt cx="0" cy="0"/>
-        </a:xfrm>
-      </p:grpSpPr>
-      <p:sp>
-        <p:nvSpPr>
-          <p:cNvPr id="111618" name="Rectangle 2"/>
-          <p:cNvSpPr>
-            <a:spLocks noGrp="1" noChangeArrowheads="1"/>
-          </p:cNvSpPr>
-          <p:nvPr>
-            <p:ph type="title"/>
-          </p:nvPr>
-        </p:nvSpPr>
-        <p:spPr>
-          <a:xfrm>
-            <a:off x="1295400" y="116046"/>
-            <a:ext cx="7672388" cy="882650"/>
-          </a:xfrm>
-        </p:spPr>
-        <p:txBody>
-          <a:bodyPr/>
-          <a:lstStyle/>
-          <a:p>
-            <a:r>
-              <a:rPr lang="en-US" dirty="0" err="1">
-                <a:latin typeface="Comic Sans MS"/>
-                <a:cs typeface="Comic Sans MS"/>
-              </a:rPr>
-              <a:t>Pairwise</a:t>
-            </a:r>
-            <a:r>
-              <a:rPr lang="en-US" dirty="0">
-                <a:latin typeface="Comic Sans MS"/>
-                <a:cs typeface="Comic Sans MS"/>
-              </a:rPr>
-              <a:t> Independent Sampling</a:t>
-            </a:r>
-          </a:p>
-        </p:txBody>
-      </p:sp>
-      <p:sp>
-        <p:nvSpPr>
-          <p:cNvPr id="111619" name="Rectangle 3"/>
-          <p:cNvSpPr>
-            <a:spLocks noGrp="1" noChangeArrowheads="1"/>
-          </p:cNvSpPr>
-          <p:nvPr>
-            <p:ph type="body" idx="1"/>
-          </p:nvPr>
-        </p:nvSpPr>
-        <p:spPr bwMode="auto">
-          <a:xfrm>
-            <a:off x="622300" y="1473200"/>
-            <a:ext cx="8053388" cy="2794000"/>
-          </a:xfrm>
-          <a:noFill/>
-          <a:ln>
-            <a:miter lim="800000"/>
-            <a:headEnd/>
-            <a:tailEnd/>
-          </a:ln>
-        </p:spPr>
-        <p:txBody>
-          <a:bodyPr vert="horz" wrap="square" lIns="91440" tIns="45720" rIns="91440" bIns="45720" numCol="1" anchor="t" anchorCtr="0" compatLnSpc="1">
-            <a:prstTxWarp prst="textNoShape">
-              <a:avLst/>
-            </a:prstTxWarp>
-          </a:bodyPr>
-          <a:lstStyle/>
-          <a:p>
-            <a:pPr>
-              <a:buNone/>
-            </a:pPr>
-            <a:r>
-              <a:rPr lang="en-US" sz="3600" dirty="0">
-                <a:latin typeface="Comic Sans MS"/>
-                <a:cs typeface="Comic Sans MS"/>
-              </a:rPr>
-              <a:t>Let </a:t>
-            </a:r>
-            <a:r>
-              <a:rPr lang="en-US" sz="3600" dirty="0">
-                <a:solidFill>
-                  <a:srgbClr val="0000FF"/>
-                </a:solidFill>
-                <a:latin typeface="Comic Sans MS"/>
-                <a:cs typeface="Comic Sans MS"/>
-              </a:rPr>
-              <a:t>R</a:t>
-            </a:r>
-            <a:r>
-              <a:rPr lang="en-US" sz="3600" baseline="-25000" dirty="0">
-                <a:solidFill>
-                  <a:srgbClr val="0000FF"/>
-                </a:solidFill>
-                <a:latin typeface="Comic Sans MS"/>
-                <a:cs typeface="Comic Sans MS"/>
-              </a:rPr>
-              <a:t>1</a:t>
-            </a:r>
-            <a:r>
-              <a:rPr lang="en-US" sz="3600" dirty="0">
-                <a:solidFill>
-                  <a:srgbClr val="0000FF"/>
-                </a:solidFill>
-                <a:latin typeface="Comic Sans MS"/>
-                <a:cs typeface="Comic Sans MS"/>
-              </a:rPr>
-              <a:t>,…,</a:t>
-            </a:r>
-            <a:r>
-              <a:rPr lang="en-US" sz="3600" dirty="0" err="1" smtClean="0">
-                <a:solidFill>
-                  <a:srgbClr val="0000FF"/>
-                </a:solidFill>
-                <a:latin typeface="Comic Sans MS"/>
-                <a:cs typeface="Comic Sans MS"/>
-              </a:rPr>
-              <a:t>R</a:t>
-            </a:r>
-            <a:r>
-              <a:rPr lang="en-US" sz="3600" baseline="-25000" dirty="0" err="1" smtClean="0">
-                <a:solidFill>
-                  <a:srgbClr val="0000FF"/>
-                </a:solidFill>
-                <a:latin typeface="Comic Sans MS"/>
-                <a:cs typeface="Comic Sans MS"/>
-              </a:rPr>
-              <a:t>n</a:t>
-            </a:r>
-            <a:r>
-              <a:rPr lang="en-US" sz="3600" dirty="0" smtClean="0">
-                <a:solidFill>
-                  <a:srgbClr val="0000FF"/>
-                </a:solidFill>
-                <a:latin typeface="Comic Sans MS"/>
-                <a:cs typeface="Comic Sans MS"/>
-              </a:rPr>
-              <a:t> </a:t>
-            </a:r>
-            <a:r>
-              <a:rPr lang="en-US" sz="3600" dirty="0" smtClean="0">
-                <a:latin typeface="Comic Sans MS"/>
-                <a:cs typeface="Comic Sans MS"/>
-              </a:rPr>
-              <a:t>be </a:t>
-            </a:r>
-            <a:r>
-              <a:rPr lang="en-US" sz="3600" dirty="0" err="1">
-                <a:latin typeface="Comic Sans MS"/>
-                <a:cs typeface="Comic Sans MS"/>
-              </a:rPr>
-              <a:t>pairwise</a:t>
-            </a:r>
-            <a:r>
-              <a:rPr lang="en-US" sz="3600" dirty="0">
-                <a:latin typeface="Comic Sans MS"/>
-                <a:cs typeface="Comic Sans MS"/>
-              </a:rPr>
-              <a:t> independent</a:t>
-            </a:r>
-          </a:p>
-          <a:p>
-            <a:pPr>
-              <a:buNone/>
-            </a:pPr>
-            <a:r>
-              <a:rPr lang="en-US" sz="3600" dirty="0">
-                <a:latin typeface="Comic Sans MS"/>
-                <a:cs typeface="Comic Sans MS"/>
-              </a:rPr>
-              <a:t>random </a:t>
-            </a:r>
-            <a:r>
-              <a:rPr lang="en-US" sz="3600" dirty="0" err="1">
-                <a:latin typeface="Comic Sans MS"/>
-                <a:cs typeface="Comic Sans MS"/>
-              </a:rPr>
-              <a:t>vars</a:t>
-            </a:r>
-            <a:r>
-              <a:rPr lang="en-US" sz="3600" dirty="0">
-                <a:latin typeface="Comic Sans MS"/>
-                <a:cs typeface="Comic Sans MS"/>
-              </a:rPr>
-              <a:t> with the same finite </a:t>
-            </a:r>
-          </a:p>
-          <a:p>
-            <a:pPr>
-              <a:buNone/>
-            </a:pPr>
-            <a:r>
-              <a:rPr lang="en-US" sz="3600" dirty="0" smtClean="0">
-                <a:latin typeface="Comic Sans MS"/>
-                <a:cs typeface="Comic Sans MS"/>
-              </a:rPr>
-              <a:t>mean </a:t>
-            </a:r>
-            <a:r>
-              <a:rPr lang="en-US" sz="3600" dirty="0" err="1" smtClean="0">
-                <a:solidFill>
-                  <a:srgbClr val="0000FF"/>
-                </a:solidFill>
-                <a:latin typeface="Comic Sans MS"/>
-                <a:cs typeface="Comic Sans MS"/>
-                <a:sym typeface="Symbol" pitchFamily="18" charset="2"/>
-              </a:rPr>
-              <a:t>μ</a:t>
-            </a:r>
-            <a:r>
-              <a:rPr lang="en-US" sz="3600" dirty="0" smtClean="0">
-                <a:solidFill>
-                  <a:srgbClr val="0000FF"/>
-                </a:solidFill>
-                <a:latin typeface="Comic Sans MS"/>
-                <a:cs typeface="Comic Sans MS"/>
-                <a:sym typeface="Symbol" pitchFamily="18" charset="2"/>
-              </a:rPr>
-              <a:t> </a:t>
-            </a:r>
-            <a:r>
-              <a:rPr lang="en-US" sz="3600" dirty="0">
-                <a:latin typeface="Comic Sans MS"/>
-                <a:cs typeface="Comic Sans MS"/>
-                <a:sym typeface="Symbol" pitchFamily="18" charset="2"/>
-              </a:rPr>
-              <a:t>and </a:t>
-            </a:r>
-            <a:r>
-              <a:rPr lang="en-US" sz="3600" dirty="0" smtClean="0">
-                <a:latin typeface="Comic Sans MS"/>
-                <a:cs typeface="Comic Sans MS"/>
-                <a:sym typeface="Symbol" pitchFamily="18" charset="2"/>
-              </a:rPr>
-              <a:t>variance </a:t>
-            </a:r>
-            <a:r>
-              <a:rPr lang="en-US" sz="3600" dirty="0" smtClean="0">
-                <a:solidFill>
-                  <a:srgbClr val="0000FF"/>
-                </a:solidFill>
-                <a:latin typeface="Comic Sans MS"/>
-                <a:cs typeface="Comic Sans MS"/>
-                <a:sym typeface="Symbol" pitchFamily="18" charset="2"/>
-              </a:rPr>
-              <a:t>σ</a:t>
-            </a:r>
-            <a:r>
-              <a:rPr lang="en-US" sz="3600" baseline="30000" dirty="0" smtClean="0">
-                <a:solidFill>
-                  <a:srgbClr val="0000FF"/>
-                </a:solidFill>
-                <a:latin typeface="Comic Sans MS"/>
-                <a:cs typeface="Comic Sans MS"/>
-                <a:sym typeface="Symbol" pitchFamily="18" charset="2"/>
-              </a:rPr>
-              <a:t>2</a:t>
-            </a:r>
-            <a:r>
-              <a:rPr lang="en-US" sz="3600" dirty="0">
-                <a:latin typeface="Comic Sans MS"/>
-                <a:cs typeface="Comic Sans MS"/>
-                <a:sym typeface="Symbol" pitchFamily="18" charset="2"/>
-              </a:rPr>
-              <a:t>.  Let</a:t>
-            </a:r>
-          </a:p>
-          <a:p>
-            <a:pPr>
-              <a:buNone/>
-            </a:pPr>
-            <a:r>
-              <a:rPr lang="en-US" sz="3600" dirty="0">
-                <a:latin typeface="Comic Sans MS"/>
-                <a:cs typeface="Comic Sans MS"/>
-                <a:sym typeface="Symbol" pitchFamily="18" charset="2"/>
-              </a:rPr>
-              <a:t>                                           </a:t>
-            </a:r>
-            <a:r>
-              <a:rPr lang="en-US" sz="3600" dirty="0" smtClean="0">
-                <a:latin typeface="Comic Sans MS"/>
-                <a:cs typeface="Comic Sans MS"/>
-                <a:sym typeface="Symbol" pitchFamily="18" charset="2"/>
-              </a:rPr>
-              <a:t> Then</a:t>
-            </a:r>
-            <a:endParaRPr lang="en-US" sz="3600" dirty="0">
-              <a:latin typeface="Comic Sans MS"/>
-              <a:cs typeface="Comic Sans MS"/>
-              <a:sym typeface="Symbol" pitchFamily="18" charset="2"/>
-            </a:endParaRPr>
-          </a:p>
-        </p:txBody>
-      </p:sp>
-      <p:sp>
-        <p:nvSpPr>
-          <p:cNvPr id="7" name="TextBox 6"/>
-          <p:cNvSpPr txBox="1"/>
-          <p:nvPr/>
-        </p:nvSpPr>
-        <p:spPr>
-          <a:xfrm>
-            <a:off x="489785" y="1030069"/>
-            <a:ext cx="2232177" cy="646331"/>
-          </a:xfrm>
-          <a:prstGeom prst="rect">
-            <a:avLst/>
-          </a:prstGeom>
-          <a:noFill/>
-        </p:spPr>
-        <p:txBody>
-          <a:bodyPr wrap="none" rtlCol="0">
-            <a:spAutoFit/>
-          </a:bodyPr>
-          <a:lstStyle/>
-          <a:p>
-            <a:r>
-              <a:rPr lang="en-US" sz="3600" dirty="0" smtClean="0">
-                <a:solidFill>
-                  <a:srgbClr val="660066"/>
-                </a:solidFill>
-                <a:latin typeface="Comic Sans MS"/>
-                <a:cs typeface="Comic Sans MS"/>
-              </a:rPr>
-              <a:t>Theorem:</a:t>
-            </a:r>
-            <a:endParaRPr lang="en-US" sz="3600" dirty="0">
-              <a:solidFill>
-                <a:srgbClr val="660066"/>
-              </a:solidFill>
-              <a:latin typeface="Comic Sans MS"/>
-              <a:cs typeface="Comic Sans MS"/>
-            </a:endParaRPr>
-          </a:p>
-        </p:txBody>
-      </p:sp>
-      <p:graphicFrame>
-        <p:nvGraphicFramePr>
-          <p:cNvPr id="10" name="Object 9"/>
-          <p:cNvGraphicFramePr>
-            <a:graphicFrameLocks noChangeAspect="1"/>
-          </p:cNvGraphicFramePr>
-          <p:nvPr>
-            <p:extLst>
-              <p:ext uri="{D42A27DB-BD31-4B8C-83A1-F6EECF244321}">
-                <p14:modId xmlns:p14="http://schemas.microsoft.com/office/powerpoint/2010/main" val="1518245852"/>
-              </p:ext>
-            </p:extLst>
-          </p:nvPr>
-        </p:nvGraphicFramePr>
-        <p:xfrm>
-          <a:off x="554038" y="3236912"/>
-          <a:ext cx="6084887" cy="1106488"/>
-        </p:xfrm>
-        <a:graphic>
-          <a:graphicData uri="http://schemas.openxmlformats.org/presentationml/2006/ole">
-            <mc:AlternateContent xmlns:mc="http://schemas.openxmlformats.org/markup-compatibility/2006">
-              <mc:Choice xmlns:v="urn:schemas-microsoft-com:vml" Requires="v">
-                <p:oleObj spid="_x0000_s489562" name="Equation" r:id="rId5" imgW="1816100" imgH="330200" progId="Equation.DSMT4">
-                  <p:embed/>
-                </p:oleObj>
-              </mc:Choice>
-              <mc:Fallback>
-                <p:oleObj name="Equation" r:id="rId5" imgW="1816100" imgH="330200" progId="Equation.DSMT4">
-                  <p:embed/>
-                  <p:pic>
-                    <p:nvPicPr>
-                      <p:cNvPr id="0" name=""/>
-                      <p:cNvPicPr>
-                        <a:picLocks noChangeAspect="1" noChangeArrowheads="1"/>
-                      </p:cNvPicPr>
-                      <p:nvPr/>
-                    </p:nvPicPr>
-                    <p:blipFill>
-                      <a:blip r:embed="rId6"/>
-                      <a:srcRect/>
-                      <a:stretch>
-                        <a:fillRect/>
-                      </a:stretch>
-                    </p:blipFill>
-                    <p:spPr bwMode="auto">
-                      <a:xfrm>
-                        <a:off x="554038" y="3236912"/>
-                        <a:ext cx="6084887" cy="1106488"/>
-                      </a:xfrm>
-                      <a:prstGeom prst="rect">
-                        <a:avLst/>
-                      </a:prstGeom>
-                      <a:noFill/>
-                      <a:extLst>
-                        <a:ext uri="{909E8E84-426E-40dd-AFC4-6F175D3DCCD1}">
-                          <a14:hiddenFill xmlns:a14="http://schemas.microsoft.com/office/drawing/2010/main">
-                            <a:solidFill>
-                              <a:srgbClr val="FFFFFF"/>
-                            </a:solidFill>
-                          </a14:hiddenFill>
-                        </a:ext>
-                      </a:extLst>
-                    </p:spPr>
-                  </p:pic>
-                </p:oleObj>
-              </mc:Fallback>
-            </mc:AlternateContent>
-          </a:graphicData>
-        </a:graphic>
-      </p:graphicFrame>
-      <p:graphicFrame>
-        <p:nvGraphicFramePr>
-          <p:cNvPr id="11" name="Object 3"/>
-          <p:cNvGraphicFramePr>
-            <a:graphicFrameLocks noChangeAspect="1"/>
-          </p:cNvGraphicFramePr>
-          <p:nvPr>
-            <p:extLst>
-              <p:ext uri="{D42A27DB-BD31-4B8C-83A1-F6EECF244321}">
-                <p14:modId xmlns:p14="http://schemas.microsoft.com/office/powerpoint/2010/main" val="4211189898"/>
-              </p:ext>
-            </p:extLst>
-          </p:nvPr>
-        </p:nvGraphicFramePr>
-        <p:xfrm>
-          <a:off x="987425" y="3983037"/>
-          <a:ext cx="7169150" cy="2493963"/>
-        </p:xfrm>
-        <a:graphic>
-          <a:graphicData uri="http://schemas.openxmlformats.org/presentationml/2006/ole">
-            <mc:AlternateContent xmlns:mc="http://schemas.openxmlformats.org/markup-compatibility/2006">
-              <mc:Choice xmlns:v="urn:schemas-microsoft-com:vml" Requires="v">
-                <p:oleObj spid="_x0000_s489563" name="Equation" r:id="rId7" imgW="1714500" imgH="596900" progId="Equation.DSMT4">
-                  <p:embed/>
-                </p:oleObj>
-              </mc:Choice>
-              <mc:Fallback>
-                <p:oleObj name="Equation" r:id="rId7" imgW="1714500" imgH="596900" progId="Equation.DSMT4">
-                  <p:embed/>
-                  <p:pic>
-                    <p:nvPicPr>
-                      <p:cNvPr id="0" name=""/>
-                      <p:cNvPicPr>
-                        <a:picLocks noChangeAspect="1" noChangeArrowheads="1"/>
-                      </p:cNvPicPr>
-                      <p:nvPr/>
-                    </p:nvPicPr>
-                    <p:blipFill>
-                      <a:blip r:embed="rId8">
-                        <a:extLst>
-                          <a:ext uri="{28A0092B-C50C-407E-A947-70E740481C1C}">
-                            <a14:useLocalDpi xmlns:a14="http://schemas.microsoft.com/office/drawing/2010/main" val="0"/>
-                          </a:ext>
-                        </a:extLst>
-                      </a:blip>
-                      <a:srcRect/>
-                      <a:stretch>
-                        <a:fillRect/>
-                      </a:stretch>
-                    </p:blipFill>
-                    <p:spPr bwMode="auto">
-                      <a:xfrm>
-                        <a:off x="987425" y="3983037"/>
-                        <a:ext cx="7169150" cy="2493963"/>
-                      </a:xfrm>
-                      <a:prstGeom prst="rect">
-                        <a:avLst/>
-                      </a:prstGeom>
-                      <a:noFill/>
-                      <a:extLst>
-                        <a:ext uri="{909E8E84-426E-40dd-AFC4-6F175D3DCCD1}">
-                          <a14:hiddenFill xmlns:a14="http://schemas.microsoft.com/office/drawing/2010/main">
-                            <a:solidFill>
-                              <a:srgbClr val="FFFFFF"/>
-                            </a:solidFill>
-                          </a14:hiddenFill>
-                        </a:ext>
-                      </a:extLst>
-                    </p:spPr>
-                  </p:pic>
-                </p:oleObj>
-              </mc:Fallback>
-            </mc:AlternateContent>
-          </a:graphicData>
-        </a:graphic>
-      </p:graphicFrame>
-      <p:sp>
-        <p:nvSpPr>
-          <p:cNvPr id="9" name="Slide Number Placeholder 3"/>
-          <p:cNvSpPr>
-            <a:spLocks noGrp="1"/>
-          </p:cNvSpPr>
-          <p:nvPr>
-            <p:ph type="sldNum" sz="quarter" idx="10"/>
-          </p:nvPr>
-        </p:nvSpPr>
-        <p:spPr>
-          <a:xfrm>
-            <a:off x="7696200" y="6629400"/>
-            <a:ext cx="1447800" cy="228600"/>
-          </a:xfrm>
-        </p:spPr>
-        <p:txBody>
-          <a:bodyPr/>
-          <a:lstStyle/>
-          <a:p>
-            <a:pPr>
-              <a:defRPr/>
-            </a:pPr>
-            <a:r>
-              <a:rPr lang="en-US" dirty="0" smtClean="0"/>
-              <a:t>confidence.</a:t>
-            </a:r>
-            <a:fld id="{46D21BB0-6D03-4034-A4DE-775A83495C78}" type="slidenum">
-              <a:rPr lang="en-US" smtClean="0"/>
-              <a:pPr>
-                <a:defRPr/>
-              </a:pPr>
-              <a:t>2</a:t>
-            </a:fld>
-            <a:endParaRPr lang="en-US" dirty="0"/>
-          </a:p>
-        </p:txBody>
-      </p:sp>
-    </p:spTree>
-    <p:custDataLst>
-      <p:tags r:id="rId2"/>
-    </p:custDataLst>
-    <p:extLst>
-      <p:ext uri="{BB962C8B-B14F-4D97-AF65-F5344CB8AC3E}">
-        <p14:creationId xmlns:p14="http://schemas.microsoft.com/office/powerpoint/2010/main" val="2034995914"/>
-      </p:ext>
-    </p:extLst>
-  </p:cSld>
-  <p:clrMapOvr>
-    <a:masterClrMapping/>
-  </p:clrMapOvr>
-  <p:transition xmlns:p14="http://schemas.microsoft.com/office/powerpoint/2010/main" advTm="46518">
-    <p:fade thruBlk="1"/>
-  </p:transition>
-  <p:timing>
-    <p:tnLst>
-      <p:par>
-        <p:cTn xmlns:p14="http://schemas.microsoft.com/office/powerpoint/2010/main" id="1" dur="indefinite" restart="never" nodeType="tmRoot">
-          <p:childTnLst>
-            <p:seq concurrent="1" nextAc="seek">
-              <p:cTn id="2" dur="indefinite" nodeType="mainSeq">
-                <p:childTnLst>
-                  <p:par>
-                    <p:cTn id="3" fill="hold">
-                      <p:stCondLst>
-                        <p:cond delay="indefinite"/>
-                      </p:stCondLst>
-                      <p:childTnLst>
-                        <p:par>
-                          <p:cTn id="4" fill="hold">
-                            <p:stCondLst>
-                              <p:cond delay="0"/>
-                            </p:stCondLst>
-                            <p:childTnLst>
-                              <p:par>
-                                <p:cTn id="5" presetID="9" presetClass="entr" presetSubtype="0" fill="hold" grpId="0" nodeType="clickEffect">
-                                  <p:stCondLst>
-                                    <p:cond delay="0"/>
-                                  </p:stCondLst>
-                                  <p:childTnLst>
-                                    <p:set>
-                                      <p:cBhvr>
-                                        <p:cTn id="6" dur="1" fill="hold">
-                                          <p:stCondLst>
-                                            <p:cond delay="0"/>
-                                          </p:stCondLst>
-                                        </p:cTn>
-                                        <p:tgtEl>
-                                          <p:spTgt spid="111619">
-                                            <p:txEl>
-                                              <p:pRg st="0" end="0"/>
-                                            </p:txEl>
-                                          </p:spTgt>
-                                        </p:tgtEl>
-                                        <p:attrNameLst>
-                                          <p:attrName>style.visibility</p:attrName>
-                                        </p:attrNameLst>
-                                      </p:cBhvr>
-                                      <p:to>
-                                        <p:strVal val="visible"/>
-                                      </p:to>
-                                    </p:set>
-                                    <p:animEffect transition="in" filter="dissolve">
-                                      <p:cBhvr>
-                                        <p:cTn id="7" dur="500"/>
-                                        <p:tgtEl>
-                                          <p:spTgt spid="111619">
-                                            <p:txEl>
-                                              <p:pRg st="0" end="0"/>
-                                            </p:txEl>
-                                          </p:spTgt>
-                                        </p:tgtEl>
-                                      </p:cBhvr>
-                                    </p:animEffect>
-                                  </p:childTnLst>
-                                </p:cTn>
-                              </p:par>
-                              <p:par>
-                                <p:cTn id="8" presetID="9" presetClass="entr" presetSubtype="0" fill="hold" grpId="0" nodeType="withEffect">
-                                  <p:stCondLst>
-                                    <p:cond delay="0"/>
-                                  </p:stCondLst>
-                                  <p:childTnLst>
-                                    <p:set>
-                                      <p:cBhvr>
-                                        <p:cTn id="9" dur="1" fill="hold">
-                                          <p:stCondLst>
-                                            <p:cond delay="0"/>
-                                          </p:stCondLst>
-                                        </p:cTn>
-                                        <p:tgtEl>
-                                          <p:spTgt spid="111619">
-                                            <p:txEl>
-                                              <p:pRg st="1" end="1"/>
-                                            </p:txEl>
-                                          </p:spTgt>
-                                        </p:tgtEl>
-                                        <p:attrNameLst>
-                                          <p:attrName>style.visibility</p:attrName>
-                                        </p:attrNameLst>
-                                      </p:cBhvr>
-                                      <p:to>
-                                        <p:strVal val="visible"/>
-                                      </p:to>
-                                    </p:set>
-                                    <p:animEffect transition="in" filter="dissolve">
-                                      <p:cBhvr>
-                                        <p:cTn id="10" dur="500"/>
-                                        <p:tgtEl>
-                                          <p:spTgt spid="111619">
-                                            <p:txEl>
-                                              <p:pRg st="1" end="1"/>
-                                            </p:txEl>
-                                          </p:spTgt>
-                                        </p:tgtEl>
-                                      </p:cBhvr>
-                                    </p:animEffect>
-                                  </p:childTnLst>
-                                </p:cTn>
-                              </p:par>
-                              <p:par>
-                                <p:cTn id="11" presetID="9" presetClass="entr" presetSubtype="0" fill="hold" grpId="0" nodeType="withEffect">
-                                  <p:stCondLst>
-                                    <p:cond delay="0"/>
-                                  </p:stCondLst>
-                                  <p:childTnLst>
-                                    <p:set>
-                                      <p:cBhvr>
-                                        <p:cTn id="12" dur="1" fill="hold">
-                                          <p:stCondLst>
-                                            <p:cond delay="0"/>
-                                          </p:stCondLst>
-                                        </p:cTn>
-                                        <p:tgtEl>
-                                          <p:spTgt spid="111619">
-                                            <p:txEl>
-                                              <p:pRg st="2" end="2"/>
-                                            </p:txEl>
-                                          </p:spTgt>
-                                        </p:tgtEl>
-                                        <p:attrNameLst>
-                                          <p:attrName>style.visibility</p:attrName>
-                                        </p:attrNameLst>
-                                      </p:cBhvr>
-                                      <p:to>
-                                        <p:strVal val="visible"/>
-                                      </p:to>
-                                    </p:set>
-                                    <p:animEffect transition="in" filter="dissolve">
-                                      <p:cBhvr>
-                                        <p:cTn id="13" dur="500"/>
-                                        <p:tgtEl>
-                                          <p:spTgt spid="111619">
-                                            <p:txEl>
-                                              <p:pRg st="2" end="2"/>
-                                            </p:txEl>
-                                          </p:spTgt>
-                                        </p:tgtEl>
-                                      </p:cBhvr>
-                                    </p:animEffect>
-                                  </p:childTnLst>
-                                </p:cTn>
-                              </p:par>
-                            </p:childTnLst>
-                          </p:cTn>
-                        </p:par>
-                      </p:childTnLst>
-                    </p:cTn>
-                  </p:par>
-                  <p:par>
-                    <p:cTn id="14" fill="hold">
-                      <p:stCondLst>
-                        <p:cond delay="indefinite"/>
-                      </p:stCondLst>
-                      <p:childTnLst>
-                        <p:par>
-                          <p:cTn id="15" fill="hold">
-                            <p:stCondLst>
-                              <p:cond delay="0"/>
-                            </p:stCondLst>
-                            <p:childTnLst>
-                              <p:par>
-                                <p:cTn id="16" presetID="22" presetClass="entr" presetSubtype="8" fill="hold" nodeType="clickEffect">
-                                  <p:stCondLst>
-                                    <p:cond delay="0"/>
-                                  </p:stCondLst>
-                                  <p:childTnLst>
-                                    <p:set>
-                                      <p:cBhvr>
-                                        <p:cTn id="17" dur="1" fill="hold">
-                                          <p:stCondLst>
-                                            <p:cond delay="0"/>
-                                          </p:stCondLst>
-                                        </p:cTn>
-                                        <p:tgtEl>
-                                          <p:spTgt spid="10"/>
-                                        </p:tgtEl>
-                                        <p:attrNameLst>
-                                          <p:attrName>style.visibility</p:attrName>
-                                        </p:attrNameLst>
-                                      </p:cBhvr>
-                                      <p:to>
-                                        <p:strVal val="visible"/>
-                                      </p:to>
-                                    </p:set>
-                                    <p:animEffect transition="in" filter="wipe(left)">
-                                      <p:cBhvr>
-                                        <p:cTn id="18" dur="500"/>
-                                        <p:tgtEl>
-                                          <p:spTgt spid="10"/>
-                                        </p:tgtEl>
-                                      </p:cBhvr>
-                                    </p:animEffect>
-                                  </p:childTnLst>
-                                </p:cTn>
-                              </p:par>
-                            </p:childTnLst>
-                          </p:cTn>
-                        </p:par>
-                      </p:childTnLst>
-                    </p:cTn>
-                  </p:par>
-                  <p:par>
-                    <p:cTn id="19" fill="hold">
-                      <p:stCondLst>
-                        <p:cond delay="indefinite"/>
-                      </p:stCondLst>
-                      <p:childTnLst>
-                        <p:par>
-                          <p:cTn id="20" fill="hold">
-                            <p:stCondLst>
-                              <p:cond delay="0"/>
-                            </p:stCondLst>
-                            <p:childTnLst>
-                              <p:par>
-                                <p:cTn id="21" presetID="9" presetClass="entr" presetSubtype="0" fill="hold" nodeType="clickEffect">
-                                  <p:stCondLst>
-                                    <p:cond delay="0"/>
-                                  </p:stCondLst>
-                                  <p:childTnLst>
-                                    <p:set>
-                                      <p:cBhvr>
-                                        <p:cTn id="22" dur="1" fill="hold">
-                                          <p:stCondLst>
-                                            <p:cond delay="0"/>
-                                          </p:stCondLst>
-                                        </p:cTn>
-                                        <p:tgtEl>
-                                          <p:spTgt spid="111619">
-                                            <p:txEl>
-                                              <p:pRg st="3" end="3"/>
-                                            </p:txEl>
-                                          </p:spTgt>
-                                        </p:tgtEl>
-                                        <p:attrNameLst>
-                                          <p:attrName>style.visibility</p:attrName>
-                                        </p:attrNameLst>
-                                      </p:cBhvr>
-                                      <p:to>
-                                        <p:strVal val="visible"/>
-                                      </p:to>
-                                    </p:set>
-                                    <p:animEffect transition="in" filter="dissolve">
-                                      <p:cBhvr>
-                                        <p:cTn id="23" dur="500"/>
-                                        <p:tgtEl>
-                                          <p:spTgt spid="111619">
-                                            <p:txEl>
-                                              <p:pRg st="3" end="3"/>
-                                            </p:txEl>
-                                          </p:spTgt>
-                                        </p:tgtEl>
-                                      </p:cBhvr>
-                                    </p:animEffect>
-                                  </p:childTnLst>
-                                </p:cTn>
-                              </p:par>
-                            </p:childTnLst>
-                          </p:cTn>
-                        </p:par>
-                        <p:par>
-                          <p:cTn id="24" fill="hold">
-                            <p:stCondLst>
-                              <p:cond delay="500"/>
-                            </p:stCondLst>
-                            <p:childTnLst>
-                              <p:par>
-                                <p:cTn id="25" presetID="22" presetClass="entr" presetSubtype="8" fill="hold" nodeType="afterEffect">
-                                  <p:stCondLst>
-                                    <p:cond delay="0"/>
-                                  </p:stCondLst>
-                                  <p:childTnLst>
-                                    <p:set>
-                                      <p:cBhvr>
-                                        <p:cTn id="26" dur="1" fill="hold">
-                                          <p:stCondLst>
-                                            <p:cond delay="0"/>
-                                          </p:stCondLst>
-                                        </p:cTn>
-                                        <p:tgtEl>
-                                          <p:spTgt spid="11"/>
-                                        </p:tgtEl>
-                                        <p:attrNameLst>
-                                          <p:attrName>style.visibility</p:attrName>
-                                        </p:attrNameLst>
-                                      </p:cBhvr>
-                                      <p:to>
-                                        <p:strVal val="visible"/>
-                                      </p:to>
-                                    </p:set>
-                                    <p:animEffect transition="in" filter="wipe(left)">
-                                      <p:cBhvr>
-                                        <p:cTn id="27" dur="500"/>
-                                        <p:tgtEl>
-                                          <p:spTgt spid="11"/>
-                                        </p:tgtEl>
-                                      </p:cBhvr>
-                                    </p:animEffect>
-                                  </p:childTnLst>
-                                </p:cTn>
-                              </p:par>
-                            </p:childTnLst>
-                          </p:cTn>
-                        </p:par>
-                      </p:childTnLst>
-                    </p:cTn>
-                  </p:par>
-                </p:childTnLst>
-              </p:cTn>
-              <p:prevCondLst>
-                <p:cond evt="onPrev" delay="0">
-                  <p:tgtEl>
-                    <p:sldTgt/>
-                  </p:tgtEl>
-                </p:cond>
-              </p:prevCondLst>
-              <p:nextCondLst>
-                <p:cond evt="onNext" delay="0">
-                  <p:tgtEl>
-                    <p:sldTgt/>
-                  </p:tgtEl>
-                </p:cond>
-              </p:nextCondLst>
-            </p:seq>
-          </p:childTnLst>
-        </p:cTn>
-      </p:par>
-    </p:tnLst>
-    <p:bldLst>
-      <p:bldP spid="111619" grpId="0" build="p"/>
-    </p:bldLst>
-  </p:timing>
-</p:sld>
-</file>
-
-<file path=ppt/slides/slide3.xml><?xml version="1.0" encoding="utf-8"?>
 <p:sld xmlns:a="http://schemas.openxmlformats.org/drawingml/2006/main" xmlns:r="http://schemas.openxmlformats.org/officeDocument/2006/relationships" xmlns:p="http://schemas.openxmlformats.org/presentationml/2006/main">
   <p:cSld>
     <p:spTree>
@@ -10606,7 +9143,7 @@
           <a:graphicData uri="http://schemas.openxmlformats.org/presentationml/2006/ole">
             <mc:AlternateContent xmlns:mc="http://schemas.openxmlformats.org/markup-compatibility/2006">
               <mc:Choice xmlns:v="urn:schemas-microsoft-com:vml" Requires="v">
-                <p:oleObj spid="_x0000_s1041" name="Equation" r:id="rId5" imgW="1828800" imgH="292100" progId="Equation.DSMT4">
+                <p:oleObj spid="_x0000_s1048" name="Equation" r:id="rId5" imgW="1828800" imgH="292100" progId="Equation.DSMT4">
                   <p:embed/>
                 </p:oleObj>
               </mc:Choice>
@@ -10676,7 +9213,7 @@
           <a:graphicData uri="http://schemas.openxmlformats.org/presentationml/2006/ole">
             <mc:AlternateContent xmlns:mc="http://schemas.openxmlformats.org/markup-compatibility/2006">
               <mc:Choice xmlns:v="urn:schemas-microsoft-com:vml" Requires="v">
-                <p:oleObj spid="_x0000_s1042" name="Equation" r:id="rId7" imgW="1828800" imgH="596900" progId="Equation.DSMT4">
+                <p:oleObj spid="_x0000_s1049" name="Equation" r:id="rId7" imgW="1828800" imgH="596900" progId="Equation.DSMT4">
                   <p:embed/>
                 </p:oleObj>
               </mc:Choice>
@@ -10801,7 +9338,7 @@
 </p:sld>
 </file>
 
-<file path=ppt/slides/slide4.xml><?xml version="1.0" encoding="utf-8"?>
+<file path=ppt/slides/slide3.xml><?xml version="1.0" encoding="utf-8"?>
 <p:sld xmlns:a="http://schemas.openxmlformats.org/drawingml/2006/main" xmlns:r="http://schemas.openxmlformats.org/officeDocument/2006/relationships" xmlns:p="http://schemas.openxmlformats.org/presentationml/2006/main">
   <p:cSld>
     <p:spTree>
@@ -10845,7 +9382,7 @@
               <a:pPr>
                 <a:defRPr/>
               </a:pPr>
-              <a:t>4</a:t>
+              <a:t>3</a:t>
             </a:fld>
             <a:endParaRPr lang="en-US" dirty="0"/>
           </a:p>
@@ -11035,14 +9572,14 @@
   <p:clrMapOvr>
     <a:masterClrMapping/>
   </p:clrMapOvr>
-  <mc:AlternateContent xmlns:mc="http://schemas.openxmlformats.org/markup-compatibility/2006" xmlns:p14="http://schemas.microsoft.com/office/powerpoint/2010/main">
-    <mc:Choice Requires="p14">
-      <p:transition spd="slow" p14:dur="1200">
+  <mc:AlternateContent xmlns:mc="http://schemas.openxmlformats.org/markup-compatibility/2006">
+    <mc:Choice xmlns:p14="http://schemas.microsoft.com/office/powerpoint/2010/main" Requires="p14">
+      <p:transition spd="slow" p14:dur="1200" advClick="0">
         <p:fade thruBlk="1"/>
       </p:transition>
     </mc:Choice>
-    <mc:Fallback xmlns="">
-      <p:transition xmlns:p14="http://schemas.microsoft.com/office/powerpoint/2010/main" spd="slow">
+    <mc:Fallback>
+      <p:transition xmlns:p14="http://schemas.microsoft.com/office/powerpoint/2010/main" spd="slow" advClick="0">
         <p:fade thruBlk="1"/>
       </p:transition>
     </mc:Fallback>
@@ -11395,7 +9932,7 @@
 </p:sld>
 </file>
 
-<file path=ppt/slides/slide5.xml><?xml version="1.0" encoding="utf-8"?>
+<file path=ppt/slides/slide4.xml><?xml version="1.0" encoding="utf-8"?>
 <p:sld xmlns:a="http://schemas.openxmlformats.org/drawingml/2006/main" xmlns:r="http://schemas.openxmlformats.org/officeDocument/2006/relationships" xmlns:p="http://schemas.openxmlformats.org/presentationml/2006/main">
   <p:cSld>
     <p:spTree>
@@ -11439,7 +9976,7 @@
               <a:pPr>
                 <a:defRPr/>
               </a:pPr>
-              <a:t>5</a:t>
+              <a:t>4</a:t>
             </a:fld>
             <a:endParaRPr lang="en-US" dirty="0"/>
           </a:p>
@@ -11508,13 +10045,8 @@
             </a:r>
             <a:r>
               <a:rPr lang="en-US" sz="5400" dirty="0" smtClean="0"/>
-              <a:t> </a:t>
-            </a:r>
-            <a:r>
-              <a:rPr lang="en-US" sz="5400" dirty="0" smtClean="0"/>
-              <a:t>measurements</a:t>
-            </a:r>
-            <a:endParaRPr lang="en-US" sz="5400" dirty="0" smtClean="0"/>
+              <a:t> measurements</a:t>
+            </a:r>
           </a:p>
           <a:p>
             <a:pPr eaLnBrk="1" hangingPunct="1"/>
@@ -11524,42 +10056,18 @@
                   <a:srgbClr val="000000"/>
                 </a:solidFill>
               </a:rPr>
-              <a:t>of CMD </a:t>
-            </a:r>
+              <a:t>of CMD at random </a:t>
+            </a:r>
+          </a:p>
+          <a:p>
+            <a:pPr eaLnBrk="1" hangingPunct="1"/>
             <a:r>
               <a:rPr lang="en-US" sz="5400" dirty="0" smtClean="0">
                 <a:solidFill>
                   <a:srgbClr val="000000"/>
                 </a:solidFill>
               </a:rPr>
-              <a:t>at </a:t>
-            </a:r>
-            <a:r>
-              <a:rPr lang="en-US" sz="5400" dirty="0" smtClean="0">
-                <a:solidFill>
-                  <a:srgbClr val="000000"/>
-                </a:solidFill>
-              </a:rPr>
-              <a:t>random </a:t>
-            </a:r>
-          </a:p>
-          <a:p>
-            <a:pPr eaLnBrk="1" hangingPunct="1"/>
-            <a:r>
-              <a:rPr lang="en-US" sz="5400" dirty="0" smtClean="0">
-                <a:solidFill>
-                  <a:srgbClr val="000000"/>
-                </a:solidFill>
-              </a:rPr>
-              <a:t>ti</a:t>
-            </a:r>
-            <a:r>
-              <a:rPr lang="en-US" sz="5400" dirty="0" smtClean="0">
-                <a:solidFill>
-                  <a:srgbClr val="000000"/>
-                </a:solidFill>
-              </a:rPr>
-              <a:t>mes and locations</a:t>
+              <a:t>times and locations</a:t>
             </a:r>
             <a:endParaRPr lang="en-US" sz="7200" dirty="0" smtClean="0">
               <a:solidFill>
@@ -11598,7 +10106,7 @@
   <p:clrMapOvr>
     <a:masterClrMapping/>
   </p:clrMapOvr>
-  <p:transition xmlns:p14="http://schemas.microsoft.com/office/powerpoint/2010/main" spd="med">
+  <p:transition xmlns:p14="http://schemas.microsoft.com/office/powerpoint/2010/main" spd="slow" advClick="0">
     <p:fade/>
   </p:transition>
   <p:timing>
@@ -11611,7 +10119,7 @@
 </p:sld>
 </file>
 
-<file path=ppt/slides/slide6.xml><?xml version="1.0" encoding="utf-8"?>
+<file path=ppt/slides/slide5.xml><?xml version="1.0" encoding="utf-8"?>
 <p:sld xmlns:a="http://schemas.openxmlformats.org/drawingml/2006/main" xmlns:r="http://schemas.openxmlformats.org/officeDocument/2006/relationships" xmlns:p="http://schemas.openxmlformats.org/presentationml/2006/main">
   <p:cSld>
     <p:spTree>
@@ -11655,7 +10163,7 @@
               <a:pPr>
                 <a:defRPr/>
               </a:pPr>
-              <a:t>6</a:t>
+              <a:t>5</a:t>
             </a:fld>
             <a:endParaRPr lang="en-US" dirty="0"/>
           </a:p>
@@ -11901,18 +10409,9 @@
   <p:clrMapOvr>
     <a:masterClrMapping/>
   </p:clrMapOvr>
-  <mc:AlternateContent xmlns:mc="http://schemas.openxmlformats.org/markup-compatibility/2006" xmlns:p14="http://schemas.microsoft.com/office/powerpoint/2010/main">
-    <mc:Choice Requires="p14">
-      <p:transition spd="med" p14:dur="550">
-        <p:fade/>
-      </p:transition>
-    </mc:Choice>
-    <mc:Fallback xmlns="">
-      <p:transition xmlns:p14="http://schemas.microsoft.com/office/powerpoint/2010/main" spd="med">
-        <p:fade/>
-      </p:transition>
-    </mc:Fallback>
-  </mc:AlternateContent>
+  <p:transition xmlns:p14="http://schemas.microsoft.com/office/powerpoint/2010/main" spd="slow" advClick="0">
+    <p:fade/>
+  </p:transition>
   <p:timing>
     <p:tnLst>
       <p:par>
@@ -12053,7 +10552,7 @@
 </p:sld>
 </file>
 
-<file path=ppt/slides/slide7.xml><?xml version="1.0" encoding="utf-8"?>
+<file path=ppt/slides/slide6.xml><?xml version="1.0" encoding="utf-8"?>
 <p:sld xmlns:a="http://schemas.openxmlformats.org/drawingml/2006/main" xmlns:r="http://schemas.openxmlformats.org/officeDocument/2006/relationships" xmlns:p="http://schemas.openxmlformats.org/presentationml/2006/main">
   <p:cSld>
     <p:spTree>
@@ -12097,7 +10596,7 @@
               <a:pPr>
                 <a:defRPr/>
               </a:pPr>
-              <a:t>7</a:t>
+              <a:t>6</a:t>
             </a:fld>
             <a:endParaRPr lang="en-US" dirty="0"/>
           </a:p>
@@ -12289,7 +10788,7 @@
   <p:clrMapOvr>
     <a:masterClrMapping/>
   </p:clrMapOvr>
-  <p:transition xmlns:p14="http://schemas.microsoft.com/office/powerpoint/2010/main" spd="med">
+  <p:transition xmlns:p14="http://schemas.microsoft.com/office/powerpoint/2010/main" spd="slow" advClick="0">
     <p:fade/>
   </p:transition>
   <p:timing>
@@ -12302,7 +10801,7 @@
 </p:sld>
 </file>
 
-<file path=ppt/slides/slide8.xml><?xml version="1.0" encoding="utf-8"?>
+<file path=ppt/slides/slide7.xml><?xml version="1.0" encoding="utf-8"?>
 <p:sld xmlns:a="http://schemas.openxmlformats.org/drawingml/2006/main" xmlns:r="http://schemas.openxmlformats.org/officeDocument/2006/relationships" xmlns:p="http://schemas.openxmlformats.org/presentationml/2006/main">
   <p:cSld>
     <p:spTree>
@@ -12374,7 +10873,7 @@
               <a:pPr>
                 <a:defRPr/>
               </a:pPr>
-              <a:t>8</a:t>
+              <a:t>7</a:t>
             </a:fld>
             <a:endParaRPr lang="en-US" dirty="0" smtClean="0"/>
           </a:p>
@@ -12518,11 +11017,7 @@
             </a:r>
             <a:r>
               <a:rPr lang="en-US" sz="4400" dirty="0" smtClean="0"/>
-              <a:t> </a:t>
-            </a:r>
-            <a:r>
-              <a:rPr lang="en-US" sz="4400" dirty="0" smtClean="0"/>
-              <a:t>samples    </a:t>
+              <a:t> samples    </a:t>
             </a:r>
             <a:r>
               <a:rPr lang="en-US" sz="4400" b="1" dirty="0" smtClean="0">
@@ -12662,11 +11157,7 @@
             </a:r>
             <a:r>
               <a:rPr lang="en-US" sz="4400" dirty="0" smtClean="0"/>
-              <a:t> </a:t>
-            </a:r>
-            <a:r>
-              <a:rPr lang="en-US" sz="4400" dirty="0" smtClean="0"/>
-              <a:t>of the </a:t>
+              <a:t> of the </a:t>
             </a:r>
             <a:r>
               <a:rPr lang="en-US" sz="4400" dirty="0" smtClean="0">
@@ -12717,7 +11208,7 @@
   <p:clrMapOvr>
     <a:masterClrMapping/>
   </p:clrMapOvr>
-  <p:transition xmlns:p14="http://schemas.microsoft.com/office/powerpoint/2010/main">
+  <p:transition xmlns:p14="http://schemas.microsoft.com/office/powerpoint/2010/main" spd="slow" advClick="0">
     <p:fade/>
   </p:transition>
   <p:timing>
@@ -13043,7 +11534,7 @@
 </p:sld>
 </file>
 
-<file path=ppt/slides/slide9.xml><?xml version="1.0" encoding="utf-8"?>
+<file path=ppt/slides/slide8.xml><?xml version="1.0" encoding="utf-8"?>
 <p:sld xmlns:a="http://schemas.openxmlformats.org/drawingml/2006/main" xmlns:r="http://schemas.openxmlformats.org/officeDocument/2006/relationships" xmlns:p="http://schemas.openxmlformats.org/presentationml/2006/main">
   <p:cSld>
     <p:spTree>
@@ -13069,25 +11560,25 @@
           <p:nvPr>
             <p:extLst>
               <p:ext uri="{D42A27DB-BD31-4B8C-83A1-F6EECF244321}">
-                <p14:modId xmlns:p14="http://schemas.microsoft.com/office/powerpoint/2010/main" val="3156856546"/>
+                <p14:modId xmlns:p14="http://schemas.microsoft.com/office/powerpoint/2010/main" val="3483344823"/>
               </p:ext>
             </p:extLst>
           </p:nvPr>
         </p:nvGraphicFramePr>
         <p:xfrm>
-          <a:off x="1066800" y="1066800"/>
-          <a:ext cx="6747942" cy="2098675"/>
+          <a:off x="914400" y="838200"/>
+          <a:ext cx="6940550" cy="2217737"/>
         </p:xfrm>
         <a:graphic>
           <a:graphicData uri="http://schemas.openxmlformats.org/presentationml/2006/ole">
             <mc:AlternateContent xmlns:mc="http://schemas.openxmlformats.org/markup-compatibility/2006">
               <mc:Choice xmlns:v="urn:schemas-microsoft-com:vml" Requires="v">
-                <p:oleObj spid="_x0000_s426143" name="Equation" r:id="rId4" imgW="1917700" imgH="596900" progId="Equation.DSMT4">
+                <p:oleObj spid="_x0000_s426154" name="Equation" r:id="rId4" imgW="1866900" imgH="596900" progId="Equation.DSMT4">
                   <p:embed/>
                 </p:oleObj>
               </mc:Choice>
               <mc:Fallback>
-                <p:oleObj name="Equation" r:id="rId4" imgW="1917700" imgH="596900" progId="Equation.DSMT4">
+                <p:oleObj name="Equation" r:id="rId4" imgW="1866900" imgH="596900" progId="Equation.DSMT4">
                   <p:embed/>
                   <p:pic>
                     <p:nvPicPr>
@@ -13106,8 +11597,8 @@
                     </p:blipFill>
                     <p:spPr bwMode="auto">
                       <a:xfrm>
-                        <a:off x="1066800" y="1066800"/>
-                        <a:ext cx="6747942" cy="2098675"/>
+                        <a:off x="914400" y="838200"/>
+                        <a:ext cx="6940550" cy="2217737"/>
                       </a:xfrm>
                       <a:prstGeom prst="rect">
                         <a:avLst/>
@@ -13165,22 +11656,28 @@
           <p:cNvGraphicFramePr>
             <a:graphicFrameLocks noChangeAspect="1"/>
           </p:cNvGraphicFramePr>
-          <p:nvPr/>
+          <p:nvPr>
+            <p:extLst>
+              <p:ext uri="{D42A27DB-BD31-4B8C-83A1-F6EECF244321}">
+                <p14:modId xmlns:p14="http://schemas.microsoft.com/office/powerpoint/2010/main" val="1540805633"/>
+              </p:ext>
+            </p:extLst>
+          </p:nvPr>
         </p:nvGraphicFramePr>
         <p:xfrm>
-          <a:off x="847725" y="3048000"/>
-          <a:ext cx="7296150" cy="838200"/>
+          <a:off x="871538" y="3048000"/>
+          <a:ext cx="7246937" cy="838200"/>
         </p:xfrm>
         <a:graphic>
           <a:graphicData uri="http://schemas.openxmlformats.org/presentationml/2006/ole">
             <mc:AlternateContent xmlns:mc="http://schemas.openxmlformats.org/markup-compatibility/2006">
               <mc:Choice xmlns:v="urn:schemas-microsoft-com:vml" Requires="v">
-                <p:oleObj spid="_x0000_s426144" name="Equation" r:id="rId6" imgW="1879600" imgH="215900" progId="Equation.DSMT4">
+                <p:oleObj spid="_x0000_s426155" name="Equation" r:id="rId6" imgW="1866900" imgH="215900" progId="Equation.DSMT4">
                   <p:embed/>
                 </p:oleObj>
               </mc:Choice>
               <mc:Fallback>
-                <p:oleObj name="Equation" r:id="rId6" imgW="1879600" imgH="215900" progId="Equation.DSMT4">
+                <p:oleObj name="Equation" r:id="rId6" imgW="1866900" imgH="215900" progId="Equation.DSMT4">
                   <p:embed/>
                   <p:pic>
                     <p:nvPicPr>
@@ -13191,13 +11688,7 @@
                       <p:nvPr/>
                     </p:nvPicPr>
                     <p:blipFill>
-                      <a:blip r:embed="rId7">
-                        <a:extLst>
-                          <a:ext uri="{28A0092B-C50C-407E-A947-70E740481C1C}">
-                            <a14:useLocalDpi xmlns:a14="http://schemas.microsoft.com/office/drawing/2010/main" val="0"/>
-                          </a:ext>
-                        </a:extLst>
-                      </a:blip>
+                      <a:blip r:embed="rId7"/>
                       <a:srcRect/>
                       <a:stretch>
                         <a:fillRect/>
@@ -13205,8 +11696,8 @@
                     </p:blipFill>
                     <p:spPr bwMode="auto">
                       <a:xfrm>
-                        <a:off x="847725" y="3048000"/>
-                        <a:ext cx="7296150" cy="838200"/>
+                        <a:off x="871538" y="3048000"/>
+                        <a:ext cx="7246937" cy="838200"/>
                       </a:xfrm>
                       <a:prstGeom prst="rect">
                         <a:avLst/>
@@ -13261,7 +11752,7 @@
               <a:pPr>
                 <a:defRPr/>
               </a:pPr>
-              <a:t>9</a:t>
+              <a:t>8</a:t>
             </a:fld>
             <a:endParaRPr lang="en-US" dirty="0"/>
           </a:p>
@@ -13272,7 +11763,7 @@
   <p:clrMapOvr>
     <a:masterClrMapping/>
   </p:clrMapOvr>
-  <p:transition xmlns:p14="http://schemas.microsoft.com/office/powerpoint/2010/main" spd="slow">
+  <p:transition xmlns:p14="http://schemas.microsoft.com/office/powerpoint/2010/main" spd="slow" advClick="0">
     <p:fade/>
   </p:transition>
   <p:timing>
@@ -13321,7 +11812,7 @@
                                     </p:set>
                                     <p:animEffect transition="in" filter="wipe(left)">
                                       <p:cBhvr>
-                                        <p:cTn id="7" dur="500"/>
+                                        <p:cTn id="7" dur="2000"/>
                                         <p:tgtEl>
                                           <p:spTgt spid="13"/>
                                         </p:tgtEl>
@@ -13361,6 +11852,474 @@
 </p:sld>
 </file>
 
+<file path=ppt/slides/slide9.xml><?xml version="1.0" encoding="utf-8"?>
+<p:sld xmlns:a="http://schemas.openxmlformats.org/drawingml/2006/main" xmlns:r="http://schemas.openxmlformats.org/officeDocument/2006/relationships" xmlns:p="http://schemas.openxmlformats.org/presentationml/2006/main">
+  <p:cSld>
+    <p:spTree>
+      <p:nvGrpSpPr>
+        <p:cNvPr id="1" name=""/>
+        <p:cNvGrpSpPr/>
+        <p:nvPr/>
+      </p:nvGrpSpPr>
+      <p:grpSpPr>
+        <a:xfrm>
+          <a:off x="0" y="0"/>
+          <a:ext cx="0" cy="0"/>
+          <a:chOff x="0" y="0"/>
+          <a:chExt cx="0" cy="0"/>
+        </a:xfrm>
+      </p:grpSpPr>
+      <p:graphicFrame>
+        <p:nvGraphicFramePr>
+          <p:cNvPr id="425990" name="Object 6"/>
+          <p:cNvGraphicFramePr>
+            <a:graphicFrameLocks noChangeAspect="1"/>
+          </p:cNvGraphicFramePr>
+          <p:nvPr>
+            <p:extLst>
+              <p:ext uri="{D42A27DB-BD31-4B8C-83A1-F6EECF244321}">
+                <p14:modId xmlns:p14="http://schemas.microsoft.com/office/powerpoint/2010/main" val="1783741408"/>
+              </p:ext>
+            </p:extLst>
+          </p:nvPr>
+        </p:nvGraphicFramePr>
+        <p:xfrm>
+          <a:off x="914400" y="914400"/>
+          <a:ext cx="7363178" cy="2133599"/>
+        </p:xfrm>
+        <a:graphic>
+          <a:graphicData uri="http://schemas.openxmlformats.org/presentationml/2006/ole">
+            <mc:AlternateContent xmlns:mc="http://schemas.openxmlformats.org/markup-compatibility/2006">
+              <mc:Choice xmlns:v="urn:schemas-microsoft-com:vml" Requires="v">
+                <p:oleObj spid="_x0000_s494620" name="Equation" r:id="rId4" imgW="2057400" imgH="596900" progId="Equation.DSMT4">
+                  <p:embed/>
+                </p:oleObj>
+              </mc:Choice>
+              <mc:Fallback>
+                <p:oleObj name="Equation" r:id="rId4" imgW="2057400" imgH="596900" progId="Equation.DSMT4">
+                  <p:embed/>
+                  <p:pic>
+                    <p:nvPicPr>
+                      <p:cNvPr id="0" name=""/>
+                      <p:cNvPicPr>
+                        <a:picLocks noChangeAspect="1" noChangeArrowheads="1"/>
+                      </p:cNvPicPr>
+                      <p:nvPr/>
+                    </p:nvPicPr>
+                    <p:blipFill>
+                      <a:blip r:embed="rId5"/>
+                      <a:srcRect/>
+                      <a:stretch>
+                        <a:fillRect/>
+                      </a:stretch>
+                    </p:blipFill>
+                    <p:spPr bwMode="auto">
+                      <a:xfrm>
+                        <a:off x="914400" y="914400"/>
+                        <a:ext cx="7363178" cy="2133599"/>
+                      </a:xfrm>
+                      <a:prstGeom prst="rect">
+                        <a:avLst/>
+                      </a:prstGeom>
+                      <a:solidFill>
+                        <a:schemeClr val="hlink"/>
+                      </a:solidFill>
+                    </p:spPr>
+                  </p:pic>
+                </p:oleObj>
+              </mc:Fallback>
+            </mc:AlternateContent>
+          </a:graphicData>
+        </a:graphic>
+      </p:graphicFrame>
+      <p:sp>
+        <p:nvSpPr>
+          <p:cNvPr id="111618" name="Rectangle 2"/>
+          <p:cNvSpPr>
+            <a:spLocks noGrp="1" noChangeArrowheads="1"/>
+          </p:cNvSpPr>
+          <p:nvPr>
+            <p:ph type="title"/>
+          </p:nvPr>
+        </p:nvSpPr>
+        <p:spPr>
+          <a:xfrm>
+            <a:off x="1295400" y="116046"/>
+            <a:ext cx="7672388" cy="882650"/>
+          </a:xfrm>
+        </p:spPr>
+        <p:txBody>
+          <a:bodyPr/>
+          <a:lstStyle/>
+          <a:p>
+            <a:r>
+              <a:rPr lang="en-US" dirty="0" err="1">
+                <a:latin typeface="Comic Sans MS"/>
+                <a:cs typeface="Comic Sans MS"/>
+              </a:rPr>
+              <a:t>Pairwise</a:t>
+            </a:r>
+            <a:r>
+              <a:rPr lang="en-US" dirty="0">
+                <a:latin typeface="Comic Sans MS"/>
+                <a:cs typeface="Comic Sans MS"/>
+              </a:rPr>
+              <a:t> Independent Sampling</a:t>
+            </a:r>
+          </a:p>
+        </p:txBody>
+      </p:sp>
+      <p:graphicFrame>
+        <p:nvGraphicFramePr>
+          <p:cNvPr id="13" name="Object 12"/>
+          <p:cNvGraphicFramePr>
+            <a:graphicFrameLocks noChangeAspect="1"/>
+          </p:cNvGraphicFramePr>
+          <p:nvPr>
+            <p:extLst>
+              <p:ext uri="{D42A27DB-BD31-4B8C-83A1-F6EECF244321}">
+                <p14:modId xmlns:p14="http://schemas.microsoft.com/office/powerpoint/2010/main" val="2761838867"/>
+              </p:ext>
+            </p:extLst>
+          </p:nvPr>
+        </p:nvGraphicFramePr>
+        <p:xfrm>
+          <a:off x="871538" y="3048000"/>
+          <a:ext cx="7246937" cy="838200"/>
+        </p:xfrm>
+        <a:graphic>
+          <a:graphicData uri="http://schemas.openxmlformats.org/presentationml/2006/ole">
+            <mc:AlternateContent xmlns:mc="http://schemas.openxmlformats.org/markup-compatibility/2006">
+              <mc:Choice xmlns:v="urn:schemas-microsoft-com:vml" Requires="v">
+                <p:oleObj spid="_x0000_s494621" name="Equation" r:id="rId6" imgW="1866900" imgH="215900" progId="Equation.DSMT4">
+                  <p:embed/>
+                </p:oleObj>
+              </mc:Choice>
+              <mc:Fallback>
+                <p:oleObj name="Equation" r:id="rId6" imgW="1866900" imgH="215900" progId="Equation.DSMT4">
+                  <p:embed/>
+                  <p:pic>
+                    <p:nvPicPr>
+                      <p:cNvPr id="0" name=""/>
+                      <p:cNvPicPr>
+                        <a:picLocks noChangeAspect="1" noChangeArrowheads="1"/>
+                      </p:cNvPicPr>
+                      <p:nvPr/>
+                    </p:nvPicPr>
+                    <p:blipFill>
+                      <a:blip r:embed="rId7"/>
+                      <a:srcRect/>
+                      <a:stretch>
+                        <a:fillRect/>
+                      </a:stretch>
+                    </p:blipFill>
+                    <p:spPr bwMode="auto">
+                      <a:xfrm>
+                        <a:off x="871538" y="3048000"/>
+                        <a:ext cx="7246937" cy="838200"/>
+                      </a:xfrm>
+                      <a:prstGeom prst="rect">
+                        <a:avLst/>
+                      </a:prstGeom>
+                      <a:noFill/>
+                      <a:extLst>
+                        <a:ext uri="{909E8E84-426E-40dd-AFC4-6F175D3DCCD1}">
+                          <a14:hiddenFill xmlns:a14="http://schemas.microsoft.com/office/drawing/2010/main">
+                            <a:solidFill>
+                              <a:srgbClr val="FFFFFF"/>
+                            </a:solidFill>
+                          </a14:hiddenFill>
+                        </a:ext>
+                      </a:extLst>
+                    </p:spPr>
+                  </p:pic>
+                </p:oleObj>
+              </mc:Fallback>
+            </mc:AlternateContent>
+          </a:graphicData>
+        </a:graphic>
+      </p:graphicFrame>
+      <p:sp>
+        <p:nvSpPr>
+          <p:cNvPr id="8" name="Slide Number Placeholder 3"/>
+          <p:cNvSpPr>
+            <a:spLocks noGrp="1"/>
+          </p:cNvSpPr>
+          <p:nvPr>
+            <p:ph type="sldNum" sz="quarter" idx="10"/>
+          </p:nvPr>
+        </p:nvSpPr>
+        <p:spPr>
+          <a:xfrm>
+            <a:off x="7696200" y="6629400"/>
+            <a:ext cx="1447800" cy="228600"/>
+          </a:xfrm>
+        </p:spPr>
+        <p:txBody>
+          <a:bodyPr/>
+          <a:lstStyle/>
+          <a:p>
+            <a:pPr>
+              <a:defRPr/>
+            </a:pPr>
+            <a:r>
+              <a:rPr lang="en-US" dirty="0" smtClean="0"/>
+              <a:t>confidence.</a:t>
+            </a:r>
+            <a:fld id="{AB032E80-4924-4C32-A61E-EE294C645BF5}" type="slidenum">
+              <a:rPr lang="en-US" smtClean="0"/>
+              <a:pPr>
+                <a:defRPr/>
+              </a:pPr>
+              <a:t>9</a:t>
+            </a:fld>
+            <a:endParaRPr lang="en-US" dirty="0"/>
+          </a:p>
+        </p:txBody>
+      </p:sp>
+      <p:sp>
+        <p:nvSpPr>
+          <p:cNvPr id="10" name="TextBox 9"/>
+          <p:cNvSpPr txBox="1"/>
+          <p:nvPr/>
+        </p:nvSpPr>
+        <p:spPr>
+          <a:xfrm>
+            <a:off x="1220259" y="4114800"/>
+            <a:ext cx="6537517" cy="1107996"/>
+          </a:xfrm>
+          <a:prstGeom prst="rect">
+            <a:avLst/>
+          </a:prstGeom>
+          <a:noFill/>
+        </p:spPr>
+        <p:txBody>
+          <a:bodyPr wrap="none" rtlCol="0">
+            <a:spAutoFit/>
+          </a:bodyPr>
+          <a:lstStyle/>
+          <a:p>
+            <a:r>
+              <a:rPr lang="en-US" sz="6600" dirty="0" smtClean="0">
+                <a:solidFill>
+                  <a:srgbClr val="660066"/>
+                </a:solidFill>
+                <a:latin typeface="+mj-lt"/>
+              </a:rPr>
+              <a:t>?? don’t know</a:t>
+            </a:r>
+            <a:r>
+              <a:rPr lang="en-US" sz="6600" dirty="0" smtClean="0">
+                <a:latin typeface="+mj-lt"/>
+              </a:rPr>
+              <a:t> </a:t>
+            </a:r>
+            <a:r>
+              <a:rPr lang="en-US" sz="6600" dirty="0" err="1" smtClean="0">
+                <a:solidFill>
+                  <a:srgbClr val="0006FE"/>
+                </a:solidFill>
+                <a:latin typeface="Euclid"/>
+                <a:cs typeface="Euclid"/>
+              </a:rPr>
+              <a:t>σ</a:t>
+            </a:r>
+            <a:endParaRPr lang="en-US" sz="6600" dirty="0" smtClean="0">
+              <a:solidFill>
+                <a:srgbClr val="0006FE"/>
+              </a:solidFill>
+              <a:latin typeface="Euclid"/>
+              <a:cs typeface="Euclid"/>
+            </a:endParaRPr>
+          </a:p>
+        </p:txBody>
+      </p:sp>
+    </p:spTree>
+    <p:extLst>
+      <p:ext uri="{BB962C8B-B14F-4D97-AF65-F5344CB8AC3E}">
+        <p14:creationId xmlns:p14="http://schemas.microsoft.com/office/powerpoint/2010/main" val="374341100"/>
+      </p:ext>
+    </p:extLst>
+  </p:cSld>
+  <p:clrMapOvr>
+    <a:masterClrMapping/>
+  </p:clrMapOvr>
+  <p:transition xmlns:p14="http://schemas.microsoft.com/office/powerpoint/2010/main" spd="slow" advClick="0">
+    <p:fade/>
+  </p:transition>
+  <p:timing>
+    <p:tnLst>
+      <p:par>
+        <p:cTn xmlns:p14="http://schemas.microsoft.com/office/powerpoint/2010/main" id="1" dur="indefinite" restart="never" nodeType="tmRoot">
+          <p:childTnLst>
+            <p:seq concurrent="1" nextAc="seek">
+              <p:cTn id="2" dur="indefinite" nodeType="mainSeq">
+                <p:childTnLst>
+                  <p:par>
+                    <p:cTn id="3" fill="hold">
+                      <p:stCondLst>
+                        <p:cond delay="indefinite"/>
+                      </p:stCondLst>
+                      <p:childTnLst>
+                        <p:par>
+                          <p:cTn id="4" fill="hold">
+                            <p:stCondLst>
+                              <p:cond delay="0"/>
+                            </p:stCondLst>
+                            <p:childTnLst>
+                              <p:par>
+                                <p:cTn id="5" presetID="15" presetClass="entr" presetSubtype="0" fill="hold" grpId="0" nodeType="clickEffect">
+                                  <p:stCondLst>
+                                    <p:cond delay="0"/>
+                                  </p:stCondLst>
+                                  <p:childTnLst>
+                                    <p:set>
+                                      <p:cBhvr>
+                                        <p:cTn id="6" dur="1" fill="hold">
+                                          <p:stCondLst>
+                                            <p:cond delay="0"/>
+                                          </p:stCondLst>
+                                        </p:cTn>
+                                        <p:tgtEl>
+                                          <p:spTgt spid="10"/>
+                                        </p:tgtEl>
+                                        <p:attrNameLst>
+                                          <p:attrName>style.visibility</p:attrName>
+                                        </p:attrNameLst>
+                                      </p:cBhvr>
+                                      <p:to>
+                                        <p:strVal val="visible"/>
+                                      </p:to>
+                                    </p:set>
+                                    <p:anim calcmode="lin" valueType="num">
+                                      <p:cBhvr>
+                                        <p:cTn id="7" dur="1000" fill="hold"/>
+                                        <p:tgtEl>
+                                          <p:spTgt spid="10"/>
+                                        </p:tgtEl>
+                                        <p:attrNameLst>
+                                          <p:attrName>ppt_w</p:attrName>
+                                        </p:attrNameLst>
+                                      </p:cBhvr>
+                                      <p:tavLst>
+                                        <p:tav tm="0">
+                                          <p:val>
+                                            <p:fltVal val="0"/>
+                                          </p:val>
+                                        </p:tav>
+                                        <p:tav tm="100000">
+                                          <p:val>
+                                            <p:strVal val="#ppt_w"/>
+                                          </p:val>
+                                        </p:tav>
+                                      </p:tavLst>
+                                    </p:anim>
+                                    <p:anim calcmode="lin" valueType="num">
+                                      <p:cBhvr>
+                                        <p:cTn id="8" dur="1000" fill="hold"/>
+                                        <p:tgtEl>
+                                          <p:spTgt spid="10"/>
+                                        </p:tgtEl>
+                                        <p:attrNameLst>
+                                          <p:attrName>ppt_h</p:attrName>
+                                        </p:attrNameLst>
+                                      </p:cBhvr>
+                                      <p:tavLst>
+                                        <p:tav tm="0">
+                                          <p:val>
+                                            <p:fltVal val="0"/>
+                                          </p:val>
+                                        </p:tav>
+                                        <p:tav tm="100000">
+                                          <p:val>
+                                            <p:strVal val="#ppt_h"/>
+                                          </p:val>
+                                        </p:tav>
+                                      </p:tavLst>
+                                    </p:anim>
+                                    <p:anim calcmode="lin" valueType="num">
+                                      <p:cBhvr>
+                                        <p:cTn id="9" dur="1000" fill="hold"/>
+                                        <p:tgtEl>
+                                          <p:spTgt spid="10"/>
+                                        </p:tgtEl>
+                                        <p:attrNameLst>
+                                          <p:attrName>ppt_x</p:attrName>
+                                        </p:attrNameLst>
+                                      </p:cBhvr>
+                                      <p:tavLst>
+                                        <p:tav tm="0" fmla="#ppt_x+(cos(-2*pi*(1-$))*-#ppt_x-sin(-2*pi*(1-$))*(1-#ppt_y))*(1-$)">
+                                          <p:val>
+                                            <p:fltVal val="0"/>
+                                          </p:val>
+                                        </p:tav>
+                                        <p:tav tm="100000">
+                                          <p:val>
+                                            <p:fltVal val="1"/>
+                                          </p:val>
+                                        </p:tav>
+                                      </p:tavLst>
+                                    </p:anim>
+                                    <p:anim calcmode="lin" valueType="num">
+                                      <p:cBhvr>
+                                        <p:cTn id="10" dur="1000" fill="hold"/>
+                                        <p:tgtEl>
+                                          <p:spTgt spid="10"/>
+                                        </p:tgtEl>
+                                        <p:attrNameLst>
+                                          <p:attrName>ppt_y</p:attrName>
+                                        </p:attrNameLst>
+                                      </p:cBhvr>
+                                      <p:tavLst>
+                                        <p:tav tm="0" fmla="#ppt_y+(sin(-2*pi*(1-$))*-#ppt_x+cos(-2*pi*(1-$))*(1-#ppt_y))*(1-$)">
+                                          <p:val>
+                                            <p:fltVal val="0"/>
+                                          </p:val>
+                                        </p:tav>
+                                        <p:tav tm="100000">
+                                          <p:val>
+                                            <p:fltVal val="1"/>
+                                          </p:val>
+                                        </p:tav>
+                                      </p:tavLst>
+                                    </p:anim>
+                                  </p:childTnLst>
+                                </p:cTn>
+                              </p:par>
+                            </p:childTnLst>
+                          </p:cTn>
+                        </p:par>
+                      </p:childTnLst>
+                    </p:cTn>
+                  </p:par>
+                </p:childTnLst>
+              </p:cTn>
+              <p:prevCondLst>
+                <p:cond evt="onPrev" delay="0">
+                  <p:tgtEl>
+                    <p:sldTgt/>
+                  </p:tgtEl>
+                </p:cond>
+              </p:prevCondLst>
+              <p:nextCondLst>
+                <p:cond evt="onNext" delay="0">
+                  <p:tgtEl>
+                    <p:sldTgt/>
+                  </p:tgtEl>
+                </p:cond>
+              </p:nextCondLst>
+            </p:seq>
+          </p:childTnLst>
+        </p:cTn>
+      </p:par>
+    </p:tnLst>
+    <p:bldLst>
+      <p:bldP spid="10" grpId="0"/>
+    </p:bldLst>
+  </p:timing>
+</p:sld>
+</file>
+
 <file path=ppt/tags/tag1.xml><?xml version="1.0" encoding="utf-8"?>
 <p:tagLst xmlns:a="http://schemas.openxmlformats.org/drawingml/2006/main" xmlns:r="http://schemas.openxmlformats.org/officeDocument/2006/relationships" xmlns:p="http://schemas.openxmlformats.org/presentationml/2006/main">
   <p:tag name="TEXPOINTINIT" val="\newcommand{paren}{1}{(#1)}&#10;\newcommand{ang}{1}{\langle#1\rangle}&#10;\newcommand{suchthat}{0}{\mid}&#10;\newcommand{eqdef}{0}{\font{Euclid}{\bf{::=}}}&#10;\newcommand{bar}{1}{\overline{#1}}&#10;\newcommand{and}{0}{\wedge}&#10;\newcommand{conj}{0}{\And}&#10;\newcommand{smand}{0}{\And}&#10;\newcommand{AND}{0}{\bigwedge}&#10;\newcommand{Land}{0}{\AND}&#10;\newcommand{lgand}{0}{\AND}&#10;\newcommand{Or}{0}{\vee}&#10;\newcommand{disj}{0}{\Or}&#10;\newcommand{smor}{0}{\Or}&#10;\newcommand{OR}{0}{\bigvee}&#10;\newcommand{Lor}{0}{\OR}&#10;\newcommand{lgor}{0}{\OR}&#10;\newcommand{implies}{0}{\longrightarrow}&#10;\newcommand{iff}{0}{\longleftrightarrow}&#10;\newcommand{bicond}{0}{\longleftrightarrow}&#10;\newcommand{equivalent}{0}{\Longleftrightarrow}&#10;\newcommand{set}{1}{\lbrace{#1}\rbrace}&#10;\newcommand{card}{1}{\abs{#1}}&#10;\newcommand{union}{0}{\cup}&#10;\newcommand{lgunion}{0}{\bigcup}&#10;\newcommand{intersect}{0}{\cap}&#10;\newcommand{lgintersect}{0}{\bigcap}&#10;\newcommand{cross}{0}{\times}&#10;\newcommand{compose}{0}{\circ}&#10;\newcommand{composition}{0}{\circ}&#10;\newcommand{power}{0}{\cP}&#10;\newcommand{range}{1}{\font{times new roman}{range}(#1)}&#10;\newcommand{domain}{1}{\font{times new roman}{domain}(#1)}&#10;\newcommand{emptystring}{0}{\lambda}&#10;\newcommand{naturals}{0}{\bbn}}&#10;\newcommand{integers}{0}{\bbz}&#10;\newcommand{rationals}{0}{\bbq}&#10;\newcommand{reals}{0}{\bbr}&#10;\newcommand{complexes}{0}{\bbc}&#10;\newcommand{abs}{1}{\mid#1\mid}&#10;\newcommand{floor}{1}{\lfloor#1\rfloor}&#10;\newcommand{ceil}{1}{\lceil#1\rceil}&#10;%\newcommand{divides}{0}{\mathbin{|}}&#10;\newcommand{divides}{0}{\mid}&#10;\newcommand{sspace}{0}{\cS}&#10;\newcommand{pr}{1}{\font{times new roman}{Pr}\lbrace{#1}\rbrace}&#10;\newcommand{prob}{1}{\pr{#1}}&#10;\newcommand{prsub}{2}{\font{times new roman}{Pr}_{#2}\lbrace{#1}\rbrace}&#10;\newcommand{prcond}{2}{\font{times new roman}{Pr}\lbrace{#1}\,\mid\,#2\rbrace}&#10;\newcommand{Ex}{0}{\font{times new roman}{E}}&#10;\newcommand{Var}{0}{\font{times new roman}{Var}}&#10;\newcommand{Cov}{0}{\font{times new roman}{Cov}}&#10;\newcommand{expect}{1}{\Ex[#1]}&#10;\newcommand{expectsq}{1}{{\Ex}^2[#1]}&#10;\newcommand{expcond}{2}{\expect{#1\mid#2}}&#10;\newcommand{variance}{1}{\Var[#1]}&#10;\newcommand{varsq}{1}{{\Var}^2[#1]}&#10;\newcommand{covar}{1}{\Cov[#1]}&#10;\newcommand{covariance}{2}{\Cov[#1,#2}}"/>
@@ -13392,7 +12351,16 @@
 
 <file path=ppt/tags/tag3.xml><?xml version="1.0" encoding="utf-8"?>
 <p:tagLst xmlns:a="http://schemas.openxmlformats.org/drawingml/2006/main" xmlns:r="http://schemas.openxmlformats.org/officeDocument/2006/relationships" xmlns:p="http://schemas.openxmlformats.org/presentationml/2006/main">
-  <p:tag name="TIMING" val="|7.9|15.6|3.8|2.7"/>
+  <p:tag name="SOURCE" val="\documentclass{slides}\pagestyle{empty}&#10;\input{C:/latex-macros/texpoint.sty}&#10;\begin{document}&#10;$  3$&#10;\end{document}"/>
+  <p:tag name="EXTERNALNAME" val="TP_tmp"/>
+  <p:tag name="BLEND" val="0"/>
+  <p:tag name="TRANSPARENT" val="1"/>
+  <p:tag name="RESOLUTION" val="300"/>
+  <p:tag name="WORKAROUNDTRANSPARENCYBUG" val="0"/>
+  <p:tag name="ALLOWFONTSUBSTITUTION" val="0"/>
+  <p:tag name="BITMAPFORMAT" val="png256"/>
+  <p:tag name="ORIGWIDTH" val="63.875"/>
+  <p:tag name="PICTUREFILESIZE" val="3950"/>
 </p:tagLst>
 </file>
 
@@ -13412,21 +12380,6 @@
 </file>
 
 <file path=ppt/tags/tag5.xml><?xml version="1.0" encoding="utf-8"?>
-<p:tagLst xmlns:a="http://schemas.openxmlformats.org/drawingml/2006/main" xmlns:r="http://schemas.openxmlformats.org/officeDocument/2006/relationships" xmlns:p="http://schemas.openxmlformats.org/presentationml/2006/main">
-  <p:tag name="SOURCE" val="\documentclass{slides}\pagestyle{empty}&#10;\input{C:/latex-macros/texpoint.sty}&#10;\begin{document}&#10;$  3$&#10;\end{document}"/>
-  <p:tag name="EXTERNALNAME" val="TP_tmp"/>
-  <p:tag name="BLEND" val="0"/>
-  <p:tag name="TRANSPARENT" val="1"/>
-  <p:tag name="RESOLUTION" val="300"/>
-  <p:tag name="WORKAROUNDTRANSPARENCYBUG" val="0"/>
-  <p:tag name="ALLOWFONTSUBSTITUTION" val="0"/>
-  <p:tag name="BITMAPFORMAT" val="png256"/>
-  <p:tag name="ORIGWIDTH" val="63.875"/>
-  <p:tag name="PICTUREFILESIZE" val="3950"/>
-</p:tagLst>
-</file>
-
-<file path=ppt/tags/tag6.xml><?xml version="1.0" encoding="utf-8"?>
 <p:tagLst xmlns:a="http://schemas.openxmlformats.org/drawingml/2006/main" xmlns:r="http://schemas.openxmlformats.org/officeDocument/2006/relationships" xmlns:p="http://schemas.openxmlformats.org/presentationml/2006/main">
   <p:tag name="SOURCE" val="\documentclass{slides}\pagestyle{empty}&#10;\input{C:/latex-macros/texpoint.sty}&#10;\begin{document}&#10;$  3$&#10;\end{document}"/>
   <p:tag name="EXTERNALNAME" val="TP_tmp"/>

--- a/spring13/slides13/confidence.pptx
+++ b/spring13/slides13/confidence.pptx
@@ -5,10 +5,10 @@
     <p:sldMasterId id="2147483649" r:id="rId1"/>
   </p:sldMasterIdLst>
   <p:notesMasterIdLst>
-    <p:notesMasterId r:id="rId20"/>
+    <p:notesMasterId r:id="rId21"/>
   </p:notesMasterIdLst>
   <p:handoutMasterIdLst>
-    <p:handoutMasterId r:id="rId21"/>
+    <p:handoutMasterId r:id="rId22"/>
   </p:handoutMasterIdLst>
   <p:sldIdLst>
     <p:sldId id="454" r:id="rId2"/>
@@ -29,11 +29,12 @@
     <p:sldId id="401" r:id="rId17"/>
     <p:sldId id="422" r:id="rId18"/>
     <p:sldId id="485" r:id="rId19"/>
+    <p:sldId id="553" r:id="rId20"/>
   </p:sldIdLst>
   <p:sldSz cx="9144000" cy="6858000" type="screen4x3"/>
   <p:notesSz cx="9601200" cy="7315200"/>
   <p:custDataLst>
-    <p:tags r:id="rId23"/>
+    <p:tags r:id="rId24"/>
   </p:custDataLst>
   <p:defaultTextStyle>
     <a:defPPr>
@@ -1755,6 +1756,93 @@
                 <a:defRPr/>
               </a:pPr>
               <a:t>18</a:t>
+            </a:fld>
+            <a:endParaRPr lang="en-US"/>
+          </a:p>
+        </p:txBody>
+      </p:sp>
+    </p:spTree>
+  </p:cSld>
+  <p:clrMapOvr>
+    <a:masterClrMapping/>
+  </p:clrMapOvr>
+</p:notes>
+</file>
+
+<file path=ppt/notesSlides/notesSlide19.xml><?xml version="1.0" encoding="utf-8"?>
+<p:notes xmlns:a="http://schemas.openxmlformats.org/drawingml/2006/main" xmlns:r="http://schemas.openxmlformats.org/officeDocument/2006/relationships" xmlns:p="http://schemas.openxmlformats.org/presentationml/2006/main">
+  <p:cSld>
+    <p:spTree>
+      <p:nvGrpSpPr>
+        <p:cNvPr id="1" name=""/>
+        <p:cNvGrpSpPr/>
+        <p:nvPr/>
+      </p:nvGrpSpPr>
+      <p:grpSpPr>
+        <a:xfrm>
+          <a:off x="0" y="0"/>
+          <a:ext cx="0" cy="0"/>
+          <a:chOff x="0" y="0"/>
+          <a:chExt cx="0" cy="0"/>
+        </a:xfrm>
+      </p:grpSpPr>
+      <p:sp>
+        <p:nvSpPr>
+          <p:cNvPr id="2" name="Slide Image Placeholder 1"/>
+          <p:cNvSpPr>
+            <a:spLocks noGrp="1" noRot="1" noChangeAspect="1"/>
+          </p:cNvSpPr>
+          <p:nvPr>
+            <p:ph type="sldImg"/>
+          </p:nvPr>
+        </p:nvSpPr>
+        <p:spPr/>
+      </p:sp>
+      <p:sp>
+        <p:nvSpPr>
+          <p:cNvPr id="3" name="Notes Placeholder 2"/>
+          <p:cNvSpPr>
+            <a:spLocks noGrp="1"/>
+          </p:cNvSpPr>
+          <p:nvPr>
+            <p:ph type="body" idx="1"/>
+          </p:nvPr>
+        </p:nvSpPr>
+        <p:spPr/>
+        <p:txBody>
+          <a:bodyPr>
+            <a:normAutofit/>
+          </a:bodyPr>
+          <a:lstStyle/>
+          <a:p>
+            <a:endParaRPr lang="en-US"/>
+          </a:p>
+        </p:txBody>
+      </p:sp>
+      <p:sp>
+        <p:nvSpPr>
+          <p:cNvPr id="4" name="Slide Number Placeholder 3"/>
+          <p:cNvSpPr>
+            <a:spLocks noGrp="1"/>
+          </p:cNvSpPr>
+          <p:nvPr>
+            <p:ph type="sldNum" sz="quarter" idx="10"/>
+          </p:nvPr>
+        </p:nvSpPr>
+        <p:spPr/>
+        <p:txBody>
+          <a:bodyPr/>
+          <a:lstStyle/>
+          <a:p>
+            <a:pPr>
+              <a:defRPr/>
+            </a:pPr>
+            <a:fld id="{441E3F6F-A8F9-4C39-8C62-F077DEAEAA0F}" type="slidenum">
+              <a:rPr lang="en-US" smtClean="0"/>
+              <a:pPr>
+                <a:defRPr/>
+              </a:pPr>
+              <a:t>19</a:t>
             </a:fld>
             <a:endParaRPr lang="en-US"/>
           </a:p>
@@ -4259,6 +4347,14 @@
   <p:clrMapOvr>
     <a:masterClrMapping/>
   </p:clrMapOvr>
+  <mc:AlternateContent xmlns:mc="http://schemas.openxmlformats.org/markup-compatibility/2006">
+    <mc:Choice xmlns:p14="http://schemas.microsoft.com/office/powerpoint/2010/main" Requires="p14">
+      <p:transition spd="slow" p14:dur="2000" advClick="0"/>
+    </mc:Choice>
+    <mc:Fallback>
+      <p:transition xmlns:p14="http://schemas.microsoft.com/office/powerpoint/2010/main" spd="slow" advClick="0"/>
+    </mc:Fallback>
+  </mc:AlternateContent>
   <p:timing>
     <p:tnLst>
       <p:par>
@@ -4513,7 +4609,7 @@
           <a:graphicData uri="http://schemas.openxmlformats.org/presentationml/2006/ole">
             <mc:AlternateContent xmlns:mc="http://schemas.openxmlformats.org/markup-compatibility/2006">
               <mc:Choice xmlns:v="urn:schemas-microsoft-com:vml" Requires="v">
-                <p:oleObj spid="_x0000_s438473" name="Equation" r:id="rId4" imgW="889000" imgH="469900" progId="Equation.DSMT4">
+                <p:oleObj spid="_x0000_s438480" name="Equation" r:id="rId4" imgW="889000" imgH="469900" progId="Equation.DSMT4">
                   <p:embed/>
                 </p:oleObj>
               </mc:Choice>
@@ -4583,7 +4679,7 @@
           <a:graphicData uri="http://schemas.openxmlformats.org/presentationml/2006/ole">
             <mc:AlternateContent xmlns:mc="http://schemas.openxmlformats.org/markup-compatibility/2006">
               <mc:Choice xmlns:v="urn:schemas-microsoft-com:vml" Requires="v">
-                <p:oleObj spid="_x0000_s438474" name="Equation" r:id="rId6" imgW="1879600" imgH="215900" progId="Equation.DSMT4">
+                <p:oleObj spid="_x0000_s438481" name="Equation" r:id="rId6" imgW="1879600" imgH="215900" progId="Equation.DSMT4">
                   <p:embed/>
                 </p:oleObj>
               </mc:Choice>
@@ -4659,7 +4755,7 @@
           <a:graphicData uri="http://schemas.openxmlformats.org/presentationml/2006/ole">
             <mc:AlternateContent xmlns:mc="http://schemas.openxmlformats.org/markup-compatibility/2006">
               <mc:Choice xmlns:v="urn:schemas-microsoft-com:vml" Requires="v">
-                <p:oleObj spid="_x0000_s438475" name="Equation" r:id="rId8" imgW="2057400" imgH="596900" progId="Equation.DSMT4">
+                <p:oleObj spid="_x0000_s438482" name="Equation" r:id="rId8" imgW="2057400" imgH="596900" progId="Equation.DSMT4">
                   <p:embed/>
                 </p:oleObj>
               </mc:Choice>
@@ -5059,7 +5155,7 @@
           <a:graphicData uri="http://schemas.openxmlformats.org/presentationml/2006/ole">
             <mc:AlternateContent xmlns:mc="http://schemas.openxmlformats.org/markup-compatibility/2006">
               <mc:Choice xmlns:v="urn:schemas-microsoft-com:vml" Requires="v">
-                <p:oleObj spid="_x0000_s493671" name="Equation" r:id="rId4" imgW="1155700" imgH="596900" progId="Equation.DSMT4">
+                <p:oleObj spid="_x0000_s493678" name="Equation" r:id="rId4" imgW="1155700" imgH="596900" progId="Equation.DSMT4">
                   <p:embed/>
                 </p:oleObj>
               </mc:Choice>
@@ -5122,7 +5218,7 @@
           <a:graphicData uri="http://schemas.openxmlformats.org/presentationml/2006/ole">
             <mc:AlternateContent xmlns:mc="http://schemas.openxmlformats.org/markup-compatibility/2006">
               <mc:Choice xmlns:v="urn:schemas-microsoft-com:vml" Requires="v">
-                <p:oleObj spid="_x0000_s493672" name="Equation" r:id="rId6" imgW="1828800" imgH="292100" progId="Equation.DSMT4">
+                <p:oleObj spid="_x0000_s493679" name="Equation" r:id="rId6" imgW="1828800" imgH="292100" progId="Equation.DSMT4">
                   <p:embed/>
                 </p:oleObj>
               </mc:Choice>
@@ -5192,7 +5288,7 @@
           <a:graphicData uri="http://schemas.openxmlformats.org/presentationml/2006/ole">
             <mc:AlternateContent xmlns:mc="http://schemas.openxmlformats.org/markup-compatibility/2006">
               <mc:Choice xmlns:v="urn:schemas-microsoft-com:vml" Requires="v">
-                <p:oleObj spid="_x0000_s493673" name="Equation" r:id="rId8" imgW="1346200" imgH="292100" progId="Equation.DSMT4">
+                <p:oleObj spid="_x0000_s493680" name="Equation" r:id="rId8" imgW="1346200" imgH="292100" progId="Equation.DSMT4">
                   <p:embed/>
                 </p:oleObj>
               </mc:Choice>
@@ -5243,13 +5339,13 @@
   <p:clrMapOvr>
     <a:masterClrMapping/>
   </p:clrMapOvr>
-  <mc:AlternateContent xmlns:mc="http://schemas.openxmlformats.org/markup-compatibility/2006">
-    <mc:Choice xmlns:p14="http://schemas.microsoft.com/office/powerpoint/2010/main" Requires="p14">
+  <mc:AlternateContent xmlns:mc="http://schemas.openxmlformats.org/markup-compatibility/2006" xmlns:p14="http://schemas.microsoft.com/office/powerpoint/2010/main">
+    <mc:Choice Requires="p14">
       <p:transition spd="slow" p14:dur="800" advClick="0">
         <p:fade/>
       </p:transition>
     </mc:Choice>
-    <mc:Fallback>
+    <mc:Fallback xmlns="">
       <p:transition xmlns:p14="http://schemas.microsoft.com/office/powerpoint/2010/main" spd="slow" advClick="0">
         <p:fade/>
       </p:transition>
@@ -5880,13 +5976,13 @@
   <p:clrMapOvr>
     <a:masterClrMapping/>
   </p:clrMapOvr>
-  <mc:AlternateContent xmlns:mc="http://schemas.openxmlformats.org/markup-compatibility/2006">
-    <mc:Choice xmlns:p14="http://schemas.microsoft.com/office/powerpoint/2010/main" Requires="p14">
+  <mc:AlternateContent xmlns:mc="http://schemas.openxmlformats.org/markup-compatibility/2006" xmlns:p14="http://schemas.microsoft.com/office/powerpoint/2010/main">
+    <mc:Choice Requires="p14">
       <p:transition spd="slow" p14:dur="1200" advClick="0">
         <p:fade thruBlk="1"/>
       </p:transition>
     </mc:Choice>
-    <mc:Fallback>
+    <mc:Fallback xmlns="">
       <p:transition xmlns:p14="http://schemas.microsoft.com/office/powerpoint/2010/main" spd="slow" advClick="0">
         <p:fade thruBlk="1"/>
       </p:transition>
@@ -6843,7 +6939,7 @@
         </p:nvSpPr>
         <p:spPr bwMode="auto">
           <a:xfrm>
-            <a:off x="228600" y="1371600"/>
+            <a:off x="228600" y="1143000"/>
             <a:ext cx="8610600" cy="4832092"/>
           </a:xfrm>
           <a:prstGeom prst="rect">
@@ -7963,16 +8059,10 @@
           <a:p>
             <a:pPr algn="l"/>
             <a:r>
-              <a:rPr lang="en-US" sz="5400" dirty="0">
-                <a:latin typeface="Comic Sans MS" pitchFamily="66" charset="0"/>
-              </a:rPr>
-              <a:t>f</a:t>
-            </a:r>
-            <a:r>
               <a:rPr lang="en-US" sz="5400" dirty="0" smtClean="0">
                 <a:latin typeface="Comic Sans MS" pitchFamily="66" charset="0"/>
               </a:rPr>
-              <a:t>or </a:t>
+              <a:t>For </a:t>
             </a:r>
             <a:r>
               <a:rPr lang="en-US" sz="5400" dirty="0">
@@ -8223,14 +8313,14 @@
   <p:clrMapOvr>
     <a:masterClrMapping/>
   </p:clrMapOvr>
-  <mc:AlternateContent xmlns:mc="http://schemas.openxmlformats.org/markup-compatibility/2006" xmlns:p14="http://schemas.microsoft.com/office/powerpoint/2010/main">
-    <mc:Choice Requires="p14">
-      <p:transition spd="med" p14:dur="700">
+  <mc:AlternateContent xmlns:mc="http://schemas.openxmlformats.org/markup-compatibility/2006">
+    <mc:Choice xmlns:p14="http://schemas.microsoft.com/office/powerpoint/2010/main" Requires="p14">
+      <p:transition spd="med" p14:dur="700" advClick="0">
         <p:fade/>
       </p:transition>
     </mc:Choice>
-    <mc:Fallback xmlns="">
-      <p:transition xmlns:p14="http://schemas.microsoft.com/office/powerpoint/2010/main" spd="med">
+    <mc:Fallback>
+      <p:transition xmlns:p14="http://schemas.microsoft.com/office/powerpoint/2010/main" spd="med" advClick="0">
         <p:fade/>
       </p:transition>
     </mc:Fallback>
@@ -8713,8 +8803,8 @@
   <p:clrMapOvr>
     <a:masterClrMapping/>
   </p:clrMapOvr>
-  <p:transition xmlns:p14="http://schemas.microsoft.com/office/powerpoint/2010/main">
-    <p:fade/>
+  <p:transition xmlns:p14="http://schemas.microsoft.com/office/powerpoint/2010/main" spd="slow" advClick="0">
+    <p:fade thruBlk="1"/>
   </p:transition>
   <p:timing>
     <p:tnLst>
@@ -8805,6 +8895,207 @@
 </p:sld>
 </file>
 
+<file path=ppt/slides/slide19.xml><?xml version="1.0" encoding="utf-8"?>
+<p:sld xmlns:a="http://schemas.openxmlformats.org/drawingml/2006/main" xmlns:r="http://schemas.openxmlformats.org/officeDocument/2006/relationships" xmlns:p="http://schemas.openxmlformats.org/presentationml/2006/main">
+  <p:cSld>
+    <p:spTree>
+      <p:nvGrpSpPr>
+        <p:cNvPr id="1" name=""/>
+        <p:cNvGrpSpPr/>
+        <p:nvPr/>
+      </p:nvGrpSpPr>
+      <p:grpSpPr>
+        <a:xfrm>
+          <a:off x="0" y="0"/>
+          <a:ext cx="0" cy="0"/>
+          <a:chOff x="0" y="0"/>
+          <a:chExt cx="0" cy="0"/>
+        </a:xfrm>
+      </p:grpSpPr>
+      <p:sp>
+        <p:nvSpPr>
+          <p:cNvPr id="3" name="Content Placeholder 2"/>
+          <p:cNvSpPr>
+            <a:spLocks noGrp="1"/>
+          </p:cNvSpPr>
+          <p:nvPr>
+            <p:ph idx="1"/>
+          </p:nvPr>
+        </p:nvSpPr>
+        <p:spPr>
+          <a:xfrm>
+            <a:off x="152400" y="1066800"/>
+            <a:ext cx="8839200" cy="5334000"/>
+          </a:xfrm>
+        </p:spPr>
+        <p:txBody>
+          <a:bodyPr/>
+          <a:lstStyle/>
+          <a:p>
+            <a:r>
+              <a:rPr lang="en-US" sz="4800" dirty="0" smtClean="0">
+                <a:solidFill>
+                  <a:srgbClr val="006600"/>
+                </a:solidFill>
+              </a:rPr>
+              <a:t>Moral:</a:t>
+            </a:r>
+            <a:r>
+              <a:rPr lang="en-US" sz="4800" dirty="0" smtClean="0"/>
+              <a:t> </a:t>
+            </a:r>
+            <a:r>
+              <a:rPr lang="en-US" sz="4800" dirty="0"/>
+              <a:t>Also ask “Why am I</a:t>
+            </a:r>
+          </a:p>
+          <a:p>
+            <a:r>
+              <a:rPr lang="en-US" sz="4800" dirty="0"/>
+              <a:t>hearing about this particular </a:t>
+            </a:r>
+          </a:p>
+          <a:p>
+            <a:r>
+              <a:rPr lang="en-US" sz="4800" dirty="0"/>
+              <a:t>experiment?  How many </a:t>
+            </a:r>
+          </a:p>
+          <a:p>
+            <a:r>
+              <a:rPr lang="en-US" sz="4800" dirty="0"/>
+              <a:t>others were tried and not</a:t>
+            </a:r>
+          </a:p>
+          <a:p>
+            <a:r>
+              <a:rPr lang="en-US" sz="4800" dirty="0"/>
+              <a:t>reported?” </a:t>
+            </a:r>
+            <a:endParaRPr lang="en-US" sz="4800" dirty="0" smtClean="0"/>
+          </a:p>
+          <a:p>
+            <a:pPr algn="ctr"/>
+            <a:r>
+              <a:rPr lang="en-US" sz="4800" dirty="0"/>
+              <a:t>See </a:t>
+            </a:r>
+            <a:r>
+              <a:rPr lang="en-US" sz="4800" dirty="0">
+                <a:solidFill>
+                  <a:srgbClr val="660066"/>
+                </a:solidFill>
+              </a:rPr>
+              <a:t>http://</a:t>
+            </a:r>
+            <a:r>
+              <a:rPr lang="en-US" sz="4800" dirty="0" err="1">
+                <a:solidFill>
+                  <a:srgbClr val="660066"/>
+                </a:solidFill>
+              </a:rPr>
+              <a:t>xkcd.com</a:t>
+            </a:r>
+            <a:r>
+              <a:rPr lang="en-US" sz="4800" dirty="0">
+                <a:solidFill>
+                  <a:srgbClr val="660066"/>
+                </a:solidFill>
+              </a:rPr>
+              <a:t>/882/</a:t>
+            </a:r>
+          </a:p>
+        </p:txBody>
+      </p:sp>
+      <p:sp>
+        <p:nvSpPr>
+          <p:cNvPr id="4" name="Slide Number Placeholder 3"/>
+          <p:cNvSpPr>
+            <a:spLocks noGrp="1"/>
+          </p:cNvSpPr>
+          <p:nvPr>
+            <p:ph type="sldNum" sz="quarter" idx="10"/>
+          </p:nvPr>
+        </p:nvSpPr>
+        <p:spPr/>
+        <p:txBody>
+          <a:bodyPr/>
+          <a:lstStyle/>
+          <a:p>
+            <a:pPr>
+              <a:defRPr/>
+            </a:pPr>
+            <a:r>
+              <a:rPr lang="en-US" dirty="0" smtClean="0"/>
+              <a:t>confidence.</a:t>
+            </a:r>
+            <a:fld id="{E78F4000-603A-43A9-9772-EA15786EFD2C}" type="slidenum">
+              <a:rPr lang="en-US" smtClean="0"/>
+              <a:pPr>
+                <a:defRPr/>
+              </a:pPr>
+              <a:t>19</a:t>
+            </a:fld>
+            <a:endParaRPr lang="en-US" dirty="0"/>
+          </a:p>
+        </p:txBody>
+      </p:sp>
+      <p:sp>
+        <p:nvSpPr>
+          <p:cNvPr id="7" name="Rectangle 3"/>
+          <p:cNvSpPr>
+            <a:spLocks noGrp="1" noChangeArrowheads="1"/>
+          </p:cNvSpPr>
+          <p:nvPr>
+            <p:ph type="title"/>
+          </p:nvPr>
+        </p:nvSpPr>
+        <p:spPr>
+          <a:xfrm>
+            <a:off x="1905000" y="228600"/>
+            <a:ext cx="5334000" cy="990600"/>
+          </a:xfrm>
+          <a:noFill/>
+        </p:spPr>
+        <p:txBody>
+          <a:bodyPr/>
+          <a:lstStyle/>
+          <a:p>
+            <a:pPr eaLnBrk="1" hangingPunct="1"/>
+            <a:r>
+              <a:rPr lang="en-US" sz="4800" dirty="0" smtClean="0">
+                <a:solidFill>
+                  <a:srgbClr val="0006FE"/>
+                </a:solidFill>
+              </a:rPr>
+              <a:t>Confidence</a:t>
+            </a:r>
+          </a:p>
+        </p:txBody>
+      </p:sp>
+    </p:spTree>
+    <p:extLst>
+      <p:ext uri="{BB962C8B-B14F-4D97-AF65-F5344CB8AC3E}">
+        <p14:creationId xmlns:p14="http://schemas.microsoft.com/office/powerpoint/2010/main" val="1923841103"/>
+      </p:ext>
+    </p:extLst>
+  </p:cSld>
+  <p:clrMapOvr>
+    <a:masterClrMapping/>
+  </p:clrMapOvr>
+  <p:transition xmlns:p14="http://schemas.microsoft.com/office/powerpoint/2010/main">
+    <p:fade/>
+  </p:transition>
+  <p:timing>
+    <p:tnLst>
+      <p:par>
+        <p:cTn xmlns:p14="http://schemas.microsoft.com/office/powerpoint/2010/main" id="1" dur="indefinite" restart="never" nodeType="tmRoot"/>
+      </p:par>
+    </p:tnLst>
+  </p:timing>
+</p:sld>
+</file>
+
 <file path=ppt/slides/slide2.xml><?xml version="1.0" encoding="utf-8"?>
 <p:sld xmlns:a="http://schemas.openxmlformats.org/drawingml/2006/main" xmlns:r="http://schemas.openxmlformats.org/officeDocument/2006/relationships" xmlns:p="http://schemas.openxmlformats.org/presentationml/2006/main">
   <p:cSld>
@@ -9143,7 +9434,7 @@
           <a:graphicData uri="http://schemas.openxmlformats.org/presentationml/2006/ole">
             <mc:AlternateContent xmlns:mc="http://schemas.openxmlformats.org/markup-compatibility/2006">
               <mc:Choice xmlns:v="urn:schemas-microsoft-com:vml" Requires="v">
-                <p:oleObj spid="_x0000_s1048" name="Equation" r:id="rId5" imgW="1828800" imgH="292100" progId="Equation.DSMT4">
+                <p:oleObj spid="_x0000_s1053" name="Equation" r:id="rId5" imgW="1828800" imgH="292100" progId="Equation.DSMT4">
                   <p:embed/>
                 </p:oleObj>
               </mc:Choice>
@@ -9213,7 +9504,7 @@
           <a:graphicData uri="http://schemas.openxmlformats.org/presentationml/2006/ole">
             <mc:AlternateContent xmlns:mc="http://schemas.openxmlformats.org/markup-compatibility/2006">
               <mc:Choice xmlns:v="urn:schemas-microsoft-com:vml" Requires="v">
-                <p:oleObj spid="_x0000_s1049" name="Equation" r:id="rId7" imgW="1828800" imgH="596900" progId="Equation.DSMT4">
+                <p:oleObj spid="_x0000_s1054" name="Equation" r:id="rId7" imgW="1828800" imgH="596900" progId="Equation.DSMT4">
                   <p:embed/>
                 </p:oleObj>
               </mc:Choice>
@@ -9572,13 +9863,13 @@
   <p:clrMapOvr>
     <a:masterClrMapping/>
   </p:clrMapOvr>
-  <mc:AlternateContent xmlns:mc="http://schemas.openxmlformats.org/markup-compatibility/2006">
-    <mc:Choice xmlns:p14="http://schemas.microsoft.com/office/powerpoint/2010/main" Requires="p14">
+  <mc:AlternateContent xmlns:mc="http://schemas.openxmlformats.org/markup-compatibility/2006" xmlns:p14="http://schemas.microsoft.com/office/powerpoint/2010/main">
+    <mc:Choice Requires="p14">
       <p:transition spd="slow" p14:dur="1200" advClick="0">
         <p:fade thruBlk="1"/>
       </p:transition>
     </mc:Choice>
-    <mc:Fallback>
+    <mc:Fallback xmlns="">
       <p:transition xmlns:p14="http://schemas.microsoft.com/office/powerpoint/2010/main" spd="slow" advClick="0">
         <p:fade thruBlk="1"/>
       </p:transition>
@@ -11573,7 +11864,7 @@
           <a:graphicData uri="http://schemas.openxmlformats.org/presentationml/2006/ole">
             <mc:AlternateContent xmlns:mc="http://schemas.openxmlformats.org/markup-compatibility/2006">
               <mc:Choice xmlns:v="urn:schemas-microsoft-com:vml" Requires="v">
-                <p:oleObj spid="_x0000_s426154" name="Equation" r:id="rId4" imgW="1866900" imgH="596900" progId="Equation.DSMT4">
+                <p:oleObj spid="_x0000_s426159" name="Equation" r:id="rId4" imgW="1866900" imgH="596900" progId="Equation.DSMT4">
                   <p:embed/>
                 </p:oleObj>
               </mc:Choice>
@@ -11672,7 +11963,7 @@
           <a:graphicData uri="http://schemas.openxmlformats.org/presentationml/2006/ole">
             <mc:AlternateContent xmlns:mc="http://schemas.openxmlformats.org/markup-compatibility/2006">
               <mc:Choice xmlns:v="urn:schemas-microsoft-com:vml" Requires="v">
-                <p:oleObj spid="_x0000_s426155" name="Equation" r:id="rId6" imgW="1866900" imgH="215900" progId="Equation.DSMT4">
+                <p:oleObj spid="_x0000_s426160" name="Equation" r:id="rId6" imgW="1866900" imgH="215900" progId="Equation.DSMT4">
                   <p:embed/>
                 </p:oleObj>
               </mc:Choice>
@@ -11891,7 +12182,7 @@
           <a:graphicData uri="http://schemas.openxmlformats.org/presentationml/2006/ole">
             <mc:AlternateContent xmlns:mc="http://schemas.openxmlformats.org/markup-compatibility/2006">
               <mc:Choice xmlns:v="urn:schemas-microsoft-com:vml" Requires="v">
-                <p:oleObj spid="_x0000_s494620" name="Equation" r:id="rId4" imgW="2057400" imgH="596900" progId="Equation.DSMT4">
+                <p:oleObj spid="_x0000_s494625" name="Equation" r:id="rId4" imgW="2057400" imgH="596900" progId="Equation.DSMT4">
                   <p:embed/>
                 </p:oleObj>
               </mc:Choice>
@@ -11991,7 +12282,7 @@
           <a:graphicData uri="http://schemas.openxmlformats.org/presentationml/2006/ole">
             <mc:AlternateContent xmlns:mc="http://schemas.openxmlformats.org/markup-compatibility/2006">
               <mc:Choice xmlns:v="urn:schemas-microsoft-com:vml" Requires="v">
-                <p:oleObj spid="_x0000_s494621" name="Equation" r:id="rId6" imgW="1866900" imgH="215900" progId="Equation.DSMT4">
+                <p:oleObj spid="_x0000_s494626" name="Equation" r:id="rId6" imgW="1866900" imgH="215900" progId="Equation.DSMT4">
                   <p:embed/>
                 </p:oleObj>
               </mc:Choice>

--- a/spring13/slides13/confidence.pptx
+++ b/spring13/slides13/confidence.pptx
@@ -4347,11 +4347,11 @@
   <p:clrMapOvr>
     <a:masterClrMapping/>
   </p:clrMapOvr>
-  <mc:AlternateContent xmlns:mc="http://schemas.openxmlformats.org/markup-compatibility/2006">
-    <mc:Choice xmlns:p14="http://schemas.microsoft.com/office/powerpoint/2010/main" Requires="p14">
+  <mc:AlternateContent xmlns:mc="http://schemas.openxmlformats.org/markup-compatibility/2006" xmlns:p14="http://schemas.microsoft.com/office/powerpoint/2010/main">
+    <mc:Choice Requires="p14">
       <p:transition spd="slow" p14:dur="2000" advClick="0"/>
     </mc:Choice>
-    <mc:Fallback>
+    <mc:Fallback xmlns="">
       <p:transition xmlns:p14="http://schemas.microsoft.com/office/powerpoint/2010/main" spd="slow" advClick="0"/>
     </mc:Fallback>
   </mc:AlternateContent>
@@ -4609,7 +4609,7 @@
           <a:graphicData uri="http://schemas.openxmlformats.org/presentationml/2006/ole">
             <mc:AlternateContent xmlns:mc="http://schemas.openxmlformats.org/markup-compatibility/2006">
               <mc:Choice xmlns:v="urn:schemas-microsoft-com:vml" Requires="v">
-                <p:oleObj spid="_x0000_s438480" name="Equation" r:id="rId4" imgW="889000" imgH="469900" progId="Equation.DSMT4">
+                <p:oleObj spid="_x0000_s438487" name="Equation" r:id="rId4" imgW="889000" imgH="469900" progId="Equation.DSMT4">
                   <p:embed/>
                 </p:oleObj>
               </mc:Choice>
@@ -4679,7 +4679,7 @@
           <a:graphicData uri="http://schemas.openxmlformats.org/presentationml/2006/ole">
             <mc:AlternateContent xmlns:mc="http://schemas.openxmlformats.org/markup-compatibility/2006">
               <mc:Choice xmlns:v="urn:schemas-microsoft-com:vml" Requires="v">
-                <p:oleObj spid="_x0000_s438481" name="Equation" r:id="rId6" imgW="1879600" imgH="215900" progId="Equation.DSMT4">
+                <p:oleObj spid="_x0000_s438488" name="Equation" r:id="rId6" imgW="1879600" imgH="215900" progId="Equation.DSMT4">
                   <p:embed/>
                 </p:oleObj>
               </mc:Choice>
@@ -4755,7 +4755,7 @@
           <a:graphicData uri="http://schemas.openxmlformats.org/presentationml/2006/ole">
             <mc:AlternateContent xmlns:mc="http://schemas.openxmlformats.org/markup-compatibility/2006">
               <mc:Choice xmlns:v="urn:schemas-microsoft-com:vml" Requires="v">
-                <p:oleObj spid="_x0000_s438482" name="Equation" r:id="rId8" imgW="2057400" imgH="596900" progId="Equation.DSMT4">
+                <p:oleObj spid="_x0000_s438489" name="Equation" r:id="rId8" imgW="2057400" imgH="596900" progId="Equation.DSMT4">
                   <p:embed/>
                 </p:oleObj>
               </mc:Choice>
@@ -5155,7 +5155,7 @@
           <a:graphicData uri="http://schemas.openxmlformats.org/presentationml/2006/ole">
             <mc:AlternateContent xmlns:mc="http://schemas.openxmlformats.org/markup-compatibility/2006">
               <mc:Choice xmlns:v="urn:schemas-microsoft-com:vml" Requires="v">
-                <p:oleObj spid="_x0000_s493678" name="Equation" r:id="rId4" imgW="1155700" imgH="596900" progId="Equation.DSMT4">
+                <p:oleObj spid="_x0000_s493685" name="Equation" r:id="rId4" imgW="1155700" imgH="596900" progId="Equation.DSMT4">
                   <p:embed/>
                 </p:oleObj>
               </mc:Choice>
@@ -5218,7 +5218,7 @@
           <a:graphicData uri="http://schemas.openxmlformats.org/presentationml/2006/ole">
             <mc:AlternateContent xmlns:mc="http://schemas.openxmlformats.org/markup-compatibility/2006">
               <mc:Choice xmlns:v="urn:schemas-microsoft-com:vml" Requires="v">
-                <p:oleObj spid="_x0000_s493679" name="Equation" r:id="rId6" imgW="1828800" imgH="292100" progId="Equation.DSMT4">
+                <p:oleObj spid="_x0000_s493686" name="Equation" r:id="rId6" imgW="1828800" imgH="292100" progId="Equation.DSMT4">
                   <p:embed/>
                 </p:oleObj>
               </mc:Choice>
@@ -5288,7 +5288,7 @@
           <a:graphicData uri="http://schemas.openxmlformats.org/presentationml/2006/ole">
             <mc:AlternateContent xmlns:mc="http://schemas.openxmlformats.org/markup-compatibility/2006">
               <mc:Choice xmlns:v="urn:schemas-microsoft-com:vml" Requires="v">
-                <p:oleObj spid="_x0000_s493680" name="Equation" r:id="rId8" imgW="1346200" imgH="292100" progId="Equation.DSMT4">
+                <p:oleObj spid="_x0000_s493687" name="Equation" r:id="rId8" imgW="1346200" imgH="292100" progId="Equation.DSMT4">
                   <p:embed/>
                 </p:oleObj>
               </mc:Choice>
@@ -8313,13 +8313,13 @@
   <p:clrMapOvr>
     <a:masterClrMapping/>
   </p:clrMapOvr>
-  <mc:AlternateContent xmlns:mc="http://schemas.openxmlformats.org/markup-compatibility/2006">
-    <mc:Choice xmlns:p14="http://schemas.microsoft.com/office/powerpoint/2010/main" Requires="p14">
+  <mc:AlternateContent xmlns:mc="http://schemas.openxmlformats.org/markup-compatibility/2006" xmlns:p14="http://schemas.microsoft.com/office/powerpoint/2010/main">
+    <mc:Choice Requires="p14">
       <p:transition spd="med" p14:dur="700" advClick="0">
         <p:fade/>
       </p:transition>
     </mc:Choice>
-    <mc:Fallback>
+    <mc:Fallback xmlns="">
       <p:transition xmlns:p14="http://schemas.microsoft.com/office/powerpoint/2010/main" spd="med" advClick="0">
         <p:fade/>
       </p:transition>
@@ -9089,7 +9089,91 @@
   <p:timing>
     <p:tnLst>
       <p:par>
-        <p:cTn xmlns:p14="http://schemas.microsoft.com/office/powerpoint/2010/main" id="1" dur="indefinite" restart="never" nodeType="tmRoot"/>
+        <p:cTn xmlns:p14="http://schemas.microsoft.com/office/powerpoint/2010/main" id="1" dur="indefinite" restart="never" nodeType="tmRoot">
+          <p:childTnLst>
+            <p:seq concurrent="1" nextAc="seek">
+              <p:cTn id="2" dur="indefinite" nodeType="mainSeq">
+                <p:childTnLst>
+                  <p:par>
+                    <p:cTn id="3" fill="hold">
+                      <p:stCondLst>
+                        <p:cond delay="indefinite"/>
+                      </p:stCondLst>
+                      <p:childTnLst>
+                        <p:par>
+                          <p:cTn id="4" fill="hold">
+                            <p:stCondLst>
+                              <p:cond delay="0"/>
+                            </p:stCondLst>
+                            <p:childTnLst>
+                              <p:par>
+                                <p:cTn id="5" presetID="10" presetClass="entr" presetSubtype="0" fill="hold" nodeType="clickEffect">
+                                  <p:stCondLst>
+                                    <p:cond delay="0"/>
+                                  </p:stCondLst>
+                                  <p:childTnLst>
+                                    <p:set>
+                                      <p:cBhvr>
+                                        <p:cTn id="6" dur="1" fill="hold">
+                                          <p:stCondLst>
+                                            <p:cond delay="0"/>
+                                          </p:stCondLst>
+                                        </p:cTn>
+                                        <p:tgtEl>
+                                          <p:spTgt spid="3">
+                                            <p:txEl>
+                                              <p:pRg st="5" end="5"/>
+                                            </p:txEl>
+                                          </p:spTgt>
+                                        </p:tgtEl>
+                                        <p:attrNameLst>
+                                          <p:attrName>style.visibility</p:attrName>
+                                        </p:attrNameLst>
+                                      </p:cBhvr>
+                                      <p:to>
+                                        <p:strVal val="visible"/>
+                                      </p:to>
+                                    </p:set>
+                                    <p:animEffect transition="in" filter="fade">
+                                      <p:cBhvr>
+                                        <p:cTn id="7" dur="500"/>
+                                        <p:tgtEl>
+                                          <p:spTgt spid="3">
+                                            <p:txEl>
+                                              <p:pRg st="5" end="5"/>
+                                            </p:txEl>
+                                          </p:spTgt>
+                                        </p:tgtEl>
+                                      </p:cBhvr>
+                                    </p:animEffect>
+                                  </p:childTnLst>
+                                </p:cTn>
+                              </p:par>
+                            </p:childTnLst>
+                          </p:cTn>
+                        </p:par>
+                      </p:childTnLst>
+                    </p:cTn>
+                  </p:par>
+                </p:childTnLst>
+              </p:cTn>
+              <p:prevCondLst>
+                <p:cond evt="onPrev" delay="0">
+                  <p:tgtEl>
+                    <p:sldTgt/>
+                  </p:tgtEl>
+                </p:cond>
+              </p:prevCondLst>
+              <p:nextCondLst>
+                <p:cond evt="onNext" delay="0">
+                  <p:tgtEl>
+                    <p:sldTgt/>
+                  </p:tgtEl>
+                </p:cond>
+              </p:nextCondLst>
+            </p:seq>
+          </p:childTnLst>
+        </p:cTn>
       </p:par>
     </p:tnLst>
   </p:timing>
@@ -9434,7 +9518,7 @@
           <a:graphicData uri="http://schemas.openxmlformats.org/presentationml/2006/ole">
             <mc:AlternateContent xmlns:mc="http://schemas.openxmlformats.org/markup-compatibility/2006">
               <mc:Choice xmlns:v="urn:schemas-microsoft-com:vml" Requires="v">
-                <p:oleObj spid="_x0000_s1053" name="Equation" r:id="rId5" imgW="1828800" imgH="292100" progId="Equation.DSMT4">
+                <p:oleObj spid="_x0000_s1058" name="Equation" r:id="rId5" imgW="1828800" imgH="292100" progId="Equation.DSMT4">
                   <p:embed/>
                 </p:oleObj>
               </mc:Choice>
@@ -9504,7 +9588,7 @@
           <a:graphicData uri="http://schemas.openxmlformats.org/presentationml/2006/ole">
             <mc:AlternateContent xmlns:mc="http://schemas.openxmlformats.org/markup-compatibility/2006">
               <mc:Choice xmlns:v="urn:schemas-microsoft-com:vml" Requires="v">
-                <p:oleObj spid="_x0000_s1054" name="Equation" r:id="rId7" imgW="1828800" imgH="596900" progId="Equation.DSMT4">
+                <p:oleObj spid="_x0000_s1059" name="Equation" r:id="rId7" imgW="1828800" imgH="596900" progId="Equation.DSMT4">
                   <p:embed/>
                 </p:oleObj>
               </mc:Choice>
@@ -11864,7 +11948,7 @@
           <a:graphicData uri="http://schemas.openxmlformats.org/presentationml/2006/ole">
             <mc:AlternateContent xmlns:mc="http://schemas.openxmlformats.org/markup-compatibility/2006">
               <mc:Choice xmlns:v="urn:schemas-microsoft-com:vml" Requires="v">
-                <p:oleObj spid="_x0000_s426159" name="Equation" r:id="rId4" imgW="1866900" imgH="596900" progId="Equation.DSMT4">
+                <p:oleObj spid="_x0000_s426164" name="Equation" r:id="rId4" imgW="1866900" imgH="596900" progId="Equation.DSMT4">
                   <p:embed/>
                 </p:oleObj>
               </mc:Choice>
@@ -11963,7 +12047,7 @@
           <a:graphicData uri="http://schemas.openxmlformats.org/presentationml/2006/ole">
             <mc:AlternateContent xmlns:mc="http://schemas.openxmlformats.org/markup-compatibility/2006">
               <mc:Choice xmlns:v="urn:schemas-microsoft-com:vml" Requires="v">
-                <p:oleObj spid="_x0000_s426160" name="Equation" r:id="rId6" imgW="1866900" imgH="215900" progId="Equation.DSMT4">
+                <p:oleObj spid="_x0000_s426165" name="Equation" r:id="rId6" imgW="1866900" imgH="215900" progId="Equation.DSMT4">
                   <p:embed/>
                 </p:oleObj>
               </mc:Choice>
@@ -12182,7 +12266,7 @@
           <a:graphicData uri="http://schemas.openxmlformats.org/presentationml/2006/ole">
             <mc:AlternateContent xmlns:mc="http://schemas.openxmlformats.org/markup-compatibility/2006">
               <mc:Choice xmlns:v="urn:schemas-microsoft-com:vml" Requires="v">
-                <p:oleObj spid="_x0000_s494625" name="Equation" r:id="rId4" imgW="2057400" imgH="596900" progId="Equation.DSMT4">
+                <p:oleObj spid="_x0000_s494630" name="Equation" r:id="rId4" imgW="2057400" imgH="596900" progId="Equation.DSMT4">
                   <p:embed/>
                 </p:oleObj>
               </mc:Choice>
@@ -12282,7 +12366,7 @@
           <a:graphicData uri="http://schemas.openxmlformats.org/presentationml/2006/ole">
             <mc:AlternateContent xmlns:mc="http://schemas.openxmlformats.org/markup-compatibility/2006">
               <mc:Choice xmlns:v="urn:schemas-microsoft-com:vml" Requires="v">
-                <p:oleObj spid="_x0000_s494626" name="Equation" r:id="rId6" imgW="1866900" imgH="215900" progId="Equation.DSMT4">
+                <p:oleObj spid="_x0000_s494631" name="Equation" r:id="rId6" imgW="1866900" imgH="215900" progId="Equation.DSMT4">
                   <p:embed/>
                 </p:oleObj>
               </mc:Choice>
